--- a/Figures/fig.pptx
+++ b/Figures/fig.pptx
@@ -6,13 +6,17 @@
   </p:sldMasterIdLst>
   <p:sldIdLst>
     <p:sldId id="256" r:id="rId2"/>
-    <p:sldId id="257" r:id="rId3"/>
-    <p:sldId id="258" r:id="rId4"/>
-    <p:sldId id="259" r:id="rId5"/>
-    <p:sldId id="260" r:id="rId6"/>
-    <p:sldId id="261" r:id="rId7"/>
-    <p:sldId id="262" r:id="rId8"/>
-    <p:sldId id="263" r:id="rId9"/>
+    <p:sldId id="266" r:id="rId3"/>
+    <p:sldId id="257" r:id="rId4"/>
+    <p:sldId id="258" r:id="rId5"/>
+    <p:sldId id="259" r:id="rId6"/>
+    <p:sldId id="265" r:id="rId7"/>
+    <p:sldId id="260" r:id="rId8"/>
+    <p:sldId id="261" r:id="rId9"/>
+    <p:sldId id="262" r:id="rId10"/>
+    <p:sldId id="263" r:id="rId11"/>
+    <p:sldId id="264" r:id="rId12"/>
+    <p:sldId id="267" r:id="rId13"/>
   </p:sldIdLst>
   <p:sldSz cx="12192000" cy="6858000"/>
   <p:notesSz cx="6858000" cy="9144000"/>
@@ -111,6 +115,11 @@
       </a:defRPr>
     </a:lvl9pPr>
   </p:defaultTextStyle>
+  <p:extLst>
+    <p:ext uri="{EFAFB233-063F-42B5-8137-9DF3F51BA10A}">
+      <p15:sldGuideLst xmlns:p15="http://schemas.microsoft.com/office/powerpoint/2012/main"/>
+    </p:ext>
+  </p:extLst>
 </p:presentation>
 </file>
 
@@ -245,7 +254,7 @@
           <a:p>
             <a:fld id="{F1D0647C-2153-44FD-848F-A4005B24B117}" type="datetimeFigureOut">
               <a:rPr lang="zh-CN" altLang="en-US" smtClean="0"/>
-              <a:t>2018/10/14</a:t>
+              <a:t>2018/10/25</a:t>
             </a:fld>
             <a:endParaRPr lang="zh-CN" altLang="en-US"/>
           </a:p>
@@ -415,7 +424,7 @@
           <a:p>
             <a:fld id="{F1D0647C-2153-44FD-848F-A4005B24B117}" type="datetimeFigureOut">
               <a:rPr lang="zh-CN" altLang="en-US" smtClean="0"/>
-              <a:t>2018/10/14</a:t>
+              <a:t>2018/10/25</a:t>
             </a:fld>
             <a:endParaRPr lang="zh-CN" altLang="en-US"/>
           </a:p>
@@ -595,7 +604,7 @@
           <a:p>
             <a:fld id="{F1D0647C-2153-44FD-848F-A4005B24B117}" type="datetimeFigureOut">
               <a:rPr lang="zh-CN" altLang="en-US" smtClean="0"/>
-              <a:t>2018/10/14</a:t>
+              <a:t>2018/10/25</a:t>
             </a:fld>
             <a:endParaRPr lang="zh-CN" altLang="en-US"/>
           </a:p>
@@ -765,7 +774,7 @@
           <a:p>
             <a:fld id="{F1D0647C-2153-44FD-848F-A4005B24B117}" type="datetimeFigureOut">
               <a:rPr lang="zh-CN" altLang="en-US" smtClean="0"/>
-              <a:t>2018/10/14</a:t>
+              <a:t>2018/10/25</a:t>
             </a:fld>
             <a:endParaRPr lang="zh-CN" altLang="en-US"/>
           </a:p>
@@ -1011,7 +1020,7 @@
           <a:p>
             <a:fld id="{F1D0647C-2153-44FD-848F-A4005B24B117}" type="datetimeFigureOut">
               <a:rPr lang="zh-CN" altLang="en-US" smtClean="0"/>
-              <a:t>2018/10/14</a:t>
+              <a:t>2018/10/25</a:t>
             </a:fld>
             <a:endParaRPr lang="zh-CN" altLang="en-US"/>
           </a:p>
@@ -1243,7 +1252,7 @@
           <a:p>
             <a:fld id="{F1D0647C-2153-44FD-848F-A4005B24B117}" type="datetimeFigureOut">
               <a:rPr lang="zh-CN" altLang="en-US" smtClean="0"/>
-              <a:t>2018/10/14</a:t>
+              <a:t>2018/10/25</a:t>
             </a:fld>
             <a:endParaRPr lang="zh-CN" altLang="en-US"/>
           </a:p>
@@ -1610,7 +1619,7 @@
           <a:p>
             <a:fld id="{F1D0647C-2153-44FD-848F-A4005B24B117}" type="datetimeFigureOut">
               <a:rPr lang="zh-CN" altLang="en-US" smtClean="0"/>
-              <a:t>2018/10/14</a:t>
+              <a:t>2018/10/25</a:t>
             </a:fld>
             <a:endParaRPr lang="zh-CN" altLang="en-US"/>
           </a:p>
@@ -1728,7 +1737,7 @@
           <a:p>
             <a:fld id="{F1D0647C-2153-44FD-848F-A4005B24B117}" type="datetimeFigureOut">
               <a:rPr lang="zh-CN" altLang="en-US" smtClean="0"/>
-              <a:t>2018/10/14</a:t>
+              <a:t>2018/10/25</a:t>
             </a:fld>
             <a:endParaRPr lang="zh-CN" altLang="en-US"/>
           </a:p>
@@ -1823,7 +1832,7 @@
           <a:p>
             <a:fld id="{F1D0647C-2153-44FD-848F-A4005B24B117}" type="datetimeFigureOut">
               <a:rPr lang="zh-CN" altLang="en-US" smtClean="0"/>
-              <a:t>2018/10/14</a:t>
+              <a:t>2018/10/25</a:t>
             </a:fld>
             <a:endParaRPr lang="zh-CN" altLang="en-US"/>
           </a:p>
@@ -2100,7 +2109,7 @@
           <a:p>
             <a:fld id="{F1D0647C-2153-44FD-848F-A4005B24B117}" type="datetimeFigureOut">
               <a:rPr lang="zh-CN" altLang="en-US" smtClean="0"/>
-              <a:t>2018/10/14</a:t>
+              <a:t>2018/10/25</a:t>
             </a:fld>
             <a:endParaRPr lang="zh-CN" altLang="en-US"/>
           </a:p>
@@ -2353,7 +2362,7 @@
           <a:p>
             <a:fld id="{F1D0647C-2153-44FD-848F-A4005B24B117}" type="datetimeFigureOut">
               <a:rPr lang="zh-CN" altLang="en-US" smtClean="0"/>
-              <a:t>2018/10/14</a:t>
+              <a:t>2018/10/25</a:t>
             </a:fld>
             <a:endParaRPr lang="zh-CN" altLang="en-US"/>
           </a:p>
@@ -2566,7 +2575,7 @@
           <a:p>
             <a:fld id="{F1D0647C-2153-44FD-848F-A4005B24B117}" type="datetimeFigureOut">
               <a:rPr lang="zh-CN" altLang="en-US" smtClean="0"/>
-              <a:t>2018/10/14</a:t>
+              <a:t>2018/10/25</a:t>
             </a:fld>
             <a:endParaRPr lang="zh-CN" altLang="en-US"/>
           </a:p>
@@ -4254,7 +4263,1772 @@
 </p:sld>
 </file>
 
+<file path=ppt/slides/slide10.xml><?xml version="1.0" encoding="utf-8"?>
+<p:sld xmlns:a="http://schemas.openxmlformats.org/drawingml/2006/main" xmlns:r="http://schemas.openxmlformats.org/officeDocument/2006/relationships" xmlns:p="http://schemas.openxmlformats.org/presentationml/2006/main">
+  <p:cSld>
+    <p:spTree>
+      <p:nvGrpSpPr>
+        <p:cNvPr id="1" name=""/>
+        <p:cNvGrpSpPr/>
+        <p:nvPr/>
+      </p:nvGrpSpPr>
+      <p:grpSpPr>
+        <a:xfrm>
+          <a:off x="0" y="0"/>
+          <a:ext cx="0" cy="0"/>
+          <a:chOff x="0" y="0"/>
+          <a:chExt cx="0" cy="0"/>
+        </a:xfrm>
+      </p:grpSpPr>
+      <p:pic>
+        <p:nvPicPr>
+          <p:cNvPr id="4" name="图片 3"/>
+          <p:cNvPicPr>
+            <a:picLocks noChangeAspect="1"/>
+          </p:cNvPicPr>
+          <p:nvPr/>
+        </p:nvPicPr>
+        <p:blipFill>
+          <a:blip r:embed="rId2"/>
+          <a:stretch>
+            <a:fillRect/>
+          </a:stretch>
+        </p:blipFill>
+        <p:spPr>
+          <a:xfrm>
+            <a:off x="257955" y="998909"/>
+            <a:ext cx="3496455" cy="4792291"/>
+          </a:xfrm>
+          <a:prstGeom prst="rect">
+            <a:avLst/>
+          </a:prstGeom>
+        </p:spPr>
+      </p:pic>
+      <p:pic>
+        <p:nvPicPr>
+          <p:cNvPr id="5" name="图片 4"/>
+          <p:cNvPicPr>
+            <a:picLocks noChangeAspect="1"/>
+          </p:cNvPicPr>
+          <p:nvPr/>
+        </p:nvPicPr>
+        <p:blipFill>
+          <a:blip r:embed="rId3"/>
+          <a:stretch>
+            <a:fillRect/>
+          </a:stretch>
+        </p:blipFill>
+        <p:spPr>
+          <a:xfrm>
+            <a:off x="3754410" y="998908"/>
+            <a:ext cx="3496455" cy="4792291"/>
+          </a:xfrm>
+          <a:prstGeom prst="rect">
+            <a:avLst/>
+          </a:prstGeom>
+        </p:spPr>
+      </p:pic>
+      <p:pic>
+        <p:nvPicPr>
+          <p:cNvPr id="6" name="图片 5"/>
+          <p:cNvPicPr>
+            <a:picLocks noChangeAspect="1"/>
+          </p:cNvPicPr>
+          <p:nvPr/>
+        </p:nvPicPr>
+        <p:blipFill>
+          <a:blip r:embed="rId4"/>
+          <a:stretch>
+            <a:fillRect/>
+          </a:stretch>
+        </p:blipFill>
+        <p:spPr>
+          <a:xfrm>
+            <a:off x="7250865" y="998909"/>
+            <a:ext cx="3125035" cy="2379292"/>
+          </a:xfrm>
+          <a:prstGeom prst="rect">
+            <a:avLst/>
+          </a:prstGeom>
+        </p:spPr>
+      </p:pic>
+      <p:pic>
+        <p:nvPicPr>
+          <p:cNvPr id="7" name="图片 6"/>
+          <p:cNvPicPr>
+            <a:picLocks noChangeAspect="1"/>
+          </p:cNvPicPr>
+          <p:nvPr/>
+        </p:nvPicPr>
+        <p:blipFill>
+          <a:blip r:embed="rId5"/>
+          <a:stretch>
+            <a:fillRect/>
+          </a:stretch>
+        </p:blipFill>
+        <p:spPr>
+          <a:xfrm>
+            <a:off x="7250865" y="3378202"/>
+            <a:ext cx="3125035" cy="2412998"/>
+          </a:xfrm>
+          <a:prstGeom prst="rect">
+            <a:avLst/>
+          </a:prstGeom>
+        </p:spPr>
+      </p:pic>
+      <p:sp>
+        <p:nvSpPr>
+          <p:cNvPr id="8" name="文本框 7"/>
+          <p:cNvSpPr txBox="1"/>
+          <p:nvPr/>
+        </p:nvSpPr>
+        <p:spPr>
+          <a:xfrm>
+            <a:off x="7432466" y="5329534"/>
+            <a:ext cx="2943434" cy="461665"/>
+          </a:xfrm>
+          <a:prstGeom prst="rect">
+            <a:avLst/>
+          </a:prstGeom>
+          <a:noFill/>
+        </p:spPr>
+        <p:txBody>
+          <a:bodyPr wrap="none" rtlCol="0">
+            <a:spAutoFit/>
+          </a:bodyPr>
+          <a:lstStyle/>
+          <a:p>
+            <a:r>
+              <a:rPr lang="en-US" altLang="zh-CN" sz="2400" dirty="0" smtClean="0">
+                <a:solidFill>
+                  <a:schemeClr val="bg1"/>
+                </a:solidFill>
+                <a:latin typeface="Times New Roman" panose="02020603050405020304" pitchFamily="18" charset="0"/>
+                <a:cs typeface="Times New Roman" panose="02020603050405020304" pitchFamily="18" charset="0"/>
+              </a:rPr>
+              <a:t>Features used in paper</a:t>
+            </a:r>
+            <a:endParaRPr lang="zh-CN" altLang="en-US" sz="2400" dirty="0">
+              <a:solidFill>
+                <a:schemeClr val="bg1"/>
+              </a:solidFill>
+              <a:latin typeface="Times New Roman" panose="02020603050405020304" pitchFamily="18" charset="0"/>
+              <a:cs typeface="Times New Roman" panose="02020603050405020304" pitchFamily="18" charset="0"/>
+            </a:endParaRPr>
+          </a:p>
+        </p:txBody>
+      </p:sp>
+    </p:spTree>
+    <p:extLst>
+      <p:ext uri="{BB962C8B-B14F-4D97-AF65-F5344CB8AC3E}">
+        <p14:creationId xmlns:p14="http://schemas.microsoft.com/office/powerpoint/2010/main" val="3101362485"/>
+      </p:ext>
+    </p:extLst>
+  </p:cSld>
+  <p:clrMapOvr>
+    <a:masterClrMapping/>
+  </p:clrMapOvr>
+</p:sld>
+</file>
+
+<file path=ppt/slides/slide11.xml><?xml version="1.0" encoding="utf-8"?>
+<p:sld xmlns:a="http://schemas.openxmlformats.org/drawingml/2006/main" xmlns:r="http://schemas.openxmlformats.org/officeDocument/2006/relationships" xmlns:p="http://schemas.openxmlformats.org/presentationml/2006/main">
+  <p:cSld>
+    <p:spTree>
+      <p:nvGrpSpPr>
+        <p:cNvPr id="1" name=""/>
+        <p:cNvGrpSpPr/>
+        <p:nvPr/>
+      </p:nvGrpSpPr>
+      <p:grpSpPr>
+        <a:xfrm>
+          <a:off x="0" y="0"/>
+          <a:ext cx="0" cy="0"/>
+          <a:chOff x="0" y="0"/>
+          <a:chExt cx="0" cy="0"/>
+        </a:xfrm>
+      </p:grpSpPr>
+      <p:pic>
+        <p:nvPicPr>
+          <p:cNvPr id="8" name="图片 7"/>
+          <p:cNvPicPr>
+            <a:picLocks noChangeAspect="1"/>
+          </p:cNvPicPr>
+          <p:nvPr/>
+        </p:nvPicPr>
+        <p:blipFill>
+          <a:blip r:embed="rId2"/>
+          <a:stretch>
+            <a:fillRect/>
+          </a:stretch>
+        </p:blipFill>
+        <p:spPr>
+          <a:xfrm>
+            <a:off x="6992909" y="0"/>
+            <a:ext cx="3125035" cy="2379292"/>
+          </a:xfrm>
+          <a:prstGeom prst="rect">
+            <a:avLst/>
+          </a:prstGeom>
+        </p:spPr>
+      </p:pic>
+      <p:pic>
+        <p:nvPicPr>
+          <p:cNvPr id="9" name="图片 8"/>
+          <p:cNvPicPr>
+            <a:picLocks noChangeAspect="1"/>
+          </p:cNvPicPr>
+          <p:nvPr/>
+        </p:nvPicPr>
+        <p:blipFill>
+          <a:blip r:embed="rId3"/>
+          <a:stretch>
+            <a:fillRect/>
+          </a:stretch>
+        </p:blipFill>
+        <p:spPr>
+          <a:xfrm>
+            <a:off x="6992909" y="2355223"/>
+            <a:ext cx="3125035" cy="2437067"/>
+          </a:xfrm>
+          <a:prstGeom prst="rect">
+            <a:avLst/>
+          </a:prstGeom>
+        </p:spPr>
+      </p:pic>
+      <p:sp>
+        <p:nvSpPr>
+          <p:cNvPr id="12" name="文本框 11"/>
+          <p:cNvSpPr txBox="1"/>
+          <p:nvPr/>
+        </p:nvSpPr>
+        <p:spPr>
+          <a:xfrm>
+            <a:off x="7807055" y="4272850"/>
+            <a:ext cx="2310889" cy="461665"/>
+          </a:xfrm>
+          <a:prstGeom prst="rect">
+            <a:avLst/>
+          </a:prstGeom>
+          <a:noFill/>
+        </p:spPr>
+        <p:txBody>
+          <a:bodyPr wrap="none" rtlCol="0">
+            <a:spAutoFit/>
+          </a:bodyPr>
+          <a:lstStyle/>
+          <a:p>
+            <a:r>
+              <a:rPr lang="en-US" altLang="zh-CN" sz="2400" dirty="0" smtClean="0">
+                <a:solidFill>
+                  <a:schemeClr val="bg1"/>
+                </a:solidFill>
+                <a:latin typeface="Times New Roman" panose="02020603050405020304" pitchFamily="18" charset="0"/>
+                <a:cs typeface="Times New Roman" panose="02020603050405020304" pitchFamily="18" charset="0"/>
+              </a:rPr>
+              <a:t>Significant Areas</a:t>
+            </a:r>
+          </a:p>
+        </p:txBody>
+      </p:sp>
+      <p:pic>
+        <p:nvPicPr>
+          <p:cNvPr id="13" name="图片 12"/>
+          <p:cNvPicPr>
+            <a:picLocks noChangeAspect="1"/>
+          </p:cNvPicPr>
+          <p:nvPr/>
+        </p:nvPicPr>
+        <p:blipFill>
+          <a:blip r:embed="rId4"/>
+          <a:stretch>
+            <a:fillRect/>
+          </a:stretch>
+        </p:blipFill>
+        <p:spPr>
+          <a:xfrm>
+            <a:off x="0" y="1"/>
+            <a:ext cx="3496454" cy="4792290"/>
+          </a:xfrm>
+          <a:prstGeom prst="rect">
+            <a:avLst/>
+          </a:prstGeom>
+        </p:spPr>
+      </p:pic>
+      <p:pic>
+        <p:nvPicPr>
+          <p:cNvPr id="14" name="图片 13"/>
+          <p:cNvPicPr>
+            <a:picLocks noChangeAspect="1"/>
+          </p:cNvPicPr>
+          <p:nvPr/>
+        </p:nvPicPr>
+        <p:blipFill>
+          <a:blip r:embed="rId5"/>
+          <a:stretch>
+            <a:fillRect/>
+          </a:stretch>
+        </p:blipFill>
+        <p:spPr>
+          <a:xfrm>
+            <a:off x="3496454" y="0"/>
+            <a:ext cx="3496455" cy="4792290"/>
+          </a:xfrm>
+          <a:prstGeom prst="rect">
+            <a:avLst/>
+          </a:prstGeom>
+        </p:spPr>
+      </p:pic>
+    </p:spTree>
+    <p:extLst>
+      <p:ext uri="{BB962C8B-B14F-4D97-AF65-F5344CB8AC3E}">
+        <p14:creationId xmlns:p14="http://schemas.microsoft.com/office/powerpoint/2010/main" val="1156426150"/>
+      </p:ext>
+    </p:extLst>
+  </p:cSld>
+  <p:clrMapOvr>
+    <a:masterClrMapping/>
+  </p:clrMapOvr>
+</p:sld>
+</file>
+
+<file path=ppt/slides/slide12.xml><?xml version="1.0" encoding="utf-8"?>
+<p:sld xmlns:a="http://schemas.openxmlformats.org/drawingml/2006/main" xmlns:r="http://schemas.openxmlformats.org/officeDocument/2006/relationships" xmlns:p="http://schemas.openxmlformats.org/presentationml/2006/main">
+  <p:cSld>
+    <p:spTree>
+      <p:nvGrpSpPr>
+        <p:cNvPr id="1" name=""/>
+        <p:cNvGrpSpPr/>
+        <p:nvPr/>
+      </p:nvGrpSpPr>
+      <p:grpSpPr>
+        <a:xfrm>
+          <a:off x="0" y="0"/>
+          <a:ext cx="0" cy="0"/>
+          <a:chOff x="0" y="0"/>
+          <a:chExt cx="0" cy="0"/>
+        </a:xfrm>
+      </p:grpSpPr>
+      <p:pic>
+        <p:nvPicPr>
+          <p:cNvPr id="5" name="图片 4"/>
+          <p:cNvPicPr>
+            <a:picLocks noChangeAspect="1"/>
+          </p:cNvPicPr>
+          <p:nvPr/>
+        </p:nvPicPr>
+        <p:blipFill>
+          <a:blip r:embed="rId2"/>
+          <a:stretch>
+            <a:fillRect/>
+          </a:stretch>
+        </p:blipFill>
+        <p:spPr>
+          <a:xfrm>
+            <a:off x="0" y="388155"/>
+            <a:ext cx="4380952" cy="5952381"/>
+          </a:xfrm>
+          <a:prstGeom prst="rect">
+            <a:avLst/>
+          </a:prstGeom>
+        </p:spPr>
+      </p:pic>
+      <p:pic>
+        <p:nvPicPr>
+          <p:cNvPr id="6" name="图片 5"/>
+          <p:cNvPicPr>
+            <a:picLocks noChangeAspect="1"/>
+          </p:cNvPicPr>
+          <p:nvPr/>
+        </p:nvPicPr>
+        <p:blipFill>
+          <a:blip r:embed="rId3"/>
+          <a:stretch>
+            <a:fillRect/>
+          </a:stretch>
+        </p:blipFill>
+        <p:spPr>
+          <a:xfrm>
+            <a:off x="4380952" y="388154"/>
+            <a:ext cx="4276190" cy="5952381"/>
+          </a:xfrm>
+          <a:prstGeom prst="rect">
+            <a:avLst/>
+          </a:prstGeom>
+        </p:spPr>
+      </p:pic>
+      <p:pic>
+        <p:nvPicPr>
+          <p:cNvPr id="7" name="图片 6"/>
+          <p:cNvPicPr>
+            <a:picLocks noChangeAspect="1"/>
+          </p:cNvPicPr>
+          <p:nvPr/>
+        </p:nvPicPr>
+        <p:blipFill>
+          <a:blip r:embed="rId4"/>
+          <a:stretch>
+            <a:fillRect/>
+          </a:stretch>
+        </p:blipFill>
+        <p:spPr>
+          <a:xfrm>
+            <a:off x="8657143" y="388153"/>
+            <a:ext cx="4135962" cy="2950133"/>
+          </a:xfrm>
+          <a:prstGeom prst="rect">
+            <a:avLst/>
+          </a:prstGeom>
+        </p:spPr>
+      </p:pic>
+      <p:pic>
+        <p:nvPicPr>
+          <p:cNvPr id="8" name="图片 7"/>
+          <p:cNvPicPr>
+            <a:picLocks noChangeAspect="1"/>
+          </p:cNvPicPr>
+          <p:nvPr/>
+        </p:nvPicPr>
+        <p:blipFill>
+          <a:blip r:embed="rId5"/>
+          <a:stretch>
+            <a:fillRect/>
+          </a:stretch>
+        </p:blipFill>
+        <p:spPr>
+          <a:xfrm>
+            <a:off x="8657142" y="3338286"/>
+            <a:ext cx="4135963" cy="3002250"/>
+          </a:xfrm>
+          <a:prstGeom prst="rect">
+            <a:avLst/>
+          </a:prstGeom>
+        </p:spPr>
+      </p:pic>
+    </p:spTree>
+    <p:extLst>
+      <p:ext uri="{BB962C8B-B14F-4D97-AF65-F5344CB8AC3E}">
+        <p14:creationId xmlns:p14="http://schemas.microsoft.com/office/powerpoint/2010/main" val="3475643664"/>
+      </p:ext>
+    </p:extLst>
+  </p:cSld>
+  <p:clrMapOvr>
+    <a:masterClrMapping/>
+  </p:clrMapOvr>
+</p:sld>
+</file>
+
 <file path=ppt/slides/slide2.xml><?xml version="1.0" encoding="utf-8"?>
+<p:sld xmlns:a="http://schemas.openxmlformats.org/drawingml/2006/main" xmlns:r="http://schemas.openxmlformats.org/officeDocument/2006/relationships" xmlns:p="http://schemas.openxmlformats.org/presentationml/2006/main">
+  <p:cSld>
+    <p:spTree>
+      <p:nvGrpSpPr>
+        <p:cNvPr id="1" name=""/>
+        <p:cNvGrpSpPr/>
+        <p:nvPr/>
+      </p:nvGrpSpPr>
+      <p:grpSpPr>
+        <a:xfrm>
+          <a:off x="0" y="0"/>
+          <a:ext cx="0" cy="0"/>
+          <a:chOff x="0" y="0"/>
+          <a:chExt cx="0" cy="0"/>
+        </a:xfrm>
+      </p:grpSpPr>
+      <p:sp>
+        <p:nvSpPr>
+          <p:cNvPr id="24" name="矩形 23"/>
+          <p:cNvSpPr/>
+          <p:nvPr/>
+        </p:nvSpPr>
+        <p:spPr>
+          <a:xfrm>
+            <a:off x="8327021" y="0"/>
+            <a:ext cx="2392087" cy="3734932"/>
+          </a:xfrm>
+          <a:prstGeom prst="rect">
+            <a:avLst/>
+          </a:prstGeom>
+          <a:solidFill>
+            <a:srgbClr val="000000"/>
+          </a:solidFill>
+          <a:ln>
+            <a:noFill/>
+          </a:ln>
+        </p:spPr>
+        <p:style>
+          <a:lnRef idx="2">
+            <a:schemeClr val="accent1">
+              <a:shade val="50000"/>
+            </a:schemeClr>
+          </a:lnRef>
+          <a:fillRef idx="1">
+            <a:schemeClr val="accent1"/>
+          </a:fillRef>
+          <a:effectRef idx="0">
+            <a:schemeClr val="accent1"/>
+          </a:effectRef>
+          <a:fontRef idx="minor">
+            <a:schemeClr val="lt1"/>
+          </a:fontRef>
+        </p:style>
+        <p:txBody>
+          <a:bodyPr rtlCol="0" anchor="ctr"/>
+          <a:lstStyle/>
+          <a:p>
+            <a:pPr algn="ctr"/>
+            <a:endParaRPr lang="zh-CN" altLang="en-US"/>
+          </a:p>
+        </p:txBody>
+      </p:sp>
+      <p:grpSp>
+        <p:nvGrpSpPr>
+          <p:cNvPr id="23" name="组合 22"/>
+          <p:cNvGrpSpPr/>
+          <p:nvPr/>
+        </p:nvGrpSpPr>
+        <p:grpSpPr>
+          <a:xfrm>
+            <a:off x="8485163" y="523016"/>
+            <a:ext cx="2243470" cy="2283161"/>
+            <a:chOff x="7439303" y="1206723"/>
+            <a:chExt cx="2243470" cy="2283161"/>
+          </a:xfrm>
+        </p:grpSpPr>
+        <p:sp>
+          <p:nvSpPr>
+            <p:cNvPr id="4" name="矩形 3"/>
+            <p:cNvSpPr/>
+            <p:nvPr/>
+          </p:nvSpPr>
+          <p:spPr>
+            <a:xfrm>
+              <a:off x="7439303" y="1265426"/>
+              <a:ext cx="369277" cy="158262"/>
+            </a:xfrm>
+            <a:prstGeom prst="rect">
+              <a:avLst/>
+            </a:prstGeom>
+            <a:solidFill>
+              <a:srgbClr val="FF0000"/>
+            </a:solidFill>
+          </p:spPr>
+          <p:style>
+            <a:lnRef idx="2">
+              <a:schemeClr val="accent1">
+                <a:shade val="50000"/>
+              </a:schemeClr>
+            </a:lnRef>
+            <a:fillRef idx="1">
+              <a:schemeClr val="accent1"/>
+            </a:fillRef>
+            <a:effectRef idx="0">
+              <a:schemeClr val="accent1"/>
+            </a:effectRef>
+            <a:fontRef idx="minor">
+              <a:schemeClr val="lt1"/>
+            </a:fontRef>
+          </p:style>
+          <p:txBody>
+            <a:bodyPr rtlCol="0" anchor="ctr"/>
+            <a:lstStyle/>
+            <a:p>
+              <a:pPr algn="ctr"/>
+              <a:endParaRPr lang="zh-CN" altLang="en-US">
+                <a:solidFill>
+                  <a:schemeClr val="bg1"/>
+                </a:solidFill>
+                <a:latin typeface="Times New Roman" panose="02020603050405020304" pitchFamily="18" charset="0"/>
+                <a:cs typeface="Times New Roman" panose="02020603050405020304" pitchFamily="18" charset="0"/>
+              </a:endParaRPr>
+            </a:p>
+          </p:txBody>
+        </p:sp>
+        <p:sp>
+          <p:nvSpPr>
+            <p:cNvPr id="5" name="矩形 4"/>
+            <p:cNvSpPr/>
+            <p:nvPr/>
+          </p:nvSpPr>
+          <p:spPr>
+            <a:xfrm>
+              <a:off x="7443416" y="1516008"/>
+              <a:ext cx="369277" cy="158262"/>
+            </a:xfrm>
+            <a:prstGeom prst="rect">
+              <a:avLst/>
+            </a:prstGeom>
+            <a:solidFill>
+              <a:srgbClr val="F13FD8"/>
+            </a:solidFill>
+          </p:spPr>
+          <p:style>
+            <a:lnRef idx="2">
+              <a:schemeClr val="accent1">
+                <a:shade val="50000"/>
+              </a:schemeClr>
+            </a:lnRef>
+            <a:fillRef idx="1">
+              <a:schemeClr val="accent1"/>
+            </a:fillRef>
+            <a:effectRef idx="0">
+              <a:schemeClr val="accent1"/>
+            </a:effectRef>
+            <a:fontRef idx="minor">
+              <a:schemeClr val="lt1"/>
+            </a:fontRef>
+          </p:style>
+          <p:txBody>
+            <a:bodyPr rtlCol="0" anchor="ctr"/>
+            <a:lstStyle/>
+            <a:p>
+              <a:pPr algn="ctr"/>
+              <a:endParaRPr lang="zh-CN" altLang="en-US">
+                <a:solidFill>
+                  <a:schemeClr val="bg1"/>
+                </a:solidFill>
+                <a:latin typeface="Times New Roman" panose="02020603050405020304" pitchFamily="18" charset="0"/>
+                <a:cs typeface="Times New Roman" panose="02020603050405020304" pitchFamily="18" charset="0"/>
+              </a:endParaRPr>
+            </a:p>
+          </p:txBody>
+        </p:sp>
+        <p:sp>
+          <p:nvSpPr>
+            <p:cNvPr id="6" name="矩形 5"/>
+            <p:cNvSpPr/>
+            <p:nvPr/>
+          </p:nvSpPr>
+          <p:spPr>
+            <a:xfrm>
+              <a:off x="7443416" y="1766590"/>
+              <a:ext cx="369277" cy="158262"/>
+            </a:xfrm>
+            <a:prstGeom prst="rect">
+              <a:avLst/>
+            </a:prstGeom>
+            <a:solidFill>
+              <a:srgbClr val="F5FA36"/>
+            </a:solidFill>
+          </p:spPr>
+          <p:style>
+            <a:lnRef idx="2">
+              <a:schemeClr val="accent1">
+                <a:shade val="50000"/>
+              </a:schemeClr>
+            </a:lnRef>
+            <a:fillRef idx="1">
+              <a:schemeClr val="accent1"/>
+            </a:fillRef>
+            <a:effectRef idx="0">
+              <a:schemeClr val="accent1"/>
+            </a:effectRef>
+            <a:fontRef idx="minor">
+              <a:schemeClr val="lt1"/>
+            </a:fontRef>
+          </p:style>
+          <p:txBody>
+            <a:bodyPr rtlCol="0" anchor="ctr"/>
+            <a:lstStyle/>
+            <a:p>
+              <a:pPr algn="ctr"/>
+              <a:endParaRPr lang="zh-CN" altLang="en-US">
+                <a:solidFill>
+                  <a:schemeClr val="bg1"/>
+                </a:solidFill>
+                <a:latin typeface="Times New Roman" panose="02020603050405020304" pitchFamily="18" charset="0"/>
+                <a:cs typeface="Times New Roman" panose="02020603050405020304" pitchFamily="18" charset="0"/>
+              </a:endParaRPr>
+            </a:p>
+          </p:txBody>
+        </p:sp>
+        <p:sp>
+          <p:nvSpPr>
+            <p:cNvPr id="7" name="矩形 6"/>
+            <p:cNvSpPr/>
+            <p:nvPr/>
+          </p:nvSpPr>
+          <p:spPr>
+            <a:xfrm>
+              <a:off x="7443416" y="2017171"/>
+              <a:ext cx="369277" cy="158262"/>
+            </a:xfrm>
+            <a:prstGeom prst="rect">
+              <a:avLst/>
+            </a:prstGeom>
+            <a:solidFill>
+              <a:srgbClr val="4F38F8"/>
+            </a:solidFill>
+          </p:spPr>
+          <p:style>
+            <a:lnRef idx="2">
+              <a:schemeClr val="accent1">
+                <a:shade val="50000"/>
+              </a:schemeClr>
+            </a:lnRef>
+            <a:fillRef idx="1">
+              <a:schemeClr val="accent1"/>
+            </a:fillRef>
+            <a:effectRef idx="0">
+              <a:schemeClr val="accent1"/>
+            </a:effectRef>
+            <a:fontRef idx="minor">
+              <a:schemeClr val="lt1"/>
+            </a:fontRef>
+          </p:style>
+          <p:txBody>
+            <a:bodyPr rtlCol="0" anchor="ctr"/>
+            <a:lstStyle/>
+            <a:p>
+              <a:pPr algn="ctr"/>
+              <a:endParaRPr lang="zh-CN" altLang="en-US">
+                <a:solidFill>
+                  <a:schemeClr val="bg1"/>
+                </a:solidFill>
+                <a:latin typeface="Times New Roman" panose="02020603050405020304" pitchFamily="18" charset="0"/>
+                <a:cs typeface="Times New Roman" panose="02020603050405020304" pitchFamily="18" charset="0"/>
+              </a:endParaRPr>
+            </a:p>
+          </p:txBody>
+        </p:sp>
+        <p:sp>
+          <p:nvSpPr>
+            <p:cNvPr id="8" name="矩形 7"/>
+            <p:cNvSpPr/>
+            <p:nvPr/>
+          </p:nvSpPr>
+          <p:spPr>
+            <a:xfrm>
+              <a:off x="7443416" y="2267753"/>
+              <a:ext cx="369277" cy="158262"/>
+            </a:xfrm>
+            <a:prstGeom prst="rect">
+              <a:avLst/>
+            </a:prstGeom>
+            <a:solidFill>
+              <a:srgbClr val="32FE54"/>
+            </a:solidFill>
+          </p:spPr>
+          <p:style>
+            <a:lnRef idx="2">
+              <a:schemeClr val="accent1">
+                <a:shade val="50000"/>
+              </a:schemeClr>
+            </a:lnRef>
+            <a:fillRef idx="1">
+              <a:schemeClr val="accent1"/>
+            </a:fillRef>
+            <a:effectRef idx="0">
+              <a:schemeClr val="accent1"/>
+            </a:effectRef>
+            <a:fontRef idx="minor">
+              <a:schemeClr val="lt1"/>
+            </a:fontRef>
+          </p:style>
+          <p:txBody>
+            <a:bodyPr rtlCol="0" anchor="ctr"/>
+            <a:lstStyle/>
+            <a:p>
+              <a:pPr algn="ctr"/>
+              <a:endParaRPr lang="zh-CN" altLang="en-US">
+                <a:solidFill>
+                  <a:schemeClr val="bg1"/>
+                </a:solidFill>
+                <a:latin typeface="Times New Roman" panose="02020603050405020304" pitchFamily="18" charset="0"/>
+                <a:cs typeface="Times New Roman" panose="02020603050405020304" pitchFamily="18" charset="0"/>
+              </a:endParaRPr>
+            </a:p>
+          </p:txBody>
+        </p:sp>
+        <p:sp>
+          <p:nvSpPr>
+            <p:cNvPr id="9" name="矩形 8"/>
+            <p:cNvSpPr/>
+            <p:nvPr/>
+          </p:nvSpPr>
+          <p:spPr>
+            <a:xfrm>
+              <a:off x="7443416" y="2518335"/>
+              <a:ext cx="369277" cy="158262"/>
+            </a:xfrm>
+            <a:prstGeom prst="rect">
+              <a:avLst/>
+            </a:prstGeom>
+            <a:solidFill>
+              <a:srgbClr val="B08380"/>
+            </a:solidFill>
+          </p:spPr>
+          <p:style>
+            <a:lnRef idx="2">
+              <a:schemeClr val="accent1">
+                <a:shade val="50000"/>
+              </a:schemeClr>
+            </a:lnRef>
+            <a:fillRef idx="1">
+              <a:schemeClr val="accent1"/>
+            </a:fillRef>
+            <a:effectRef idx="0">
+              <a:schemeClr val="accent1"/>
+            </a:effectRef>
+            <a:fontRef idx="minor">
+              <a:schemeClr val="lt1"/>
+            </a:fontRef>
+          </p:style>
+          <p:txBody>
+            <a:bodyPr rtlCol="0" anchor="ctr"/>
+            <a:lstStyle/>
+            <a:p>
+              <a:pPr algn="ctr"/>
+              <a:endParaRPr lang="zh-CN" altLang="en-US">
+                <a:solidFill>
+                  <a:schemeClr val="bg1"/>
+                </a:solidFill>
+                <a:latin typeface="Times New Roman" panose="02020603050405020304" pitchFamily="18" charset="0"/>
+                <a:cs typeface="Times New Roman" panose="02020603050405020304" pitchFamily="18" charset="0"/>
+              </a:endParaRPr>
+            </a:p>
+          </p:txBody>
+        </p:sp>
+        <p:sp>
+          <p:nvSpPr>
+            <p:cNvPr id="10" name="矩形 9"/>
+            <p:cNvSpPr/>
+            <p:nvPr/>
+          </p:nvSpPr>
+          <p:spPr>
+            <a:xfrm>
+              <a:off x="7443416" y="2768917"/>
+              <a:ext cx="369277" cy="158262"/>
+            </a:xfrm>
+            <a:prstGeom prst="rect">
+              <a:avLst/>
+            </a:prstGeom>
+            <a:solidFill>
+              <a:srgbClr val="00B0F0"/>
+            </a:solidFill>
+          </p:spPr>
+          <p:style>
+            <a:lnRef idx="2">
+              <a:schemeClr val="accent1">
+                <a:shade val="50000"/>
+              </a:schemeClr>
+            </a:lnRef>
+            <a:fillRef idx="1">
+              <a:schemeClr val="accent1"/>
+            </a:fillRef>
+            <a:effectRef idx="0">
+              <a:schemeClr val="accent1"/>
+            </a:effectRef>
+            <a:fontRef idx="minor">
+              <a:schemeClr val="lt1"/>
+            </a:fontRef>
+          </p:style>
+          <p:txBody>
+            <a:bodyPr rtlCol="0" anchor="ctr"/>
+            <a:lstStyle/>
+            <a:p>
+              <a:pPr algn="ctr"/>
+              <a:endParaRPr lang="zh-CN" altLang="en-US">
+                <a:solidFill>
+                  <a:schemeClr val="bg1"/>
+                </a:solidFill>
+                <a:latin typeface="Times New Roman" panose="02020603050405020304" pitchFamily="18" charset="0"/>
+                <a:cs typeface="Times New Roman" panose="02020603050405020304" pitchFamily="18" charset="0"/>
+              </a:endParaRPr>
+            </a:p>
+          </p:txBody>
+        </p:sp>
+        <p:sp>
+          <p:nvSpPr>
+            <p:cNvPr id="11" name="矩形 10"/>
+            <p:cNvSpPr/>
+            <p:nvPr/>
+          </p:nvSpPr>
+          <p:spPr>
+            <a:xfrm>
+              <a:off x="7443416" y="3019498"/>
+              <a:ext cx="369277" cy="158262"/>
+            </a:xfrm>
+            <a:prstGeom prst="rect">
+              <a:avLst/>
+            </a:prstGeom>
+            <a:solidFill>
+              <a:srgbClr val="FFCC66"/>
+            </a:solidFill>
+          </p:spPr>
+          <p:style>
+            <a:lnRef idx="2">
+              <a:schemeClr val="accent1">
+                <a:shade val="50000"/>
+              </a:schemeClr>
+            </a:lnRef>
+            <a:fillRef idx="1">
+              <a:schemeClr val="accent1"/>
+            </a:fillRef>
+            <a:effectRef idx="0">
+              <a:schemeClr val="accent1"/>
+            </a:effectRef>
+            <a:fontRef idx="minor">
+              <a:schemeClr val="lt1"/>
+            </a:fontRef>
+          </p:style>
+          <p:txBody>
+            <a:bodyPr rtlCol="0" anchor="ctr"/>
+            <a:lstStyle/>
+            <a:p>
+              <a:pPr algn="ctr"/>
+              <a:endParaRPr lang="zh-CN" altLang="en-US">
+                <a:solidFill>
+                  <a:schemeClr val="bg1"/>
+                </a:solidFill>
+                <a:latin typeface="Times New Roman" panose="02020603050405020304" pitchFamily="18" charset="0"/>
+                <a:cs typeface="Times New Roman" panose="02020603050405020304" pitchFamily="18" charset="0"/>
+              </a:endParaRPr>
+            </a:p>
+          </p:txBody>
+        </p:sp>
+        <p:sp>
+          <p:nvSpPr>
+            <p:cNvPr id="12" name="矩形 11"/>
+            <p:cNvSpPr/>
+            <p:nvPr/>
+          </p:nvSpPr>
+          <p:spPr>
+            <a:xfrm>
+              <a:off x="7443416" y="3270078"/>
+              <a:ext cx="369277" cy="158262"/>
+            </a:xfrm>
+            <a:prstGeom prst="rect">
+              <a:avLst/>
+            </a:prstGeom>
+            <a:solidFill>
+              <a:srgbClr val="FFCCFF"/>
+            </a:solidFill>
+          </p:spPr>
+          <p:style>
+            <a:lnRef idx="2">
+              <a:schemeClr val="accent1">
+                <a:shade val="50000"/>
+              </a:schemeClr>
+            </a:lnRef>
+            <a:fillRef idx="1">
+              <a:schemeClr val="accent1"/>
+            </a:fillRef>
+            <a:effectRef idx="0">
+              <a:schemeClr val="accent1"/>
+            </a:effectRef>
+            <a:fontRef idx="minor">
+              <a:schemeClr val="lt1"/>
+            </a:fontRef>
+          </p:style>
+          <p:txBody>
+            <a:bodyPr rtlCol="0" anchor="ctr"/>
+            <a:lstStyle/>
+            <a:p>
+              <a:pPr algn="ctr"/>
+              <a:endParaRPr lang="zh-CN" altLang="en-US">
+                <a:solidFill>
+                  <a:schemeClr val="bg1"/>
+                </a:solidFill>
+                <a:latin typeface="Times New Roman" panose="02020603050405020304" pitchFamily="18" charset="0"/>
+                <a:cs typeface="Times New Roman" panose="02020603050405020304" pitchFamily="18" charset="0"/>
+              </a:endParaRPr>
+            </a:p>
+          </p:txBody>
+        </p:sp>
+        <p:sp>
+          <p:nvSpPr>
+            <p:cNvPr id="13" name="文本框 12"/>
+            <p:cNvSpPr txBox="1"/>
+            <p:nvPr/>
+          </p:nvSpPr>
+          <p:spPr>
+            <a:xfrm>
+              <a:off x="8975528" y="1206723"/>
+              <a:ext cx="707245" cy="276999"/>
+            </a:xfrm>
+            <a:prstGeom prst="rect">
+              <a:avLst/>
+            </a:prstGeom>
+            <a:noFill/>
+          </p:spPr>
+          <p:txBody>
+            <a:bodyPr wrap="none" rtlCol="0">
+              <a:spAutoFit/>
+            </a:bodyPr>
+            <a:lstStyle/>
+            <a:p>
+              <a:r>
+                <a:rPr lang="en-US" altLang="zh-CN" sz="1200" dirty="0" smtClean="0">
+                  <a:solidFill>
+                    <a:schemeClr val="bg1"/>
+                  </a:solidFill>
+                  <a:latin typeface="Times New Roman" panose="02020603050405020304" pitchFamily="18" charset="0"/>
+                  <a:cs typeface="Times New Roman" panose="02020603050405020304" pitchFamily="18" charset="0"/>
+                </a:rPr>
+                <a:t>Strength</a:t>
+              </a:r>
+              <a:endParaRPr lang="zh-CN" altLang="en-US" sz="1200" dirty="0">
+                <a:solidFill>
+                  <a:schemeClr val="bg1"/>
+                </a:solidFill>
+                <a:latin typeface="Times New Roman" panose="02020603050405020304" pitchFamily="18" charset="0"/>
+                <a:cs typeface="Times New Roman" panose="02020603050405020304" pitchFamily="18" charset="0"/>
+              </a:endParaRPr>
+            </a:p>
+          </p:txBody>
+        </p:sp>
+        <p:sp>
+          <p:nvSpPr>
+            <p:cNvPr id="14" name="文本框 13"/>
+            <p:cNvSpPr txBox="1"/>
+            <p:nvPr/>
+          </p:nvSpPr>
+          <p:spPr>
+            <a:xfrm>
+              <a:off x="8123885" y="1457493"/>
+              <a:ext cx="1558888" cy="276999"/>
+            </a:xfrm>
+            <a:prstGeom prst="rect">
+              <a:avLst/>
+            </a:prstGeom>
+            <a:noFill/>
+          </p:spPr>
+          <p:txBody>
+            <a:bodyPr wrap="none" rtlCol="0">
+              <a:spAutoFit/>
+            </a:bodyPr>
+            <a:lstStyle/>
+            <a:p>
+              <a:r>
+                <a:rPr lang="en-US" altLang="zh-CN" sz="1200" dirty="0" smtClean="0">
+                  <a:solidFill>
+                    <a:schemeClr val="bg1"/>
+                  </a:solidFill>
+                  <a:latin typeface="Times New Roman" panose="02020603050405020304" pitchFamily="18" charset="0"/>
+                  <a:cs typeface="Times New Roman" panose="02020603050405020304" pitchFamily="18" charset="0"/>
+                </a:rPr>
+                <a:t>Clustering Coefficient</a:t>
+              </a:r>
+              <a:endParaRPr lang="zh-CN" altLang="en-US" sz="1200" dirty="0">
+                <a:solidFill>
+                  <a:schemeClr val="bg1"/>
+                </a:solidFill>
+                <a:latin typeface="Times New Roman" panose="02020603050405020304" pitchFamily="18" charset="0"/>
+                <a:cs typeface="Times New Roman" panose="02020603050405020304" pitchFamily="18" charset="0"/>
+              </a:endParaRPr>
+            </a:p>
+          </p:txBody>
+        </p:sp>
+        <p:sp>
+          <p:nvSpPr>
+            <p:cNvPr id="15" name="文本框 14"/>
+            <p:cNvSpPr txBox="1"/>
+            <p:nvPr/>
+          </p:nvSpPr>
+          <p:spPr>
+            <a:xfrm>
+              <a:off x="8465324" y="1708263"/>
+              <a:ext cx="1217449" cy="276999"/>
+            </a:xfrm>
+            <a:prstGeom prst="rect">
+              <a:avLst/>
+            </a:prstGeom>
+            <a:noFill/>
+          </p:spPr>
+          <p:txBody>
+            <a:bodyPr wrap="none" rtlCol="0">
+              <a:spAutoFit/>
+            </a:bodyPr>
+            <a:lstStyle/>
+            <a:p>
+              <a:r>
+                <a:rPr lang="en-US" altLang="zh-CN" sz="1200" dirty="0" smtClean="0">
+                  <a:solidFill>
+                    <a:schemeClr val="bg1"/>
+                  </a:solidFill>
+                  <a:latin typeface="Times New Roman" panose="02020603050405020304" pitchFamily="18" charset="0"/>
+                  <a:cs typeface="Times New Roman" panose="02020603050405020304" pitchFamily="18" charset="0"/>
+                </a:rPr>
+                <a:t>Local Efficiency</a:t>
+              </a:r>
+              <a:endParaRPr lang="zh-CN" altLang="en-US" sz="1200" dirty="0">
+                <a:solidFill>
+                  <a:schemeClr val="bg1"/>
+                </a:solidFill>
+                <a:latin typeface="Times New Roman" panose="02020603050405020304" pitchFamily="18" charset="0"/>
+                <a:cs typeface="Times New Roman" panose="02020603050405020304" pitchFamily="18" charset="0"/>
+              </a:endParaRPr>
+            </a:p>
+          </p:txBody>
+        </p:sp>
+        <p:sp>
+          <p:nvSpPr>
+            <p:cNvPr id="16" name="文本框 15"/>
+            <p:cNvSpPr txBox="1"/>
+            <p:nvPr/>
+          </p:nvSpPr>
+          <p:spPr>
+            <a:xfrm>
+              <a:off x="8036168" y="1959033"/>
+              <a:ext cx="1646605" cy="276999"/>
+            </a:xfrm>
+            <a:prstGeom prst="rect">
+              <a:avLst/>
+            </a:prstGeom>
+            <a:noFill/>
+          </p:spPr>
+          <p:txBody>
+            <a:bodyPr wrap="none" rtlCol="0">
+              <a:spAutoFit/>
+            </a:bodyPr>
+            <a:lstStyle/>
+            <a:p>
+              <a:r>
+                <a:rPr lang="en-US" altLang="zh-CN" sz="1200" dirty="0" smtClean="0">
+                  <a:solidFill>
+                    <a:schemeClr val="bg1"/>
+                  </a:solidFill>
+                  <a:latin typeface="Times New Roman" panose="02020603050405020304" pitchFamily="18" charset="0"/>
+                  <a:cs typeface="Times New Roman" panose="02020603050405020304" pitchFamily="18" charset="0"/>
+                </a:rPr>
+                <a:t>Betweenness Centrality</a:t>
+              </a:r>
+              <a:endParaRPr lang="zh-CN" altLang="en-US" sz="1200" dirty="0">
+                <a:solidFill>
+                  <a:schemeClr val="bg1"/>
+                </a:solidFill>
+                <a:latin typeface="Times New Roman" panose="02020603050405020304" pitchFamily="18" charset="0"/>
+                <a:cs typeface="Times New Roman" panose="02020603050405020304" pitchFamily="18" charset="0"/>
+              </a:endParaRPr>
+            </a:p>
+          </p:txBody>
+        </p:sp>
+        <p:sp>
+          <p:nvSpPr>
+            <p:cNvPr id="17" name="文本框 16"/>
+            <p:cNvSpPr txBox="1"/>
+            <p:nvPr/>
+          </p:nvSpPr>
+          <p:spPr>
+            <a:xfrm>
+              <a:off x="8093876" y="2209803"/>
+              <a:ext cx="1588897" cy="276999"/>
+            </a:xfrm>
+            <a:prstGeom prst="rect">
+              <a:avLst/>
+            </a:prstGeom>
+            <a:noFill/>
+          </p:spPr>
+          <p:txBody>
+            <a:bodyPr wrap="none" rtlCol="0">
+              <a:spAutoFit/>
+            </a:bodyPr>
+            <a:lstStyle/>
+            <a:p>
+              <a:r>
+                <a:rPr lang="en-US" altLang="zh-CN" sz="1200" dirty="0" smtClean="0">
+                  <a:solidFill>
+                    <a:schemeClr val="bg1"/>
+                  </a:solidFill>
+                  <a:latin typeface="Times New Roman" panose="02020603050405020304" pitchFamily="18" charset="0"/>
+                  <a:cs typeface="Times New Roman" panose="02020603050405020304" pitchFamily="18" charset="0"/>
+                </a:rPr>
+                <a:t>Eigenvector Centrality</a:t>
+              </a:r>
+              <a:endParaRPr lang="zh-CN" altLang="en-US" sz="1200" dirty="0">
+                <a:solidFill>
+                  <a:schemeClr val="bg1"/>
+                </a:solidFill>
+                <a:latin typeface="Times New Roman" panose="02020603050405020304" pitchFamily="18" charset="0"/>
+                <a:cs typeface="Times New Roman" panose="02020603050405020304" pitchFamily="18" charset="0"/>
+              </a:endParaRPr>
+            </a:p>
+          </p:txBody>
+        </p:sp>
+        <p:sp>
+          <p:nvSpPr>
+            <p:cNvPr id="18" name="文本框 17"/>
+            <p:cNvSpPr txBox="1"/>
+            <p:nvPr/>
+          </p:nvSpPr>
+          <p:spPr>
+            <a:xfrm>
+              <a:off x="8250971" y="2460573"/>
+              <a:ext cx="1431802" cy="276999"/>
+            </a:xfrm>
+            <a:prstGeom prst="rect">
+              <a:avLst/>
+            </a:prstGeom>
+            <a:noFill/>
+          </p:spPr>
+          <p:txBody>
+            <a:bodyPr wrap="none" rtlCol="0">
+              <a:spAutoFit/>
+            </a:bodyPr>
+            <a:lstStyle/>
+            <a:p>
+              <a:r>
+                <a:rPr lang="en-US" altLang="zh-CN" sz="1200" dirty="0" smtClean="0">
+                  <a:solidFill>
+                    <a:schemeClr val="bg1"/>
+                  </a:solidFill>
+                  <a:latin typeface="Times New Roman" panose="02020603050405020304" pitchFamily="18" charset="0"/>
+                  <a:cs typeface="Times New Roman" panose="02020603050405020304" pitchFamily="18" charset="0"/>
+                </a:rPr>
+                <a:t>Subgraph Centrality</a:t>
+              </a:r>
+              <a:endParaRPr lang="zh-CN" altLang="en-US" sz="1200" dirty="0">
+                <a:solidFill>
+                  <a:schemeClr val="bg1"/>
+                </a:solidFill>
+                <a:latin typeface="Times New Roman" panose="02020603050405020304" pitchFamily="18" charset="0"/>
+                <a:cs typeface="Times New Roman" panose="02020603050405020304" pitchFamily="18" charset="0"/>
+              </a:endParaRPr>
+            </a:p>
+          </p:txBody>
+        </p:sp>
+        <p:sp>
+          <p:nvSpPr>
+            <p:cNvPr id="19" name="文本框 18"/>
+            <p:cNvSpPr txBox="1"/>
+            <p:nvPr/>
+          </p:nvSpPr>
+          <p:spPr>
+            <a:xfrm>
+              <a:off x="8148379" y="2711343"/>
+              <a:ext cx="1534394" cy="276999"/>
+            </a:xfrm>
+            <a:prstGeom prst="rect">
+              <a:avLst/>
+            </a:prstGeom>
+            <a:noFill/>
+          </p:spPr>
+          <p:txBody>
+            <a:bodyPr wrap="none" rtlCol="0">
+              <a:spAutoFit/>
+            </a:bodyPr>
+            <a:lstStyle/>
+            <a:p>
+              <a:r>
+                <a:rPr lang="en-US" altLang="zh-CN" sz="1200" dirty="0" smtClean="0">
+                  <a:solidFill>
+                    <a:schemeClr val="bg1"/>
+                  </a:solidFill>
+                  <a:latin typeface="Times New Roman" panose="02020603050405020304" pitchFamily="18" charset="0"/>
+                  <a:cs typeface="Times New Roman" panose="02020603050405020304" pitchFamily="18" charset="0"/>
+                </a:rPr>
+                <a:t>K-coreness Centrality</a:t>
+              </a:r>
+              <a:endParaRPr lang="zh-CN" altLang="en-US" sz="1200" dirty="0">
+                <a:solidFill>
+                  <a:schemeClr val="bg1"/>
+                </a:solidFill>
+                <a:latin typeface="Times New Roman" panose="02020603050405020304" pitchFamily="18" charset="0"/>
+                <a:cs typeface="Times New Roman" panose="02020603050405020304" pitchFamily="18" charset="0"/>
+              </a:endParaRPr>
+            </a:p>
+          </p:txBody>
+        </p:sp>
+        <p:sp>
+          <p:nvSpPr>
+            <p:cNvPr id="20" name="文本框 19"/>
+            <p:cNvSpPr txBox="1"/>
+            <p:nvPr/>
+          </p:nvSpPr>
+          <p:spPr>
+            <a:xfrm>
+              <a:off x="8450897" y="2962113"/>
+              <a:ext cx="1231876" cy="276999"/>
+            </a:xfrm>
+            <a:prstGeom prst="rect">
+              <a:avLst/>
+            </a:prstGeom>
+            <a:noFill/>
+          </p:spPr>
+          <p:txBody>
+            <a:bodyPr wrap="none" rtlCol="0">
+              <a:spAutoFit/>
+            </a:bodyPr>
+            <a:lstStyle/>
+            <a:p>
+              <a:r>
+                <a:rPr lang="en-US" altLang="zh-CN" sz="1200" dirty="0" smtClean="0">
+                  <a:solidFill>
+                    <a:schemeClr val="bg1"/>
+                  </a:solidFill>
+                  <a:latin typeface="Times New Roman" panose="02020603050405020304" pitchFamily="18" charset="0"/>
+                  <a:cs typeface="Times New Roman" panose="02020603050405020304" pitchFamily="18" charset="0"/>
+                </a:rPr>
+                <a:t>Flow Coefficient</a:t>
+              </a:r>
+              <a:endParaRPr lang="zh-CN" altLang="en-US" sz="1200" dirty="0">
+                <a:solidFill>
+                  <a:schemeClr val="bg1"/>
+                </a:solidFill>
+                <a:latin typeface="Times New Roman" panose="02020603050405020304" pitchFamily="18" charset="0"/>
+                <a:cs typeface="Times New Roman" panose="02020603050405020304" pitchFamily="18" charset="0"/>
+              </a:endParaRPr>
+            </a:p>
+          </p:txBody>
+        </p:sp>
+        <p:sp>
+          <p:nvSpPr>
+            <p:cNvPr id="21" name="文本框 20"/>
+            <p:cNvSpPr txBox="1"/>
+            <p:nvPr/>
+          </p:nvSpPr>
+          <p:spPr>
+            <a:xfrm>
+              <a:off x="8177233" y="3212885"/>
+              <a:ext cx="1505540" cy="276999"/>
+            </a:xfrm>
+            <a:prstGeom prst="rect">
+              <a:avLst/>
+            </a:prstGeom>
+            <a:noFill/>
+          </p:spPr>
+          <p:txBody>
+            <a:bodyPr wrap="none" rtlCol="0">
+              <a:spAutoFit/>
+            </a:bodyPr>
+            <a:lstStyle/>
+            <a:p>
+              <a:r>
+                <a:rPr lang="en-US" altLang="zh-CN" sz="1200" dirty="0" smtClean="0">
+                  <a:solidFill>
+                    <a:schemeClr val="bg1"/>
+                  </a:solidFill>
+                  <a:latin typeface="Times New Roman" panose="02020603050405020304" pitchFamily="18" charset="0"/>
+                  <a:cs typeface="Times New Roman" panose="02020603050405020304" pitchFamily="18" charset="0"/>
+                </a:rPr>
+                <a:t>Page Rank Centrality</a:t>
+              </a:r>
+              <a:endParaRPr lang="zh-CN" altLang="en-US" sz="1200" dirty="0">
+                <a:solidFill>
+                  <a:schemeClr val="bg1"/>
+                </a:solidFill>
+                <a:latin typeface="Times New Roman" panose="02020603050405020304" pitchFamily="18" charset="0"/>
+                <a:cs typeface="Times New Roman" panose="02020603050405020304" pitchFamily="18" charset="0"/>
+              </a:endParaRPr>
+            </a:p>
+          </p:txBody>
+        </p:sp>
+      </p:grpSp>
+      <p:sp>
+        <p:nvSpPr>
+          <p:cNvPr id="37" name="文本框 36"/>
+          <p:cNvSpPr txBox="1"/>
+          <p:nvPr/>
+        </p:nvSpPr>
+        <p:spPr>
+          <a:xfrm>
+            <a:off x="8335041" y="3008950"/>
+            <a:ext cx="2228495" cy="461665"/>
+          </a:xfrm>
+          <a:prstGeom prst="rect">
+            <a:avLst/>
+          </a:prstGeom>
+          <a:noFill/>
+        </p:spPr>
+        <p:txBody>
+          <a:bodyPr wrap="none" rtlCol="0">
+            <a:spAutoFit/>
+          </a:bodyPr>
+          <a:lstStyle/>
+          <a:p>
+            <a:r>
+              <a:rPr lang="en-US" altLang="zh-CN" sz="2400" dirty="0" smtClean="0">
+                <a:solidFill>
+                  <a:schemeClr val="bg1"/>
+                </a:solidFill>
+                <a:latin typeface="Times New Roman" panose="02020603050405020304" pitchFamily="18" charset="0"/>
+                <a:cs typeface="Times New Roman" panose="02020603050405020304" pitchFamily="18" charset="0"/>
+              </a:rPr>
+              <a:t>EMCI vs. </a:t>
+            </a:r>
+            <a:r>
+              <a:rPr lang="en-US" altLang="zh-CN" sz="2400" dirty="0" smtClean="0">
+                <a:solidFill>
+                  <a:schemeClr val="bg1"/>
+                </a:solidFill>
+                <a:latin typeface="Times New Roman" panose="02020603050405020304" pitchFamily="18" charset="0"/>
+                <a:cs typeface="Times New Roman" panose="02020603050405020304" pitchFamily="18" charset="0"/>
+              </a:rPr>
+              <a:t>LMCI</a:t>
+            </a:r>
+            <a:endParaRPr lang="zh-CN" altLang="en-US" sz="2400" dirty="0">
+              <a:solidFill>
+                <a:schemeClr val="bg1"/>
+              </a:solidFill>
+              <a:latin typeface="Times New Roman" panose="02020603050405020304" pitchFamily="18" charset="0"/>
+              <a:cs typeface="Times New Roman" panose="02020603050405020304" pitchFamily="18" charset="0"/>
+            </a:endParaRPr>
+          </a:p>
+        </p:txBody>
+      </p:sp>
+      <p:pic>
+        <p:nvPicPr>
+          <p:cNvPr id="2" name="图片 1"/>
+          <p:cNvPicPr>
+            <a:picLocks noChangeAspect="1"/>
+          </p:cNvPicPr>
+          <p:nvPr/>
+        </p:nvPicPr>
+        <p:blipFill>
+          <a:blip r:embed="rId2"/>
+          <a:stretch>
+            <a:fillRect/>
+          </a:stretch>
+        </p:blipFill>
+        <p:spPr>
+          <a:xfrm>
+            <a:off x="-1709" y="1"/>
+            <a:ext cx="2760862" cy="3734932"/>
+          </a:xfrm>
+          <a:prstGeom prst="rect">
+            <a:avLst/>
+          </a:prstGeom>
+        </p:spPr>
+      </p:pic>
+      <p:sp>
+        <p:nvSpPr>
+          <p:cNvPr id="31" name="文本框 30"/>
+          <p:cNvSpPr txBox="1"/>
+          <p:nvPr/>
+        </p:nvSpPr>
+        <p:spPr>
+          <a:xfrm>
+            <a:off x="-1505" y="0"/>
+            <a:ext cx="407484" cy="461665"/>
+          </a:xfrm>
+          <a:prstGeom prst="rect">
+            <a:avLst/>
+          </a:prstGeom>
+          <a:noFill/>
+        </p:spPr>
+        <p:txBody>
+          <a:bodyPr wrap="none" rtlCol="0">
+            <a:spAutoFit/>
+          </a:bodyPr>
+          <a:lstStyle/>
+          <a:p>
+            <a:r>
+              <a:rPr lang="en-US" altLang="zh-CN" sz="2400" dirty="0" smtClean="0">
+                <a:solidFill>
+                  <a:schemeClr val="bg1"/>
+                </a:solidFill>
+                <a:latin typeface="Times New Roman" panose="02020603050405020304" pitchFamily="18" charset="0"/>
+                <a:cs typeface="Times New Roman" panose="02020603050405020304" pitchFamily="18" charset="0"/>
+              </a:rPr>
+              <a:t>A</a:t>
+            </a:r>
+            <a:endParaRPr lang="zh-CN" altLang="en-US" sz="2400" dirty="0">
+              <a:solidFill>
+                <a:schemeClr val="bg1"/>
+              </a:solidFill>
+              <a:latin typeface="Times New Roman" panose="02020603050405020304" pitchFamily="18" charset="0"/>
+              <a:cs typeface="Times New Roman" panose="02020603050405020304" pitchFamily="18" charset="0"/>
+            </a:endParaRPr>
+          </a:p>
+        </p:txBody>
+      </p:sp>
+      <p:sp>
+        <p:nvSpPr>
+          <p:cNvPr id="32" name="文本框 31"/>
+          <p:cNvSpPr txBox="1"/>
+          <p:nvPr/>
+        </p:nvSpPr>
+        <p:spPr>
+          <a:xfrm>
+            <a:off x="-1505" y="1867466"/>
+            <a:ext cx="389850" cy="461665"/>
+          </a:xfrm>
+          <a:prstGeom prst="rect">
+            <a:avLst/>
+          </a:prstGeom>
+          <a:noFill/>
+        </p:spPr>
+        <p:txBody>
+          <a:bodyPr wrap="none" rtlCol="0">
+            <a:spAutoFit/>
+          </a:bodyPr>
+          <a:lstStyle/>
+          <a:p>
+            <a:r>
+              <a:rPr lang="en-US" altLang="zh-CN" sz="2400" dirty="0">
+                <a:solidFill>
+                  <a:schemeClr val="bg1"/>
+                </a:solidFill>
+                <a:latin typeface="Times New Roman" panose="02020603050405020304" pitchFamily="18" charset="0"/>
+                <a:cs typeface="Times New Roman" panose="02020603050405020304" pitchFamily="18" charset="0"/>
+              </a:rPr>
+              <a:t>B</a:t>
+            </a:r>
+            <a:endParaRPr lang="zh-CN" altLang="en-US" sz="2400" dirty="0">
+              <a:solidFill>
+                <a:schemeClr val="bg1"/>
+              </a:solidFill>
+              <a:latin typeface="Times New Roman" panose="02020603050405020304" pitchFamily="18" charset="0"/>
+              <a:cs typeface="Times New Roman" panose="02020603050405020304" pitchFamily="18" charset="0"/>
+            </a:endParaRPr>
+          </a:p>
+        </p:txBody>
+      </p:sp>
+      <p:pic>
+        <p:nvPicPr>
+          <p:cNvPr id="3" name="图片 2"/>
+          <p:cNvPicPr>
+            <a:picLocks noChangeAspect="1"/>
+          </p:cNvPicPr>
+          <p:nvPr/>
+        </p:nvPicPr>
+        <p:blipFill>
+          <a:blip r:embed="rId3"/>
+          <a:stretch>
+            <a:fillRect/>
+          </a:stretch>
+        </p:blipFill>
+        <p:spPr>
+          <a:xfrm>
+            <a:off x="2761141" y="1"/>
+            <a:ext cx="2701103" cy="3734932"/>
+          </a:xfrm>
+          <a:prstGeom prst="rect">
+            <a:avLst/>
+          </a:prstGeom>
+        </p:spPr>
+      </p:pic>
+      <p:sp>
+        <p:nvSpPr>
+          <p:cNvPr id="33" name="文本框 32"/>
+          <p:cNvSpPr txBox="1"/>
+          <p:nvPr/>
+        </p:nvSpPr>
+        <p:spPr>
+          <a:xfrm>
+            <a:off x="2638986" y="0"/>
+            <a:ext cx="389850" cy="461665"/>
+          </a:xfrm>
+          <a:prstGeom prst="rect">
+            <a:avLst/>
+          </a:prstGeom>
+          <a:noFill/>
+        </p:spPr>
+        <p:txBody>
+          <a:bodyPr wrap="none" rtlCol="0">
+            <a:spAutoFit/>
+          </a:bodyPr>
+          <a:lstStyle/>
+          <a:p>
+            <a:r>
+              <a:rPr lang="en-US" altLang="zh-CN" sz="2400" dirty="0" smtClean="0">
+                <a:solidFill>
+                  <a:schemeClr val="bg1"/>
+                </a:solidFill>
+                <a:latin typeface="Times New Roman" panose="02020603050405020304" pitchFamily="18" charset="0"/>
+                <a:cs typeface="Times New Roman" panose="02020603050405020304" pitchFamily="18" charset="0"/>
+              </a:rPr>
+              <a:t>C</a:t>
+            </a:r>
+            <a:endParaRPr lang="zh-CN" altLang="en-US" sz="2400" dirty="0">
+              <a:solidFill>
+                <a:schemeClr val="bg1"/>
+              </a:solidFill>
+              <a:latin typeface="Times New Roman" panose="02020603050405020304" pitchFamily="18" charset="0"/>
+              <a:cs typeface="Times New Roman" panose="02020603050405020304" pitchFamily="18" charset="0"/>
+            </a:endParaRPr>
+          </a:p>
+        </p:txBody>
+      </p:sp>
+      <p:sp>
+        <p:nvSpPr>
+          <p:cNvPr id="34" name="文本框 33"/>
+          <p:cNvSpPr txBox="1"/>
+          <p:nvPr/>
+        </p:nvSpPr>
+        <p:spPr>
+          <a:xfrm>
+            <a:off x="2638986" y="1867466"/>
+            <a:ext cx="407484" cy="461665"/>
+          </a:xfrm>
+          <a:prstGeom prst="rect">
+            <a:avLst/>
+          </a:prstGeom>
+          <a:noFill/>
+        </p:spPr>
+        <p:txBody>
+          <a:bodyPr wrap="none" rtlCol="0">
+            <a:spAutoFit/>
+          </a:bodyPr>
+          <a:lstStyle/>
+          <a:p>
+            <a:r>
+              <a:rPr lang="en-US" altLang="zh-CN" sz="2400" dirty="0" smtClean="0">
+                <a:solidFill>
+                  <a:schemeClr val="bg1"/>
+                </a:solidFill>
+                <a:latin typeface="Times New Roman" panose="02020603050405020304" pitchFamily="18" charset="0"/>
+                <a:cs typeface="Times New Roman" panose="02020603050405020304" pitchFamily="18" charset="0"/>
+              </a:rPr>
+              <a:t>D</a:t>
+            </a:r>
+            <a:endParaRPr lang="zh-CN" altLang="en-US" sz="2400" dirty="0">
+              <a:solidFill>
+                <a:schemeClr val="bg1"/>
+              </a:solidFill>
+              <a:latin typeface="Times New Roman" panose="02020603050405020304" pitchFamily="18" charset="0"/>
+              <a:cs typeface="Times New Roman" panose="02020603050405020304" pitchFamily="18" charset="0"/>
+            </a:endParaRPr>
+          </a:p>
+        </p:txBody>
+      </p:sp>
+      <p:pic>
+        <p:nvPicPr>
+          <p:cNvPr id="22" name="图片 21"/>
+          <p:cNvPicPr>
+            <a:picLocks noChangeAspect="1"/>
+          </p:cNvPicPr>
+          <p:nvPr/>
+        </p:nvPicPr>
+        <p:blipFill>
+          <a:blip r:embed="rId4"/>
+          <a:stretch>
+            <a:fillRect/>
+          </a:stretch>
+        </p:blipFill>
+        <p:spPr>
+          <a:xfrm>
+            <a:off x="5462244" y="0"/>
+            <a:ext cx="2890200" cy="1867466"/>
+          </a:xfrm>
+          <a:prstGeom prst="rect">
+            <a:avLst/>
+          </a:prstGeom>
+        </p:spPr>
+      </p:pic>
+      <p:pic>
+        <p:nvPicPr>
+          <p:cNvPr id="25" name="图片 24"/>
+          <p:cNvPicPr>
+            <a:picLocks noChangeAspect="1"/>
+          </p:cNvPicPr>
+          <p:nvPr/>
+        </p:nvPicPr>
+        <p:blipFill>
+          <a:blip r:embed="rId5"/>
+          <a:stretch>
+            <a:fillRect/>
+          </a:stretch>
+        </p:blipFill>
+        <p:spPr>
+          <a:xfrm>
+            <a:off x="5460256" y="1867466"/>
+            <a:ext cx="2874785" cy="1867466"/>
+          </a:xfrm>
+          <a:prstGeom prst="rect">
+            <a:avLst/>
+          </a:prstGeom>
+        </p:spPr>
+      </p:pic>
+      <p:sp>
+        <p:nvSpPr>
+          <p:cNvPr id="35" name="文本框 34"/>
+          <p:cNvSpPr txBox="1"/>
+          <p:nvPr/>
+        </p:nvSpPr>
+        <p:spPr>
+          <a:xfrm>
+            <a:off x="5377751" y="0"/>
+            <a:ext cx="372218" cy="461665"/>
+          </a:xfrm>
+          <a:prstGeom prst="rect">
+            <a:avLst/>
+          </a:prstGeom>
+          <a:noFill/>
+        </p:spPr>
+        <p:txBody>
+          <a:bodyPr wrap="none" rtlCol="0">
+            <a:spAutoFit/>
+          </a:bodyPr>
+          <a:lstStyle/>
+          <a:p>
+            <a:r>
+              <a:rPr lang="en-US" altLang="zh-CN" sz="2400" dirty="0">
+                <a:solidFill>
+                  <a:schemeClr val="bg1"/>
+                </a:solidFill>
+                <a:latin typeface="Times New Roman" panose="02020603050405020304" pitchFamily="18" charset="0"/>
+                <a:cs typeface="Times New Roman" panose="02020603050405020304" pitchFamily="18" charset="0"/>
+              </a:rPr>
+              <a:t>E</a:t>
+            </a:r>
+            <a:endParaRPr lang="zh-CN" altLang="en-US" sz="2400" dirty="0">
+              <a:solidFill>
+                <a:schemeClr val="bg1"/>
+              </a:solidFill>
+              <a:latin typeface="Times New Roman" panose="02020603050405020304" pitchFamily="18" charset="0"/>
+              <a:cs typeface="Times New Roman" panose="02020603050405020304" pitchFamily="18" charset="0"/>
+            </a:endParaRPr>
+          </a:p>
+        </p:txBody>
+      </p:sp>
+      <p:sp>
+        <p:nvSpPr>
+          <p:cNvPr id="36" name="文本框 35"/>
+          <p:cNvSpPr txBox="1"/>
+          <p:nvPr/>
+        </p:nvSpPr>
+        <p:spPr>
+          <a:xfrm>
+            <a:off x="5377751" y="1867466"/>
+            <a:ext cx="356188" cy="461665"/>
+          </a:xfrm>
+          <a:prstGeom prst="rect">
+            <a:avLst/>
+          </a:prstGeom>
+          <a:noFill/>
+        </p:spPr>
+        <p:txBody>
+          <a:bodyPr wrap="none" rtlCol="0">
+            <a:spAutoFit/>
+          </a:bodyPr>
+          <a:lstStyle/>
+          <a:p>
+            <a:r>
+              <a:rPr lang="en-US" altLang="zh-CN" sz="2400" dirty="0" smtClean="0">
+                <a:solidFill>
+                  <a:schemeClr val="bg1"/>
+                </a:solidFill>
+                <a:latin typeface="Times New Roman" panose="02020603050405020304" pitchFamily="18" charset="0"/>
+                <a:cs typeface="Times New Roman" panose="02020603050405020304" pitchFamily="18" charset="0"/>
+              </a:rPr>
+              <a:t>F</a:t>
+            </a:r>
+            <a:endParaRPr lang="zh-CN" altLang="en-US" sz="2400" dirty="0">
+              <a:solidFill>
+                <a:schemeClr val="bg1"/>
+              </a:solidFill>
+              <a:latin typeface="Times New Roman" panose="02020603050405020304" pitchFamily="18" charset="0"/>
+              <a:cs typeface="Times New Roman" panose="02020603050405020304" pitchFamily="18" charset="0"/>
+            </a:endParaRPr>
+          </a:p>
+        </p:txBody>
+      </p:sp>
+    </p:spTree>
+    <p:extLst>
+      <p:ext uri="{BB962C8B-B14F-4D97-AF65-F5344CB8AC3E}">
+        <p14:creationId xmlns:p14="http://schemas.microsoft.com/office/powerpoint/2010/main" val="2376360775"/>
+      </p:ext>
+    </p:extLst>
+  </p:cSld>
+  <p:clrMapOvr>
+    <a:masterClrMapping/>
+  </p:clrMapOvr>
+</p:sld>
+</file>
+
+<file path=ppt/slides/slide3.xml><?xml version="1.0" encoding="utf-8"?>
 <p:sld xmlns:a="http://schemas.openxmlformats.org/drawingml/2006/main" xmlns:r="http://schemas.openxmlformats.org/officeDocument/2006/relationships" xmlns:p="http://schemas.openxmlformats.org/presentationml/2006/main">
   <p:cSld>
     <p:spTree>
@@ -5554,7 +7328,7 @@
 </p:sld>
 </file>
 
-<file path=ppt/slides/slide3.xml><?xml version="1.0" encoding="utf-8"?>
+<file path=ppt/slides/slide4.xml><?xml version="1.0" encoding="utf-8"?>
 <p:sld xmlns:a="http://schemas.openxmlformats.org/drawingml/2006/main" xmlns:r="http://schemas.openxmlformats.org/officeDocument/2006/relationships" xmlns:p="http://schemas.openxmlformats.org/presentationml/2006/main">
   <p:cSld>
     <p:spTree>
@@ -6854,7 +8628,7 @@
 </p:sld>
 </file>
 
-<file path=ppt/slides/slide4.xml><?xml version="1.0" encoding="utf-8"?>
+<file path=ppt/slides/slide5.xml><?xml version="1.0" encoding="utf-8"?>
 <p:sld xmlns:a="http://schemas.openxmlformats.org/drawingml/2006/main" xmlns:r="http://schemas.openxmlformats.org/officeDocument/2006/relationships" xmlns:p="http://schemas.openxmlformats.org/presentationml/2006/main">
   <p:cSld>
     <p:spTree>
@@ -8154,7 +9928,329 @@
 </p:sld>
 </file>
 
-<file path=ppt/slides/slide5.xml><?xml version="1.0" encoding="utf-8"?>
+<file path=ppt/slides/slide6.xml><?xml version="1.0" encoding="utf-8"?>
+<p:sld xmlns:a="http://schemas.openxmlformats.org/drawingml/2006/main" xmlns:r="http://schemas.openxmlformats.org/officeDocument/2006/relationships" xmlns:p="http://schemas.openxmlformats.org/presentationml/2006/main">
+  <p:cSld>
+    <p:spTree>
+      <p:nvGrpSpPr>
+        <p:cNvPr id="1" name=""/>
+        <p:cNvGrpSpPr/>
+        <p:nvPr/>
+      </p:nvGrpSpPr>
+      <p:grpSpPr>
+        <a:xfrm>
+          <a:off x="0" y="0"/>
+          <a:ext cx="0" cy="0"/>
+          <a:chOff x="0" y="0"/>
+          <a:chExt cx="0" cy="0"/>
+        </a:xfrm>
+      </p:grpSpPr>
+      <p:pic>
+        <p:nvPicPr>
+          <p:cNvPr id="4" name="图片 3"/>
+          <p:cNvPicPr>
+            <a:picLocks noChangeAspect="1"/>
+          </p:cNvPicPr>
+          <p:nvPr/>
+        </p:nvPicPr>
+        <p:blipFill>
+          <a:blip r:embed="rId2">
+            <a:extLst>
+              <a:ext uri="{28A0092B-C50C-407E-A947-70E740481C1C}">
+                <a14:useLocalDpi xmlns:a14="http://schemas.microsoft.com/office/drawing/2010/main" val="0"/>
+              </a:ext>
+            </a:extLst>
+          </a:blip>
+          <a:stretch>
+            <a:fillRect/>
+          </a:stretch>
+        </p:blipFill>
+        <p:spPr>
+          <a:xfrm>
+            <a:off x="72190" y="390905"/>
+            <a:ext cx="12047619" cy="6076190"/>
+          </a:xfrm>
+          <a:prstGeom prst="rect">
+            <a:avLst/>
+          </a:prstGeom>
+        </p:spPr>
+      </p:pic>
+      <p:sp>
+        <p:nvSpPr>
+          <p:cNvPr id="5" name="矩形 4"/>
+          <p:cNvSpPr/>
+          <p:nvPr/>
+        </p:nvSpPr>
+        <p:spPr>
+          <a:xfrm>
+            <a:off x="297180" y="1409700"/>
+            <a:ext cx="1432560" cy="2918460"/>
+          </a:xfrm>
+          <a:prstGeom prst="rect">
+            <a:avLst/>
+          </a:prstGeom>
+          <a:solidFill>
+            <a:schemeClr val="bg1"/>
+          </a:solidFill>
+          <a:ln>
+            <a:noFill/>
+          </a:ln>
+        </p:spPr>
+        <p:style>
+          <a:lnRef idx="2">
+            <a:schemeClr val="accent1">
+              <a:shade val="50000"/>
+            </a:schemeClr>
+          </a:lnRef>
+          <a:fillRef idx="1">
+            <a:schemeClr val="accent1"/>
+          </a:fillRef>
+          <a:effectRef idx="0">
+            <a:schemeClr val="accent1"/>
+          </a:effectRef>
+          <a:fontRef idx="minor">
+            <a:schemeClr val="lt1"/>
+          </a:fontRef>
+        </p:style>
+        <p:txBody>
+          <a:bodyPr rtlCol="0" anchor="ctr"/>
+          <a:lstStyle/>
+          <a:p>
+            <a:pPr algn="ctr"/>
+            <a:endParaRPr lang="zh-CN" altLang="en-US"/>
+          </a:p>
+        </p:txBody>
+      </p:sp>
+      <p:sp>
+        <p:nvSpPr>
+          <p:cNvPr id="6" name="圆角矩形 5"/>
+          <p:cNvSpPr/>
+          <p:nvPr/>
+        </p:nvSpPr>
+        <p:spPr>
+          <a:xfrm>
+            <a:off x="358140" y="1546860"/>
+            <a:ext cx="1234440" cy="426720"/>
+          </a:xfrm>
+          <a:prstGeom prst="roundRect">
+            <a:avLst/>
+          </a:prstGeom>
+        </p:spPr>
+        <p:style>
+          <a:lnRef idx="0">
+            <a:schemeClr val="accent4"/>
+          </a:lnRef>
+          <a:fillRef idx="3">
+            <a:schemeClr val="accent4"/>
+          </a:fillRef>
+          <a:effectRef idx="3">
+            <a:schemeClr val="accent4"/>
+          </a:effectRef>
+          <a:fontRef idx="minor">
+            <a:schemeClr val="lt1"/>
+          </a:fontRef>
+        </p:style>
+        <p:txBody>
+          <a:bodyPr rtlCol="0" anchor="ctr"/>
+          <a:lstStyle/>
+          <a:p>
+            <a:pPr algn="ctr"/>
+            <a:r>
+              <a:rPr lang="en-US" altLang="zh-CN" dirty="0" smtClean="0">
+                <a:solidFill>
+                  <a:schemeClr val="tx1"/>
+                </a:solidFill>
+                <a:latin typeface="Times New Roman" panose="02020603050405020304" pitchFamily="18" charset="0"/>
+                <a:cs typeface="Times New Roman" panose="02020603050405020304" pitchFamily="18" charset="0"/>
+              </a:rPr>
+              <a:t>HC</a:t>
+            </a:r>
+            <a:endParaRPr lang="zh-CN" altLang="en-US" dirty="0">
+              <a:solidFill>
+                <a:schemeClr val="tx1"/>
+              </a:solidFill>
+              <a:latin typeface="Times New Roman" panose="02020603050405020304" pitchFamily="18" charset="0"/>
+              <a:cs typeface="Times New Roman" panose="02020603050405020304" pitchFamily="18" charset="0"/>
+            </a:endParaRPr>
+          </a:p>
+        </p:txBody>
+      </p:sp>
+      <p:sp>
+        <p:nvSpPr>
+          <p:cNvPr id="7" name="圆角矩形 6"/>
+          <p:cNvSpPr/>
+          <p:nvPr/>
+        </p:nvSpPr>
+        <p:spPr>
+          <a:xfrm>
+            <a:off x="358140" y="2110740"/>
+            <a:ext cx="1234440" cy="426720"/>
+          </a:xfrm>
+          <a:prstGeom prst="roundRect">
+            <a:avLst/>
+          </a:prstGeom>
+        </p:spPr>
+        <p:style>
+          <a:lnRef idx="0">
+            <a:schemeClr val="accent4"/>
+          </a:lnRef>
+          <a:fillRef idx="3">
+            <a:schemeClr val="accent4"/>
+          </a:fillRef>
+          <a:effectRef idx="3">
+            <a:schemeClr val="accent4"/>
+          </a:effectRef>
+          <a:fontRef idx="minor">
+            <a:schemeClr val="lt1"/>
+          </a:fontRef>
+        </p:style>
+        <p:txBody>
+          <a:bodyPr rtlCol="0" anchor="ctr"/>
+          <a:lstStyle/>
+          <a:p>
+            <a:pPr algn="ctr"/>
+            <a:r>
+              <a:rPr lang="en-US" altLang="zh-CN" dirty="0" smtClean="0">
+                <a:solidFill>
+                  <a:schemeClr val="tx1"/>
+                </a:solidFill>
+                <a:latin typeface="Times New Roman" panose="02020603050405020304" pitchFamily="18" charset="0"/>
+                <a:cs typeface="Times New Roman" panose="02020603050405020304" pitchFamily="18" charset="0"/>
+              </a:rPr>
+              <a:t>EMCI</a:t>
+            </a:r>
+            <a:endParaRPr lang="zh-CN" altLang="en-US" dirty="0">
+              <a:solidFill>
+                <a:schemeClr val="tx1"/>
+              </a:solidFill>
+              <a:latin typeface="Times New Roman" panose="02020603050405020304" pitchFamily="18" charset="0"/>
+              <a:cs typeface="Times New Roman" panose="02020603050405020304" pitchFamily="18" charset="0"/>
+            </a:endParaRPr>
+          </a:p>
+        </p:txBody>
+      </p:sp>
+      <p:sp>
+        <p:nvSpPr>
+          <p:cNvPr id="8" name="圆角矩形 7"/>
+          <p:cNvSpPr/>
+          <p:nvPr/>
+        </p:nvSpPr>
+        <p:spPr>
+          <a:xfrm>
+            <a:off x="358140" y="2674620"/>
+            <a:ext cx="1234440" cy="426720"/>
+          </a:xfrm>
+          <a:prstGeom prst="roundRect">
+            <a:avLst/>
+          </a:prstGeom>
+        </p:spPr>
+        <p:style>
+          <a:lnRef idx="0">
+            <a:schemeClr val="accent4"/>
+          </a:lnRef>
+          <a:fillRef idx="3">
+            <a:schemeClr val="accent4"/>
+          </a:fillRef>
+          <a:effectRef idx="3">
+            <a:schemeClr val="accent4"/>
+          </a:effectRef>
+          <a:fontRef idx="minor">
+            <a:schemeClr val="lt1"/>
+          </a:fontRef>
+        </p:style>
+        <p:txBody>
+          <a:bodyPr rtlCol="0" anchor="ctr"/>
+          <a:lstStyle/>
+          <a:p>
+            <a:pPr algn="ctr"/>
+            <a:r>
+              <a:rPr lang="en-US" altLang="zh-CN" dirty="0" smtClean="0">
+                <a:solidFill>
+                  <a:schemeClr val="tx1"/>
+                </a:solidFill>
+                <a:latin typeface="Times New Roman" panose="02020603050405020304" pitchFamily="18" charset="0"/>
+                <a:cs typeface="Times New Roman" panose="02020603050405020304" pitchFamily="18" charset="0"/>
+              </a:rPr>
+              <a:t>LMCI</a:t>
+            </a:r>
+            <a:endParaRPr lang="zh-CN" altLang="en-US" dirty="0">
+              <a:solidFill>
+                <a:schemeClr val="tx1"/>
+              </a:solidFill>
+              <a:latin typeface="Times New Roman" panose="02020603050405020304" pitchFamily="18" charset="0"/>
+              <a:cs typeface="Times New Roman" panose="02020603050405020304" pitchFamily="18" charset="0"/>
+            </a:endParaRPr>
+          </a:p>
+        </p:txBody>
+      </p:sp>
+      <p:sp>
+        <p:nvSpPr>
+          <p:cNvPr id="9" name="圆角矩形 8"/>
+          <p:cNvSpPr/>
+          <p:nvPr/>
+        </p:nvSpPr>
+        <p:spPr>
+          <a:xfrm>
+            <a:off x="358140" y="3238500"/>
+            <a:ext cx="1234440" cy="426720"/>
+          </a:xfrm>
+          <a:prstGeom prst="roundRect">
+            <a:avLst/>
+          </a:prstGeom>
+        </p:spPr>
+        <p:style>
+          <a:lnRef idx="0">
+            <a:schemeClr val="accent4"/>
+          </a:lnRef>
+          <a:fillRef idx="3">
+            <a:schemeClr val="accent4"/>
+          </a:fillRef>
+          <a:effectRef idx="3">
+            <a:schemeClr val="accent4"/>
+          </a:effectRef>
+          <a:fontRef idx="minor">
+            <a:schemeClr val="lt1"/>
+          </a:fontRef>
+        </p:style>
+        <p:txBody>
+          <a:bodyPr rtlCol="0" anchor="ctr"/>
+          <a:lstStyle/>
+          <a:p>
+            <a:pPr algn="ctr"/>
+            <a:r>
+              <a:rPr lang="en-US" altLang="zh-CN" dirty="0" smtClean="0">
+                <a:solidFill>
+                  <a:schemeClr val="tx1"/>
+                </a:solidFill>
+                <a:latin typeface="Times New Roman" panose="02020603050405020304" pitchFamily="18" charset="0"/>
+                <a:cs typeface="Times New Roman" panose="02020603050405020304" pitchFamily="18" charset="0"/>
+              </a:rPr>
+              <a:t>AD</a:t>
+            </a:r>
+            <a:endParaRPr lang="zh-CN" altLang="en-US" dirty="0">
+              <a:solidFill>
+                <a:schemeClr val="tx1"/>
+              </a:solidFill>
+              <a:latin typeface="Times New Roman" panose="02020603050405020304" pitchFamily="18" charset="0"/>
+              <a:cs typeface="Times New Roman" panose="02020603050405020304" pitchFamily="18" charset="0"/>
+            </a:endParaRPr>
+          </a:p>
+        </p:txBody>
+      </p:sp>
+    </p:spTree>
+    <p:extLst>
+      <p:ext uri="{BB962C8B-B14F-4D97-AF65-F5344CB8AC3E}">
+        <p14:creationId xmlns:p14="http://schemas.microsoft.com/office/powerpoint/2010/main" val="2942990371"/>
+      </p:ext>
+    </p:extLst>
+  </p:cSld>
+  <p:clrMapOvr>
+    <a:masterClrMapping/>
+  </p:clrMapOvr>
+</p:sld>
+</file>
+
+<file path=ppt/slides/slide7.xml><?xml version="1.0" encoding="utf-8"?>
 <p:sld xmlns:a="http://schemas.openxmlformats.org/drawingml/2006/main" xmlns:r="http://schemas.openxmlformats.org/officeDocument/2006/relationships" xmlns:p="http://schemas.openxmlformats.org/presentationml/2006/main">
   <p:cSld>
     <p:spTree>
@@ -9454,7 +11550,7 @@
 </p:sld>
 </file>
 
-<file path=ppt/slides/slide6.xml><?xml version="1.0" encoding="utf-8"?>
+<file path=ppt/slides/slide8.xml><?xml version="1.0" encoding="utf-8"?>
 <p:sld xmlns:a="http://schemas.openxmlformats.org/drawingml/2006/main" xmlns:r="http://schemas.openxmlformats.org/officeDocument/2006/relationships" xmlns:p="http://schemas.openxmlformats.org/presentationml/2006/main">
   <p:cSld>
     <p:spTree>
@@ -10754,7 +12850,7 @@
 </p:sld>
 </file>
 
-<file path=ppt/slides/slide7.xml><?xml version="1.0" encoding="utf-8"?>
+<file path=ppt/slides/slide9.xml><?xml version="1.0" encoding="utf-8"?>
 <p:sld xmlns:a="http://schemas.openxmlformats.org/drawingml/2006/main" xmlns:r="http://schemas.openxmlformats.org/officeDocument/2006/relationships" xmlns:p="http://schemas.openxmlformats.org/presentationml/2006/main">
   <p:cSld>
     <p:spTree>
@@ -12045,132 +14141,6 @@
     <p:extLst>
       <p:ext uri="{BB962C8B-B14F-4D97-AF65-F5344CB8AC3E}">
         <p14:creationId xmlns:p14="http://schemas.microsoft.com/office/powerpoint/2010/main" val="4152067327"/>
-      </p:ext>
-    </p:extLst>
-  </p:cSld>
-  <p:clrMapOvr>
-    <a:masterClrMapping/>
-  </p:clrMapOvr>
-</p:sld>
-</file>
-
-<file path=ppt/slides/slide8.xml><?xml version="1.0" encoding="utf-8"?>
-<p:sld xmlns:a="http://schemas.openxmlformats.org/drawingml/2006/main" xmlns:r="http://schemas.openxmlformats.org/officeDocument/2006/relationships" xmlns:p="http://schemas.openxmlformats.org/presentationml/2006/main">
-  <p:cSld>
-    <p:spTree>
-      <p:nvGrpSpPr>
-        <p:cNvPr id="1" name=""/>
-        <p:cNvGrpSpPr/>
-        <p:nvPr/>
-      </p:nvGrpSpPr>
-      <p:grpSpPr>
-        <a:xfrm>
-          <a:off x="0" y="0"/>
-          <a:ext cx="0" cy="0"/>
-          <a:chOff x="0" y="0"/>
-          <a:chExt cx="0" cy="0"/>
-        </a:xfrm>
-      </p:grpSpPr>
-      <p:pic>
-        <p:nvPicPr>
-          <p:cNvPr id="4" name="图片 3"/>
-          <p:cNvPicPr>
-            <a:picLocks noChangeAspect="1"/>
-          </p:cNvPicPr>
-          <p:nvPr/>
-        </p:nvPicPr>
-        <p:blipFill>
-          <a:blip r:embed="rId2"/>
-          <a:stretch>
-            <a:fillRect/>
-          </a:stretch>
-        </p:blipFill>
-        <p:spPr>
-          <a:xfrm>
-            <a:off x="257955" y="998909"/>
-            <a:ext cx="3496455" cy="4792291"/>
-          </a:xfrm>
-          <a:prstGeom prst="rect">
-            <a:avLst/>
-          </a:prstGeom>
-        </p:spPr>
-      </p:pic>
-      <p:pic>
-        <p:nvPicPr>
-          <p:cNvPr id="5" name="图片 4"/>
-          <p:cNvPicPr>
-            <a:picLocks noChangeAspect="1"/>
-          </p:cNvPicPr>
-          <p:nvPr/>
-        </p:nvPicPr>
-        <p:blipFill>
-          <a:blip r:embed="rId3"/>
-          <a:stretch>
-            <a:fillRect/>
-          </a:stretch>
-        </p:blipFill>
-        <p:spPr>
-          <a:xfrm>
-            <a:off x="3754410" y="998908"/>
-            <a:ext cx="3496455" cy="4792291"/>
-          </a:xfrm>
-          <a:prstGeom prst="rect">
-            <a:avLst/>
-          </a:prstGeom>
-        </p:spPr>
-      </p:pic>
-      <p:pic>
-        <p:nvPicPr>
-          <p:cNvPr id="6" name="图片 5"/>
-          <p:cNvPicPr>
-            <a:picLocks noChangeAspect="1"/>
-          </p:cNvPicPr>
-          <p:nvPr/>
-        </p:nvPicPr>
-        <p:blipFill>
-          <a:blip r:embed="rId4"/>
-          <a:stretch>
-            <a:fillRect/>
-          </a:stretch>
-        </p:blipFill>
-        <p:spPr>
-          <a:xfrm>
-            <a:off x="7250865" y="998909"/>
-            <a:ext cx="3125035" cy="2379292"/>
-          </a:xfrm>
-          <a:prstGeom prst="rect">
-            <a:avLst/>
-          </a:prstGeom>
-        </p:spPr>
-      </p:pic>
-      <p:pic>
-        <p:nvPicPr>
-          <p:cNvPr id="7" name="图片 6"/>
-          <p:cNvPicPr>
-            <a:picLocks noChangeAspect="1"/>
-          </p:cNvPicPr>
-          <p:nvPr/>
-        </p:nvPicPr>
-        <p:blipFill>
-          <a:blip r:embed="rId5"/>
-          <a:stretch>
-            <a:fillRect/>
-          </a:stretch>
-        </p:blipFill>
-        <p:spPr>
-          <a:xfrm>
-            <a:off x="7250865" y="3378202"/>
-            <a:ext cx="3125035" cy="2412998"/>
-          </a:xfrm>
-          <a:prstGeom prst="rect">
-            <a:avLst/>
-          </a:prstGeom>
-        </p:spPr>
-      </p:pic>
-    </p:spTree>
-    <p:extLst>
-      <p:ext uri="{BB962C8B-B14F-4D97-AF65-F5344CB8AC3E}">
-        <p14:creationId xmlns:p14="http://schemas.microsoft.com/office/powerpoint/2010/main" val="3101362485"/>
       </p:ext>
     </p:extLst>
   </p:cSld>

--- a/Figures/fig.pptx
+++ b/Figures/fig.pptx
@@ -254,7 +254,7 @@
           <a:p>
             <a:fld id="{F1D0647C-2153-44FD-848F-A4005B24B117}" type="datetimeFigureOut">
               <a:rPr lang="zh-CN" altLang="en-US" smtClean="0"/>
-              <a:t>2018/10/25</a:t>
+              <a:t>2018/12/2</a:t>
             </a:fld>
             <a:endParaRPr lang="zh-CN" altLang="en-US"/>
           </a:p>
@@ -424,7 +424,7 @@
           <a:p>
             <a:fld id="{F1D0647C-2153-44FD-848F-A4005B24B117}" type="datetimeFigureOut">
               <a:rPr lang="zh-CN" altLang="en-US" smtClean="0"/>
-              <a:t>2018/10/25</a:t>
+              <a:t>2018/12/2</a:t>
             </a:fld>
             <a:endParaRPr lang="zh-CN" altLang="en-US"/>
           </a:p>
@@ -604,7 +604,7 @@
           <a:p>
             <a:fld id="{F1D0647C-2153-44FD-848F-A4005B24B117}" type="datetimeFigureOut">
               <a:rPr lang="zh-CN" altLang="en-US" smtClean="0"/>
-              <a:t>2018/10/25</a:t>
+              <a:t>2018/12/2</a:t>
             </a:fld>
             <a:endParaRPr lang="zh-CN" altLang="en-US"/>
           </a:p>
@@ -774,7 +774,7 @@
           <a:p>
             <a:fld id="{F1D0647C-2153-44FD-848F-A4005B24B117}" type="datetimeFigureOut">
               <a:rPr lang="zh-CN" altLang="en-US" smtClean="0"/>
-              <a:t>2018/10/25</a:t>
+              <a:t>2018/12/2</a:t>
             </a:fld>
             <a:endParaRPr lang="zh-CN" altLang="en-US"/>
           </a:p>
@@ -1020,7 +1020,7 @@
           <a:p>
             <a:fld id="{F1D0647C-2153-44FD-848F-A4005B24B117}" type="datetimeFigureOut">
               <a:rPr lang="zh-CN" altLang="en-US" smtClean="0"/>
-              <a:t>2018/10/25</a:t>
+              <a:t>2018/12/2</a:t>
             </a:fld>
             <a:endParaRPr lang="zh-CN" altLang="en-US"/>
           </a:p>
@@ -1252,7 +1252,7 @@
           <a:p>
             <a:fld id="{F1D0647C-2153-44FD-848F-A4005B24B117}" type="datetimeFigureOut">
               <a:rPr lang="zh-CN" altLang="en-US" smtClean="0"/>
-              <a:t>2018/10/25</a:t>
+              <a:t>2018/12/2</a:t>
             </a:fld>
             <a:endParaRPr lang="zh-CN" altLang="en-US"/>
           </a:p>
@@ -1619,7 +1619,7 @@
           <a:p>
             <a:fld id="{F1D0647C-2153-44FD-848F-A4005B24B117}" type="datetimeFigureOut">
               <a:rPr lang="zh-CN" altLang="en-US" smtClean="0"/>
-              <a:t>2018/10/25</a:t>
+              <a:t>2018/12/2</a:t>
             </a:fld>
             <a:endParaRPr lang="zh-CN" altLang="en-US"/>
           </a:p>
@@ -1737,7 +1737,7 @@
           <a:p>
             <a:fld id="{F1D0647C-2153-44FD-848F-A4005B24B117}" type="datetimeFigureOut">
               <a:rPr lang="zh-CN" altLang="en-US" smtClean="0"/>
-              <a:t>2018/10/25</a:t>
+              <a:t>2018/12/2</a:t>
             </a:fld>
             <a:endParaRPr lang="zh-CN" altLang="en-US"/>
           </a:p>
@@ -1832,7 +1832,7 @@
           <a:p>
             <a:fld id="{F1D0647C-2153-44FD-848F-A4005B24B117}" type="datetimeFigureOut">
               <a:rPr lang="zh-CN" altLang="en-US" smtClean="0"/>
-              <a:t>2018/10/25</a:t>
+              <a:t>2018/12/2</a:t>
             </a:fld>
             <a:endParaRPr lang="zh-CN" altLang="en-US"/>
           </a:p>
@@ -2109,7 +2109,7 @@
           <a:p>
             <a:fld id="{F1D0647C-2153-44FD-848F-A4005B24B117}" type="datetimeFigureOut">
               <a:rPr lang="zh-CN" altLang="en-US" smtClean="0"/>
-              <a:t>2018/10/25</a:t>
+              <a:t>2018/12/2</a:t>
             </a:fld>
             <a:endParaRPr lang="zh-CN" altLang="en-US"/>
           </a:p>
@@ -2362,7 +2362,7 @@
           <a:p>
             <a:fld id="{F1D0647C-2153-44FD-848F-A4005B24B117}" type="datetimeFigureOut">
               <a:rPr lang="zh-CN" altLang="en-US" smtClean="0"/>
-              <a:t>2018/10/25</a:t>
+              <a:t>2018/12/2</a:t>
             </a:fld>
             <a:endParaRPr lang="zh-CN" altLang="en-US"/>
           </a:p>
@@ -2575,7 +2575,7 @@
           <a:p>
             <a:fld id="{F1D0647C-2153-44FD-848F-A4005B24B117}" type="datetimeFigureOut">
               <a:rPr lang="zh-CN" altLang="en-US" smtClean="0"/>
-              <a:t>2018/10/25</a:t>
+              <a:t>2018/12/2</a:t>
             </a:fld>
             <a:endParaRPr lang="zh-CN" altLang="en-US"/>
           </a:p>
@@ -2989,7 +2989,7 @@
         <p:spPr>
           <a:xfrm>
             <a:off x="8327021" y="0"/>
-            <a:ext cx="2392087" cy="3734932"/>
+            <a:ext cx="3069601" cy="3734932"/>
           </a:xfrm>
           <a:prstGeom prst="rect">
             <a:avLst/>
@@ -3026,29 +3026,419 @@
           </a:p>
         </p:txBody>
       </p:sp>
+      <p:sp>
+        <p:nvSpPr>
+          <p:cNvPr id="37" name="文本框 36"/>
+          <p:cNvSpPr txBox="1"/>
+          <p:nvPr/>
+        </p:nvSpPr>
+        <p:spPr>
+          <a:xfrm>
+            <a:off x="8832053" y="3008000"/>
+            <a:ext cx="1887055" cy="461665"/>
+          </a:xfrm>
+          <a:prstGeom prst="rect">
+            <a:avLst/>
+          </a:prstGeom>
+          <a:noFill/>
+        </p:spPr>
+        <p:txBody>
+          <a:bodyPr wrap="none" rtlCol="0">
+            <a:spAutoFit/>
+          </a:bodyPr>
+          <a:lstStyle/>
+          <a:p>
+            <a:r>
+              <a:rPr lang="en-US" altLang="zh-CN" sz="2400" dirty="0" smtClean="0">
+                <a:solidFill>
+                  <a:schemeClr val="bg1"/>
+                </a:solidFill>
+                <a:latin typeface="Times New Roman" panose="02020603050405020304" pitchFamily="18" charset="0"/>
+                <a:cs typeface="Times New Roman" panose="02020603050405020304" pitchFamily="18" charset="0"/>
+              </a:rPr>
+              <a:t>EMCI vs. HC</a:t>
+            </a:r>
+            <a:endParaRPr lang="zh-CN" altLang="en-US" sz="2400" dirty="0">
+              <a:solidFill>
+                <a:schemeClr val="bg1"/>
+              </a:solidFill>
+              <a:latin typeface="Times New Roman" panose="02020603050405020304" pitchFamily="18" charset="0"/>
+              <a:cs typeface="Times New Roman" panose="02020603050405020304" pitchFamily="18" charset="0"/>
+            </a:endParaRPr>
+          </a:p>
+        </p:txBody>
+      </p:sp>
+      <p:pic>
+        <p:nvPicPr>
+          <p:cNvPr id="29" name="图片 28"/>
+          <p:cNvPicPr>
+            <a:picLocks noChangeAspect="1"/>
+          </p:cNvPicPr>
+          <p:nvPr/>
+        </p:nvPicPr>
+        <p:blipFill>
+          <a:blip r:embed="rId2"/>
+          <a:stretch>
+            <a:fillRect/>
+          </a:stretch>
+        </p:blipFill>
+        <p:spPr>
+          <a:xfrm>
+            <a:off x="5445944" y="0"/>
+            <a:ext cx="2889097" cy="1875622"/>
+          </a:xfrm>
+          <a:prstGeom prst="rect">
+            <a:avLst/>
+          </a:prstGeom>
+        </p:spPr>
+      </p:pic>
+      <p:pic>
+        <p:nvPicPr>
+          <p:cNvPr id="30" name="图片 29"/>
+          <p:cNvPicPr>
+            <a:picLocks noChangeAspect="1"/>
+          </p:cNvPicPr>
+          <p:nvPr/>
+        </p:nvPicPr>
+        <p:blipFill>
+          <a:blip r:embed="rId3"/>
+          <a:stretch>
+            <a:fillRect/>
+          </a:stretch>
+        </p:blipFill>
+        <p:spPr>
+          <a:xfrm>
+            <a:off x="5445944" y="1875622"/>
+            <a:ext cx="2889098" cy="1859310"/>
+          </a:xfrm>
+          <a:prstGeom prst="rect">
+            <a:avLst/>
+          </a:prstGeom>
+        </p:spPr>
+      </p:pic>
+      <p:sp>
+        <p:nvSpPr>
+          <p:cNvPr id="35" name="文本框 34"/>
+          <p:cNvSpPr txBox="1"/>
+          <p:nvPr/>
+        </p:nvSpPr>
+        <p:spPr>
+          <a:xfrm>
+            <a:off x="5377751" y="0"/>
+            <a:ext cx="372218" cy="461665"/>
+          </a:xfrm>
+          <a:prstGeom prst="rect">
+            <a:avLst/>
+          </a:prstGeom>
+          <a:noFill/>
+        </p:spPr>
+        <p:txBody>
+          <a:bodyPr wrap="none" rtlCol="0">
+            <a:spAutoFit/>
+          </a:bodyPr>
+          <a:lstStyle/>
+          <a:p>
+            <a:r>
+              <a:rPr lang="en-US" altLang="zh-CN" sz="2400" dirty="0">
+                <a:solidFill>
+                  <a:schemeClr val="bg1"/>
+                </a:solidFill>
+                <a:latin typeface="Times New Roman" panose="02020603050405020304" pitchFamily="18" charset="0"/>
+                <a:cs typeface="Times New Roman" panose="02020603050405020304" pitchFamily="18" charset="0"/>
+              </a:rPr>
+              <a:t>E</a:t>
+            </a:r>
+            <a:endParaRPr lang="zh-CN" altLang="en-US" sz="2400" dirty="0">
+              <a:solidFill>
+                <a:schemeClr val="bg1"/>
+              </a:solidFill>
+              <a:latin typeface="Times New Roman" panose="02020603050405020304" pitchFamily="18" charset="0"/>
+              <a:cs typeface="Times New Roman" panose="02020603050405020304" pitchFamily="18" charset="0"/>
+            </a:endParaRPr>
+          </a:p>
+        </p:txBody>
+      </p:sp>
+      <p:sp>
+        <p:nvSpPr>
+          <p:cNvPr id="36" name="文本框 35"/>
+          <p:cNvSpPr txBox="1"/>
+          <p:nvPr/>
+        </p:nvSpPr>
+        <p:spPr>
+          <a:xfrm>
+            <a:off x="5377751" y="1867466"/>
+            <a:ext cx="356188" cy="461665"/>
+          </a:xfrm>
+          <a:prstGeom prst="rect">
+            <a:avLst/>
+          </a:prstGeom>
+          <a:noFill/>
+        </p:spPr>
+        <p:txBody>
+          <a:bodyPr wrap="none" rtlCol="0">
+            <a:spAutoFit/>
+          </a:bodyPr>
+          <a:lstStyle/>
+          <a:p>
+            <a:r>
+              <a:rPr lang="en-US" altLang="zh-CN" sz="2400" dirty="0" smtClean="0">
+                <a:solidFill>
+                  <a:schemeClr val="bg1"/>
+                </a:solidFill>
+                <a:latin typeface="Times New Roman" panose="02020603050405020304" pitchFamily="18" charset="0"/>
+                <a:cs typeface="Times New Roman" panose="02020603050405020304" pitchFamily="18" charset="0"/>
+              </a:rPr>
+              <a:t>F</a:t>
+            </a:r>
+            <a:endParaRPr lang="zh-CN" altLang="en-US" sz="2400" dirty="0">
+              <a:solidFill>
+                <a:schemeClr val="bg1"/>
+              </a:solidFill>
+              <a:latin typeface="Times New Roman" panose="02020603050405020304" pitchFamily="18" charset="0"/>
+              <a:cs typeface="Times New Roman" panose="02020603050405020304" pitchFamily="18" charset="0"/>
+            </a:endParaRPr>
+          </a:p>
+        </p:txBody>
+      </p:sp>
+      <p:pic>
+        <p:nvPicPr>
+          <p:cNvPr id="43" name="图片 42"/>
+          <p:cNvPicPr>
+            <a:picLocks noChangeAspect="1"/>
+          </p:cNvPicPr>
+          <p:nvPr/>
+        </p:nvPicPr>
+        <p:blipFill>
+          <a:blip r:embed="rId4"/>
+          <a:stretch>
+            <a:fillRect/>
+          </a:stretch>
+        </p:blipFill>
+        <p:spPr>
+          <a:xfrm>
+            <a:off x="1" y="1"/>
+            <a:ext cx="2621352" cy="3734932"/>
+          </a:xfrm>
+          <a:prstGeom prst="rect">
+            <a:avLst/>
+          </a:prstGeom>
+        </p:spPr>
+      </p:pic>
+      <p:sp>
+        <p:nvSpPr>
+          <p:cNvPr id="31" name="文本框 30"/>
+          <p:cNvSpPr txBox="1"/>
+          <p:nvPr/>
+        </p:nvSpPr>
+        <p:spPr>
+          <a:xfrm>
+            <a:off x="-1505" y="0"/>
+            <a:ext cx="407484" cy="461665"/>
+          </a:xfrm>
+          <a:prstGeom prst="rect">
+            <a:avLst/>
+          </a:prstGeom>
+          <a:noFill/>
+        </p:spPr>
+        <p:txBody>
+          <a:bodyPr wrap="none" rtlCol="0">
+            <a:spAutoFit/>
+          </a:bodyPr>
+          <a:lstStyle/>
+          <a:p>
+            <a:r>
+              <a:rPr lang="en-US" altLang="zh-CN" sz="2400" dirty="0" smtClean="0">
+                <a:solidFill>
+                  <a:schemeClr val="bg1"/>
+                </a:solidFill>
+                <a:latin typeface="Times New Roman" panose="02020603050405020304" pitchFamily="18" charset="0"/>
+                <a:cs typeface="Times New Roman" panose="02020603050405020304" pitchFamily="18" charset="0"/>
+              </a:rPr>
+              <a:t>A</a:t>
+            </a:r>
+            <a:endParaRPr lang="zh-CN" altLang="en-US" sz="2400" dirty="0">
+              <a:solidFill>
+                <a:schemeClr val="bg1"/>
+              </a:solidFill>
+              <a:latin typeface="Times New Roman" panose="02020603050405020304" pitchFamily="18" charset="0"/>
+              <a:cs typeface="Times New Roman" panose="02020603050405020304" pitchFamily="18" charset="0"/>
+            </a:endParaRPr>
+          </a:p>
+        </p:txBody>
+      </p:sp>
+      <p:sp>
+        <p:nvSpPr>
+          <p:cNvPr id="32" name="文本框 31"/>
+          <p:cNvSpPr txBox="1"/>
+          <p:nvPr/>
+        </p:nvSpPr>
+        <p:spPr>
+          <a:xfrm>
+            <a:off x="-1505" y="1867466"/>
+            <a:ext cx="389850" cy="461665"/>
+          </a:xfrm>
+          <a:prstGeom prst="rect">
+            <a:avLst/>
+          </a:prstGeom>
+          <a:noFill/>
+        </p:spPr>
+        <p:txBody>
+          <a:bodyPr wrap="none" rtlCol="0">
+            <a:spAutoFit/>
+          </a:bodyPr>
+          <a:lstStyle/>
+          <a:p>
+            <a:r>
+              <a:rPr lang="en-US" altLang="zh-CN" sz="2400" dirty="0">
+                <a:solidFill>
+                  <a:schemeClr val="bg1"/>
+                </a:solidFill>
+                <a:latin typeface="Times New Roman" panose="02020603050405020304" pitchFamily="18" charset="0"/>
+                <a:cs typeface="Times New Roman" panose="02020603050405020304" pitchFamily="18" charset="0"/>
+              </a:rPr>
+              <a:t>B</a:t>
+            </a:r>
+            <a:endParaRPr lang="zh-CN" altLang="en-US" sz="2400" dirty="0">
+              <a:solidFill>
+                <a:schemeClr val="bg1"/>
+              </a:solidFill>
+              <a:latin typeface="Times New Roman" panose="02020603050405020304" pitchFamily="18" charset="0"/>
+              <a:cs typeface="Times New Roman" panose="02020603050405020304" pitchFamily="18" charset="0"/>
+            </a:endParaRPr>
+          </a:p>
+        </p:txBody>
+      </p:sp>
+      <p:pic>
+        <p:nvPicPr>
+          <p:cNvPr id="44" name="图片 43"/>
+          <p:cNvPicPr>
+            <a:picLocks noChangeAspect="1"/>
+          </p:cNvPicPr>
+          <p:nvPr/>
+        </p:nvPicPr>
+        <p:blipFill>
+          <a:blip r:embed="rId5"/>
+          <a:stretch>
+            <a:fillRect/>
+          </a:stretch>
+        </p:blipFill>
+        <p:spPr>
+          <a:xfrm>
+            <a:off x="2604164" y="1"/>
+            <a:ext cx="2841779" cy="3734932"/>
+          </a:xfrm>
+          <a:prstGeom prst="rect">
+            <a:avLst/>
+          </a:prstGeom>
+        </p:spPr>
+      </p:pic>
+      <p:sp>
+        <p:nvSpPr>
+          <p:cNvPr id="33" name="文本框 32"/>
+          <p:cNvSpPr txBox="1"/>
+          <p:nvPr/>
+        </p:nvSpPr>
+        <p:spPr>
+          <a:xfrm>
+            <a:off x="2638986" y="0"/>
+            <a:ext cx="389850" cy="461665"/>
+          </a:xfrm>
+          <a:prstGeom prst="rect">
+            <a:avLst/>
+          </a:prstGeom>
+          <a:noFill/>
+        </p:spPr>
+        <p:txBody>
+          <a:bodyPr wrap="none" rtlCol="0">
+            <a:spAutoFit/>
+          </a:bodyPr>
+          <a:lstStyle/>
+          <a:p>
+            <a:r>
+              <a:rPr lang="en-US" altLang="zh-CN" sz="2400" dirty="0" smtClean="0">
+                <a:solidFill>
+                  <a:schemeClr val="bg1"/>
+                </a:solidFill>
+                <a:latin typeface="Times New Roman" panose="02020603050405020304" pitchFamily="18" charset="0"/>
+                <a:cs typeface="Times New Roman" panose="02020603050405020304" pitchFamily="18" charset="0"/>
+              </a:rPr>
+              <a:t>C</a:t>
+            </a:r>
+            <a:endParaRPr lang="zh-CN" altLang="en-US" sz="2400" dirty="0">
+              <a:solidFill>
+                <a:schemeClr val="bg1"/>
+              </a:solidFill>
+              <a:latin typeface="Times New Roman" panose="02020603050405020304" pitchFamily="18" charset="0"/>
+              <a:cs typeface="Times New Roman" panose="02020603050405020304" pitchFamily="18" charset="0"/>
+            </a:endParaRPr>
+          </a:p>
+        </p:txBody>
+      </p:sp>
+      <p:sp>
+        <p:nvSpPr>
+          <p:cNvPr id="34" name="文本框 33"/>
+          <p:cNvSpPr txBox="1"/>
+          <p:nvPr/>
+        </p:nvSpPr>
+        <p:spPr>
+          <a:xfrm>
+            <a:off x="2638986" y="1867466"/>
+            <a:ext cx="407484" cy="461665"/>
+          </a:xfrm>
+          <a:prstGeom prst="rect">
+            <a:avLst/>
+          </a:prstGeom>
+          <a:noFill/>
+        </p:spPr>
+        <p:txBody>
+          <a:bodyPr wrap="none" rtlCol="0">
+            <a:spAutoFit/>
+          </a:bodyPr>
+          <a:lstStyle/>
+          <a:p>
+            <a:r>
+              <a:rPr lang="en-US" altLang="zh-CN" sz="2400" dirty="0" smtClean="0">
+                <a:solidFill>
+                  <a:schemeClr val="bg1"/>
+                </a:solidFill>
+                <a:latin typeface="Times New Roman" panose="02020603050405020304" pitchFamily="18" charset="0"/>
+                <a:cs typeface="Times New Roman" panose="02020603050405020304" pitchFamily="18" charset="0"/>
+              </a:rPr>
+              <a:t>D</a:t>
+            </a:r>
+            <a:endParaRPr lang="zh-CN" altLang="en-US" sz="2400" dirty="0">
+              <a:solidFill>
+                <a:schemeClr val="bg1"/>
+              </a:solidFill>
+              <a:latin typeface="Times New Roman" panose="02020603050405020304" pitchFamily="18" charset="0"/>
+              <a:cs typeface="Times New Roman" panose="02020603050405020304" pitchFamily="18" charset="0"/>
+            </a:endParaRPr>
+          </a:p>
+        </p:txBody>
+      </p:sp>
       <p:grpSp>
         <p:nvGrpSpPr>
-          <p:cNvPr id="23" name="组合 22"/>
+          <p:cNvPr id="38" name="组合 37"/>
           <p:cNvGrpSpPr/>
           <p:nvPr/>
         </p:nvGrpSpPr>
         <p:grpSpPr>
           <a:xfrm>
-            <a:off x="8489276" y="523016"/>
-            <a:ext cx="2239357" cy="2283161"/>
-            <a:chOff x="7443416" y="1206723"/>
-            <a:chExt cx="2239357" cy="2283161"/>
+            <a:off x="8489276" y="101600"/>
+            <a:ext cx="2858161" cy="2929120"/>
+            <a:chOff x="8489276" y="476835"/>
+            <a:chExt cx="2788425" cy="2375494"/>
           </a:xfrm>
         </p:grpSpPr>
         <p:sp>
           <p:nvSpPr>
-            <p:cNvPr id="4" name="矩形 3"/>
+            <p:cNvPr id="39" name="矩形 38"/>
             <p:cNvSpPr/>
             <p:nvPr/>
           </p:nvSpPr>
           <p:spPr>
             <a:xfrm>
-              <a:off x="7448539" y="1265426"/>
+              <a:off x="8494399" y="581719"/>
               <a:ext cx="369277" cy="158262"/>
             </a:xfrm>
             <a:prstGeom prst="rect">
@@ -3091,13 +3481,13 @@
         </p:sp>
         <p:sp>
           <p:nvSpPr>
-            <p:cNvPr id="5" name="矩形 4"/>
+            <p:cNvPr id="40" name="矩形 39"/>
             <p:cNvSpPr/>
             <p:nvPr/>
           </p:nvSpPr>
           <p:spPr>
             <a:xfrm>
-              <a:off x="7443416" y="1516008"/>
+              <a:off x="8489276" y="832301"/>
               <a:ext cx="369277" cy="158262"/>
             </a:xfrm>
             <a:prstGeom prst="rect">
@@ -3140,13 +3530,13 @@
         </p:sp>
         <p:sp>
           <p:nvSpPr>
-            <p:cNvPr id="6" name="矩形 5"/>
+            <p:cNvPr id="41" name="矩形 40"/>
             <p:cNvSpPr/>
             <p:nvPr/>
           </p:nvSpPr>
           <p:spPr>
             <a:xfrm>
-              <a:off x="7443416" y="1766590"/>
+              <a:off x="8489276" y="1082883"/>
               <a:ext cx="369277" cy="158262"/>
             </a:xfrm>
             <a:prstGeom prst="rect">
@@ -3189,13 +3579,13 @@
         </p:sp>
         <p:sp>
           <p:nvSpPr>
-            <p:cNvPr id="7" name="矩形 6"/>
+            <p:cNvPr id="42" name="矩形 41"/>
             <p:cNvSpPr/>
             <p:nvPr/>
           </p:nvSpPr>
           <p:spPr>
             <a:xfrm>
-              <a:off x="7443416" y="2017171"/>
+              <a:off x="8489276" y="1333464"/>
               <a:ext cx="369277" cy="158262"/>
             </a:xfrm>
             <a:prstGeom prst="rect">
@@ -3238,13 +3628,13 @@
         </p:sp>
         <p:sp>
           <p:nvSpPr>
-            <p:cNvPr id="8" name="矩形 7"/>
+            <p:cNvPr id="45" name="矩形 44"/>
             <p:cNvSpPr/>
             <p:nvPr/>
           </p:nvSpPr>
           <p:spPr>
             <a:xfrm>
-              <a:off x="7443416" y="2267753"/>
+              <a:off x="8489276" y="1584046"/>
               <a:ext cx="369277" cy="158262"/>
             </a:xfrm>
             <a:prstGeom prst="rect">
@@ -3287,13 +3677,13 @@
         </p:sp>
         <p:sp>
           <p:nvSpPr>
-            <p:cNvPr id="9" name="矩形 8"/>
+            <p:cNvPr id="46" name="矩形 45"/>
             <p:cNvSpPr/>
             <p:nvPr/>
           </p:nvSpPr>
           <p:spPr>
             <a:xfrm>
-              <a:off x="7443416" y="2518335"/>
+              <a:off x="8489276" y="1834628"/>
               <a:ext cx="369277" cy="158262"/>
             </a:xfrm>
             <a:prstGeom prst="rect">
@@ -3336,13 +3726,13 @@
         </p:sp>
         <p:sp>
           <p:nvSpPr>
-            <p:cNvPr id="10" name="矩形 9"/>
+            <p:cNvPr id="47" name="矩形 46"/>
             <p:cNvSpPr/>
             <p:nvPr/>
           </p:nvSpPr>
           <p:spPr>
             <a:xfrm>
-              <a:off x="7443416" y="2768917"/>
+              <a:off x="8489276" y="2085210"/>
               <a:ext cx="369277" cy="158262"/>
             </a:xfrm>
             <a:prstGeom prst="rect">
@@ -3385,13 +3775,13 @@
         </p:sp>
         <p:sp>
           <p:nvSpPr>
-            <p:cNvPr id="11" name="矩形 10"/>
+            <p:cNvPr id="48" name="矩形 47"/>
             <p:cNvSpPr/>
             <p:nvPr/>
           </p:nvSpPr>
           <p:spPr>
             <a:xfrm>
-              <a:off x="7443416" y="3019498"/>
+              <a:off x="8489276" y="2335791"/>
               <a:ext cx="369277" cy="158262"/>
             </a:xfrm>
             <a:prstGeom prst="rect">
@@ -3434,13 +3824,13 @@
         </p:sp>
         <p:sp>
           <p:nvSpPr>
-            <p:cNvPr id="12" name="矩形 11"/>
+            <p:cNvPr id="49" name="矩形 48"/>
             <p:cNvSpPr/>
             <p:nvPr/>
           </p:nvSpPr>
           <p:spPr>
             <a:xfrm>
-              <a:off x="7443416" y="3270078"/>
+              <a:off x="8489276" y="2586371"/>
               <a:ext cx="369277" cy="158262"/>
             </a:xfrm>
             <a:prstGeom prst="rect">
@@ -3483,14 +3873,14 @@
         </p:sp>
         <p:sp>
           <p:nvSpPr>
-            <p:cNvPr id="13" name="文本框 12"/>
+            <p:cNvPr id="50" name="文本框 49"/>
             <p:cNvSpPr txBox="1"/>
             <p:nvPr/>
           </p:nvSpPr>
           <p:spPr>
             <a:xfrm>
-              <a:off x="8975528" y="1206723"/>
-              <a:ext cx="707245" cy="276999"/>
+              <a:off x="8906539" y="476835"/>
+              <a:ext cx="966931" cy="369332"/>
             </a:xfrm>
             <a:prstGeom prst="rect">
               <a:avLst/>
@@ -3504,7 +3894,7 @@
             <a:lstStyle/>
             <a:p>
               <a:r>
-                <a:rPr lang="en-US" altLang="zh-CN" sz="1200" dirty="0" smtClean="0">
+                <a:rPr lang="en-US" altLang="zh-CN" dirty="0" smtClean="0">
                   <a:solidFill>
                     <a:schemeClr val="bg1"/>
                   </a:solidFill>
@@ -3513,7 +3903,7 @@
                 </a:rPr>
                 <a:t>Strength</a:t>
               </a:r>
-              <a:endParaRPr lang="zh-CN" altLang="en-US" sz="1200" dirty="0">
+              <a:endParaRPr lang="zh-CN" altLang="en-US" dirty="0">
                 <a:solidFill>
                   <a:schemeClr val="bg1"/>
                 </a:solidFill>
@@ -3525,14 +3915,14 @@
         </p:sp>
         <p:sp>
           <p:nvSpPr>
-            <p:cNvPr id="14" name="文本框 13"/>
+            <p:cNvPr id="51" name="文本框 50"/>
             <p:cNvSpPr txBox="1"/>
             <p:nvPr/>
           </p:nvSpPr>
           <p:spPr>
             <a:xfrm>
-              <a:off x="8123885" y="1457493"/>
-              <a:ext cx="1558888" cy="276999"/>
+              <a:off x="8906539" y="727605"/>
+              <a:ext cx="2238754" cy="369332"/>
             </a:xfrm>
             <a:prstGeom prst="rect">
               <a:avLst/>
@@ -3546,7 +3936,7 @@
             <a:lstStyle/>
             <a:p>
               <a:r>
-                <a:rPr lang="en-US" altLang="zh-CN" sz="1200" dirty="0" smtClean="0">
+                <a:rPr lang="en-US" altLang="zh-CN" dirty="0" smtClean="0">
                   <a:solidFill>
                     <a:schemeClr val="bg1"/>
                   </a:solidFill>
@@ -3555,7 +3945,7 @@
                 </a:rPr>
                 <a:t>Clustering Coefficient</a:t>
               </a:r>
-              <a:endParaRPr lang="zh-CN" altLang="en-US" sz="1200" dirty="0">
+              <a:endParaRPr lang="zh-CN" altLang="en-US" dirty="0">
                 <a:solidFill>
                   <a:schemeClr val="bg1"/>
                 </a:solidFill>
@@ -3567,14 +3957,14 @@
         </p:sp>
         <p:sp>
           <p:nvSpPr>
-            <p:cNvPr id="15" name="文本框 14"/>
+            <p:cNvPr id="52" name="文本框 51"/>
             <p:cNvSpPr txBox="1"/>
             <p:nvPr/>
           </p:nvSpPr>
           <p:spPr>
             <a:xfrm>
-              <a:off x="8465324" y="1708263"/>
-              <a:ext cx="1217449" cy="276999"/>
+              <a:off x="8906539" y="978375"/>
+              <a:ext cx="1725793" cy="369332"/>
             </a:xfrm>
             <a:prstGeom prst="rect">
               <a:avLst/>
@@ -3588,7 +3978,7 @@
             <a:lstStyle/>
             <a:p>
               <a:r>
-                <a:rPr lang="en-US" altLang="zh-CN" sz="1200" dirty="0" smtClean="0">
+                <a:rPr lang="en-US" altLang="zh-CN" dirty="0" smtClean="0">
                   <a:solidFill>
                     <a:schemeClr val="bg1"/>
                   </a:solidFill>
@@ -3597,7 +3987,7 @@
                 </a:rPr>
                 <a:t>Local Efficiency</a:t>
               </a:r>
-              <a:endParaRPr lang="zh-CN" altLang="en-US" sz="1200" dirty="0">
+              <a:endParaRPr lang="zh-CN" altLang="en-US" dirty="0">
                 <a:solidFill>
                   <a:schemeClr val="bg1"/>
                 </a:solidFill>
@@ -3609,14 +3999,14 @@
         </p:sp>
         <p:sp>
           <p:nvSpPr>
-            <p:cNvPr id="16" name="文本框 15"/>
+            <p:cNvPr id="53" name="文本框 52"/>
             <p:cNvSpPr txBox="1"/>
             <p:nvPr/>
           </p:nvSpPr>
           <p:spPr>
             <a:xfrm>
-              <a:off x="8036168" y="1959033"/>
-              <a:ext cx="1646605" cy="276999"/>
+              <a:off x="8906539" y="1229145"/>
+              <a:ext cx="2371162" cy="369332"/>
             </a:xfrm>
             <a:prstGeom prst="rect">
               <a:avLst/>
@@ -3630,7 +4020,7 @@
             <a:lstStyle/>
             <a:p>
               <a:r>
-                <a:rPr lang="en-US" altLang="zh-CN" sz="1200" dirty="0" smtClean="0">
+                <a:rPr lang="en-US" altLang="zh-CN" dirty="0" smtClean="0">
                   <a:solidFill>
                     <a:schemeClr val="bg1"/>
                   </a:solidFill>
@@ -3639,7 +4029,7 @@
                 </a:rPr>
                 <a:t>Betweenness Centrality</a:t>
               </a:r>
-              <a:endParaRPr lang="zh-CN" altLang="en-US" sz="1200" dirty="0">
+              <a:endParaRPr lang="zh-CN" altLang="en-US" dirty="0">
                 <a:solidFill>
                   <a:schemeClr val="bg1"/>
                 </a:solidFill>
@@ -3651,14 +4041,14 @@
         </p:sp>
         <p:sp>
           <p:nvSpPr>
-            <p:cNvPr id="17" name="文本框 16"/>
+            <p:cNvPr id="54" name="文本框 53"/>
             <p:cNvSpPr txBox="1"/>
             <p:nvPr/>
           </p:nvSpPr>
           <p:spPr>
             <a:xfrm>
-              <a:off x="8093876" y="2209803"/>
-              <a:ext cx="1588897" cy="276999"/>
+              <a:off x="8906539" y="1479915"/>
+              <a:ext cx="2281394" cy="369332"/>
             </a:xfrm>
             <a:prstGeom prst="rect">
               <a:avLst/>
@@ -3672,7 +4062,7 @@
             <a:lstStyle/>
             <a:p>
               <a:r>
-                <a:rPr lang="en-US" altLang="zh-CN" sz="1200" dirty="0" smtClean="0">
+                <a:rPr lang="en-US" altLang="zh-CN" dirty="0" smtClean="0">
                   <a:solidFill>
                     <a:schemeClr val="bg1"/>
                   </a:solidFill>
@@ -3681,7 +4071,7 @@
                 </a:rPr>
                 <a:t>Eigenvector Centrality</a:t>
               </a:r>
-              <a:endParaRPr lang="zh-CN" altLang="en-US" sz="1200" dirty="0">
+              <a:endParaRPr lang="zh-CN" altLang="en-US" dirty="0">
                 <a:solidFill>
                   <a:schemeClr val="bg1"/>
                 </a:solidFill>
@@ -3693,14 +4083,14 @@
         </p:sp>
         <p:sp>
           <p:nvSpPr>
-            <p:cNvPr id="18" name="文本框 17"/>
+            <p:cNvPr id="55" name="文本框 54"/>
             <p:cNvSpPr txBox="1"/>
             <p:nvPr/>
           </p:nvSpPr>
           <p:spPr>
             <a:xfrm>
-              <a:off x="8250971" y="2460573"/>
-              <a:ext cx="1431802" cy="276999"/>
+              <a:off x="8906539" y="1730685"/>
+              <a:ext cx="2050561" cy="369332"/>
             </a:xfrm>
             <a:prstGeom prst="rect">
               <a:avLst/>
@@ -3714,7 +4104,7 @@
             <a:lstStyle/>
             <a:p>
               <a:r>
-                <a:rPr lang="en-US" altLang="zh-CN" sz="1200" dirty="0" smtClean="0">
+                <a:rPr lang="en-US" altLang="zh-CN" dirty="0" smtClean="0">
                   <a:solidFill>
                     <a:schemeClr val="bg1"/>
                   </a:solidFill>
@@ -3723,7 +4113,7 @@
                 </a:rPr>
                 <a:t>Subgraph Centrality</a:t>
               </a:r>
-              <a:endParaRPr lang="zh-CN" altLang="en-US" sz="1200" dirty="0">
+              <a:endParaRPr lang="zh-CN" altLang="en-US" dirty="0">
                 <a:solidFill>
                   <a:schemeClr val="bg1"/>
                 </a:solidFill>
@@ -3735,14 +4125,14 @@
         </p:sp>
         <p:sp>
           <p:nvSpPr>
-            <p:cNvPr id="19" name="文本框 18"/>
+            <p:cNvPr id="56" name="文本框 55"/>
             <p:cNvSpPr txBox="1"/>
             <p:nvPr/>
           </p:nvSpPr>
           <p:spPr>
             <a:xfrm>
-              <a:off x="8148379" y="2711343"/>
-              <a:ext cx="1534394" cy="276999"/>
+              <a:off x="8906539" y="1981455"/>
+              <a:ext cx="2204450" cy="369332"/>
             </a:xfrm>
             <a:prstGeom prst="rect">
               <a:avLst/>
@@ -3756,7 +4146,7 @@
             <a:lstStyle/>
             <a:p>
               <a:r>
-                <a:rPr lang="en-US" altLang="zh-CN" sz="1200" dirty="0" smtClean="0">
+                <a:rPr lang="en-US" altLang="zh-CN" dirty="0" smtClean="0">
                   <a:solidFill>
                     <a:schemeClr val="bg1"/>
                   </a:solidFill>
@@ -3765,7 +4155,7 @@
                 </a:rPr>
                 <a:t>K-coreness Centrality</a:t>
               </a:r>
-              <a:endParaRPr lang="zh-CN" altLang="en-US" sz="1200" dirty="0">
+              <a:endParaRPr lang="zh-CN" altLang="en-US" dirty="0">
                 <a:solidFill>
                   <a:schemeClr val="bg1"/>
                 </a:solidFill>
@@ -3777,14 +4167,14 @@
         </p:sp>
         <p:sp>
           <p:nvSpPr>
-            <p:cNvPr id="20" name="文本框 19"/>
+            <p:cNvPr id="57" name="文本框 56"/>
             <p:cNvSpPr txBox="1"/>
             <p:nvPr/>
           </p:nvSpPr>
           <p:spPr>
             <a:xfrm>
-              <a:off x="8450897" y="2962113"/>
-              <a:ext cx="1231876" cy="276999"/>
+              <a:off x="8906539" y="2232225"/>
+              <a:ext cx="1751442" cy="369332"/>
             </a:xfrm>
             <a:prstGeom prst="rect">
               <a:avLst/>
@@ -3798,7 +4188,7 @@
             <a:lstStyle/>
             <a:p>
               <a:r>
-                <a:rPr lang="en-US" altLang="zh-CN" sz="1200" dirty="0" smtClean="0">
+                <a:rPr lang="en-US" altLang="zh-CN" dirty="0" smtClean="0">
                   <a:solidFill>
                     <a:schemeClr val="bg1"/>
                   </a:solidFill>
@@ -3807,7 +4197,7 @@
                 </a:rPr>
                 <a:t>Flow Coefficient</a:t>
               </a:r>
-              <a:endParaRPr lang="zh-CN" altLang="en-US" sz="1200" dirty="0">
+              <a:endParaRPr lang="zh-CN" altLang="en-US" dirty="0">
                 <a:solidFill>
                   <a:schemeClr val="bg1"/>
                 </a:solidFill>
@@ -3819,14 +4209,14 @@
         </p:sp>
         <p:sp>
           <p:nvSpPr>
-            <p:cNvPr id="21" name="文本框 20"/>
+            <p:cNvPr id="58" name="文本框 57"/>
             <p:cNvSpPr txBox="1"/>
             <p:nvPr/>
           </p:nvSpPr>
           <p:spPr>
             <a:xfrm>
-              <a:off x="8177233" y="3212885"/>
-              <a:ext cx="1505540" cy="276999"/>
+              <a:off x="8906539" y="2482997"/>
+              <a:ext cx="2159566" cy="369332"/>
             </a:xfrm>
             <a:prstGeom prst="rect">
               <a:avLst/>
@@ -3840,7 +4230,7 @@
             <a:lstStyle/>
             <a:p>
               <a:r>
-                <a:rPr lang="en-US" altLang="zh-CN" sz="1200" dirty="0" smtClean="0">
+                <a:rPr lang="en-US" altLang="zh-CN" dirty="0" smtClean="0">
                   <a:solidFill>
                     <a:schemeClr val="bg1"/>
                   </a:solidFill>
@@ -3849,7 +4239,7 @@
                 </a:rPr>
                 <a:t>Page Rank Centrality</a:t>
               </a:r>
-              <a:endParaRPr lang="zh-CN" altLang="en-US" sz="1200" dirty="0">
+              <a:endParaRPr lang="zh-CN" altLang="en-US" dirty="0">
                 <a:solidFill>
                   <a:schemeClr val="bg1"/>
                 </a:solidFill>
@@ -3860,396 +4250,6 @@
           </p:txBody>
         </p:sp>
       </p:grpSp>
-      <p:sp>
-        <p:nvSpPr>
-          <p:cNvPr id="37" name="文本框 36"/>
-          <p:cNvSpPr txBox="1"/>
-          <p:nvPr/>
-        </p:nvSpPr>
-        <p:spPr>
-          <a:xfrm>
-            <a:off x="8832053" y="3008000"/>
-            <a:ext cx="1887055" cy="461665"/>
-          </a:xfrm>
-          <a:prstGeom prst="rect">
-            <a:avLst/>
-          </a:prstGeom>
-          <a:noFill/>
-        </p:spPr>
-        <p:txBody>
-          <a:bodyPr wrap="none" rtlCol="0">
-            <a:spAutoFit/>
-          </a:bodyPr>
-          <a:lstStyle/>
-          <a:p>
-            <a:r>
-              <a:rPr lang="en-US" altLang="zh-CN" sz="2400" dirty="0" smtClean="0">
-                <a:solidFill>
-                  <a:schemeClr val="bg1"/>
-                </a:solidFill>
-                <a:latin typeface="Times New Roman" panose="02020603050405020304" pitchFamily="18" charset="0"/>
-                <a:cs typeface="Times New Roman" panose="02020603050405020304" pitchFamily="18" charset="0"/>
-              </a:rPr>
-              <a:t>EMCI vs. HC</a:t>
-            </a:r>
-            <a:endParaRPr lang="zh-CN" altLang="en-US" sz="2400" dirty="0">
-              <a:solidFill>
-                <a:schemeClr val="bg1"/>
-              </a:solidFill>
-              <a:latin typeface="Times New Roman" panose="02020603050405020304" pitchFamily="18" charset="0"/>
-              <a:cs typeface="Times New Roman" panose="02020603050405020304" pitchFamily="18" charset="0"/>
-            </a:endParaRPr>
-          </a:p>
-        </p:txBody>
-      </p:sp>
-      <p:pic>
-        <p:nvPicPr>
-          <p:cNvPr id="29" name="图片 28"/>
-          <p:cNvPicPr>
-            <a:picLocks noChangeAspect="1"/>
-          </p:cNvPicPr>
-          <p:nvPr/>
-        </p:nvPicPr>
-        <p:blipFill>
-          <a:blip r:embed="rId2"/>
-          <a:stretch>
-            <a:fillRect/>
-          </a:stretch>
-        </p:blipFill>
-        <p:spPr>
-          <a:xfrm>
-            <a:off x="5445944" y="0"/>
-            <a:ext cx="2889097" cy="1875622"/>
-          </a:xfrm>
-          <a:prstGeom prst="rect">
-            <a:avLst/>
-          </a:prstGeom>
-        </p:spPr>
-      </p:pic>
-      <p:pic>
-        <p:nvPicPr>
-          <p:cNvPr id="30" name="图片 29"/>
-          <p:cNvPicPr>
-            <a:picLocks noChangeAspect="1"/>
-          </p:cNvPicPr>
-          <p:nvPr/>
-        </p:nvPicPr>
-        <p:blipFill>
-          <a:blip r:embed="rId3"/>
-          <a:stretch>
-            <a:fillRect/>
-          </a:stretch>
-        </p:blipFill>
-        <p:spPr>
-          <a:xfrm>
-            <a:off x="5445944" y="1875622"/>
-            <a:ext cx="2889098" cy="1861110"/>
-          </a:xfrm>
-          <a:prstGeom prst="rect">
-            <a:avLst/>
-          </a:prstGeom>
-        </p:spPr>
-      </p:pic>
-      <p:sp>
-        <p:nvSpPr>
-          <p:cNvPr id="35" name="文本框 34"/>
-          <p:cNvSpPr txBox="1"/>
-          <p:nvPr/>
-        </p:nvSpPr>
-        <p:spPr>
-          <a:xfrm>
-            <a:off x="5377751" y="0"/>
-            <a:ext cx="372218" cy="461665"/>
-          </a:xfrm>
-          <a:prstGeom prst="rect">
-            <a:avLst/>
-          </a:prstGeom>
-          <a:noFill/>
-        </p:spPr>
-        <p:txBody>
-          <a:bodyPr wrap="none" rtlCol="0">
-            <a:spAutoFit/>
-          </a:bodyPr>
-          <a:lstStyle/>
-          <a:p>
-            <a:r>
-              <a:rPr lang="en-US" altLang="zh-CN" sz="2400" dirty="0">
-                <a:solidFill>
-                  <a:schemeClr val="bg1"/>
-                </a:solidFill>
-                <a:latin typeface="Times New Roman" panose="02020603050405020304" pitchFamily="18" charset="0"/>
-                <a:cs typeface="Times New Roman" panose="02020603050405020304" pitchFamily="18" charset="0"/>
-              </a:rPr>
-              <a:t>E</a:t>
-            </a:r>
-            <a:endParaRPr lang="zh-CN" altLang="en-US" sz="2400" dirty="0">
-              <a:solidFill>
-                <a:schemeClr val="bg1"/>
-              </a:solidFill>
-              <a:latin typeface="Times New Roman" panose="02020603050405020304" pitchFamily="18" charset="0"/>
-              <a:cs typeface="Times New Roman" panose="02020603050405020304" pitchFamily="18" charset="0"/>
-            </a:endParaRPr>
-          </a:p>
-        </p:txBody>
-      </p:sp>
-      <p:sp>
-        <p:nvSpPr>
-          <p:cNvPr id="36" name="文本框 35"/>
-          <p:cNvSpPr txBox="1"/>
-          <p:nvPr/>
-        </p:nvSpPr>
-        <p:spPr>
-          <a:xfrm>
-            <a:off x="5377751" y="1867466"/>
-            <a:ext cx="356188" cy="461665"/>
-          </a:xfrm>
-          <a:prstGeom prst="rect">
-            <a:avLst/>
-          </a:prstGeom>
-          <a:noFill/>
-        </p:spPr>
-        <p:txBody>
-          <a:bodyPr wrap="none" rtlCol="0">
-            <a:spAutoFit/>
-          </a:bodyPr>
-          <a:lstStyle/>
-          <a:p>
-            <a:r>
-              <a:rPr lang="en-US" altLang="zh-CN" sz="2400" dirty="0" smtClean="0">
-                <a:solidFill>
-                  <a:schemeClr val="bg1"/>
-                </a:solidFill>
-                <a:latin typeface="Times New Roman" panose="02020603050405020304" pitchFamily="18" charset="0"/>
-                <a:cs typeface="Times New Roman" panose="02020603050405020304" pitchFamily="18" charset="0"/>
-              </a:rPr>
-              <a:t>F</a:t>
-            </a:r>
-            <a:endParaRPr lang="zh-CN" altLang="en-US" sz="2400" dirty="0">
-              <a:solidFill>
-                <a:schemeClr val="bg1"/>
-              </a:solidFill>
-              <a:latin typeface="Times New Roman" panose="02020603050405020304" pitchFamily="18" charset="0"/>
-              <a:cs typeface="Times New Roman" panose="02020603050405020304" pitchFamily="18" charset="0"/>
-            </a:endParaRPr>
-          </a:p>
-        </p:txBody>
-      </p:sp>
-      <p:pic>
-        <p:nvPicPr>
-          <p:cNvPr id="43" name="图片 42"/>
-          <p:cNvPicPr>
-            <a:picLocks noChangeAspect="1"/>
-          </p:cNvPicPr>
-          <p:nvPr/>
-        </p:nvPicPr>
-        <p:blipFill>
-          <a:blip r:embed="rId4"/>
-          <a:stretch>
-            <a:fillRect/>
-          </a:stretch>
-        </p:blipFill>
-        <p:spPr>
-          <a:xfrm>
-            <a:off x="1" y="1"/>
-            <a:ext cx="2621352" cy="3734932"/>
-          </a:xfrm>
-          <a:prstGeom prst="rect">
-            <a:avLst/>
-          </a:prstGeom>
-        </p:spPr>
-      </p:pic>
-      <p:sp>
-        <p:nvSpPr>
-          <p:cNvPr id="31" name="文本框 30"/>
-          <p:cNvSpPr txBox="1"/>
-          <p:nvPr/>
-        </p:nvSpPr>
-        <p:spPr>
-          <a:xfrm>
-            <a:off x="-1505" y="0"/>
-            <a:ext cx="407484" cy="461665"/>
-          </a:xfrm>
-          <a:prstGeom prst="rect">
-            <a:avLst/>
-          </a:prstGeom>
-          <a:noFill/>
-        </p:spPr>
-        <p:txBody>
-          <a:bodyPr wrap="none" rtlCol="0">
-            <a:spAutoFit/>
-          </a:bodyPr>
-          <a:lstStyle/>
-          <a:p>
-            <a:r>
-              <a:rPr lang="en-US" altLang="zh-CN" sz="2400" dirty="0" smtClean="0">
-                <a:solidFill>
-                  <a:schemeClr val="bg1"/>
-                </a:solidFill>
-                <a:latin typeface="Times New Roman" panose="02020603050405020304" pitchFamily="18" charset="0"/>
-                <a:cs typeface="Times New Roman" panose="02020603050405020304" pitchFamily="18" charset="0"/>
-              </a:rPr>
-              <a:t>A</a:t>
-            </a:r>
-            <a:endParaRPr lang="zh-CN" altLang="en-US" sz="2400" dirty="0">
-              <a:solidFill>
-                <a:schemeClr val="bg1"/>
-              </a:solidFill>
-              <a:latin typeface="Times New Roman" panose="02020603050405020304" pitchFamily="18" charset="0"/>
-              <a:cs typeface="Times New Roman" panose="02020603050405020304" pitchFamily="18" charset="0"/>
-            </a:endParaRPr>
-          </a:p>
-        </p:txBody>
-      </p:sp>
-      <p:sp>
-        <p:nvSpPr>
-          <p:cNvPr id="32" name="文本框 31"/>
-          <p:cNvSpPr txBox="1"/>
-          <p:nvPr/>
-        </p:nvSpPr>
-        <p:spPr>
-          <a:xfrm>
-            <a:off x="-1505" y="1867466"/>
-            <a:ext cx="389850" cy="461665"/>
-          </a:xfrm>
-          <a:prstGeom prst="rect">
-            <a:avLst/>
-          </a:prstGeom>
-          <a:noFill/>
-        </p:spPr>
-        <p:txBody>
-          <a:bodyPr wrap="none" rtlCol="0">
-            <a:spAutoFit/>
-          </a:bodyPr>
-          <a:lstStyle/>
-          <a:p>
-            <a:r>
-              <a:rPr lang="en-US" altLang="zh-CN" sz="2400" dirty="0">
-                <a:solidFill>
-                  <a:schemeClr val="bg1"/>
-                </a:solidFill>
-                <a:latin typeface="Times New Roman" panose="02020603050405020304" pitchFamily="18" charset="0"/>
-                <a:cs typeface="Times New Roman" panose="02020603050405020304" pitchFamily="18" charset="0"/>
-              </a:rPr>
-              <a:t>B</a:t>
-            </a:r>
-            <a:endParaRPr lang="zh-CN" altLang="en-US" sz="2400" dirty="0">
-              <a:solidFill>
-                <a:schemeClr val="bg1"/>
-              </a:solidFill>
-              <a:latin typeface="Times New Roman" panose="02020603050405020304" pitchFamily="18" charset="0"/>
-              <a:cs typeface="Times New Roman" panose="02020603050405020304" pitchFamily="18" charset="0"/>
-            </a:endParaRPr>
-          </a:p>
-        </p:txBody>
-      </p:sp>
-      <p:pic>
-        <p:nvPicPr>
-          <p:cNvPr id="44" name="图片 43"/>
-          <p:cNvPicPr>
-            <a:picLocks noChangeAspect="1"/>
-          </p:cNvPicPr>
-          <p:nvPr/>
-        </p:nvPicPr>
-        <p:blipFill>
-          <a:blip r:embed="rId5"/>
-          <a:stretch>
-            <a:fillRect/>
-          </a:stretch>
-        </p:blipFill>
-        <p:spPr>
-          <a:xfrm>
-            <a:off x="2604164" y="1"/>
-            <a:ext cx="2841779" cy="3734932"/>
-          </a:xfrm>
-          <a:prstGeom prst="rect">
-            <a:avLst/>
-          </a:prstGeom>
-        </p:spPr>
-      </p:pic>
-      <p:sp>
-        <p:nvSpPr>
-          <p:cNvPr id="33" name="文本框 32"/>
-          <p:cNvSpPr txBox="1"/>
-          <p:nvPr/>
-        </p:nvSpPr>
-        <p:spPr>
-          <a:xfrm>
-            <a:off x="2638986" y="0"/>
-            <a:ext cx="389850" cy="461665"/>
-          </a:xfrm>
-          <a:prstGeom prst="rect">
-            <a:avLst/>
-          </a:prstGeom>
-          <a:noFill/>
-        </p:spPr>
-        <p:txBody>
-          <a:bodyPr wrap="none" rtlCol="0">
-            <a:spAutoFit/>
-          </a:bodyPr>
-          <a:lstStyle/>
-          <a:p>
-            <a:r>
-              <a:rPr lang="en-US" altLang="zh-CN" sz="2400" dirty="0" smtClean="0">
-                <a:solidFill>
-                  <a:schemeClr val="bg1"/>
-                </a:solidFill>
-                <a:latin typeface="Times New Roman" panose="02020603050405020304" pitchFamily="18" charset="0"/>
-                <a:cs typeface="Times New Roman" panose="02020603050405020304" pitchFamily="18" charset="0"/>
-              </a:rPr>
-              <a:t>C</a:t>
-            </a:r>
-            <a:endParaRPr lang="zh-CN" altLang="en-US" sz="2400" dirty="0">
-              <a:solidFill>
-                <a:schemeClr val="bg1"/>
-              </a:solidFill>
-              <a:latin typeface="Times New Roman" panose="02020603050405020304" pitchFamily="18" charset="0"/>
-              <a:cs typeface="Times New Roman" panose="02020603050405020304" pitchFamily="18" charset="0"/>
-            </a:endParaRPr>
-          </a:p>
-        </p:txBody>
-      </p:sp>
-      <p:sp>
-        <p:nvSpPr>
-          <p:cNvPr id="34" name="文本框 33"/>
-          <p:cNvSpPr txBox="1"/>
-          <p:nvPr/>
-        </p:nvSpPr>
-        <p:spPr>
-          <a:xfrm>
-            <a:off x="2638986" y="1867466"/>
-            <a:ext cx="407484" cy="461665"/>
-          </a:xfrm>
-          <a:prstGeom prst="rect">
-            <a:avLst/>
-          </a:prstGeom>
-          <a:noFill/>
-        </p:spPr>
-        <p:txBody>
-          <a:bodyPr wrap="none" rtlCol="0">
-            <a:spAutoFit/>
-          </a:bodyPr>
-          <a:lstStyle/>
-          <a:p>
-            <a:r>
-              <a:rPr lang="en-US" altLang="zh-CN" sz="2400" dirty="0" smtClean="0">
-                <a:solidFill>
-                  <a:schemeClr val="bg1"/>
-                </a:solidFill>
-                <a:latin typeface="Times New Roman" panose="02020603050405020304" pitchFamily="18" charset="0"/>
-                <a:cs typeface="Times New Roman" panose="02020603050405020304" pitchFamily="18" charset="0"/>
-              </a:rPr>
-              <a:t>D</a:t>
-            </a:r>
-            <a:endParaRPr lang="zh-CN" altLang="en-US" sz="2400" dirty="0">
-              <a:solidFill>
-                <a:schemeClr val="bg1"/>
-              </a:solidFill>
-              <a:latin typeface="Times New Roman" panose="02020603050405020304" pitchFamily="18" charset="0"/>
-              <a:cs typeface="Times New Roman" panose="02020603050405020304" pitchFamily="18" charset="0"/>
-            </a:endParaRPr>
-          </a:p>
-        </p:txBody>
-      </p:sp>
     </p:spTree>
     <p:extLst>
       <p:ext uri="{BB962C8B-B14F-4D97-AF65-F5344CB8AC3E}">
@@ -4744,7 +4744,7 @@
         <p:spPr>
           <a:xfrm>
             <a:off x="8327021" y="0"/>
-            <a:ext cx="2392087" cy="3734932"/>
+            <a:ext cx="2884696" cy="3734932"/>
           </a:xfrm>
           <a:prstGeom prst="rect">
             <a:avLst/>
@@ -4781,29 +4781,419 @@
           </a:p>
         </p:txBody>
       </p:sp>
+      <p:sp>
+        <p:nvSpPr>
+          <p:cNvPr id="37" name="文本框 36"/>
+          <p:cNvSpPr txBox="1"/>
+          <p:nvPr/>
+        </p:nvSpPr>
+        <p:spPr>
+          <a:xfrm>
+            <a:off x="8335041" y="3008950"/>
+            <a:ext cx="2228495" cy="461665"/>
+          </a:xfrm>
+          <a:prstGeom prst="rect">
+            <a:avLst/>
+          </a:prstGeom>
+          <a:noFill/>
+        </p:spPr>
+        <p:txBody>
+          <a:bodyPr wrap="none" rtlCol="0">
+            <a:spAutoFit/>
+          </a:bodyPr>
+          <a:lstStyle/>
+          <a:p>
+            <a:r>
+              <a:rPr lang="en-US" altLang="zh-CN" sz="2400" dirty="0" smtClean="0">
+                <a:solidFill>
+                  <a:schemeClr val="bg1"/>
+                </a:solidFill>
+                <a:latin typeface="Times New Roman" panose="02020603050405020304" pitchFamily="18" charset="0"/>
+                <a:cs typeface="Times New Roman" panose="02020603050405020304" pitchFamily="18" charset="0"/>
+              </a:rPr>
+              <a:t>EMCI vs. LMCI</a:t>
+            </a:r>
+            <a:endParaRPr lang="zh-CN" altLang="en-US" sz="2400" dirty="0">
+              <a:solidFill>
+                <a:schemeClr val="bg1"/>
+              </a:solidFill>
+              <a:latin typeface="Times New Roman" panose="02020603050405020304" pitchFamily="18" charset="0"/>
+              <a:cs typeface="Times New Roman" panose="02020603050405020304" pitchFamily="18" charset="0"/>
+            </a:endParaRPr>
+          </a:p>
+        </p:txBody>
+      </p:sp>
+      <p:pic>
+        <p:nvPicPr>
+          <p:cNvPr id="2" name="图片 1"/>
+          <p:cNvPicPr>
+            <a:picLocks noChangeAspect="1"/>
+          </p:cNvPicPr>
+          <p:nvPr/>
+        </p:nvPicPr>
+        <p:blipFill>
+          <a:blip r:embed="rId2"/>
+          <a:stretch>
+            <a:fillRect/>
+          </a:stretch>
+        </p:blipFill>
+        <p:spPr>
+          <a:xfrm>
+            <a:off x="-1709" y="1"/>
+            <a:ext cx="2760862" cy="3734932"/>
+          </a:xfrm>
+          <a:prstGeom prst="rect">
+            <a:avLst/>
+          </a:prstGeom>
+        </p:spPr>
+      </p:pic>
+      <p:sp>
+        <p:nvSpPr>
+          <p:cNvPr id="31" name="文本框 30"/>
+          <p:cNvSpPr txBox="1"/>
+          <p:nvPr/>
+        </p:nvSpPr>
+        <p:spPr>
+          <a:xfrm>
+            <a:off x="-1505" y="0"/>
+            <a:ext cx="407484" cy="461665"/>
+          </a:xfrm>
+          <a:prstGeom prst="rect">
+            <a:avLst/>
+          </a:prstGeom>
+          <a:noFill/>
+        </p:spPr>
+        <p:txBody>
+          <a:bodyPr wrap="none" rtlCol="0">
+            <a:spAutoFit/>
+          </a:bodyPr>
+          <a:lstStyle/>
+          <a:p>
+            <a:r>
+              <a:rPr lang="en-US" altLang="zh-CN" sz="2400" dirty="0" smtClean="0">
+                <a:solidFill>
+                  <a:schemeClr val="bg1"/>
+                </a:solidFill>
+                <a:latin typeface="Times New Roman" panose="02020603050405020304" pitchFamily="18" charset="0"/>
+                <a:cs typeface="Times New Roman" panose="02020603050405020304" pitchFamily="18" charset="0"/>
+              </a:rPr>
+              <a:t>A</a:t>
+            </a:r>
+            <a:endParaRPr lang="zh-CN" altLang="en-US" sz="2400" dirty="0">
+              <a:solidFill>
+                <a:schemeClr val="bg1"/>
+              </a:solidFill>
+              <a:latin typeface="Times New Roman" panose="02020603050405020304" pitchFamily="18" charset="0"/>
+              <a:cs typeface="Times New Roman" panose="02020603050405020304" pitchFamily="18" charset="0"/>
+            </a:endParaRPr>
+          </a:p>
+        </p:txBody>
+      </p:sp>
+      <p:sp>
+        <p:nvSpPr>
+          <p:cNvPr id="32" name="文本框 31"/>
+          <p:cNvSpPr txBox="1"/>
+          <p:nvPr/>
+        </p:nvSpPr>
+        <p:spPr>
+          <a:xfrm>
+            <a:off x="-1505" y="1867466"/>
+            <a:ext cx="389850" cy="461665"/>
+          </a:xfrm>
+          <a:prstGeom prst="rect">
+            <a:avLst/>
+          </a:prstGeom>
+          <a:noFill/>
+        </p:spPr>
+        <p:txBody>
+          <a:bodyPr wrap="none" rtlCol="0">
+            <a:spAutoFit/>
+          </a:bodyPr>
+          <a:lstStyle/>
+          <a:p>
+            <a:r>
+              <a:rPr lang="en-US" altLang="zh-CN" sz="2400" dirty="0">
+                <a:solidFill>
+                  <a:schemeClr val="bg1"/>
+                </a:solidFill>
+                <a:latin typeface="Times New Roman" panose="02020603050405020304" pitchFamily="18" charset="0"/>
+                <a:cs typeface="Times New Roman" panose="02020603050405020304" pitchFamily="18" charset="0"/>
+              </a:rPr>
+              <a:t>B</a:t>
+            </a:r>
+            <a:endParaRPr lang="zh-CN" altLang="en-US" sz="2400" dirty="0">
+              <a:solidFill>
+                <a:schemeClr val="bg1"/>
+              </a:solidFill>
+              <a:latin typeface="Times New Roman" panose="02020603050405020304" pitchFamily="18" charset="0"/>
+              <a:cs typeface="Times New Roman" panose="02020603050405020304" pitchFamily="18" charset="0"/>
+            </a:endParaRPr>
+          </a:p>
+        </p:txBody>
+      </p:sp>
+      <p:pic>
+        <p:nvPicPr>
+          <p:cNvPr id="3" name="图片 2"/>
+          <p:cNvPicPr>
+            <a:picLocks noChangeAspect="1"/>
+          </p:cNvPicPr>
+          <p:nvPr/>
+        </p:nvPicPr>
+        <p:blipFill>
+          <a:blip r:embed="rId3"/>
+          <a:stretch>
+            <a:fillRect/>
+          </a:stretch>
+        </p:blipFill>
+        <p:spPr>
+          <a:xfrm>
+            <a:off x="2761141" y="1"/>
+            <a:ext cx="2701103" cy="3734932"/>
+          </a:xfrm>
+          <a:prstGeom prst="rect">
+            <a:avLst/>
+          </a:prstGeom>
+        </p:spPr>
+      </p:pic>
+      <p:sp>
+        <p:nvSpPr>
+          <p:cNvPr id="33" name="文本框 32"/>
+          <p:cNvSpPr txBox="1"/>
+          <p:nvPr/>
+        </p:nvSpPr>
+        <p:spPr>
+          <a:xfrm>
+            <a:off x="2638986" y="0"/>
+            <a:ext cx="389850" cy="461665"/>
+          </a:xfrm>
+          <a:prstGeom prst="rect">
+            <a:avLst/>
+          </a:prstGeom>
+          <a:noFill/>
+        </p:spPr>
+        <p:txBody>
+          <a:bodyPr wrap="none" rtlCol="0">
+            <a:spAutoFit/>
+          </a:bodyPr>
+          <a:lstStyle/>
+          <a:p>
+            <a:r>
+              <a:rPr lang="en-US" altLang="zh-CN" sz="2400" dirty="0" smtClean="0">
+                <a:solidFill>
+                  <a:schemeClr val="bg1"/>
+                </a:solidFill>
+                <a:latin typeface="Times New Roman" panose="02020603050405020304" pitchFamily="18" charset="0"/>
+                <a:cs typeface="Times New Roman" panose="02020603050405020304" pitchFamily="18" charset="0"/>
+              </a:rPr>
+              <a:t>C</a:t>
+            </a:r>
+            <a:endParaRPr lang="zh-CN" altLang="en-US" sz="2400" dirty="0">
+              <a:solidFill>
+                <a:schemeClr val="bg1"/>
+              </a:solidFill>
+              <a:latin typeface="Times New Roman" panose="02020603050405020304" pitchFamily="18" charset="0"/>
+              <a:cs typeface="Times New Roman" panose="02020603050405020304" pitchFamily="18" charset="0"/>
+            </a:endParaRPr>
+          </a:p>
+        </p:txBody>
+      </p:sp>
+      <p:sp>
+        <p:nvSpPr>
+          <p:cNvPr id="34" name="文本框 33"/>
+          <p:cNvSpPr txBox="1"/>
+          <p:nvPr/>
+        </p:nvSpPr>
+        <p:spPr>
+          <a:xfrm>
+            <a:off x="2638986" y="1867466"/>
+            <a:ext cx="407484" cy="461665"/>
+          </a:xfrm>
+          <a:prstGeom prst="rect">
+            <a:avLst/>
+          </a:prstGeom>
+          <a:noFill/>
+        </p:spPr>
+        <p:txBody>
+          <a:bodyPr wrap="none" rtlCol="0">
+            <a:spAutoFit/>
+          </a:bodyPr>
+          <a:lstStyle/>
+          <a:p>
+            <a:r>
+              <a:rPr lang="en-US" altLang="zh-CN" sz="2400" dirty="0" smtClean="0">
+                <a:solidFill>
+                  <a:schemeClr val="bg1"/>
+                </a:solidFill>
+                <a:latin typeface="Times New Roman" panose="02020603050405020304" pitchFamily="18" charset="0"/>
+                <a:cs typeface="Times New Roman" panose="02020603050405020304" pitchFamily="18" charset="0"/>
+              </a:rPr>
+              <a:t>D</a:t>
+            </a:r>
+            <a:endParaRPr lang="zh-CN" altLang="en-US" sz="2400" dirty="0">
+              <a:solidFill>
+                <a:schemeClr val="bg1"/>
+              </a:solidFill>
+              <a:latin typeface="Times New Roman" panose="02020603050405020304" pitchFamily="18" charset="0"/>
+              <a:cs typeface="Times New Roman" panose="02020603050405020304" pitchFamily="18" charset="0"/>
+            </a:endParaRPr>
+          </a:p>
+        </p:txBody>
+      </p:sp>
+      <p:pic>
+        <p:nvPicPr>
+          <p:cNvPr id="22" name="图片 21"/>
+          <p:cNvPicPr>
+            <a:picLocks noChangeAspect="1"/>
+          </p:cNvPicPr>
+          <p:nvPr/>
+        </p:nvPicPr>
+        <p:blipFill>
+          <a:blip r:embed="rId4"/>
+          <a:stretch>
+            <a:fillRect/>
+          </a:stretch>
+        </p:blipFill>
+        <p:spPr>
+          <a:xfrm>
+            <a:off x="5462244" y="0"/>
+            <a:ext cx="2890200" cy="1867466"/>
+          </a:xfrm>
+          <a:prstGeom prst="rect">
+            <a:avLst/>
+          </a:prstGeom>
+        </p:spPr>
+      </p:pic>
+      <p:pic>
+        <p:nvPicPr>
+          <p:cNvPr id="25" name="图片 24"/>
+          <p:cNvPicPr>
+            <a:picLocks noChangeAspect="1"/>
+          </p:cNvPicPr>
+          <p:nvPr/>
+        </p:nvPicPr>
+        <p:blipFill>
+          <a:blip r:embed="rId5"/>
+          <a:stretch>
+            <a:fillRect/>
+          </a:stretch>
+        </p:blipFill>
+        <p:spPr>
+          <a:xfrm>
+            <a:off x="5460256" y="1867466"/>
+            <a:ext cx="2874785" cy="1867466"/>
+          </a:xfrm>
+          <a:prstGeom prst="rect">
+            <a:avLst/>
+          </a:prstGeom>
+        </p:spPr>
+      </p:pic>
+      <p:sp>
+        <p:nvSpPr>
+          <p:cNvPr id="35" name="文本框 34"/>
+          <p:cNvSpPr txBox="1"/>
+          <p:nvPr/>
+        </p:nvSpPr>
+        <p:spPr>
+          <a:xfrm>
+            <a:off x="5377751" y="0"/>
+            <a:ext cx="372218" cy="461665"/>
+          </a:xfrm>
+          <a:prstGeom prst="rect">
+            <a:avLst/>
+          </a:prstGeom>
+          <a:noFill/>
+        </p:spPr>
+        <p:txBody>
+          <a:bodyPr wrap="none" rtlCol="0">
+            <a:spAutoFit/>
+          </a:bodyPr>
+          <a:lstStyle/>
+          <a:p>
+            <a:r>
+              <a:rPr lang="en-US" altLang="zh-CN" sz="2400" dirty="0">
+                <a:solidFill>
+                  <a:schemeClr val="bg1"/>
+                </a:solidFill>
+                <a:latin typeface="Times New Roman" panose="02020603050405020304" pitchFamily="18" charset="0"/>
+                <a:cs typeface="Times New Roman" panose="02020603050405020304" pitchFamily="18" charset="0"/>
+              </a:rPr>
+              <a:t>E</a:t>
+            </a:r>
+            <a:endParaRPr lang="zh-CN" altLang="en-US" sz="2400" dirty="0">
+              <a:solidFill>
+                <a:schemeClr val="bg1"/>
+              </a:solidFill>
+              <a:latin typeface="Times New Roman" panose="02020603050405020304" pitchFamily="18" charset="0"/>
+              <a:cs typeface="Times New Roman" panose="02020603050405020304" pitchFamily="18" charset="0"/>
+            </a:endParaRPr>
+          </a:p>
+        </p:txBody>
+      </p:sp>
+      <p:sp>
+        <p:nvSpPr>
+          <p:cNvPr id="36" name="文本框 35"/>
+          <p:cNvSpPr txBox="1"/>
+          <p:nvPr/>
+        </p:nvSpPr>
+        <p:spPr>
+          <a:xfrm>
+            <a:off x="5377751" y="1867466"/>
+            <a:ext cx="356188" cy="461665"/>
+          </a:xfrm>
+          <a:prstGeom prst="rect">
+            <a:avLst/>
+          </a:prstGeom>
+          <a:noFill/>
+        </p:spPr>
+        <p:txBody>
+          <a:bodyPr wrap="none" rtlCol="0">
+            <a:spAutoFit/>
+          </a:bodyPr>
+          <a:lstStyle/>
+          <a:p>
+            <a:r>
+              <a:rPr lang="en-US" altLang="zh-CN" sz="2400" dirty="0" smtClean="0">
+                <a:solidFill>
+                  <a:schemeClr val="bg1"/>
+                </a:solidFill>
+                <a:latin typeface="Times New Roman" panose="02020603050405020304" pitchFamily="18" charset="0"/>
+                <a:cs typeface="Times New Roman" panose="02020603050405020304" pitchFamily="18" charset="0"/>
+              </a:rPr>
+              <a:t>F</a:t>
+            </a:r>
+            <a:endParaRPr lang="zh-CN" altLang="en-US" sz="2400" dirty="0">
+              <a:solidFill>
+                <a:schemeClr val="bg1"/>
+              </a:solidFill>
+              <a:latin typeface="Times New Roman" panose="02020603050405020304" pitchFamily="18" charset="0"/>
+              <a:cs typeface="Times New Roman" panose="02020603050405020304" pitchFamily="18" charset="0"/>
+            </a:endParaRPr>
+          </a:p>
+        </p:txBody>
+      </p:sp>
       <p:grpSp>
         <p:nvGrpSpPr>
-          <p:cNvPr id="23" name="组合 22"/>
+          <p:cNvPr id="38" name="组合 37"/>
           <p:cNvGrpSpPr/>
           <p:nvPr/>
         </p:nvGrpSpPr>
         <p:grpSpPr>
           <a:xfrm>
-            <a:off x="8485163" y="523016"/>
-            <a:ext cx="2243470" cy="2283161"/>
-            <a:chOff x="7439303" y="1206723"/>
-            <a:chExt cx="2243470" cy="2283161"/>
+            <a:off x="8489276" y="101600"/>
+            <a:ext cx="2858161" cy="2929120"/>
+            <a:chOff x="8489276" y="476835"/>
+            <a:chExt cx="2788425" cy="2375494"/>
           </a:xfrm>
         </p:grpSpPr>
         <p:sp>
           <p:nvSpPr>
-            <p:cNvPr id="4" name="矩形 3"/>
+            <p:cNvPr id="39" name="矩形 38"/>
             <p:cNvSpPr/>
             <p:nvPr/>
           </p:nvSpPr>
           <p:spPr>
             <a:xfrm>
-              <a:off x="7439303" y="1265426"/>
+              <a:off x="8494399" y="581719"/>
               <a:ext cx="369277" cy="158262"/>
             </a:xfrm>
             <a:prstGeom prst="rect">
@@ -4846,13 +5236,13 @@
         </p:sp>
         <p:sp>
           <p:nvSpPr>
-            <p:cNvPr id="5" name="矩形 4"/>
+            <p:cNvPr id="40" name="矩形 39"/>
             <p:cNvSpPr/>
             <p:nvPr/>
           </p:nvSpPr>
           <p:spPr>
             <a:xfrm>
-              <a:off x="7443416" y="1516008"/>
+              <a:off x="8489276" y="832301"/>
               <a:ext cx="369277" cy="158262"/>
             </a:xfrm>
             <a:prstGeom prst="rect">
@@ -4895,13 +5285,13 @@
         </p:sp>
         <p:sp>
           <p:nvSpPr>
-            <p:cNvPr id="6" name="矩形 5"/>
+            <p:cNvPr id="41" name="矩形 40"/>
             <p:cNvSpPr/>
             <p:nvPr/>
           </p:nvSpPr>
           <p:spPr>
             <a:xfrm>
-              <a:off x="7443416" y="1766590"/>
+              <a:off x="8489276" y="1082883"/>
               <a:ext cx="369277" cy="158262"/>
             </a:xfrm>
             <a:prstGeom prst="rect">
@@ -4944,13 +5334,13 @@
         </p:sp>
         <p:sp>
           <p:nvSpPr>
-            <p:cNvPr id="7" name="矩形 6"/>
+            <p:cNvPr id="42" name="矩形 41"/>
             <p:cNvSpPr/>
             <p:nvPr/>
           </p:nvSpPr>
           <p:spPr>
             <a:xfrm>
-              <a:off x="7443416" y="2017171"/>
+              <a:off x="8489276" y="1333464"/>
               <a:ext cx="369277" cy="158262"/>
             </a:xfrm>
             <a:prstGeom prst="rect">
@@ -4993,13 +5383,13 @@
         </p:sp>
         <p:sp>
           <p:nvSpPr>
-            <p:cNvPr id="8" name="矩形 7"/>
+            <p:cNvPr id="43" name="矩形 42"/>
             <p:cNvSpPr/>
             <p:nvPr/>
           </p:nvSpPr>
           <p:spPr>
             <a:xfrm>
-              <a:off x="7443416" y="2267753"/>
+              <a:off x="8489276" y="1584046"/>
               <a:ext cx="369277" cy="158262"/>
             </a:xfrm>
             <a:prstGeom prst="rect">
@@ -5042,13 +5432,13 @@
         </p:sp>
         <p:sp>
           <p:nvSpPr>
-            <p:cNvPr id="9" name="矩形 8"/>
+            <p:cNvPr id="44" name="矩形 43"/>
             <p:cNvSpPr/>
             <p:nvPr/>
           </p:nvSpPr>
           <p:spPr>
             <a:xfrm>
-              <a:off x="7443416" y="2518335"/>
+              <a:off x="8489276" y="1834628"/>
               <a:ext cx="369277" cy="158262"/>
             </a:xfrm>
             <a:prstGeom prst="rect">
@@ -5091,13 +5481,13 @@
         </p:sp>
         <p:sp>
           <p:nvSpPr>
-            <p:cNvPr id="10" name="矩形 9"/>
+            <p:cNvPr id="45" name="矩形 44"/>
             <p:cNvSpPr/>
             <p:nvPr/>
           </p:nvSpPr>
           <p:spPr>
             <a:xfrm>
-              <a:off x="7443416" y="2768917"/>
+              <a:off x="8489276" y="2085210"/>
               <a:ext cx="369277" cy="158262"/>
             </a:xfrm>
             <a:prstGeom prst="rect">
@@ -5140,13 +5530,13 @@
         </p:sp>
         <p:sp>
           <p:nvSpPr>
-            <p:cNvPr id="11" name="矩形 10"/>
+            <p:cNvPr id="46" name="矩形 45"/>
             <p:cNvSpPr/>
             <p:nvPr/>
           </p:nvSpPr>
           <p:spPr>
             <a:xfrm>
-              <a:off x="7443416" y="3019498"/>
+              <a:off x="8489276" y="2335791"/>
               <a:ext cx="369277" cy="158262"/>
             </a:xfrm>
             <a:prstGeom prst="rect">
@@ -5189,13 +5579,13 @@
         </p:sp>
         <p:sp>
           <p:nvSpPr>
-            <p:cNvPr id="12" name="矩形 11"/>
+            <p:cNvPr id="47" name="矩形 46"/>
             <p:cNvSpPr/>
             <p:nvPr/>
           </p:nvSpPr>
           <p:spPr>
             <a:xfrm>
-              <a:off x="7443416" y="3270078"/>
+              <a:off x="8489276" y="2586371"/>
               <a:ext cx="369277" cy="158262"/>
             </a:xfrm>
             <a:prstGeom prst="rect">
@@ -5238,14 +5628,14 @@
         </p:sp>
         <p:sp>
           <p:nvSpPr>
-            <p:cNvPr id="13" name="文本框 12"/>
+            <p:cNvPr id="48" name="文本框 47"/>
             <p:cNvSpPr txBox="1"/>
             <p:nvPr/>
           </p:nvSpPr>
           <p:spPr>
             <a:xfrm>
-              <a:off x="8975528" y="1206723"/>
-              <a:ext cx="707245" cy="276999"/>
+              <a:off x="8906539" y="476835"/>
+              <a:ext cx="966931" cy="369332"/>
             </a:xfrm>
             <a:prstGeom prst="rect">
               <a:avLst/>
@@ -5259,7 +5649,7 @@
             <a:lstStyle/>
             <a:p>
               <a:r>
-                <a:rPr lang="en-US" altLang="zh-CN" sz="1200" dirty="0" smtClean="0">
+                <a:rPr lang="en-US" altLang="zh-CN" dirty="0" smtClean="0">
                   <a:solidFill>
                     <a:schemeClr val="bg1"/>
                   </a:solidFill>
@@ -5268,7 +5658,7 @@
                 </a:rPr>
                 <a:t>Strength</a:t>
               </a:r>
-              <a:endParaRPr lang="zh-CN" altLang="en-US" sz="1200" dirty="0">
+              <a:endParaRPr lang="zh-CN" altLang="en-US" dirty="0">
                 <a:solidFill>
                   <a:schemeClr val="bg1"/>
                 </a:solidFill>
@@ -5280,14 +5670,14 @@
         </p:sp>
         <p:sp>
           <p:nvSpPr>
-            <p:cNvPr id="14" name="文本框 13"/>
+            <p:cNvPr id="49" name="文本框 48"/>
             <p:cNvSpPr txBox="1"/>
             <p:nvPr/>
           </p:nvSpPr>
           <p:spPr>
             <a:xfrm>
-              <a:off x="8123885" y="1457493"/>
-              <a:ext cx="1558888" cy="276999"/>
+              <a:off x="8906539" y="727605"/>
+              <a:ext cx="2238754" cy="369332"/>
             </a:xfrm>
             <a:prstGeom prst="rect">
               <a:avLst/>
@@ -5301,7 +5691,7 @@
             <a:lstStyle/>
             <a:p>
               <a:r>
-                <a:rPr lang="en-US" altLang="zh-CN" sz="1200" dirty="0" smtClean="0">
+                <a:rPr lang="en-US" altLang="zh-CN" dirty="0" smtClean="0">
                   <a:solidFill>
                     <a:schemeClr val="bg1"/>
                   </a:solidFill>
@@ -5310,7 +5700,7 @@
                 </a:rPr>
                 <a:t>Clustering Coefficient</a:t>
               </a:r>
-              <a:endParaRPr lang="zh-CN" altLang="en-US" sz="1200" dirty="0">
+              <a:endParaRPr lang="zh-CN" altLang="en-US" dirty="0">
                 <a:solidFill>
                   <a:schemeClr val="bg1"/>
                 </a:solidFill>
@@ -5322,14 +5712,14 @@
         </p:sp>
         <p:sp>
           <p:nvSpPr>
-            <p:cNvPr id="15" name="文本框 14"/>
+            <p:cNvPr id="50" name="文本框 49"/>
             <p:cNvSpPr txBox="1"/>
             <p:nvPr/>
           </p:nvSpPr>
           <p:spPr>
             <a:xfrm>
-              <a:off x="8465324" y="1708263"/>
-              <a:ext cx="1217449" cy="276999"/>
+              <a:off x="8906539" y="978375"/>
+              <a:ext cx="1725793" cy="369332"/>
             </a:xfrm>
             <a:prstGeom prst="rect">
               <a:avLst/>
@@ -5343,7 +5733,7 @@
             <a:lstStyle/>
             <a:p>
               <a:r>
-                <a:rPr lang="en-US" altLang="zh-CN" sz="1200" dirty="0" smtClean="0">
+                <a:rPr lang="en-US" altLang="zh-CN" dirty="0" smtClean="0">
                   <a:solidFill>
                     <a:schemeClr val="bg1"/>
                   </a:solidFill>
@@ -5352,7 +5742,7 @@
                 </a:rPr>
                 <a:t>Local Efficiency</a:t>
               </a:r>
-              <a:endParaRPr lang="zh-CN" altLang="en-US" sz="1200" dirty="0">
+              <a:endParaRPr lang="zh-CN" altLang="en-US" dirty="0">
                 <a:solidFill>
                   <a:schemeClr val="bg1"/>
                 </a:solidFill>
@@ -5364,14 +5754,14 @@
         </p:sp>
         <p:sp>
           <p:nvSpPr>
-            <p:cNvPr id="16" name="文本框 15"/>
+            <p:cNvPr id="51" name="文本框 50"/>
             <p:cNvSpPr txBox="1"/>
             <p:nvPr/>
           </p:nvSpPr>
           <p:spPr>
             <a:xfrm>
-              <a:off x="8036168" y="1959033"/>
-              <a:ext cx="1646605" cy="276999"/>
+              <a:off x="8906539" y="1229145"/>
+              <a:ext cx="2371162" cy="369332"/>
             </a:xfrm>
             <a:prstGeom prst="rect">
               <a:avLst/>
@@ -5385,7 +5775,7 @@
             <a:lstStyle/>
             <a:p>
               <a:r>
-                <a:rPr lang="en-US" altLang="zh-CN" sz="1200" dirty="0" smtClean="0">
+                <a:rPr lang="en-US" altLang="zh-CN" dirty="0" smtClean="0">
                   <a:solidFill>
                     <a:schemeClr val="bg1"/>
                   </a:solidFill>
@@ -5394,7 +5784,7 @@
                 </a:rPr>
                 <a:t>Betweenness Centrality</a:t>
               </a:r>
-              <a:endParaRPr lang="zh-CN" altLang="en-US" sz="1200" dirty="0">
+              <a:endParaRPr lang="zh-CN" altLang="en-US" dirty="0">
                 <a:solidFill>
                   <a:schemeClr val="bg1"/>
                 </a:solidFill>
@@ -5406,14 +5796,14 @@
         </p:sp>
         <p:sp>
           <p:nvSpPr>
-            <p:cNvPr id="17" name="文本框 16"/>
+            <p:cNvPr id="52" name="文本框 51"/>
             <p:cNvSpPr txBox="1"/>
             <p:nvPr/>
           </p:nvSpPr>
           <p:spPr>
             <a:xfrm>
-              <a:off x="8093876" y="2209803"/>
-              <a:ext cx="1588897" cy="276999"/>
+              <a:off x="8906539" y="1479915"/>
+              <a:ext cx="2281394" cy="369332"/>
             </a:xfrm>
             <a:prstGeom prst="rect">
               <a:avLst/>
@@ -5427,7 +5817,7 @@
             <a:lstStyle/>
             <a:p>
               <a:r>
-                <a:rPr lang="en-US" altLang="zh-CN" sz="1200" dirty="0" smtClean="0">
+                <a:rPr lang="en-US" altLang="zh-CN" dirty="0" smtClean="0">
                   <a:solidFill>
                     <a:schemeClr val="bg1"/>
                   </a:solidFill>
@@ -5436,7 +5826,7 @@
                 </a:rPr>
                 <a:t>Eigenvector Centrality</a:t>
               </a:r>
-              <a:endParaRPr lang="zh-CN" altLang="en-US" sz="1200" dirty="0">
+              <a:endParaRPr lang="zh-CN" altLang="en-US" dirty="0">
                 <a:solidFill>
                   <a:schemeClr val="bg1"/>
                 </a:solidFill>
@@ -5448,14 +5838,14 @@
         </p:sp>
         <p:sp>
           <p:nvSpPr>
-            <p:cNvPr id="18" name="文本框 17"/>
+            <p:cNvPr id="53" name="文本框 52"/>
             <p:cNvSpPr txBox="1"/>
             <p:nvPr/>
           </p:nvSpPr>
           <p:spPr>
             <a:xfrm>
-              <a:off x="8250971" y="2460573"/>
-              <a:ext cx="1431802" cy="276999"/>
+              <a:off x="8906539" y="1730685"/>
+              <a:ext cx="2050561" cy="369332"/>
             </a:xfrm>
             <a:prstGeom prst="rect">
               <a:avLst/>
@@ -5469,7 +5859,7 @@
             <a:lstStyle/>
             <a:p>
               <a:r>
-                <a:rPr lang="en-US" altLang="zh-CN" sz="1200" dirty="0" smtClean="0">
+                <a:rPr lang="en-US" altLang="zh-CN" dirty="0" smtClean="0">
                   <a:solidFill>
                     <a:schemeClr val="bg1"/>
                   </a:solidFill>
@@ -5478,7 +5868,7 @@
                 </a:rPr>
                 <a:t>Subgraph Centrality</a:t>
               </a:r>
-              <a:endParaRPr lang="zh-CN" altLang="en-US" sz="1200" dirty="0">
+              <a:endParaRPr lang="zh-CN" altLang="en-US" dirty="0">
                 <a:solidFill>
                   <a:schemeClr val="bg1"/>
                 </a:solidFill>
@@ -5490,14 +5880,14 @@
         </p:sp>
         <p:sp>
           <p:nvSpPr>
-            <p:cNvPr id="19" name="文本框 18"/>
+            <p:cNvPr id="54" name="文本框 53"/>
             <p:cNvSpPr txBox="1"/>
             <p:nvPr/>
           </p:nvSpPr>
           <p:spPr>
             <a:xfrm>
-              <a:off x="8148379" y="2711343"/>
-              <a:ext cx="1534394" cy="276999"/>
+              <a:off x="8906539" y="1981455"/>
+              <a:ext cx="2204450" cy="369332"/>
             </a:xfrm>
             <a:prstGeom prst="rect">
               <a:avLst/>
@@ -5511,7 +5901,7 @@
             <a:lstStyle/>
             <a:p>
               <a:r>
-                <a:rPr lang="en-US" altLang="zh-CN" sz="1200" dirty="0" smtClean="0">
+                <a:rPr lang="en-US" altLang="zh-CN" dirty="0" smtClean="0">
                   <a:solidFill>
                     <a:schemeClr val="bg1"/>
                   </a:solidFill>
@@ -5520,7 +5910,7 @@
                 </a:rPr>
                 <a:t>K-coreness Centrality</a:t>
               </a:r>
-              <a:endParaRPr lang="zh-CN" altLang="en-US" sz="1200" dirty="0">
+              <a:endParaRPr lang="zh-CN" altLang="en-US" dirty="0">
                 <a:solidFill>
                   <a:schemeClr val="bg1"/>
                 </a:solidFill>
@@ -5532,14 +5922,14 @@
         </p:sp>
         <p:sp>
           <p:nvSpPr>
-            <p:cNvPr id="20" name="文本框 19"/>
+            <p:cNvPr id="55" name="文本框 54"/>
             <p:cNvSpPr txBox="1"/>
             <p:nvPr/>
           </p:nvSpPr>
           <p:spPr>
             <a:xfrm>
-              <a:off x="8450897" y="2962113"/>
-              <a:ext cx="1231876" cy="276999"/>
+              <a:off x="8906539" y="2232225"/>
+              <a:ext cx="1751442" cy="369332"/>
             </a:xfrm>
             <a:prstGeom prst="rect">
               <a:avLst/>
@@ -5553,7 +5943,7 @@
             <a:lstStyle/>
             <a:p>
               <a:r>
-                <a:rPr lang="en-US" altLang="zh-CN" sz="1200" dirty="0" smtClean="0">
+                <a:rPr lang="en-US" altLang="zh-CN" dirty="0" smtClean="0">
                   <a:solidFill>
                     <a:schemeClr val="bg1"/>
                   </a:solidFill>
@@ -5562,7 +5952,7 @@
                 </a:rPr>
                 <a:t>Flow Coefficient</a:t>
               </a:r>
-              <a:endParaRPr lang="zh-CN" altLang="en-US" sz="1200" dirty="0">
+              <a:endParaRPr lang="zh-CN" altLang="en-US" dirty="0">
                 <a:solidFill>
                   <a:schemeClr val="bg1"/>
                 </a:solidFill>
@@ -5574,14 +5964,14 @@
         </p:sp>
         <p:sp>
           <p:nvSpPr>
-            <p:cNvPr id="21" name="文本框 20"/>
+            <p:cNvPr id="56" name="文本框 55"/>
             <p:cNvSpPr txBox="1"/>
             <p:nvPr/>
           </p:nvSpPr>
           <p:spPr>
             <a:xfrm>
-              <a:off x="8177233" y="3212885"/>
-              <a:ext cx="1505540" cy="276999"/>
+              <a:off x="8906539" y="2482997"/>
+              <a:ext cx="2159566" cy="369332"/>
             </a:xfrm>
             <a:prstGeom prst="rect">
               <a:avLst/>
@@ -5595,7 +5985,7 @@
             <a:lstStyle/>
             <a:p>
               <a:r>
-                <a:rPr lang="en-US" altLang="zh-CN" sz="1200" dirty="0" smtClean="0">
+                <a:rPr lang="en-US" altLang="zh-CN" dirty="0" smtClean="0">
                   <a:solidFill>
                     <a:schemeClr val="bg1"/>
                   </a:solidFill>
@@ -5604,7 +5994,7 @@
                 </a:rPr>
                 <a:t>Page Rank Centrality</a:t>
               </a:r>
-              <a:endParaRPr lang="zh-CN" altLang="en-US" sz="1200" dirty="0">
+              <a:endParaRPr lang="zh-CN" altLang="en-US" dirty="0">
                 <a:solidFill>
                   <a:schemeClr val="bg1"/>
                 </a:solidFill>
@@ -5615,406 +6005,6 @@
           </p:txBody>
         </p:sp>
       </p:grpSp>
-      <p:sp>
-        <p:nvSpPr>
-          <p:cNvPr id="37" name="文本框 36"/>
-          <p:cNvSpPr txBox="1"/>
-          <p:nvPr/>
-        </p:nvSpPr>
-        <p:spPr>
-          <a:xfrm>
-            <a:off x="8335041" y="3008950"/>
-            <a:ext cx="2228495" cy="461665"/>
-          </a:xfrm>
-          <a:prstGeom prst="rect">
-            <a:avLst/>
-          </a:prstGeom>
-          <a:noFill/>
-        </p:spPr>
-        <p:txBody>
-          <a:bodyPr wrap="none" rtlCol="0">
-            <a:spAutoFit/>
-          </a:bodyPr>
-          <a:lstStyle/>
-          <a:p>
-            <a:r>
-              <a:rPr lang="en-US" altLang="zh-CN" sz="2400" dirty="0" smtClean="0">
-                <a:solidFill>
-                  <a:schemeClr val="bg1"/>
-                </a:solidFill>
-                <a:latin typeface="Times New Roman" panose="02020603050405020304" pitchFamily="18" charset="0"/>
-                <a:cs typeface="Times New Roman" panose="02020603050405020304" pitchFamily="18" charset="0"/>
-              </a:rPr>
-              <a:t>EMCI vs. </a:t>
-            </a:r>
-            <a:r>
-              <a:rPr lang="en-US" altLang="zh-CN" sz="2400" dirty="0" smtClean="0">
-                <a:solidFill>
-                  <a:schemeClr val="bg1"/>
-                </a:solidFill>
-                <a:latin typeface="Times New Roman" panose="02020603050405020304" pitchFamily="18" charset="0"/>
-                <a:cs typeface="Times New Roman" panose="02020603050405020304" pitchFamily="18" charset="0"/>
-              </a:rPr>
-              <a:t>LMCI</a:t>
-            </a:r>
-            <a:endParaRPr lang="zh-CN" altLang="en-US" sz="2400" dirty="0">
-              <a:solidFill>
-                <a:schemeClr val="bg1"/>
-              </a:solidFill>
-              <a:latin typeface="Times New Roman" panose="02020603050405020304" pitchFamily="18" charset="0"/>
-              <a:cs typeface="Times New Roman" panose="02020603050405020304" pitchFamily="18" charset="0"/>
-            </a:endParaRPr>
-          </a:p>
-        </p:txBody>
-      </p:sp>
-      <p:pic>
-        <p:nvPicPr>
-          <p:cNvPr id="2" name="图片 1"/>
-          <p:cNvPicPr>
-            <a:picLocks noChangeAspect="1"/>
-          </p:cNvPicPr>
-          <p:nvPr/>
-        </p:nvPicPr>
-        <p:blipFill>
-          <a:blip r:embed="rId2"/>
-          <a:stretch>
-            <a:fillRect/>
-          </a:stretch>
-        </p:blipFill>
-        <p:spPr>
-          <a:xfrm>
-            <a:off x="-1709" y="1"/>
-            <a:ext cx="2760862" cy="3734932"/>
-          </a:xfrm>
-          <a:prstGeom prst="rect">
-            <a:avLst/>
-          </a:prstGeom>
-        </p:spPr>
-      </p:pic>
-      <p:sp>
-        <p:nvSpPr>
-          <p:cNvPr id="31" name="文本框 30"/>
-          <p:cNvSpPr txBox="1"/>
-          <p:nvPr/>
-        </p:nvSpPr>
-        <p:spPr>
-          <a:xfrm>
-            <a:off x="-1505" y="0"/>
-            <a:ext cx="407484" cy="461665"/>
-          </a:xfrm>
-          <a:prstGeom prst="rect">
-            <a:avLst/>
-          </a:prstGeom>
-          <a:noFill/>
-        </p:spPr>
-        <p:txBody>
-          <a:bodyPr wrap="none" rtlCol="0">
-            <a:spAutoFit/>
-          </a:bodyPr>
-          <a:lstStyle/>
-          <a:p>
-            <a:r>
-              <a:rPr lang="en-US" altLang="zh-CN" sz="2400" dirty="0" smtClean="0">
-                <a:solidFill>
-                  <a:schemeClr val="bg1"/>
-                </a:solidFill>
-                <a:latin typeface="Times New Roman" panose="02020603050405020304" pitchFamily="18" charset="0"/>
-                <a:cs typeface="Times New Roman" panose="02020603050405020304" pitchFamily="18" charset="0"/>
-              </a:rPr>
-              <a:t>A</a:t>
-            </a:r>
-            <a:endParaRPr lang="zh-CN" altLang="en-US" sz="2400" dirty="0">
-              <a:solidFill>
-                <a:schemeClr val="bg1"/>
-              </a:solidFill>
-              <a:latin typeface="Times New Roman" panose="02020603050405020304" pitchFamily="18" charset="0"/>
-              <a:cs typeface="Times New Roman" panose="02020603050405020304" pitchFamily="18" charset="0"/>
-            </a:endParaRPr>
-          </a:p>
-        </p:txBody>
-      </p:sp>
-      <p:sp>
-        <p:nvSpPr>
-          <p:cNvPr id="32" name="文本框 31"/>
-          <p:cNvSpPr txBox="1"/>
-          <p:nvPr/>
-        </p:nvSpPr>
-        <p:spPr>
-          <a:xfrm>
-            <a:off x="-1505" y="1867466"/>
-            <a:ext cx="389850" cy="461665"/>
-          </a:xfrm>
-          <a:prstGeom prst="rect">
-            <a:avLst/>
-          </a:prstGeom>
-          <a:noFill/>
-        </p:spPr>
-        <p:txBody>
-          <a:bodyPr wrap="none" rtlCol="0">
-            <a:spAutoFit/>
-          </a:bodyPr>
-          <a:lstStyle/>
-          <a:p>
-            <a:r>
-              <a:rPr lang="en-US" altLang="zh-CN" sz="2400" dirty="0">
-                <a:solidFill>
-                  <a:schemeClr val="bg1"/>
-                </a:solidFill>
-                <a:latin typeface="Times New Roman" panose="02020603050405020304" pitchFamily="18" charset="0"/>
-                <a:cs typeface="Times New Roman" panose="02020603050405020304" pitchFamily="18" charset="0"/>
-              </a:rPr>
-              <a:t>B</a:t>
-            </a:r>
-            <a:endParaRPr lang="zh-CN" altLang="en-US" sz="2400" dirty="0">
-              <a:solidFill>
-                <a:schemeClr val="bg1"/>
-              </a:solidFill>
-              <a:latin typeface="Times New Roman" panose="02020603050405020304" pitchFamily="18" charset="0"/>
-              <a:cs typeface="Times New Roman" panose="02020603050405020304" pitchFamily="18" charset="0"/>
-            </a:endParaRPr>
-          </a:p>
-        </p:txBody>
-      </p:sp>
-      <p:pic>
-        <p:nvPicPr>
-          <p:cNvPr id="3" name="图片 2"/>
-          <p:cNvPicPr>
-            <a:picLocks noChangeAspect="1"/>
-          </p:cNvPicPr>
-          <p:nvPr/>
-        </p:nvPicPr>
-        <p:blipFill>
-          <a:blip r:embed="rId3"/>
-          <a:stretch>
-            <a:fillRect/>
-          </a:stretch>
-        </p:blipFill>
-        <p:spPr>
-          <a:xfrm>
-            <a:off x="2761141" y="1"/>
-            <a:ext cx="2701103" cy="3734932"/>
-          </a:xfrm>
-          <a:prstGeom prst="rect">
-            <a:avLst/>
-          </a:prstGeom>
-        </p:spPr>
-      </p:pic>
-      <p:sp>
-        <p:nvSpPr>
-          <p:cNvPr id="33" name="文本框 32"/>
-          <p:cNvSpPr txBox="1"/>
-          <p:nvPr/>
-        </p:nvSpPr>
-        <p:spPr>
-          <a:xfrm>
-            <a:off x="2638986" y="0"/>
-            <a:ext cx="389850" cy="461665"/>
-          </a:xfrm>
-          <a:prstGeom prst="rect">
-            <a:avLst/>
-          </a:prstGeom>
-          <a:noFill/>
-        </p:spPr>
-        <p:txBody>
-          <a:bodyPr wrap="none" rtlCol="0">
-            <a:spAutoFit/>
-          </a:bodyPr>
-          <a:lstStyle/>
-          <a:p>
-            <a:r>
-              <a:rPr lang="en-US" altLang="zh-CN" sz="2400" dirty="0" smtClean="0">
-                <a:solidFill>
-                  <a:schemeClr val="bg1"/>
-                </a:solidFill>
-                <a:latin typeface="Times New Roman" panose="02020603050405020304" pitchFamily="18" charset="0"/>
-                <a:cs typeface="Times New Roman" panose="02020603050405020304" pitchFamily="18" charset="0"/>
-              </a:rPr>
-              <a:t>C</a:t>
-            </a:r>
-            <a:endParaRPr lang="zh-CN" altLang="en-US" sz="2400" dirty="0">
-              <a:solidFill>
-                <a:schemeClr val="bg1"/>
-              </a:solidFill>
-              <a:latin typeface="Times New Roman" panose="02020603050405020304" pitchFamily="18" charset="0"/>
-              <a:cs typeface="Times New Roman" panose="02020603050405020304" pitchFamily="18" charset="0"/>
-            </a:endParaRPr>
-          </a:p>
-        </p:txBody>
-      </p:sp>
-      <p:sp>
-        <p:nvSpPr>
-          <p:cNvPr id="34" name="文本框 33"/>
-          <p:cNvSpPr txBox="1"/>
-          <p:nvPr/>
-        </p:nvSpPr>
-        <p:spPr>
-          <a:xfrm>
-            <a:off x="2638986" y="1867466"/>
-            <a:ext cx="407484" cy="461665"/>
-          </a:xfrm>
-          <a:prstGeom prst="rect">
-            <a:avLst/>
-          </a:prstGeom>
-          <a:noFill/>
-        </p:spPr>
-        <p:txBody>
-          <a:bodyPr wrap="none" rtlCol="0">
-            <a:spAutoFit/>
-          </a:bodyPr>
-          <a:lstStyle/>
-          <a:p>
-            <a:r>
-              <a:rPr lang="en-US" altLang="zh-CN" sz="2400" dirty="0" smtClean="0">
-                <a:solidFill>
-                  <a:schemeClr val="bg1"/>
-                </a:solidFill>
-                <a:latin typeface="Times New Roman" panose="02020603050405020304" pitchFamily="18" charset="0"/>
-                <a:cs typeface="Times New Roman" panose="02020603050405020304" pitchFamily="18" charset="0"/>
-              </a:rPr>
-              <a:t>D</a:t>
-            </a:r>
-            <a:endParaRPr lang="zh-CN" altLang="en-US" sz="2400" dirty="0">
-              <a:solidFill>
-                <a:schemeClr val="bg1"/>
-              </a:solidFill>
-              <a:latin typeface="Times New Roman" panose="02020603050405020304" pitchFamily="18" charset="0"/>
-              <a:cs typeface="Times New Roman" panose="02020603050405020304" pitchFamily="18" charset="0"/>
-            </a:endParaRPr>
-          </a:p>
-        </p:txBody>
-      </p:sp>
-      <p:pic>
-        <p:nvPicPr>
-          <p:cNvPr id="22" name="图片 21"/>
-          <p:cNvPicPr>
-            <a:picLocks noChangeAspect="1"/>
-          </p:cNvPicPr>
-          <p:nvPr/>
-        </p:nvPicPr>
-        <p:blipFill>
-          <a:blip r:embed="rId4"/>
-          <a:stretch>
-            <a:fillRect/>
-          </a:stretch>
-        </p:blipFill>
-        <p:spPr>
-          <a:xfrm>
-            <a:off x="5462244" y="0"/>
-            <a:ext cx="2890200" cy="1867466"/>
-          </a:xfrm>
-          <a:prstGeom prst="rect">
-            <a:avLst/>
-          </a:prstGeom>
-        </p:spPr>
-      </p:pic>
-      <p:pic>
-        <p:nvPicPr>
-          <p:cNvPr id="25" name="图片 24"/>
-          <p:cNvPicPr>
-            <a:picLocks noChangeAspect="1"/>
-          </p:cNvPicPr>
-          <p:nvPr/>
-        </p:nvPicPr>
-        <p:blipFill>
-          <a:blip r:embed="rId5"/>
-          <a:stretch>
-            <a:fillRect/>
-          </a:stretch>
-        </p:blipFill>
-        <p:spPr>
-          <a:xfrm>
-            <a:off x="5460256" y="1867466"/>
-            <a:ext cx="2874785" cy="1867466"/>
-          </a:xfrm>
-          <a:prstGeom prst="rect">
-            <a:avLst/>
-          </a:prstGeom>
-        </p:spPr>
-      </p:pic>
-      <p:sp>
-        <p:nvSpPr>
-          <p:cNvPr id="35" name="文本框 34"/>
-          <p:cNvSpPr txBox="1"/>
-          <p:nvPr/>
-        </p:nvSpPr>
-        <p:spPr>
-          <a:xfrm>
-            <a:off x="5377751" y="0"/>
-            <a:ext cx="372218" cy="461665"/>
-          </a:xfrm>
-          <a:prstGeom prst="rect">
-            <a:avLst/>
-          </a:prstGeom>
-          <a:noFill/>
-        </p:spPr>
-        <p:txBody>
-          <a:bodyPr wrap="none" rtlCol="0">
-            <a:spAutoFit/>
-          </a:bodyPr>
-          <a:lstStyle/>
-          <a:p>
-            <a:r>
-              <a:rPr lang="en-US" altLang="zh-CN" sz="2400" dirty="0">
-                <a:solidFill>
-                  <a:schemeClr val="bg1"/>
-                </a:solidFill>
-                <a:latin typeface="Times New Roman" panose="02020603050405020304" pitchFamily="18" charset="0"/>
-                <a:cs typeface="Times New Roman" panose="02020603050405020304" pitchFamily="18" charset="0"/>
-              </a:rPr>
-              <a:t>E</a:t>
-            </a:r>
-            <a:endParaRPr lang="zh-CN" altLang="en-US" sz="2400" dirty="0">
-              <a:solidFill>
-                <a:schemeClr val="bg1"/>
-              </a:solidFill>
-              <a:latin typeface="Times New Roman" panose="02020603050405020304" pitchFamily="18" charset="0"/>
-              <a:cs typeface="Times New Roman" panose="02020603050405020304" pitchFamily="18" charset="0"/>
-            </a:endParaRPr>
-          </a:p>
-        </p:txBody>
-      </p:sp>
-      <p:sp>
-        <p:nvSpPr>
-          <p:cNvPr id="36" name="文本框 35"/>
-          <p:cNvSpPr txBox="1"/>
-          <p:nvPr/>
-        </p:nvSpPr>
-        <p:spPr>
-          <a:xfrm>
-            <a:off x="5377751" y="1867466"/>
-            <a:ext cx="356188" cy="461665"/>
-          </a:xfrm>
-          <a:prstGeom prst="rect">
-            <a:avLst/>
-          </a:prstGeom>
-          <a:noFill/>
-        </p:spPr>
-        <p:txBody>
-          <a:bodyPr wrap="none" rtlCol="0">
-            <a:spAutoFit/>
-          </a:bodyPr>
-          <a:lstStyle/>
-          <a:p>
-            <a:r>
-              <a:rPr lang="en-US" altLang="zh-CN" sz="2400" dirty="0" smtClean="0">
-                <a:solidFill>
-                  <a:schemeClr val="bg1"/>
-                </a:solidFill>
-                <a:latin typeface="Times New Roman" panose="02020603050405020304" pitchFamily="18" charset="0"/>
-                <a:cs typeface="Times New Roman" panose="02020603050405020304" pitchFamily="18" charset="0"/>
-              </a:rPr>
-              <a:t>F</a:t>
-            </a:r>
-            <a:endParaRPr lang="zh-CN" altLang="en-US" sz="2400" dirty="0">
-              <a:solidFill>
-                <a:schemeClr val="bg1"/>
-              </a:solidFill>
-              <a:latin typeface="Times New Roman" panose="02020603050405020304" pitchFamily="18" charset="0"/>
-              <a:cs typeface="Times New Roman" panose="02020603050405020304" pitchFamily="18" charset="0"/>
-            </a:endParaRPr>
-          </a:p>
-        </p:txBody>
-      </p:sp>
     </p:spTree>
     <p:extLst>
       <p:ext uri="{BB962C8B-B14F-4D97-AF65-F5344CB8AC3E}">
@@ -6053,8 +6043,8 @@
         </p:nvSpPr>
         <p:spPr>
           <a:xfrm>
-            <a:off x="8317496" y="0"/>
-            <a:ext cx="2392087" cy="3734932"/>
+            <a:off x="8317495" y="0"/>
+            <a:ext cx="2894221" cy="3734932"/>
           </a:xfrm>
           <a:prstGeom prst="rect">
             <a:avLst/>
@@ -6091,29 +6081,419 @@
           </a:p>
         </p:txBody>
       </p:sp>
+      <p:sp>
+        <p:nvSpPr>
+          <p:cNvPr id="26" name="文本框 25"/>
+          <p:cNvSpPr txBox="1"/>
+          <p:nvPr/>
+        </p:nvSpPr>
+        <p:spPr>
+          <a:xfrm>
+            <a:off x="8936828" y="3030720"/>
+            <a:ext cx="1699504" cy="461665"/>
+          </a:xfrm>
+          <a:prstGeom prst="rect">
+            <a:avLst/>
+          </a:prstGeom>
+          <a:noFill/>
+        </p:spPr>
+        <p:txBody>
+          <a:bodyPr wrap="none" rtlCol="0">
+            <a:spAutoFit/>
+          </a:bodyPr>
+          <a:lstStyle/>
+          <a:p>
+            <a:r>
+              <a:rPr lang="en-US" altLang="zh-CN" sz="2400" dirty="0" smtClean="0">
+                <a:solidFill>
+                  <a:schemeClr val="bg1"/>
+                </a:solidFill>
+                <a:latin typeface="Times New Roman" panose="02020603050405020304" pitchFamily="18" charset="0"/>
+                <a:cs typeface="Times New Roman" panose="02020603050405020304" pitchFamily="18" charset="0"/>
+              </a:rPr>
+              <a:t>MCI vs. HC</a:t>
+            </a:r>
+            <a:endParaRPr lang="zh-CN" altLang="en-US" sz="2400" dirty="0">
+              <a:solidFill>
+                <a:schemeClr val="bg1"/>
+              </a:solidFill>
+              <a:latin typeface="Times New Roman" panose="02020603050405020304" pitchFamily="18" charset="0"/>
+              <a:cs typeface="Times New Roman" panose="02020603050405020304" pitchFamily="18" charset="0"/>
+            </a:endParaRPr>
+          </a:p>
+        </p:txBody>
+      </p:sp>
+      <p:pic>
+        <p:nvPicPr>
+          <p:cNvPr id="27" name="图片 26"/>
+          <p:cNvPicPr>
+            <a:picLocks noChangeAspect="1"/>
+          </p:cNvPicPr>
+          <p:nvPr/>
+        </p:nvPicPr>
+        <p:blipFill>
+          <a:blip r:embed="rId2"/>
+          <a:stretch>
+            <a:fillRect/>
+          </a:stretch>
+        </p:blipFill>
+        <p:spPr>
+          <a:xfrm>
+            <a:off x="0" y="0"/>
+            <a:ext cx="2719625" cy="3734931"/>
+          </a:xfrm>
+          <a:prstGeom prst="rect">
+            <a:avLst/>
+          </a:prstGeom>
+        </p:spPr>
+      </p:pic>
+      <p:sp>
+        <p:nvSpPr>
+          <p:cNvPr id="28" name="文本框 27"/>
+          <p:cNvSpPr txBox="1"/>
+          <p:nvPr/>
+        </p:nvSpPr>
+        <p:spPr>
+          <a:xfrm>
+            <a:off x="-1505" y="0"/>
+            <a:ext cx="407484" cy="461665"/>
+          </a:xfrm>
+          <a:prstGeom prst="rect">
+            <a:avLst/>
+          </a:prstGeom>
+          <a:noFill/>
+        </p:spPr>
+        <p:txBody>
+          <a:bodyPr wrap="none" rtlCol="0">
+            <a:spAutoFit/>
+          </a:bodyPr>
+          <a:lstStyle/>
+          <a:p>
+            <a:r>
+              <a:rPr lang="en-US" altLang="zh-CN" sz="2400" dirty="0" smtClean="0">
+                <a:solidFill>
+                  <a:schemeClr val="bg1"/>
+                </a:solidFill>
+                <a:latin typeface="Times New Roman" panose="02020603050405020304" pitchFamily="18" charset="0"/>
+                <a:cs typeface="Times New Roman" panose="02020603050405020304" pitchFamily="18" charset="0"/>
+              </a:rPr>
+              <a:t>A</a:t>
+            </a:r>
+            <a:endParaRPr lang="zh-CN" altLang="en-US" sz="2400" dirty="0">
+              <a:solidFill>
+                <a:schemeClr val="bg1"/>
+              </a:solidFill>
+              <a:latin typeface="Times New Roman" panose="02020603050405020304" pitchFamily="18" charset="0"/>
+              <a:cs typeface="Times New Roman" panose="02020603050405020304" pitchFamily="18" charset="0"/>
+            </a:endParaRPr>
+          </a:p>
+        </p:txBody>
+      </p:sp>
+      <p:sp>
+        <p:nvSpPr>
+          <p:cNvPr id="29" name="文本框 28"/>
+          <p:cNvSpPr txBox="1"/>
+          <p:nvPr/>
+        </p:nvSpPr>
+        <p:spPr>
+          <a:xfrm>
+            <a:off x="-1505" y="1867466"/>
+            <a:ext cx="389850" cy="461665"/>
+          </a:xfrm>
+          <a:prstGeom prst="rect">
+            <a:avLst/>
+          </a:prstGeom>
+          <a:noFill/>
+        </p:spPr>
+        <p:txBody>
+          <a:bodyPr wrap="none" rtlCol="0">
+            <a:spAutoFit/>
+          </a:bodyPr>
+          <a:lstStyle/>
+          <a:p>
+            <a:r>
+              <a:rPr lang="en-US" altLang="zh-CN" sz="2400" dirty="0">
+                <a:solidFill>
+                  <a:schemeClr val="bg1"/>
+                </a:solidFill>
+                <a:latin typeface="Times New Roman" panose="02020603050405020304" pitchFamily="18" charset="0"/>
+                <a:cs typeface="Times New Roman" panose="02020603050405020304" pitchFamily="18" charset="0"/>
+              </a:rPr>
+              <a:t>B</a:t>
+            </a:r>
+            <a:endParaRPr lang="zh-CN" altLang="en-US" sz="2400" dirty="0">
+              <a:solidFill>
+                <a:schemeClr val="bg1"/>
+              </a:solidFill>
+              <a:latin typeface="Times New Roman" panose="02020603050405020304" pitchFamily="18" charset="0"/>
+              <a:cs typeface="Times New Roman" panose="02020603050405020304" pitchFamily="18" charset="0"/>
+            </a:endParaRPr>
+          </a:p>
+        </p:txBody>
+      </p:sp>
+      <p:pic>
+        <p:nvPicPr>
+          <p:cNvPr id="30" name="图片 29"/>
+          <p:cNvPicPr>
+            <a:picLocks noChangeAspect="1"/>
+          </p:cNvPicPr>
+          <p:nvPr/>
+        </p:nvPicPr>
+        <p:blipFill>
+          <a:blip r:embed="rId3"/>
+          <a:stretch>
+            <a:fillRect/>
+          </a:stretch>
+        </p:blipFill>
+        <p:spPr>
+          <a:xfrm>
+            <a:off x="2714811" y="0"/>
+            <a:ext cx="2725006" cy="3734931"/>
+          </a:xfrm>
+          <a:prstGeom prst="rect">
+            <a:avLst/>
+          </a:prstGeom>
+        </p:spPr>
+      </p:pic>
+      <p:sp>
+        <p:nvSpPr>
+          <p:cNvPr id="31" name="文本框 30"/>
+          <p:cNvSpPr txBox="1"/>
+          <p:nvPr/>
+        </p:nvSpPr>
+        <p:spPr>
+          <a:xfrm>
+            <a:off x="2629461" y="0"/>
+            <a:ext cx="389850" cy="461665"/>
+          </a:xfrm>
+          <a:prstGeom prst="rect">
+            <a:avLst/>
+          </a:prstGeom>
+          <a:noFill/>
+        </p:spPr>
+        <p:txBody>
+          <a:bodyPr wrap="none" rtlCol="0">
+            <a:spAutoFit/>
+          </a:bodyPr>
+          <a:lstStyle/>
+          <a:p>
+            <a:r>
+              <a:rPr lang="en-US" altLang="zh-CN" sz="2400" dirty="0" smtClean="0">
+                <a:solidFill>
+                  <a:schemeClr val="bg1"/>
+                </a:solidFill>
+                <a:latin typeface="Times New Roman" panose="02020603050405020304" pitchFamily="18" charset="0"/>
+                <a:cs typeface="Times New Roman" panose="02020603050405020304" pitchFamily="18" charset="0"/>
+              </a:rPr>
+              <a:t>C</a:t>
+            </a:r>
+            <a:endParaRPr lang="zh-CN" altLang="en-US" sz="2400" dirty="0">
+              <a:solidFill>
+                <a:schemeClr val="bg1"/>
+              </a:solidFill>
+              <a:latin typeface="Times New Roman" panose="02020603050405020304" pitchFamily="18" charset="0"/>
+              <a:cs typeface="Times New Roman" panose="02020603050405020304" pitchFamily="18" charset="0"/>
+            </a:endParaRPr>
+          </a:p>
+        </p:txBody>
+      </p:sp>
+      <p:sp>
+        <p:nvSpPr>
+          <p:cNvPr id="32" name="文本框 31"/>
+          <p:cNvSpPr txBox="1"/>
+          <p:nvPr/>
+        </p:nvSpPr>
+        <p:spPr>
+          <a:xfrm>
+            <a:off x="2629461" y="1867466"/>
+            <a:ext cx="407484" cy="461665"/>
+          </a:xfrm>
+          <a:prstGeom prst="rect">
+            <a:avLst/>
+          </a:prstGeom>
+          <a:noFill/>
+        </p:spPr>
+        <p:txBody>
+          <a:bodyPr wrap="none" rtlCol="0">
+            <a:spAutoFit/>
+          </a:bodyPr>
+          <a:lstStyle/>
+          <a:p>
+            <a:r>
+              <a:rPr lang="en-US" altLang="zh-CN" sz="2400" dirty="0" smtClean="0">
+                <a:solidFill>
+                  <a:schemeClr val="bg1"/>
+                </a:solidFill>
+                <a:latin typeface="Times New Roman" panose="02020603050405020304" pitchFamily="18" charset="0"/>
+                <a:cs typeface="Times New Roman" panose="02020603050405020304" pitchFamily="18" charset="0"/>
+              </a:rPr>
+              <a:t>D</a:t>
+            </a:r>
+            <a:endParaRPr lang="zh-CN" altLang="en-US" sz="2400" dirty="0">
+              <a:solidFill>
+                <a:schemeClr val="bg1"/>
+              </a:solidFill>
+              <a:latin typeface="Times New Roman" panose="02020603050405020304" pitchFamily="18" charset="0"/>
+              <a:cs typeface="Times New Roman" panose="02020603050405020304" pitchFamily="18" charset="0"/>
+            </a:endParaRPr>
+          </a:p>
+        </p:txBody>
+      </p:sp>
+      <p:pic>
+        <p:nvPicPr>
+          <p:cNvPr id="33" name="图片 32"/>
+          <p:cNvPicPr>
+            <a:picLocks noChangeAspect="1"/>
+          </p:cNvPicPr>
+          <p:nvPr/>
+        </p:nvPicPr>
+        <p:blipFill>
+          <a:blip r:embed="rId4"/>
+          <a:stretch>
+            <a:fillRect/>
+          </a:stretch>
+        </p:blipFill>
+        <p:spPr>
+          <a:xfrm>
+            <a:off x="5439817" y="0"/>
+            <a:ext cx="2877679" cy="1875622"/>
+          </a:xfrm>
+          <a:prstGeom prst="rect">
+            <a:avLst/>
+          </a:prstGeom>
+        </p:spPr>
+      </p:pic>
+      <p:sp>
+        <p:nvSpPr>
+          <p:cNvPr id="34" name="文本框 33"/>
+          <p:cNvSpPr txBox="1"/>
+          <p:nvPr/>
+        </p:nvSpPr>
+        <p:spPr>
+          <a:xfrm>
+            <a:off x="5368226" y="0"/>
+            <a:ext cx="372218" cy="461665"/>
+          </a:xfrm>
+          <a:prstGeom prst="rect">
+            <a:avLst/>
+          </a:prstGeom>
+          <a:noFill/>
+        </p:spPr>
+        <p:txBody>
+          <a:bodyPr wrap="none" rtlCol="0">
+            <a:spAutoFit/>
+          </a:bodyPr>
+          <a:lstStyle/>
+          <a:p>
+            <a:r>
+              <a:rPr lang="en-US" altLang="zh-CN" sz="2400" dirty="0">
+                <a:solidFill>
+                  <a:schemeClr val="bg1"/>
+                </a:solidFill>
+                <a:latin typeface="Times New Roman" panose="02020603050405020304" pitchFamily="18" charset="0"/>
+                <a:cs typeface="Times New Roman" panose="02020603050405020304" pitchFamily="18" charset="0"/>
+              </a:rPr>
+              <a:t>E</a:t>
+            </a:r>
+            <a:endParaRPr lang="zh-CN" altLang="en-US" sz="2400" dirty="0">
+              <a:solidFill>
+                <a:schemeClr val="bg1"/>
+              </a:solidFill>
+              <a:latin typeface="Times New Roman" panose="02020603050405020304" pitchFamily="18" charset="0"/>
+              <a:cs typeface="Times New Roman" panose="02020603050405020304" pitchFamily="18" charset="0"/>
+            </a:endParaRPr>
+          </a:p>
+        </p:txBody>
+      </p:sp>
+      <p:pic>
+        <p:nvPicPr>
+          <p:cNvPr id="36" name="图片 35"/>
+          <p:cNvPicPr>
+            <a:picLocks noChangeAspect="1"/>
+          </p:cNvPicPr>
+          <p:nvPr/>
+        </p:nvPicPr>
+        <p:blipFill>
+          <a:blip r:embed="rId5"/>
+          <a:stretch>
+            <a:fillRect/>
+          </a:stretch>
+        </p:blipFill>
+        <p:spPr>
+          <a:xfrm>
+            <a:off x="5439817" y="1875622"/>
+            <a:ext cx="2877679" cy="1859309"/>
+          </a:xfrm>
+          <a:prstGeom prst="rect">
+            <a:avLst/>
+          </a:prstGeom>
+        </p:spPr>
+      </p:pic>
+      <p:sp>
+        <p:nvSpPr>
+          <p:cNvPr id="35" name="文本框 34"/>
+          <p:cNvSpPr txBox="1"/>
+          <p:nvPr/>
+        </p:nvSpPr>
+        <p:spPr>
+          <a:xfrm>
+            <a:off x="5368226" y="1867466"/>
+            <a:ext cx="356188" cy="461665"/>
+          </a:xfrm>
+          <a:prstGeom prst="rect">
+            <a:avLst/>
+          </a:prstGeom>
+          <a:noFill/>
+        </p:spPr>
+        <p:txBody>
+          <a:bodyPr wrap="none" rtlCol="0">
+            <a:spAutoFit/>
+          </a:bodyPr>
+          <a:lstStyle/>
+          <a:p>
+            <a:r>
+              <a:rPr lang="en-US" altLang="zh-CN" sz="2400" dirty="0" smtClean="0">
+                <a:solidFill>
+                  <a:schemeClr val="bg1"/>
+                </a:solidFill>
+                <a:latin typeface="Times New Roman" panose="02020603050405020304" pitchFamily="18" charset="0"/>
+                <a:cs typeface="Times New Roman" panose="02020603050405020304" pitchFamily="18" charset="0"/>
+              </a:rPr>
+              <a:t>F</a:t>
+            </a:r>
+            <a:endParaRPr lang="zh-CN" altLang="en-US" sz="2400" dirty="0">
+              <a:solidFill>
+                <a:schemeClr val="bg1"/>
+              </a:solidFill>
+              <a:latin typeface="Times New Roman" panose="02020603050405020304" pitchFamily="18" charset="0"/>
+              <a:cs typeface="Times New Roman" panose="02020603050405020304" pitchFamily="18" charset="0"/>
+            </a:endParaRPr>
+          </a:p>
+        </p:txBody>
+      </p:sp>
       <p:grpSp>
         <p:nvGrpSpPr>
-          <p:cNvPr id="5" name="组合 4"/>
+          <p:cNvPr id="37" name="组合 36"/>
           <p:cNvGrpSpPr/>
           <p:nvPr/>
         </p:nvGrpSpPr>
         <p:grpSpPr>
           <a:xfrm>
-            <a:off x="8479751" y="523016"/>
-            <a:ext cx="2239357" cy="2283161"/>
-            <a:chOff x="7443416" y="1206723"/>
-            <a:chExt cx="2239357" cy="2283161"/>
+            <a:off x="8489276" y="101600"/>
+            <a:ext cx="2858161" cy="2929120"/>
+            <a:chOff x="8489276" y="476835"/>
+            <a:chExt cx="2788425" cy="2375494"/>
           </a:xfrm>
         </p:grpSpPr>
         <p:sp>
           <p:nvSpPr>
-            <p:cNvPr id="6" name="矩形 5"/>
+            <p:cNvPr id="38" name="矩形 37"/>
             <p:cNvSpPr/>
             <p:nvPr/>
           </p:nvSpPr>
           <p:spPr>
             <a:xfrm>
-              <a:off x="7448539" y="1265426"/>
+              <a:off x="8494399" y="581719"/>
               <a:ext cx="369277" cy="158262"/>
             </a:xfrm>
             <a:prstGeom prst="rect">
@@ -6156,13 +6536,13 @@
         </p:sp>
         <p:sp>
           <p:nvSpPr>
-            <p:cNvPr id="7" name="矩形 6"/>
+            <p:cNvPr id="39" name="矩形 38"/>
             <p:cNvSpPr/>
             <p:nvPr/>
           </p:nvSpPr>
           <p:spPr>
             <a:xfrm>
-              <a:off x="7443416" y="1516008"/>
+              <a:off x="8489276" y="832301"/>
               <a:ext cx="369277" cy="158262"/>
             </a:xfrm>
             <a:prstGeom prst="rect">
@@ -6205,13 +6585,13 @@
         </p:sp>
         <p:sp>
           <p:nvSpPr>
-            <p:cNvPr id="8" name="矩形 7"/>
+            <p:cNvPr id="40" name="矩形 39"/>
             <p:cNvSpPr/>
             <p:nvPr/>
           </p:nvSpPr>
           <p:spPr>
             <a:xfrm>
-              <a:off x="7443416" y="1766590"/>
+              <a:off x="8489276" y="1082883"/>
               <a:ext cx="369277" cy="158262"/>
             </a:xfrm>
             <a:prstGeom prst="rect">
@@ -6254,13 +6634,13 @@
         </p:sp>
         <p:sp>
           <p:nvSpPr>
-            <p:cNvPr id="9" name="矩形 8"/>
+            <p:cNvPr id="41" name="矩形 40"/>
             <p:cNvSpPr/>
             <p:nvPr/>
           </p:nvSpPr>
           <p:spPr>
             <a:xfrm>
-              <a:off x="7443416" y="2017171"/>
+              <a:off x="8489276" y="1333464"/>
               <a:ext cx="369277" cy="158262"/>
             </a:xfrm>
             <a:prstGeom prst="rect">
@@ -6303,13 +6683,13 @@
         </p:sp>
         <p:sp>
           <p:nvSpPr>
-            <p:cNvPr id="10" name="矩形 9"/>
+            <p:cNvPr id="42" name="矩形 41"/>
             <p:cNvSpPr/>
             <p:nvPr/>
           </p:nvSpPr>
           <p:spPr>
             <a:xfrm>
-              <a:off x="7443416" y="2267753"/>
+              <a:off x="8489276" y="1584046"/>
               <a:ext cx="369277" cy="158262"/>
             </a:xfrm>
             <a:prstGeom prst="rect">
@@ -6352,13 +6732,13 @@
         </p:sp>
         <p:sp>
           <p:nvSpPr>
-            <p:cNvPr id="11" name="矩形 10"/>
+            <p:cNvPr id="43" name="矩形 42"/>
             <p:cNvSpPr/>
             <p:nvPr/>
           </p:nvSpPr>
           <p:spPr>
             <a:xfrm>
-              <a:off x="7443416" y="2518335"/>
+              <a:off x="8489276" y="1834628"/>
               <a:ext cx="369277" cy="158262"/>
             </a:xfrm>
             <a:prstGeom prst="rect">
@@ -6401,13 +6781,13 @@
         </p:sp>
         <p:sp>
           <p:nvSpPr>
-            <p:cNvPr id="12" name="矩形 11"/>
+            <p:cNvPr id="44" name="矩形 43"/>
             <p:cNvSpPr/>
             <p:nvPr/>
           </p:nvSpPr>
           <p:spPr>
             <a:xfrm>
-              <a:off x="7443416" y="2768917"/>
+              <a:off x="8489276" y="2085210"/>
               <a:ext cx="369277" cy="158262"/>
             </a:xfrm>
             <a:prstGeom prst="rect">
@@ -6450,13 +6830,13 @@
         </p:sp>
         <p:sp>
           <p:nvSpPr>
-            <p:cNvPr id="13" name="矩形 12"/>
+            <p:cNvPr id="45" name="矩形 44"/>
             <p:cNvSpPr/>
             <p:nvPr/>
           </p:nvSpPr>
           <p:spPr>
             <a:xfrm>
-              <a:off x="7443416" y="3019498"/>
+              <a:off x="8489276" y="2335791"/>
               <a:ext cx="369277" cy="158262"/>
             </a:xfrm>
             <a:prstGeom prst="rect">
@@ -6499,13 +6879,13 @@
         </p:sp>
         <p:sp>
           <p:nvSpPr>
-            <p:cNvPr id="14" name="矩形 13"/>
+            <p:cNvPr id="46" name="矩形 45"/>
             <p:cNvSpPr/>
             <p:nvPr/>
           </p:nvSpPr>
           <p:spPr>
             <a:xfrm>
-              <a:off x="7443416" y="3270078"/>
+              <a:off x="8489276" y="2586371"/>
               <a:ext cx="369277" cy="158262"/>
             </a:xfrm>
             <a:prstGeom prst="rect">
@@ -6548,14 +6928,14 @@
         </p:sp>
         <p:sp>
           <p:nvSpPr>
-            <p:cNvPr id="15" name="文本框 14"/>
+            <p:cNvPr id="47" name="文本框 46"/>
             <p:cNvSpPr txBox="1"/>
             <p:nvPr/>
           </p:nvSpPr>
           <p:spPr>
             <a:xfrm>
-              <a:off x="8975528" y="1206723"/>
-              <a:ext cx="707245" cy="276999"/>
+              <a:off x="8906539" y="476835"/>
+              <a:ext cx="966931" cy="369332"/>
             </a:xfrm>
             <a:prstGeom prst="rect">
               <a:avLst/>
@@ -6569,7 +6949,7 @@
             <a:lstStyle/>
             <a:p>
               <a:r>
-                <a:rPr lang="en-US" altLang="zh-CN" sz="1200" dirty="0" smtClean="0">
+                <a:rPr lang="en-US" altLang="zh-CN" dirty="0" smtClean="0">
                   <a:solidFill>
                     <a:schemeClr val="bg1"/>
                   </a:solidFill>
@@ -6578,7 +6958,7 @@
                 </a:rPr>
                 <a:t>Strength</a:t>
               </a:r>
-              <a:endParaRPr lang="zh-CN" altLang="en-US" sz="1200" dirty="0">
+              <a:endParaRPr lang="zh-CN" altLang="en-US" dirty="0">
                 <a:solidFill>
                   <a:schemeClr val="bg1"/>
                 </a:solidFill>
@@ -6590,14 +6970,14 @@
         </p:sp>
         <p:sp>
           <p:nvSpPr>
-            <p:cNvPr id="16" name="文本框 15"/>
+            <p:cNvPr id="48" name="文本框 47"/>
             <p:cNvSpPr txBox="1"/>
             <p:nvPr/>
           </p:nvSpPr>
           <p:spPr>
             <a:xfrm>
-              <a:off x="8123885" y="1457493"/>
-              <a:ext cx="1558888" cy="276999"/>
+              <a:off x="8906539" y="727605"/>
+              <a:ext cx="2238754" cy="369332"/>
             </a:xfrm>
             <a:prstGeom prst="rect">
               <a:avLst/>
@@ -6611,7 +6991,7 @@
             <a:lstStyle/>
             <a:p>
               <a:r>
-                <a:rPr lang="en-US" altLang="zh-CN" sz="1200" dirty="0" smtClean="0">
+                <a:rPr lang="en-US" altLang="zh-CN" dirty="0" smtClean="0">
                   <a:solidFill>
                     <a:schemeClr val="bg1"/>
                   </a:solidFill>
@@ -6620,7 +7000,7 @@
                 </a:rPr>
                 <a:t>Clustering Coefficient</a:t>
               </a:r>
-              <a:endParaRPr lang="zh-CN" altLang="en-US" sz="1200" dirty="0">
+              <a:endParaRPr lang="zh-CN" altLang="en-US" dirty="0">
                 <a:solidFill>
                   <a:schemeClr val="bg1"/>
                 </a:solidFill>
@@ -6632,14 +7012,14 @@
         </p:sp>
         <p:sp>
           <p:nvSpPr>
-            <p:cNvPr id="17" name="文本框 16"/>
+            <p:cNvPr id="49" name="文本框 48"/>
             <p:cNvSpPr txBox="1"/>
             <p:nvPr/>
           </p:nvSpPr>
           <p:spPr>
             <a:xfrm>
-              <a:off x="8465324" y="1708263"/>
-              <a:ext cx="1217449" cy="276999"/>
+              <a:off x="8906539" y="978375"/>
+              <a:ext cx="1725793" cy="369332"/>
             </a:xfrm>
             <a:prstGeom prst="rect">
               <a:avLst/>
@@ -6653,7 +7033,7 @@
             <a:lstStyle/>
             <a:p>
               <a:r>
-                <a:rPr lang="en-US" altLang="zh-CN" sz="1200" dirty="0" smtClean="0">
+                <a:rPr lang="en-US" altLang="zh-CN" dirty="0" smtClean="0">
                   <a:solidFill>
                     <a:schemeClr val="bg1"/>
                   </a:solidFill>
@@ -6662,7 +7042,7 @@
                 </a:rPr>
                 <a:t>Local Efficiency</a:t>
               </a:r>
-              <a:endParaRPr lang="zh-CN" altLang="en-US" sz="1200" dirty="0">
+              <a:endParaRPr lang="zh-CN" altLang="en-US" dirty="0">
                 <a:solidFill>
                   <a:schemeClr val="bg1"/>
                 </a:solidFill>
@@ -6674,14 +7054,14 @@
         </p:sp>
         <p:sp>
           <p:nvSpPr>
-            <p:cNvPr id="18" name="文本框 17"/>
+            <p:cNvPr id="50" name="文本框 49"/>
             <p:cNvSpPr txBox="1"/>
             <p:nvPr/>
           </p:nvSpPr>
           <p:spPr>
             <a:xfrm>
-              <a:off x="8036168" y="1959033"/>
-              <a:ext cx="1646605" cy="276999"/>
+              <a:off x="8906539" y="1229145"/>
+              <a:ext cx="2371162" cy="369332"/>
             </a:xfrm>
             <a:prstGeom prst="rect">
               <a:avLst/>
@@ -6695,7 +7075,7 @@
             <a:lstStyle/>
             <a:p>
               <a:r>
-                <a:rPr lang="en-US" altLang="zh-CN" sz="1200" dirty="0" smtClean="0">
+                <a:rPr lang="en-US" altLang="zh-CN" dirty="0" smtClean="0">
                   <a:solidFill>
                     <a:schemeClr val="bg1"/>
                   </a:solidFill>
@@ -6704,7 +7084,7 @@
                 </a:rPr>
                 <a:t>Betweenness Centrality</a:t>
               </a:r>
-              <a:endParaRPr lang="zh-CN" altLang="en-US" sz="1200" dirty="0">
+              <a:endParaRPr lang="zh-CN" altLang="en-US" dirty="0">
                 <a:solidFill>
                   <a:schemeClr val="bg1"/>
                 </a:solidFill>
@@ -6716,14 +7096,14 @@
         </p:sp>
         <p:sp>
           <p:nvSpPr>
-            <p:cNvPr id="19" name="文本框 18"/>
+            <p:cNvPr id="51" name="文本框 50"/>
             <p:cNvSpPr txBox="1"/>
             <p:nvPr/>
           </p:nvSpPr>
           <p:spPr>
             <a:xfrm>
-              <a:off x="8093876" y="2209803"/>
-              <a:ext cx="1588897" cy="276999"/>
+              <a:off x="8906539" y="1479915"/>
+              <a:ext cx="2281394" cy="369332"/>
             </a:xfrm>
             <a:prstGeom prst="rect">
               <a:avLst/>
@@ -6737,7 +7117,7 @@
             <a:lstStyle/>
             <a:p>
               <a:r>
-                <a:rPr lang="en-US" altLang="zh-CN" sz="1200" dirty="0" smtClean="0">
+                <a:rPr lang="en-US" altLang="zh-CN" dirty="0" smtClean="0">
                   <a:solidFill>
                     <a:schemeClr val="bg1"/>
                   </a:solidFill>
@@ -6746,7 +7126,7 @@
                 </a:rPr>
                 <a:t>Eigenvector Centrality</a:t>
               </a:r>
-              <a:endParaRPr lang="zh-CN" altLang="en-US" sz="1200" dirty="0">
+              <a:endParaRPr lang="zh-CN" altLang="en-US" dirty="0">
                 <a:solidFill>
                   <a:schemeClr val="bg1"/>
                 </a:solidFill>
@@ -6758,14 +7138,14 @@
         </p:sp>
         <p:sp>
           <p:nvSpPr>
-            <p:cNvPr id="20" name="文本框 19"/>
+            <p:cNvPr id="52" name="文本框 51"/>
             <p:cNvSpPr txBox="1"/>
             <p:nvPr/>
           </p:nvSpPr>
           <p:spPr>
             <a:xfrm>
-              <a:off x="8250971" y="2460573"/>
-              <a:ext cx="1431802" cy="276999"/>
+              <a:off x="8906539" y="1730685"/>
+              <a:ext cx="2050561" cy="369332"/>
             </a:xfrm>
             <a:prstGeom prst="rect">
               <a:avLst/>
@@ -6779,7 +7159,7 @@
             <a:lstStyle/>
             <a:p>
               <a:r>
-                <a:rPr lang="en-US" altLang="zh-CN" sz="1200" dirty="0" smtClean="0">
+                <a:rPr lang="en-US" altLang="zh-CN" dirty="0" smtClean="0">
                   <a:solidFill>
                     <a:schemeClr val="bg1"/>
                   </a:solidFill>
@@ -6788,7 +7168,7 @@
                 </a:rPr>
                 <a:t>Subgraph Centrality</a:t>
               </a:r>
-              <a:endParaRPr lang="zh-CN" altLang="en-US" sz="1200" dirty="0">
+              <a:endParaRPr lang="zh-CN" altLang="en-US" dirty="0">
                 <a:solidFill>
                   <a:schemeClr val="bg1"/>
                 </a:solidFill>
@@ -6800,14 +7180,14 @@
         </p:sp>
         <p:sp>
           <p:nvSpPr>
-            <p:cNvPr id="21" name="文本框 20"/>
+            <p:cNvPr id="53" name="文本框 52"/>
             <p:cNvSpPr txBox="1"/>
             <p:nvPr/>
           </p:nvSpPr>
           <p:spPr>
             <a:xfrm>
-              <a:off x="8148379" y="2711343"/>
-              <a:ext cx="1534394" cy="276999"/>
+              <a:off x="8906539" y="1981455"/>
+              <a:ext cx="2204450" cy="369332"/>
             </a:xfrm>
             <a:prstGeom prst="rect">
               <a:avLst/>
@@ -6821,7 +7201,7 @@
             <a:lstStyle/>
             <a:p>
               <a:r>
-                <a:rPr lang="en-US" altLang="zh-CN" sz="1200" dirty="0" smtClean="0">
+                <a:rPr lang="en-US" altLang="zh-CN" dirty="0" smtClean="0">
                   <a:solidFill>
                     <a:schemeClr val="bg1"/>
                   </a:solidFill>
@@ -6830,7 +7210,7 @@
                 </a:rPr>
                 <a:t>K-coreness Centrality</a:t>
               </a:r>
-              <a:endParaRPr lang="zh-CN" altLang="en-US" sz="1200" dirty="0">
+              <a:endParaRPr lang="zh-CN" altLang="en-US" dirty="0">
                 <a:solidFill>
                   <a:schemeClr val="bg1"/>
                 </a:solidFill>
@@ -6842,14 +7222,14 @@
         </p:sp>
         <p:sp>
           <p:nvSpPr>
-            <p:cNvPr id="22" name="文本框 21"/>
+            <p:cNvPr id="54" name="文本框 53"/>
             <p:cNvSpPr txBox="1"/>
             <p:nvPr/>
           </p:nvSpPr>
           <p:spPr>
             <a:xfrm>
-              <a:off x="8450897" y="2962113"/>
-              <a:ext cx="1231876" cy="276999"/>
+              <a:off x="8906539" y="2232225"/>
+              <a:ext cx="1751442" cy="369332"/>
             </a:xfrm>
             <a:prstGeom prst="rect">
               <a:avLst/>
@@ -6863,7 +7243,7 @@
             <a:lstStyle/>
             <a:p>
               <a:r>
-                <a:rPr lang="en-US" altLang="zh-CN" sz="1200" dirty="0" smtClean="0">
+                <a:rPr lang="en-US" altLang="zh-CN" dirty="0" smtClean="0">
                   <a:solidFill>
                     <a:schemeClr val="bg1"/>
                   </a:solidFill>
@@ -6872,7 +7252,7 @@
                 </a:rPr>
                 <a:t>Flow Coefficient</a:t>
               </a:r>
-              <a:endParaRPr lang="zh-CN" altLang="en-US" sz="1200" dirty="0">
+              <a:endParaRPr lang="zh-CN" altLang="en-US" dirty="0">
                 <a:solidFill>
                   <a:schemeClr val="bg1"/>
                 </a:solidFill>
@@ -6884,14 +7264,14 @@
         </p:sp>
         <p:sp>
           <p:nvSpPr>
-            <p:cNvPr id="23" name="文本框 22"/>
+            <p:cNvPr id="55" name="文本框 54"/>
             <p:cNvSpPr txBox="1"/>
             <p:nvPr/>
           </p:nvSpPr>
           <p:spPr>
             <a:xfrm>
-              <a:off x="8177233" y="3212885"/>
-              <a:ext cx="1505540" cy="276999"/>
+              <a:off x="8906539" y="2482997"/>
+              <a:ext cx="2159566" cy="369332"/>
             </a:xfrm>
             <a:prstGeom prst="rect">
               <a:avLst/>
@@ -6905,7 +7285,7 @@
             <a:lstStyle/>
             <a:p>
               <a:r>
-                <a:rPr lang="en-US" altLang="zh-CN" sz="1200" dirty="0" smtClean="0">
+                <a:rPr lang="en-US" altLang="zh-CN" dirty="0" smtClean="0">
                   <a:solidFill>
                     <a:schemeClr val="bg1"/>
                   </a:solidFill>
@@ -6914,7 +7294,7 @@
                 </a:rPr>
                 <a:t>Page Rank Centrality</a:t>
               </a:r>
-              <a:endParaRPr lang="zh-CN" altLang="en-US" sz="1200" dirty="0">
+              <a:endParaRPr lang="zh-CN" altLang="en-US" dirty="0">
                 <a:solidFill>
                   <a:schemeClr val="bg1"/>
                 </a:solidFill>
@@ -6925,396 +7305,6 @@
           </p:txBody>
         </p:sp>
       </p:grpSp>
-      <p:sp>
-        <p:nvSpPr>
-          <p:cNvPr id="26" name="文本框 25"/>
-          <p:cNvSpPr txBox="1"/>
-          <p:nvPr/>
-        </p:nvSpPr>
-        <p:spPr>
-          <a:xfrm>
-            <a:off x="8936828" y="3030720"/>
-            <a:ext cx="1699504" cy="461665"/>
-          </a:xfrm>
-          <a:prstGeom prst="rect">
-            <a:avLst/>
-          </a:prstGeom>
-          <a:noFill/>
-        </p:spPr>
-        <p:txBody>
-          <a:bodyPr wrap="none" rtlCol="0">
-            <a:spAutoFit/>
-          </a:bodyPr>
-          <a:lstStyle/>
-          <a:p>
-            <a:r>
-              <a:rPr lang="en-US" altLang="zh-CN" sz="2400" dirty="0" smtClean="0">
-                <a:solidFill>
-                  <a:schemeClr val="bg1"/>
-                </a:solidFill>
-                <a:latin typeface="Times New Roman" panose="02020603050405020304" pitchFamily="18" charset="0"/>
-                <a:cs typeface="Times New Roman" panose="02020603050405020304" pitchFamily="18" charset="0"/>
-              </a:rPr>
-              <a:t>MCI vs. HC</a:t>
-            </a:r>
-            <a:endParaRPr lang="zh-CN" altLang="en-US" sz="2400" dirty="0">
-              <a:solidFill>
-                <a:schemeClr val="bg1"/>
-              </a:solidFill>
-              <a:latin typeface="Times New Roman" panose="02020603050405020304" pitchFamily="18" charset="0"/>
-              <a:cs typeface="Times New Roman" panose="02020603050405020304" pitchFamily="18" charset="0"/>
-            </a:endParaRPr>
-          </a:p>
-        </p:txBody>
-      </p:sp>
-      <p:pic>
-        <p:nvPicPr>
-          <p:cNvPr id="27" name="图片 26"/>
-          <p:cNvPicPr>
-            <a:picLocks noChangeAspect="1"/>
-          </p:cNvPicPr>
-          <p:nvPr/>
-        </p:nvPicPr>
-        <p:blipFill>
-          <a:blip r:embed="rId2"/>
-          <a:stretch>
-            <a:fillRect/>
-          </a:stretch>
-        </p:blipFill>
-        <p:spPr>
-          <a:xfrm>
-            <a:off x="0" y="0"/>
-            <a:ext cx="2719625" cy="3734931"/>
-          </a:xfrm>
-          <a:prstGeom prst="rect">
-            <a:avLst/>
-          </a:prstGeom>
-        </p:spPr>
-      </p:pic>
-      <p:sp>
-        <p:nvSpPr>
-          <p:cNvPr id="28" name="文本框 27"/>
-          <p:cNvSpPr txBox="1"/>
-          <p:nvPr/>
-        </p:nvSpPr>
-        <p:spPr>
-          <a:xfrm>
-            <a:off x="-1505" y="0"/>
-            <a:ext cx="407484" cy="461665"/>
-          </a:xfrm>
-          <a:prstGeom prst="rect">
-            <a:avLst/>
-          </a:prstGeom>
-          <a:noFill/>
-        </p:spPr>
-        <p:txBody>
-          <a:bodyPr wrap="none" rtlCol="0">
-            <a:spAutoFit/>
-          </a:bodyPr>
-          <a:lstStyle/>
-          <a:p>
-            <a:r>
-              <a:rPr lang="en-US" altLang="zh-CN" sz="2400" dirty="0" smtClean="0">
-                <a:solidFill>
-                  <a:schemeClr val="bg1"/>
-                </a:solidFill>
-                <a:latin typeface="Times New Roman" panose="02020603050405020304" pitchFamily="18" charset="0"/>
-                <a:cs typeface="Times New Roman" panose="02020603050405020304" pitchFamily="18" charset="0"/>
-              </a:rPr>
-              <a:t>A</a:t>
-            </a:r>
-            <a:endParaRPr lang="zh-CN" altLang="en-US" sz="2400" dirty="0">
-              <a:solidFill>
-                <a:schemeClr val="bg1"/>
-              </a:solidFill>
-              <a:latin typeface="Times New Roman" panose="02020603050405020304" pitchFamily="18" charset="0"/>
-              <a:cs typeface="Times New Roman" panose="02020603050405020304" pitchFamily="18" charset="0"/>
-            </a:endParaRPr>
-          </a:p>
-        </p:txBody>
-      </p:sp>
-      <p:sp>
-        <p:nvSpPr>
-          <p:cNvPr id="29" name="文本框 28"/>
-          <p:cNvSpPr txBox="1"/>
-          <p:nvPr/>
-        </p:nvSpPr>
-        <p:spPr>
-          <a:xfrm>
-            <a:off x="-1505" y="1867466"/>
-            <a:ext cx="389850" cy="461665"/>
-          </a:xfrm>
-          <a:prstGeom prst="rect">
-            <a:avLst/>
-          </a:prstGeom>
-          <a:noFill/>
-        </p:spPr>
-        <p:txBody>
-          <a:bodyPr wrap="none" rtlCol="0">
-            <a:spAutoFit/>
-          </a:bodyPr>
-          <a:lstStyle/>
-          <a:p>
-            <a:r>
-              <a:rPr lang="en-US" altLang="zh-CN" sz="2400" dirty="0">
-                <a:solidFill>
-                  <a:schemeClr val="bg1"/>
-                </a:solidFill>
-                <a:latin typeface="Times New Roman" panose="02020603050405020304" pitchFamily="18" charset="0"/>
-                <a:cs typeface="Times New Roman" panose="02020603050405020304" pitchFamily="18" charset="0"/>
-              </a:rPr>
-              <a:t>B</a:t>
-            </a:r>
-            <a:endParaRPr lang="zh-CN" altLang="en-US" sz="2400" dirty="0">
-              <a:solidFill>
-                <a:schemeClr val="bg1"/>
-              </a:solidFill>
-              <a:latin typeface="Times New Roman" panose="02020603050405020304" pitchFamily="18" charset="0"/>
-              <a:cs typeface="Times New Roman" panose="02020603050405020304" pitchFamily="18" charset="0"/>
-            </a:endParaRPr>
-          </a:p>
-        </p:txBody>
-      </p:sp>
-      <p:pic>
-        <p:nvPicPr>
-          <p:cNvPr id="30" name="图片 29"/>
-          <p:cNvPicPr>
-            <a:picLocks noChangeAspect="1"/>
-          </p:cNvPicPr>
-          <p:nvPr/>
-        </p:nvPicPr>
-        <p:blipFill>
-          <a:blip r:embed="rId3"/>
-          <a:stretch>
-            <a:fillRect/>
-          </a:stretch>
-        </p:blipFill>
-        <p:spPr>
-          <a:xfrm>
-            <a:off x="2714811" y="0"/>
-            <a:ext cx="2725006" cy="3734931"/>
-          </a:xfrm>
-          <a:prstGeom prst="rect">
-            <a:avLst/>
-          </a:prstGeom>
-        </p:spPr>
-      </p:pic>
-      <p:sp>
-        <p:nvSpPr>
-          <p:cNvPr id="31" name="文本框 30"/>
-          <p:cNvSpPr txBox="1"/>
-          <p:nvPr/>
-        </p:nvSpPr>
-        <p:spPr>
-          <a:xfrm>
-            <a:off x="2629461" y="0"/>
-            <a:ext cx="389850" cy="461665"/>
-          </a:xfrm>
-          <a:prstGeom prst="rect">
-            <a:avLst/>
-          </a:prstGeom>
-          <a:noFill/>
-        </p:spPr>
-        <p:txBody>
-          <a:bodyPr wrap="none" rtlCol="0">
-            <a:spAutoFit/>
-          </a:bodyPr>
-          <a:lstStyle/>
-          <a:p>
-            <a:r>
-              <a:rPr lang="en-US" altLang="zh-CN" sz="2400" dirty="0" smtClean="0">
-                <a:solidFill>
-                  <a:schemeClr val="bg1"/>
-                </a:solidFill>
-                <a:latin typeface="Times New Roman" panose="02020603050405020304" pitchFamily="18" charset="0"/>
-                <a:cs typeface="Times New Roman" panose="02020603050405020304" pitchFamily="18" charset="0"/>
-              </a:rPr>
-              <a:t>C</a:t>
-            </a:r>
-            <a:endParaRPr lang="zh-CN" altLang="en-US" sz="2400" dirty="0">
-              <a:solidFill>
-                <a:schemeClr val="bg1"/>
-              </a:solidFill>
-              <a:latin typeface="Times New Roman" panose="02020603050405020304" pitchFamily="18" charset="0"/>
-              <a:cs typeface="Times New Roman" panose="02020603050405020304" pitchFamily="18" charset="0"/>
-            </a:endParaRPr>
-          </a:p>
-        </p:txBody>
-      </p:sp>
-      <p:sp>
-        <p:nvSpPr>
-          <p:cNvPr id="32" name="文本框 31"/>
-          <p:cNvSpPr txBox="1"/>
-          <p:nvPr/>
-        </p:nvSpPr>
-        <p:spPr>
-          <a:xfrm>
-            <a:off x="2629461" y="1867466"/>
-            <a:ext cx="407484" cy="461665"/>
-          </a:xfrm>
-          <a:prstGeom prst="rect">
-            <a:avLst/>
-          </a:prstGeom>
-          <a:noFill/>
-        </p:spPr>
-        <p:txBody>
-          <a:bodyPr wrap="none" rtlCol="0">
-            <a:spAutoFit/>
-          </a:bodyPr>
-          <a:lstStyle/>
-          <a:p>
-            <a:r>
-              <a:rPr lang="en-US" altLang="zh-CN" sz="2400" dirty="0" smtClean="0">
-                <a:solidFill>
-                  <a:schemeClr val="bg1"/>
-                </a:solidFill>
-                <a:latin typeface="Times New Roman" panose="02020603050405020304" pitchFamily="18" charset="0"/>
-                <a:cs typeface="Times New Roman" panose="02020603050405020304" pitchFamily="18" charset="0"/>
-              </a:rPr>
-              <a:t>D</a:t>
-            </a:r>
-            <a:endParaRPr lang="zh-CN" altLang="en-US" sz="2400" dirty="0">
-              <a:solidFill>
-                <a:schemeClr val="bg1"/>
-              </a:solidFill>
-              <a:latin typeface="Times New Roman" panose="02020603050405020304" pitchFamily="18" charset="0"/>
-              <a:cs typeface="Times New Roman" panose="02020603050405020304" pitchFamily="18" charset="0"/>
-            </a:endParaRPr>
-          </a:p>
-        </p:txBody>
-      </p:sp>
-      <p:pic>
-        <p:nvPicPr>
-          <p:cNvPr id="33" name="图片 32"/>
-          <p:cNvPicPr>
-            <a:picLocks noChangeAspect="1"/>
-          </p:cNvPicPr>
-          <p:nvPr/>
-        </p:nvPicPr>
-        <p:blipFill>
-          <a:blip r:embed="rId4"/>
-          <a:stretch>
-            <a:fillRect/>
-          </a:stretch>
-        </p:blipFill>
-        <p:spPr>
-          <a:xfrm>
-            <a:off x="5439817" y="0"/>
-            <a:ext cx="2877679" cy="1875622"/>
-          </a:xfrm>
-          <a:prstGeom prst="rect">
-            <a:avLst/>
-          </a:prstGeom>
-        </p:spPr>
-      </p:pic>
-      <p:sp>
-        <p:nvSpPr>
-          <p:cNvPr id="34" name="文本框 33"/>
-          <p:cNvSpPr txBox="1"/>
-          <p:nvPr/>
-        </p:nvSpPr>
-        <p:spPr>
-          <a:xfrm>
-            <a:off x="5368226" y="0"/>
-            <a:ext cx="372218" cy="461665"/>
-          </a:xfrm>
-          <a:prstGeom prst="rect">
-            <a:avLst/>
-          </a:prstGeom>
-          <a:noFill/>
-        </p:spPr>
-        <p:txBody>
-          <a:bodyPr wrap="none" rtlCol="0">
-            <a:spAutoFit/>
-          </a:bodyPr>
-          <a:lstStyle/>
-          <a:p>
-            <a:r>
-              <a:rPr lang="en-US" altLang="zh-CN" sz="2400" dirty="0">
-                <a:solidFill>
-                  <a:schemeClr val="bg1"/>
-                </a:solidFill>
-                <a:latin typeface="Times New Roman" panose="02020603050405020304" pitchFamily="18" charset="0"/>
-                <a:cs typeface="Times New Roman" panose="02020603050405020304" pitchFamily="18" charset="0"/>
-              </a:rPr>
-              <a:t>E</a:t>
-            </a:r>
-            <a:endParaRPr lang="zh-CN" altLang="en-US" sz="2400" dirty="0">
-              <a:solidFill>
-                <a:schemeClr val="bg1"/>
-              </a:solidFill>
-              <a:latin typeface="Times New Roman" panose="02020603050405020304" pitchFamily="18" charset="0"/>
-              <a:cs typeface="Times New Roman" panose="02020603050405020304" pitchFamily="18" charset="0"/>
-            </a:endParaRPr>
-          </a:p>
-        </p:txBody>
-      </p:sp>
-      <p:pic>
-        <p:nvPicPr>
-          <p:cNvPr id="36" name="图片 35"/>
-          <p:cNvPicPr>
-            <a:picLocks noChangeAspect="1"/>
-          </p:cNvPicPr>
-          <p:nvPr/>
-        </p:nvPicPr>
-        <p:blipFill>
-          <a:blip r:embed="rId5"/>
-          <a:stretch>
-            <a:fillRect/>
-          </a:stretch>
-        </p:blipFill>
-        <p:spPr>
-          <a:xfrm>
-            <a:off x="5439817" y="1875622"/>
-            <a:ext cx="2877679" cy="1859309"/>
-          </a:xfrm>
-          <a:prstGeom prst="rect">
-            <a:avLst/>
-          </a:prstGeom>
-        </p:spPr>
-      </p:pic>
-      <p:sp>
-        <p:nvSpPr>
-          <p:cNvPr id="35" name="文本框 34"/>
-          <p:cNvSpPr txBox="1"/>
-          <p:nvPr/>
-        </p:nvSpPr>
-        <p:spPr>
-          <a:xfrm>
-            <a:off x="5368226" y="1867466"/>
-            <a:ext cx="356188" cy="461665"/>
-          </a:xfrm>
-          <a:prstGeom prst="rect">
-            <a:avLst/>
-          </a:prstGeom>
-          <a:noFill/>
-        </p:spPr>
-        <p:txBody>
-          <a:bodyPr wrap="none" rtlCol="0">
-            <a:spAutoFit/>
-          </a:bodyPr>
-          <a:lstStyle/>
-          <a:p>
-            <a:r>
-              <a:rPr lang="en-US" altLang="zh-CN" sz="2400" dirty="0" smtClean="0">
-                <a:solidFill>
-                  <a:schemeClr val="bg1"/>
-                </a:solidFill>
-                <a:latin typeface="Times New Roman" panose="02020603050405020304" pitchFamily="18" charset="0"/>
-                <a:cs typeface="Times New Roman" panose="02020603050405020304" pitchFamily="18" charset="0"/>
-              </a:rPr>
-              <a:t>F</a:t>
-            </a:r>
-            <a:endParaRPr lang="zh-CN" altLang="en-US" sz="2400" dirty="0">
-              <a:solidFill>
-                <a:schemeClr val="bg1"/>
-              </a:solidFill>
-              <a:latin typeface="Times New Roman" panose="02020603050405020304" pitchFamily="18" charset="0"/>
-              <a:cs typeface="Times New Roman" panose="02020603050405020304" pitchFamily="18" charset="0"/>
-            </a:endParaRPr>
-          </a:p>
-        </p:txBody>
-      </p:sp>
     </p:spTree>
     <p:extLst>
       <p:ext uri="{BB962C8B-B14F-4D97-AF65-F5344CB8AC3E}">
@@ -7354,7 +7344,7 @@
         <p:spPr>
           <a:xfrm>
             <a:off x="8317496" y="0"/>
-            <a:ext cx="2392087" cy="3734932"/>
+            <a:ext cx="2870437" cy="3734932"/>
           </a:xfrm>
           <a:prstGeom prst="rect">
             <a:avLst/>
@@ -7391,29 +7381,419 @@
           </a:p>
         </p:txBody>
       </p:sp>
+      <p:sp>
+        <p:nvSpPr>
+          <p:cNvPr id="26" name="文本框 25"/>
+          <p:cNvSpPr txBox="1"/>
+          <p:nvPr/>
+        </p:nvSpPr>
+        <p:spPr>
+          <a:xfrm>
+            <a:off x="8822528" y="3030720"/>
+            <a:ext cx="1887055" cy="461665"/>
+          </a:xfrm>
+          <a:prstGeom prst="rect">
+            <a:avLst/>
+          </a:prstGeom>
+          <a:noFill/>
+        </p:spPr>
+        <p:txBody>
+          <a:bodyPr wrap="none" rtlCol="0">
+            <a:spAutoFit/>
+          </a:bodyPr>
+          <a:lstStyle/>
+          <a:p>
+            <a:r>
+              <a:rPr lang="en-US" altLang="zh-CN" sz="2400" dirty="0" smtClean="0">
+                <a:solidFill>
+                  <a:schemeClr val="bg1"/>
+                </a:solidFill>
+                <a:latin typeface="Times New Roman" panose="02020603050405020304" pitchFamily="18" charset="0"/>
+                <a:cs typeface="Times New Roman" panose="02020603050405020304" pitchFamily="18" charset="0"/>
+              </a:rPr>
+              <a:t>LMCI vs. HC</a:t>
+            </a:r>
+            <a:endParaRPr lang="zh-CN" altLang="en-US" sz="2400" dirty="0">
+              <a:solidFill>
+                <a:schemeClr val="bg1"/>
+              </a:solidFill>
+              <a:latin typeface="Times New Roman" panose="02020603050405020304" pitchFamily="18" charset="0"/>
+              <a:cs typeface="Times New Roman" panose="02020603050405020304" pitchFamily="18" charset="0"/>
+            </a:endParaRPr>
+          </a:p>
+        </p:txBody>
+      </p:sp>
+      <p:pic>
+        <p:nvPicPr>
+          <p:cNvPr id="2" name="图片 1"/>
+          <p:cNvPicPr>
+            <a:picLocks noChangeAspect="1"/>
+          </p:cNvPicPr>
+          <p:nvPr/>
+        </p:nvPicPr>
+        <p:blipFill>
+          <a:blip r:embed="rId2"/>
+          <a:stretch>
+            <a:fillRect/>
+          </a:stretch>
+        </p:blipFill>
+        <p:spPr>
+          <a:xfrm>
+            <a:off x="1" y="0"/>
+            <a:ext cx="2714810" cy="3734931"/>
+          </a:xfrm>
+          <a:prstGeom prst="rect">
+            <a:avLst/>
+          </a:prstGeom>
+        </p:spPr>
+      </p:pic>
+      <p:sp>
+        <p:nvSpPr>
+          <p:cNvPr id="28" name="文本框 27"/>
+          <p:cNvSpPr txBox="1"/>
+          <p:nvPr/>
+        </p:nvSpPr>
+        <p:spPr>
+          <a:xfrm>
+            <a:off x="-1505" y="0"/>
+            <a:ext cx="407484" cy="461665"/>
+          </a:xfrm>
+          <a:prstGeom prst="rect">
+            <a:avLst/>
+          </a:prstGeom>
+          <a:noFill/>
+        </p:spPr>
+        <p:txBody>
+          <a:bodyPr wrap="none" rtlCol="0">
+            <a:spAutoFit/>
+          </a:bodyPr>
+          <a:lstStyle/>
+          <a:p>
+            <a:r>
+              <a:rPr lang="en-US" altLang="zh-CN" sz="2400" dirty="0" smtClean="0">
+                <a:solidFill>
+                  <a:schemeClr val="bg1"/>
+                </a:solidFill>
+                <a:latin typeface="Times New Roman" panose="02020603050405020304" pitchFamily="18" charset="0"/>
+                <a:cs typeface="Times New Roman" panose="02020603050405020304" pitchFamily="18" charset="0"/>
+              </a:rPr>
+              <a:t>A</a:t>
+            </a:r>
+            <a:endParaRPr lang="zh-CN" altLang="en-US" sz="2400" dirty="0">
+              <a:solidFill>
+                <a:schemeClr val="bg1"/>
+              </a:solidFill>
+              <a:latin typeface="Times New Roman" panose="02020603050405020304" pitchFamily="18" charset="0"/>
+              <a:cs typeface="Times New Roman" panose="02020603050405020304" pitchFamily="18" charset="0"/>
+            </a:endParaRPr>
+          </a:p>
+        </p:txBody>
+      </p:sp>
+      <p:sp>
+        <p:nvSpPr>
+          <p:cNvPr id="29" name="文本框 28"/>
+          <p:cNvSpPr txBox="1"/>
+          <p:nvPr/>
+        </p:nvSpPr>
+        <p:spPr>
+          <a:xfrm>
+            <a:off x="-1505" y="1867466"/>
+            <a:ext cx="389850" cy="461665"/>
+          </a:xfrm>
+          <a:prstGeom prst="rect">
+            <a:avLst/>
+          </a:prstGeom>
+          <a:noFill/>
+        </p:spPr>
+        <p:txBody>
+          <a:bodyPr wrap="none" rtlCol="0">
+            <a:spAutoFit/>
+          </a:bodyPr>
+          <a:lstStyle/>
+          <a:p>
+            <a:r>
+              <a:rPr lang="en-US" altLang="zh-CN" sz="2400" dirty="0">
+                <a:solidFill>
+                  <a:schemeClr val="bg1"/>
+                </a:solidFill>
+                <a:latin typeface="Times New Roman" panose="02020603050405020304" pitchFamily="18" charset="0"/>
+                <a:cs typeface="Times New Roman" panose="02020603050405020304" pitchFamily="18" charset="0"/>
+              </a:rPr>
+              <a:t>B</a:t>
+            </a:r>
+            <a:endParaRPr lang="zh-CN" altLang="en-US" sz="2400" dirty="0">
+              <a:solidFill>
+                <a:schemeClr val="bg1"/>
+              </a:solidFill>
+              <a:latin typeface="Times New Roman" panose="02020603050405020304" pitchFamily="18" charset="0"/>
+              <a:cs typeface="Times New Roman" panose="02020603050405020304" pitchFamily="18" charset="0"/>
+            </a:endParaRPr>
+          </a:p>
+        </p:txBody>
+      </p:sp>
+      <p:pic>
+        <p:nvPicPr>
+          <p:cNvPr id="3" name="图片 2"/>
+          <p:cNvPicPr>
+            <a:picLocks noChangeAspect="1"/>
+          </p:cNvPicPr>
+          <p:nvPr/>
+        </p:nvPicPr>
+        <p:blipFill>
+          <a:blip r:embed="rId3"/>
+          <a:stretch>
+            <a:fillRect/>
+          </a:stretch>
+        </p:blipFill>
+        <p:spPr>
+          <a:xfrm>
+            <a:off x="2694474" y="0"/>
+            <a:ext cx="2745344" cy="3734931"/>
+          </a:xfrm>
+          <a:prstGeom prst="rect">
+            <a:avLst/>
+          </a:prstGeom>
+        </p:spPr>
+      </p:pic>
+      <p:sp>
+        <p:nvSpPr>
+          <p:cNvPr id="31" name="文本框 30"/>
+          <p:cNvSpPr txBox="1"/>
+          <p:nvPr/>
+        </p:nvSpPr>
+        <p:spPr>
+          <a:xfrm>
+            <a:off x="2629461" y="0"/>
+            <a:ext cx="389850" cy="461665"/>
+          </a:xfrm>
+          <a:prstGeom prst="rect">
+            <a:avLst/>
+          </a:prstGeom>
+          <a:noFill/>
+        </p:spPr>
+        <p:txBody>
+          <a:bodyPr wrap="none" rtlCol="0">
+            <a:spAutoFit/>
+          </a:bodyPr>
+          <a:lstStyle/>
+          <a:p>
+            <a:r>
+              <a:rPr lang="en-US" altLang="zh-CN" sz="2400" dirty="0" smtClean="0">
+                <a:solidFill>
+                  <a:schemeClr val="bg1"/>
+                </a:solidFill>
+                <a:latin typeface="Times New Roman" panose="02020603050405020304" pitchFamily="18" charset="0"/>
+                <a:cs typeface="Times New Roman" panose="02020603050405020304" pitchFamily="18" charset="0"/>
+              </a:rPr>
+              <a:t>C</a:t>
+            </a:r>
+            <a:endParaRPr lang="zh-CN" altLang="en-US" sz="2400" dirty="0">
+              <a:solidFill>
+                <a:schemeClr val="bg1"/>
+              </a:solidFill>
+              <a:latin typeface="Times New Roman" panose="02020603050405020304" pitchFamily="18" charset="0"/>
+              <a:cs typeface="Times New Roman" panose="02020603050405020304" pitchFamily="18" charset="0"/>
+            </a:endParaRPr>
+          </a:p>
+        </p:txBody>
+      </p:sp>
+      <p:sp>
+        <p:nvSpPr>
+          <p:cNvPr id="32" name="文本框 31"/>
+          <p:cNvSpPr txBox="1"/>
+          <p:nvPr/>
+        </p:nvSpPr>
+        <p:spPr>
+          <a:xfrm>
+            <a:off x="2629461" y="1867466"/>
+            <a:ext cx="407484" cy="461665"/>
+          </a:xfrm>
+          <a:prstGeom prst="rect">
+            <a:avLst/>
+          </a:prstGeom>
+          <a:noFill/>
+        </p:spPr>
+        <p:txBody>
+          <a:bodyPr wrap="none" rtlCol="0">
+            <a:spAutoFit/>
+          </a:bodyPr>
+          <a:lstStyle/>
+          <a:p>
+            <a:r>
+              <a:rPr lang="en-US" altLang="zh-CN" sz="2400" dirty="0" smtClean="0">
+                <a:solidFill>
+                  <a:schemeClr val="bg1"/>
+                </a:solidFill>
+                <a:latin typeface="Times New Roman" panose="02020603050405020304" pitchFamily="18" charset="0"/>
+                <a:cs typeface="Times New Roman" panose="02020603050405020304" pitchFamily="18" charset="0"/>
+              </a:rPr>
+              <a:t>D</a:t>
+            </a:r>
+            <a:endParaRPr lang="zh-CN" altLang="en-US" sz="2400" dirty="0">
+              <a:solidFill>
+                <a:schemeClr val="bg1"/>
+              </a:solidFill>
+              <a:latin typeface="Times New Roman" panose="02020603050405020304" pitchFamily="18" charset="0"/>
+              <a:cs typeface="Times New Roman" panose="02020603050405020304" pitchFamily="18" charset="0"/>
+            </a:endParaRPr>
+          </a:p>
+        </p:txBody>
+      </p:sp>
+      <p:pic>
+        <p:nvPicPr>
+          <p:cNvPr id="24" name="图片 23"/>
+          <p:cNvPicPr>
+            <a:picLocks noChangeAspect="1"/>
+          </p:cNvPicPr>
+          <p:nvPr/>
+        </p:nvPicPr>
+        <p:blipFill>
+          <a:blip r:embed="rId4"/>
+          <a:stretch>
+            <a:fillRect/>
+          </a:stretch>
+        </p:blipFill>
+        <p:spPr>
+          <a:xfrm>
+            <a:off x="5439819" y="-2"/>
+            <a:ext cx="2877678" cy="1870965"/>
+          </a:xfrm>
+          <a:prstGeom prst="rect">
+            <a:avLst/>
+          </a:prstGeom>
+        </p:spPr>
+      </p:pic>
+      <p:sp>
+        <p:nvSpPr>
+          <p:cNvPr id="34" name="文本框 33"/>
+          <p:cNvSpPr txBox="1"/>
+          <p:nvPr/>
+        </p:nvSpPr>
+        <p:spPr>
+          <a:xfrm>
+            <a:off x="5368226" y="0"/>
+            <a:ext cx="372218" cy="461665"/>
+          </a:xfrm>
+          <a:prstGeom prst="rect">
+            <a:avLst/>
+          </a:prstGeom>
+          <a:noFill/>
+        </p:spPr>
+        <p:txBody>
+          <a:bodyPr wrap="none" rtlCol="0">
+            <a:spAutoFit/>
+          </a:bodyPr>
+          <a:lstStyle/>
+          <a:p>
+            <a:r>
+              <a:rPr lang="en-US" altLang="zh-CN" sz="2400" dirty="0">
+                <a:solidFill>
+                  <a:schemeClr val="bg1"/>
+                </a:solidFill>
+                <a:latin typeface="Times New Roman" panose="02020603050405020304" pitchFamily="18" charset="0"/>
+                <a:cs typeface="Times New Roman" panose="02020603050405020304" pitchFamily="18" charset="0"/>
+              </a:rPr>
+              <a:t>E</a:t>
+            </a:r>
+            <a:endParaRPr lang="zh-CN" altLang="en-US" sz="2400" dirty="0">
+              <a:solidFill>
+                <a:schemeClr val="bg1"/>
+              </a:solidFill>
+              <a:latin typeface="Times New Roman" panose="02020603050405020304" pitchFamily="18" charset="0"/>
+              <a:cs typeface="Times New Roman" panose="02020603050405020304" pitchFamily="18" charset="0"/>
+            </a:endParaRPr>
+          </a:p>
+        </p:txBody>
+      </p:sp>
+      <p:pic>
+        <p:nvPicPr>
+          <p:cNvPr id="25" name="图片 24"/>
+          <p:cNvPicPr>
+            <a:picLocks noChangeAspect="1"/>
+          </p:cNvPicPr>
+          <p:nvPr/>
+        </p:nvPicPr>
+        <p:blipFill>
+          <a:blip r:embed="rId5"/>
+          <a:stretch>
+            <a:fillRect/>
+          </a:stretch>
+        </p:blipFill>
+        <p:spPr>
+          <a:xfrm>
+            <a:off x="5438206" y="1842656"/>
+            <a:ext cx="2879289" cy="1892275"/>
+          </a:xfrm>
+          <a:prstGeom prst="rect">
+            <a:avLst/>
+          </a:prstGeom>
+        </p:spPr>
+      </p:pic>
+      <p:sp>
+        <p:nvSpPr>
+          <p:cNvPr id="35" name="文本框 34"/>
+          <p:cNvSpPr txBox="1"/>
+          <p:nvPr/>
+        </p:nvSpPr>
+        <p:spPr>
+          <a:xfrm>
+            <a:off x="5368226" y="1867466"/>
+            <a:ext cx="356188" cy="461665"/>
+          </a:xfrm>
+          <a:prstGeom prst="rect">
+            <a:avLst/>
+          </a:prstGeom>
+          <a:noFill/>
+        </p:spPr>
+        <p:txBody>
+          <a:bodyPr wrap="none" rtlCol="0">
+            <a:spAutoFit/>
+          </a:bodyPr>
+          <a:lstStyle/>
+          <a:p>
+            <a:r>
+              <a:rPr lang="en-US" altLang="zh-CN" sz="2400" dirty="0" smtClean="0">
+                <a:solidFill>
+                  <a:schemeClr val="bg1"/>
+                </a:solidFill>
+                <a:latin typeface="Times New Roman" panose="02020603050405020304" pitchFamily="18" charset="0"/>
+                <a:cs typeface="Times New Roman" panose="02020603050405020304" pitchFamily="18" charset="0"/>
+              </a:rPr>
+              <a:t>F</a:t>
+            </a:r>
+            <a:endParaRPr lang="zh-CN" altLang="en-US" sz="2400" dirty="0">
+              <a:solidFill>
+                <a:schemeClr val="bg1"/>
+              </a:solidFill>
+              <a:latin typeface="Times New Roman" panose="02020603050405020304" pitchFamily="18" charset="0"/>
+              <a:cs typeface="Times New Roman" panose="02020603050405020304" pitchFamily="18" charset="0"/>
+            </a:endParaRPr>
+          </a:p>
+        </p:txBody>
+      </p:sp>
       <p:grpSp>
         <p:nvGrpSpPr>
-          <p:cNvPr id="5" name="组合 4"/>
+          <p:cNvPr id="54" name="组合 53"/>
           <p:cNvGrpSpPr/>
           <p:nvPr/>
         </p:nvGrpSpPr>
         <p:grpSpPr>
           <a:xfrm>
-            <a:off x="8479751" y="523016"/>
-            <a:ext cx="2239357" cy="2283161"/>
-            <a:chOff x="7443416" y="1206723"/>
-            <a:chExt cx="2239357" cy="2283161"/>
+            <a:off x="8489276" y="101600"/>
+            <a:ext cx="2858161" cy="2929120"/>
+            <a:chOff x="8489276" y="476835"/>
+            <a:chExt cx="2788425" cy="2375494"/>
           </a:xfrm>
         </p:grpSpPr>
         <p:sp>
           <p:nvSpPr>
-            <p:cNvPr id="6" name="矩形 5"/>
+            <p:cNvPr id="55" name="矩形 54"/>
             <p:cNvSpPr/>
             <p:nvPr/>
           </p:nvSpPr>
           <p:spPr>
             <a:xfrm>
-              <a:off x="7448539" y="1265426"/>
+              <a:off x="8494399" y="581719"/>
               <a:ext cx="369277" cy="158262"/>
             </a:xfrm>
             <a:prstGeom prst="rect">
@@ -7456,13 +7836,13 @@
         </p:sp>
         <p:sp>
           <p:nvSpPr>
-            <p:cNvPr id="7" name="矩形 6"/>
+            <p:cNvPr id="56" name="矩形 55"/>
             <p:cNvSpPr/>
             <p:nvPr/>
           </p:nvSpPr>
           <p:spPr>
             <a:xfrm>
-              <a:off x="7443416" y="1516008"/>
+              <a:off x="8489276" y="832301"/>
               <a:ext cx="369277" cy="158262"/>
             </a:xfrm>
             <a:prstGeom prst="rect">
@@ -7505,13 +7885,13 @@
         </p:sp>
         <p:sp>
           <p:nvSpPr>
-            <p:cNvPr id="8" name="矩形 7"/>
+            <p:cNvPr id="57" name="矩形 56"/>
             <p:cNvSpPr/>
             <p:nvPr/>
           </p:nvSpPr>
           <p:spPr>
             <a:xfrm>
-              <a:off x="7443416" y="1766590"/>
+              <a:off x="8489276" y="1082883"/>
               <a:ext cx="369277" cy="158262"/>
             </a:xfrm>
             <a:prstGeom prst="rect">
@@ -7554,13 +7934,13 @@
         </p:sp>
         <p:sp>
           <p:nvSpPr>
-            <p:cNvPr id="9" name="矩形 8"/>
+            <p:cNvPr id="58" name="矩形 57"/>
             <p:cNvSpPr/>
             <p:nvPr/>
           </p:nvSpPr>
           <p:spPr>
             <a:xfrm>
-              <a:off x="7443416" y="2017171"/>
+              <a:off x="8489276" y="1333464"/>
               <a:ext cx="369277" cy="158262"/>
             </a:xfrm>
             <a:prstGeom prst="rect">
@@ -7603,13 +7983,13 @@
         </p:sp>
         <p:sp>
           <p:nvSpPr>
-            <p:cNvPr id="10" name="矩形 9"/>
+            <p:cNvPr id="59" name="矩形 58"/>
             <p:cNvSpPr/>
             <p:nvPr/>
           </p:nvSpPr>
           <p:spPr>
             <a:xfrm>
-              <a:off x="7443416" y="2267753"/>
+              <a:off x="8489276" y="1584046"/>
               <a:ext cx="369277" cy="158262"/>
             </a:xfrm>
             <a:prstGeom prst="rect">
@@ -7652,13 +8032,13 @@
         </p:sp>
         <p:sp>
           <p:nvSpPr>
-            <p:cNvPr id="11" name="矩形 10"/>
+            <p:cNvPr id="60" name="矩形 59"/>
             <p:cNvSpPr/>
             <p:nvPr/>
           </p:nvSpPr>
           <p:spPr>
             <a:xfrm>
-              <a:off x="7443416" y="2518335"/>
+              <a:off x="8489276" y="1834628"/>
               <a:ext cx="369277" cy="158262"/>
             </a:xfrm>
             <a:prstGeom prst="rect">
@@ -7701,13 +8081,13 @@
         </p:sp>
         <p:sp>
           <p:nvSpPr>
-            <p:cNvPr id="12" name="矩形 11"/>
+            <p:cNvPr id="61" name="矩形 60"/>
             <p:cNvSpPr/>
             <p:nvPr/>
           </p:nvSpPr>
           <p:spPr>
             <a:xfrm>
-              <a:off x="7443416" y="2768917"/>
+              <a:off x="8489276" y="2085210"/>
               <a:ext cx="369277" cy="158262"/>
             </a:xfrm>
             <a:prstGeom prst="rect">
@@ -7750,13 +8130,13 @@
         </p:sp>
         <p:sp>
           <p:nvSpPr>
-            <p:cNvPr id="13" name="矩形 12"/>
+            <p:cNvPr id="62" name="矩形 61"/>
             <p:cNvSpPr/>
             <p:nvPr/>
           </p:nvSpPr>
           <p:spPr>
             <a:xfrm>
-              <a:off x="7443416" y="3019498"/>
+              <a:off x="8489276" y="2335791"/>
               <a:ext cx="369277" cy="158262"/>
             </a:xfrm>
             <a:prstGeom prst="rect">
@@ -7799,13 +8179,13 @@
         </p:sp>
         <p:sp>
           <p:nvSpPr>
-            <p:cNvPr id="14" name="矩形 13"/>
+            <p:cNvPr id="63" name="矩形 62"/>
             <p:cNvSpPr/>
             <p:nvPr/>
           </p:nvSpPr>
           <p:spPr>
             <a:xfrm>
-              <a:off x="7443416" y="3270078"/>
+              <a:off x="8489276" y="2586371"/>
               <a:ext cx="369277" cy="158262"/>
             </a:xfrm>
             <a:prstGeom prst="rect">
@@ -7848,14 +8228,14 @@
         </p:sp>
         <p:sp>
           <p:nvSpPr>
-            <p:cNvPr id="15" name="文本框 14"/>
+            <p:cNvPr id="64" name="文本框 63"/>
             <p:cNvSpPr txBox="1"/>
             <p:nvPr/>
           </p:nvSpPr>
           <p:spPr>
             <a:xfrm>
-              <a:off x="8975528" y="1206723"/>
-              <a:ext cx="707245" cy="276999"/>
+              <a:off x="8906539" y="476835"/>
+              <a:ext cx="966931" cy="369332"/>
             </a:xfrm>
             <a:prstGeom prst="rect">
               <a:avLst/>
@@ -7869,7 +8249,7 @@
             <a:lstStyle/>
             <a:p>
               <a:r>
-                <a:rPr lang="en-US" altLang="zh-CN" sz="1200" dirty="0" smtClean="0">
+                <a:rPr lang="en-US" altLang="zh-CN" dirty="0" smtClean="0">
                   <a:solidFill>
                     <a:schemeClr val="bg1"/>
                   </a:solidFill>
@@ -7878,7 +8258,7 @@
                 </a:rPr>
                 <a:t>Strength</a:t>
               </a:r>
-              <a:endParaRPr lang="zh-CN" altLang="en-US" sz="1200" dirty="0">
+              <a:endParaRPr lang="zh-CN" altLang="en-US" dirty="0">
                 <a:solidFill>
                   <a:schemeClr val="bg1"/>
                 </a:solidFill>
@@ -7890,14 +8270,14 @@
         </p:sp>
         <p:sp>
           <p:nvSpPr>
-            <p:cNvPr id="16" name="文本框 15"/>
+            <p:cNvPr id="65" name="文本框 64"/>
             <p:cNvSpPr txBox="1"/>
             <p:nvPr/>
           </p:nvSpPr>
           <p:spPr>
             <a:xfrm>
-              <a:off x="8123885" y="1457493"/>
-              <a:ext cx="1558888" cy="276999"/>
+              <a:off x="8906539" y="727605"/>
+              <a:ext cx="2238754" cy="369332"/>
             </a:xfrm>
             <a:prstGeom prst="rect">
               <a:avLst/>
@@ -7911,7 +8291,7 @@
             <a:lstStyle/>
             <a:p>
               <a:r>
-                <a:rPr lang="en-US" altLang="zh-CN" sz="1200" dirty="0" smtClean="0">
+                <a:rPr lang="en-US" altLang="zh-CN" dirty="0" smtClean="0">
                   <a:solidFill>
                     <a:schemeClr val="bg1"/>
                   </a:solidFill>
@@ -7920,7 +8300,7 @@
                 </a:rPr>
                 <a:t>Clustering Coefficient</a:t>
               </a:r>
-              <a:endParaRPr lang="zh-CN" altLang="en-US" sz="1200" dirty="0">
+              <a:endParaRPr lang="zh-CN" altLang="en-US" dirty="0">
                 <a:solidFill>
                   <a:schemeClr val="bg1"/>
                 </a:solidFill>
@@ -7932,14 +8312,14 @@
         </p:sp>
         <p:sp>
           <p:nvSpPr>
-            <p:cNvPr id="17" name="文本框 16"/>
+            <p:cNvPr id="66" name="文本框 65"/>
             <p:cNvSpPr txBox="1"/>
             <p:nvPr/>
           </p:nvSpPr>
           <p:spPr>
             <a:xfrm>
-              <a:off x="8465324" y="1708263"/>
-              <a:ext cx="1217449" cy="276999"/>
+              <a:off x="8906539" y="978375"/>
+              <a:ext cx="1725793" cy="369332"/>
             </a:xfrm>
             <a:prstGeom prst="rect">
               <a:avLst/>
@@ -7953,7 +8333,7 @@
             <a:lstStyle/>
             <a:p>
               <a:r>
-                <a:rPr lang="en-US" altLang="zh-CN" sz="1200" dirty="0" smtClean="0">
+                <a:rPr lang="en-US" altLang="zh-CN" dirty="0" smtClean="0">
                   <a:solidFill>
                     <a:schemeClr val="bg1"/>
                   </a:solidFill>
@@ -7962,7 +8342,7 @@
                 </a:rPr>
                 <a:t>Local Efficiency</a:t>
               </a:r>
-              <a:endParaRPr lang="zh-CN" altLang="en-US" sz="1200" dirty="0">
+              <a:endParaRPr lang="zh-CN" altLang="en-US" dirty="0">
                 <a:solidFill>
                   <a:schemeClr val="bg1"/>
                 </a:solidFill>
@@ -7974,14 +8354,14 @@
         </p:sp>
         <p:sp>
           <p:nvSpPr>
-            <p:cNvPr id="18" name="文本框 17"/>
+            <p:cNvPr id="67" name="文本框 66"/>
             <p:cNvSpPr txBox="1"/>
             <p:nvPr/>
           </p:nvSpPr>
           <p:spPr>
             <a:xfrm>
-              <a:off x="8036168" y="1959033"/>
-              <a:ext cx="1646605" cy="276999"/>
+              <a:off x="8906539" y="1229145"/>
+              <a:ext cx="2371162" cy="369332"/>
             </a:xfrm>
             <a:prstGeom prst="rect">
               <a:avLst/>
@@ -7995,7 +8375,7 @@
             <a:lstStyle/>
             <a:p>
               <a:r>
-                <a:rPr lang="en-US" altLang="zh-CN" sz="1200" dirty="0" smtClean="0">
+                <a:rPr lang="en-US" altLang="zh-CN" dirty="0" smtClean="0">
                   <a:solidFill>
                     <a:schemeClr val="bg1"/>
                   </a:solidFill>
@@ -8004,7 +8384,7 @@
                 </a:rPr>
                 <a:t>Betweenness Centrality</a:t>
               </a:r>
-              <a:endParaRPr lang="zh-CN" altLang="en-US" sz="1200" dirty="0">
+              <a:endParaRPr lang="zh-CN" altLang="en-US" dirty="0">
                 <a:solidFill>
                   <a:schemeClr val="bg1"/>
                 </a:solidFill>
@@ -8016,14 +8396,14 @@
         </p:sp>
         <p:sp>
           <p:nvSpPr>
-            <p:cNvPr id="19" name="文本框 18"/>
+            <p:cNvPr id="68" name="文本框 67"/>
             <p:cNvSpPr txBox="1"/>
             <p:nvPr/>
           </p:nvSpPr>
           <p:spPr>
             <a:xfrm>
-              <a:off x="8093876" y="2209803"/>
-              <a:ext cx="1588897" cy="276999"/>
+              <a:off x="8906539" y="1479915"/>
+              <a:ext cx="2281394" cy="369332"/>
             </a:xfrm>
             <a:prstGeom prst="rect">
               <a:avLst/>
@@ -8037,7 +8417,7 @@
             <a:lstStyle/>
             <a:p>
               <a:r>
-                <a:rPr lang="en-US" altLang="zh-CN" sz="1200" dirty="0" smtClean="0">
+                <a:rPr lang="en-US" altLang="zh-CN" dirty="0" smtClean="0">
                   <a:solidFill>
                     <a:schemeClr val="bg1"/>
                   </a:solidFill>
@@ -8046,7 +8426,7 @@
                 </a:rPr>
                 <a:t>Eigenvector Centrality</a:t>
               </a:r>
-              <a:endParaRPr lang="zh-CN" altLang="en-US" sz="1200" dirty="0">
+              <a:endParaRPr lang="zh-CN" altLang="en-US" dirty="0">
                 <a:solidFill>
                   <a:schemeClr val="bg1"/>
                 </a:solidFill>
@@ -8058,14 +8438,14 @@
         </p:sp>
         <p:sp>
           <p:nvSpPr>
-            <p:cNvPr id="20" name="文本框 19"/>
+            <p:cNvPr id="69" name="文本框 68"/>
             <p:cNvSpPr txBox="1"/>
             <p:nvPr/>
           </p:nvSpPr>
           <p:spPr>
             <a:xfrm>
-              <a:off x="8250971" y="2460573"/>
-              <a:ext cx="1431802" cy="276999"/>
+              <a:off x="8906539" y="1730685"/>
+              <a:ext cx="2050561" cy="369332"/>
             </a:xfrm>
             <a:prstGeom prst="rect">
               <a:avLst/>
@@ -8079,7 +8459,7 @@
             <a:lstStyle/>
             <a:p>
               <a:r>
-                <a:rPr lang="en-US" altLang="zh-CN" sz="1200" dirty="0" smtClean="0">
+                <a:rPr lang="en-US" altLang="zh-CN" dirty="0" smtClean="0">
                   <a:solidFill>
                     <a:schemeClr val="bg1"/>
                   </a:solidFill>
@@ -8088,7 +8468,7 @@
                 </a:rPr>
                 <a:t>Subgraph Centrality</a:t>
               </a:r>
-              <a:endParaRPr lang="zh-CN" altLang="en-US" sz="1200" dirty="0">
+              <a:endParaRPr lang="zh-CN" altLang="en-US" dirty="0">
                 <a:solidFill>
                   <a:schemeClr val="bg1"/>
                 </a:solidFill>
@@ -8100,14 +8480,14 @@
         </p:sp>
         <p:sp>
           <p:nvSpPr>
-            <p:cNvPr id="21" name="文本框 20"/>
+            <p:cNvPr id="70" name="文本框 69"/>
             <p:cNvSpPr txBox="1"/>
             <p:nvPr/>
           </p:nvSpPr>
           <p:spPr>
             <a:xfrm>
-              <a:off x="8148379" y="2711343"/>
-              <a:ext cx="1534394" cy="276999"/>
+              <a:off x="8906539" y="1981455"/>
+              <a:ext cx="2204450" cy="369332"/>
             </a:xfrm>
             <a:prstGeom prst="rect">
               <a:avLst/>
@@ -8121,7 +8501,7 @@
             <a:lstStyle/>
             <a:p>
               <a:r>
-                <a:rPr lang="en-US" altLang="zh-CN" sz="1200" dirty="0" smtClean="0">
+                <a:rPr lang="en-US" altLang="zh-CN" dirty="0" smtClean="0">
                   <a:solidFill>
                     <a:schemeClr val="bg1"/>
                   </a:solidFill>
@@ -8130,7 +8510,7 @@
                 </a:rPr>
                 <a:t>K-coreness Centrality</a:t>
               </a:r>
-              <a:endParaRPr lang="zh-CN" altLang="en-US" sz="1200" dirty="0">
+              <a:endParaRPr lang="zh-CN" altLang="en-US" dirty="0">
                 <a:solidFill>
                   <a:schemeClr val="bg1"/>
                 </a:solidFill>
@@ -8142,14 +8522,14 @@
         </p:sp>
         <p:sp>
           <p:nvSpPr>
-            <p:cNvPr id="22" name="文本框 21"/>
+            <p:cNvPr id="71" name="文本框 70"/>
             <p:cNvSpPr txBox="1"/>
             <p:nvPr/>
           </p:nvSpPr>
           <p:spPr>
             <a:xfrm>
-              <a:off x="8450897" y="2962113"/>
-              <a:ext cx="1231876" cy="276999"/>
+              <a:off x="8906539" y="2232225"/>
+              <a:ext cx="1751442" cy="369332"/>
             </a:xfrm>
             <a:prstGeom prst="rect">
               <a:avLst/>
@@ -8163,7 +8543,7 @@
             <a:lstStyle/>
             <a:p>
               <a:r>
-                <a:rPr lang="en-US" altLang="zh-CN" sz="1200" dirty="0" smtClean="0">
+                <a:rPr lang="en-US" altLang="zh-CN" dirty="0" smtClean="0">
                   <a:solidFill>
                     <a:schemeClr val="bg1"/>
                   </a:solidFill>
@@ -8172,7 +8552,7 @@
                 </a:rPr>
                 <a:t>Flow Coefficient</a:t>
               </a:r>
-              <a:endParaRPr lang="zh-CN" altLang="en-US" sz="1200" dirty="0">
+              <a:endParaRPr lang="zh-CN" altLang="en-US" dirty="0">
                 <a:solidFill>
                   <a:schemeClr val="bg1"/>
                 </a:solidFill>
@@ -8184,14 +8564,14 @@
         </p:sp>
         <p:sp>
           <p:nvSpPr>
-            <p:cNvPr id="23" name="文本框 22"/>
+            <p:cNvPr id="72" name="文本框 71"/>
             <p:cNvSpPr txBox="1"/>
             <p:nvPr/>
           </p:nvSpPr>
           <p:spPr>
             <a:xfrm>
-              <a:off x="8177233" y="3212885"/>
-              <a:ext cx="1505540" cy="276999"/>
+              <a:off x="8906539" y="2482997"/>
+              <a:ext cx="2159566" cy="369332"/>
             </a:xfrm>
             <a:prstGeom prst="rect">
               <a:avLst/>
@@ -8205,7 +8585,7 @@
             <a:lstStyle/>
             <a:p>
               <a:r>
-                <a:rPr lang="en-US" altLang="zh-CN" sz="1200" dirty="0" smtClean="0">
+                <a:rPr lang="en-US" altLang="zh-CN" dirty="0" smtClean="0">
                   <a:solidFill>
                     <a:schemeClr val="bg1"/>
                   </a:solidFill>
@@ -8214,7 +8594,7 @@
                 </a:rPr>
                 <a:t>Page Rank Centrality</a:t>
               </a:r>
-              <a:endParaRPr lang="zh-CN" altLang="en-US" sz="1200" dirty="0">
+              <a:endParaRPr lang="zh-CN" altLang="en-US" dirty="0">
                 <a:solidFill>
                   <a:schemeClr val="bg1"/>
                 </a:solidFill>
@@ -8225,396 +8605,6 @@
           </p:txBody>
         </p:sp>
       </p:grpSp>
-      <p:sp>
-        <p:nvSpPr>
-          <p:cNvPr id="26" name="文本框 25"/>
-          <p:cNvSpPr txBox="1"/>
-          <p:nvPr/>
-        </p:nvSpPr>
-        <p:spPr>
-          <a:xfrm>
-            <a:off x="8822528" y="3030720"/>
-            <a:ext cx="1887055" cy="461665"/>
-          </a:xfrm>
-          <a:prstGeom prst="rect">
-            <a:avLst/>
-          </a:prstGeom>
-          <a:noFill/>
-        </p:spPr>
-        <p:txBody>
-          <a:bodyPr wrap="none" rtlCol="0">
-            <a:spAutoFit/>
-          </a:bodyPr>
-          <a:lstStyle/>
-          <a:p>
-            <a:r>
-              <a:rPr lang="en-US" altLang="zh-CN" sz="2400" dirty="0" smtClean="0">
-                <a:solidFill>
-                  <a:schemeClr val="bg1"/>
-                </a:solidFill>
-                <a:latin typeface="Times New Roman" panose="02020603050405020304" pitchFamily="18" charset="0"/>
-                <a:cs typeface="Times New Roman" panose="02020603050405020304" pitchFamily="18" charset="0"/>
-              </a:rPr>
-              <a:t>LMCI vs. HC</a:t>
-            </a:r>
-            <a:endParaRPr lang="zh-CN" altLang="en-US" sz="2400" dirty="0">
-              <a:solidFill>
-                <a:schemeClr val="bg1"/>
-              </a:solidFill>
-              <a:latin typeface="Times New Roman" panose="02020603050405020304" pitchFamily="18" charset="0"/>
-              <a:cs typeface="Times New Roman" panose="02020603050405020304" pitchFamily="18" charset="0"/>
-            </a:endParaRPr>
-          </a:p>
-        </p:txBody>
-      </p:sp>
-      <p:pic>
-        <p:nvPicPr>
-          <p:cNvPr id="2" name="图片 1"/>
-          <p:cNvPicPr>
-            <a:picLocks noChangeAspect="1"/>
-          </p:cNvPicPr>
-          <p:nvPr/>
-        </p:nvPicPr>
-        <p:blipFill>
-          <a:blip r:embed="rId2"/>
-          <a:stretch>
-            <a:fillRect/>
-          </a:stretch>
-        </p:blipFill>
-        <p:spPr>
-          <a:xfrm>
-            <a:off x="1" y="0"/>
-            <a:ext cx="2714810" cy="3734931"/>
-          </a:xfrm>
-          <a:prstGeom prst="rect">
-            <a:avLst/>
-          </a:prstGeom>
-        </p:spPr>
-      </p:pic>
-      <p:sp>
-        <p:nvSpPr>
-          <p:cNvPr id="28" name="文本框 27"/>
-          <p:cNvSpPr txBox="1"/>
-          <p:nvPr/>
-        </p:nvSpPr>
-        <p:spPr>
-          <a:xfrm>
-            <a:off x="-1505" y="0"/>
-            <a:ext cx="407484" cy="461665"/>
-          </a:xfrm>
-          <a:prstGeom prst="rect">
-            <a:avLst/>
-          </a:prstGeom>
-          <a:noFill/>
-        </p:spPr>
-        <p:txBody>
-          <a:bodyPr wrap="none" rtlCol="0">
-            <a:spAutoFit/>
-          </a:bodyPr>
-          <a:lstStyle/>
-          <a:p>
-            <a:r>
-              <a:rPr lang="en-US" altLang="zh-CN" sz="2400" dirty="0" smtClean="0">
-                <a:solidFill>
-                  <a:schemeClr val="bg1"/>
-                </a:solidFill>
-                <a:latin typeface="Times New Roman" panose="02020603050405020304" pitchFamily="18" charset="0"/>
-                <a:cs typeface="Times New Roman" panose="02020603050405020304" pitchFamily="18" charset="0"/>
-              </a:rPr>
-              <a:t>A</a:t>
-            </a:r>
-            <a:endParaRPr lang="zh-CN" altLang="en-US" sz="2400" dirty="0">
-              <a:solidFill>
-                <a:schemeClr val="bg1"/>
-              </a:solidFill>
-              <a:latin typeface="Times New Roman" panose="02020603050405020304" pitchFamily="18" charset="0"/>
-              <a:cs typeface="Times New Roman" panose="02020603050405020304" pitchFamily="18" charset="0"/>
-            </a:endParaRPr>
-          </a:p>
-        </p:txBody>
-      </p:sp>
-      <p:sp>
-        <p:nvSpPr>
-          <p:cNvPr id="29" name="文本框 28"/>
-          <p:cNvSpPr txBox="1"/>
-          <p:nvPr/>
-        </p:nvSpPr>
-        <p:spPr>
-          <a:xfrm>
-            <a:off x="-1505" y="1867466"/>
-            <a:ext cx="389850" cy="461665"/>
-          </a:xfrm>
-          <a:prstGeom prst="rect">
-            <a:avLst/>
-          </a:prstGeom>
-          <a:noFill/>
-        </p:spPr>
-        <p:txBody>
-          <a:bodyPr wrap="none" rtlCol="0">
-            <a:spAutoFit/>
-          </a:bodyPr>
-          <a:lstStyle/>
-          <a:p>
-            <a:r>
-              <a:rPr lang="en-US" altLang="zh-CN" sz="2400" dirty="0">
-                <a:solidFill>
-                  <a:schemeClr val="bg1"/>
-                </a:solidFill>
-                <a:latin typeface="Times New Roman" panose="02020603050405020304" pitchFamily="18" charset="0"/>
-                <a:cs typeface="Times New Roman" panose="02020603050405020304" pitchFamily="18" charset="0"/>
-              </a:rPr>
-              <a:t>B</a:t>
-            </a:r>
-            <a:endParaRPr lang="zh-CN" altLang="en-US" sz="2400" dirty="0">
-              <a:solidFill>
-                <a:schemeClr val="bg1"/>
-              </a:solidFill>
-              <a:latin typeface="Times New Roman" panose="02020603050405020304" pitchFamily="18" charset="0"/>
-              <a:cs typeface="Times New Roman" panose="02020603050405020304" pitchFamily="18" charset="0"/>
-            </a:endParaRPr>
-          </a:p>
-        </p:txBody>
-      </p:sp>
-      <p:pic>
-        <p:nvPicPr>
-          <p:cNvPr id="3" name="图片 2"/>
-          <p:cNvPicPr>
-            <a:picLocks noChangeAspect="1"/>
-          </p:cNvPicPr>
-          <p:nvPr/>
-        </p:nvPicPr>
-        <p:blipFill>
-          <a:blip r:embed="rId3"/>
-          <a:stretch>
-            <a:fillRect/>
-          </a:stretch>
-        </p:blipFill>
-        <p:spPr>
-          <a:xfrm>
-            <a:off x="2694474" y="0"/>
-            <a:ext cx="2745344" cy="3734931"/>
-          </a:xfrm>
-          <a:prstGeom prst="rect">
-            <a:avLst/>
-          </a:prstGeom>
-        </p:spPr>
-      </p:pic>
-      <p:sp>
-        <p:nvSpPr>
-          <p:cNvPr id="31" name="文本框 30"/>
-          <p:cNvSpPr txBox="1"/>
-          <p:nvPr/>
-        </p:nvSpPr>
-        <p:spPr>
-          <a:xfrm>
-            <a:off x="2629461" y="0"/>
-            <a:ext cx="389850" cy="461665"/>
-          </a:xfrm>
-          <a:prstGeom prst="rect">
-            <a:avLst/>
-          </a:prstGeom>
-          <a:noFill/>
-        </p:spPr>
-        <p:txBody>
-          <a:bodyPr wrap="none" rtlCol="0">
-            <a:spAutoFit/>
-          </a:bodyPr>
-          <a:lstStyle/>
-          <a:p>
-            <a:r>
-              <a:rPr lang="en-US" altLang="zh-CN" sz="2400" dirty="0" smtClean="0">
-                <a:solidFill>
-                  <a:schemeClr val="bg1"/>
-                </a:solidFill>
-                <a:latin typeface="Times New Roman" panose="02020603050405020304" pitchFamily="18" charset="0"/>
-                <a:cs typeface="Times New Roman" panose="02020603050405020304" pitchFamily="18" charset="0"/>
-              </a:rPr>
-              <a:t>C</a:t>
-            </a:r>
-            <a:endParaRPr lang="zh-CN" altLang="en-US" sz="2400" dirty="0">
-              <a:solidFill>
-                <a:schemeClr val="bg1"/>
-              </a:solidFill>
-              <a:latin typeface="Times New Roman" panose="02020603050405020304" pitchFamily="18" charset="0"/>
-              <a:cs typeface="Times New Roman" panose="02020603050405020304" pitchFamily="18" charset="0"/>
-            </a:endParaRPr>
-          </a:p>
-        </p:txBody>
-      </p:sp>
-      <p:sp>
-        <p:nvSpPr>
-          <p:cNvPr id="32" name="文本框 31"/>
-          <p:cNvSpPr txBox="1"/>
-          <p:nvPr/>
-        </p:nvSpPr>
-        <p:spPr>
-          <a:xfrm>
-            <a:off x="2629461" y="1867466"/>
-            <a:ext cx="407484" cy="461665"/>
-          </a:xfrm>
-          <a:prstGeom prst="rect">
-            <a:avLst/>
-          </a:prstGeom>
-          <a:noFill/>
-        </p:spPr>
-        <p:txBody>
-          <a:bodyPr wrap="none" rtlCol="0">
-            <a:spAutoFit/>
-          </a:bodyPr>
-          <a:lstStyle/>
-          <a:p>
-            <a:r>
-              <a:rPr lang="en-US" altLang="zh-CN" sz="2400" dirty="0" smtClean="0">
-                <a:solidFill>
-                  <a:schemeClr val="bg1"/>
-                </a:solidFill>
-                <a:latin typeface="Times New Roman" panose="02020603050405020304" pitchFamily="18" charset="0"/>
-                <a:cs typeface="Times New Roman" panose="02020603050405020304" pitchFamily="18" charset="0"/>
-              </a:rPr>
-              <a:t>D</a:t>
-            </a:r>
-            <a:endParaRPr lang="zh-CN" altLang="en-US" sz="2400" dirty="0">
-              <a:solidFill>
-                <a:schemeClr val="bg1"/>
-              </a:solidFill>
-              <a:latin typeface="Times New Roman" panose="02020603050405020304" pitchFamily="18" charset="0"/>
-              <a:cs typeface="Times New Roman" panose="02020603050405020304" pitchFamily="18" charset="0"/>
-            </a:endParaRPr>
-          </a:p>
-        </p:txBody>
-      </p:sp>
-      <p:pic>
-        <p:nvPicPr>
-          <p:cNvPr id="24" name="图片 23"/>
-          <p:cNvPicPr>
-            <a:picLocks noChangeAspect="1"/>
-          </p:cNvPicPr>
-          <p:nvPr/>
-        </p:nvPicPr>
-        <p:blipFill>
-          <a:blip r:embed="rId4"/>
-          <a:stretch>
-            <a:fillRect/>
-          </a:stretch>
-        </p:blipFill>
-        <p:spPr>
-          <a:xfrm>
-            <a:off x="5439819" y="-2"/>
-            <a:ext cx="2877678" cy="1870965"/>
-          </a:xfrm>
-          <a:prstGeom prst="rect">
-            <a:avLst/>
-          </a:prstGeom>
-        </p:spPr>
-      </p:pic>
-      <p:sp>
-        <p:nvSpPr>
-          <p:cNvPr id="34" name="文本框 33"/>
-          <p:cNvSpPr txBox="1"/>
-          <p:nvPr/>
-        </p:nvSpPr>
-        <p:spPr>
-          <a:xfrm>
-            <a:off x="5368226" y="0"/>
-            <a:ext cx="372218" cy="461665"/>
-          </a:xfrm>
-          <a:prstGeom prst="rect">
-            <a:avLst/>
-          </a:prstGeom>
-          <a:noFill/>
-        </p:spPr>
-        <p:txBody>
-          <a:bodyPr wrap="none" rtlCol="0">
-            <a:spAutoFit/>
-          </a:bodyPr>
-          <a:lstStyle/>
-          <a:p>
-            <a:r>
-              <a:rPr lang="en-US" altLang="zh-CN" sz="2400" dirty="0">
-                <a:solidFill>
-                  <a:schemeClr val="bg1"/>
-                </a:solidFill>
-                <a:latin typeface="Times New Roman" panose="02020603050405020304" pitchFamily="18" charset="0"/>
-                <a:cs typeface="Times New Roman" panose="02020603050405020304" pitchFamily="18" charset="0"/>
-              </a:rPr>
-              <a:t>E</a:t>
-            </a:r>
-            <a:endParaRPr lang="zh-CN" altLang="en-US" sz="2400" dirty="0">
-              <a:solidFill>
-                <a:schemeClr val="bg1"/>
-              </a:solidFill>
-              <a:latin typeface="Times New Roman" panose="02020603050405020304" pitchFamily="18" charset="0"/>
-              <a:cs typeface="Times New Roman" panose="02020603050405020304" pitchFamily="18" charset="0"/>
-            </a:endParaRPr>
-          </a:p>
-        </p:txBody>
-      </p:sp>
-      <p:pic>
-        <p:nvPicPr>
-          <p:cNvPr id="25" name="图片 24"/>
-          <p:cNvPicPr>
-            <a:picLocks noChangeAspect="1"/>
-          </p:cNvPicPr>
-          <p:nvPr/>
-        </p:nvPicPr>
-        <p:blipFill>
-          <a:blip r:embed="rId5"/>
-          <a:stretch>
-            <a:fillRect/>
-          </a:stretch>
-        </p:blipFill>
-        <p:spPr>
-          <a:xfrm>
-            <a:off x="5438206" y="1842656"/>
-            <a:ext cx="2879289" cy="1892275"/>
-          </a:xfrm>
-          <a:prstGeom prst="rect">
-            <a:avLst/>
-          </a:prstGeom>
-        </p:spPr>
-      </p:pic>
-      <p:sp>
-        <p:nvSpPr>
-          <p:cNvPr id="35" name="文本框 34"/>
-          <p:cNvSpPr txBox="1"/>
-          <p:nvPr/>
-        </p:nvSpPr>
-        <p:spPr>
-          <a:xfrm>
-            <a:off x="5368226" y="1867466"/>
-            <a:ext cx="356188" cy="461665"/>
-          </a:xfrm>
-          <a:prstGeom prst="rect">
-            <a:avLst/>
-          </a:prstGeom>
-          <a:noFill/>
-        </p:spPr>
-        <p:txBody>
-          <a:bodyPr wrap="none" rtlCol="0">
-            <a:spAutoFit/>
-          </a:bodyPr>
-          <a:lstStyle/>
-          <a:p>
-            <a:r>
-              <a:rPr lang="en-US" altLang="zh-CN" sz="2400" dirty="0" smtClean="0">
-                <a:solidFill>
-                  <a:schemeClr val="bg1"/>
-                </a:solidFill>
-                <a:latin typeface="Times New Roman" panose="02020603050405020304" pitchFamily="18" charset="0"/>
-                <a:cs typeface="Times New Roman" panose="02020603050405020304" pitchFamily="18" charset="0"/>
-              </a:rPr>
-              <a:t>F</a:t>
-            </a:r>
-            <a:endParaRPr lang="zh-CN" altLang="en-US" sz="2400" dirty="0">
-              <a:solidFill>
-                <a:schemeClr val="bg1"/>
-              </a:solidFill>
-              <a:latin typeface="Times New Roman" panose="02020603050405020304" pitchFamily="18" charset="0"/>
-              <a:cs typeface="Times New Roman" panose="02020603050405020304" pitchFamily="18" charset="0"/>
-            </a:endParaRPr>
-          </a:p>
-        </p:txBody>
-      </p:sp>
     </p:spTree>
     <p:extLst>
       <p:ext uri="{BB962C8B-B14F-4D97-AF65-F5344CB8AC3E}">
@@ -8654,7 +8644,7 @@
         <p:spPr>
           <a:xfrm>
             <a:off x="8317496" y="-2096"/>
-            <a:ext cx="2392087" cy="3734932"/>
+            <a:ext cx="2960205" cy="3734932"/>
           </a:xfrm>
           <a:prstGeom prst="rect">
             <a:avLst/>
@@ -8691,29 +8681,419 @@
           </a:p>
         </p:txBody>
       </p:sp>
+      <p:sp>
+        <p:nvSpPr>
+          <p:cNvPr id="26" name="文本框 25"/>
+          <p:cNvSpPr txBox="1"/>
+          <p:nvPr/>
+        </p:nvSpPr>
+        <p:spPr>
+          <a:xfrm>
+            <a:off x="9051128" y="3030720"/>
+            <a:ext cx="1563248" cy="461665"/>
+          </a:xfrm>
+          <a:prstGeom prst="rect">
+            <a:avLst/>
+          </a:prstGeom>
+          <a:noFill/>
+        </p:spPr>
+        <p:txBody>
+          <a:bodyPr wrap="none" rtlCol="0">
+            <a:spAutoFit/>
+          </a:bodyPr>
+          <a:lstStyle/>
+          <a:p>
+            <a:r>
+              <a:rPr lang="en-US" altLang="zh-CN" sz="2400" dirty="0" smtClean="0">
+                <a:solidFill>
+                  <a:schemeClr val="bg1"/>
+                </a:solidFill>
+                <a:latin typeface="Times New Roman" panose="02020603050405020304" pitchFamily="18" charset="0"/>
+                <a:cs typeface="Times New Roman" panose="02020603050405020304" pitchFamily="18" charset="0"/>
+              </a:rPr>
+              <a:t>AD vs. HC</a:t>
+            </a:r>
+            <a:endParaRPr lang="zh-CN" altLang="en-US" sz="2400" dirty="0">
+              <a:solidFill>
+                <a:schemeClr val="bg1"/>
+              </a:solidFill>
+              <a:latin typeface="Times New Roman" panose="02020603050405020304" pitchFamily="18" charset="0"/>
+              <a:cs typeface="Times New Roman" panose="02020603050405020304" pitchFamily="18" charset="0"/>
+            </a:endParaRPr>
+          </a:p>
+        </p:txBody>
+      </p:sp>
+      <p:pic>
+        <p:nvPicPr>
+          <p:cNvPr id="27" name="图片 26"/>
+          <p:cNvPicPr>
+            <a:picLocks noChangeAspect="1"/>
+          </p:cNvPicPr>
+          <p:nvPr/>
+        </p:nvPicPr>
+        <p:blipFill>
+          <a:blip r:embed="rId2"/>
+          <a:stretch>
+            <a:fillRect/>
+          </a:stretch>
+        </p:blipFill>
+        <p:spPr>
+          <a:xfrm>
+            <a:off x="0" y="-2095"/>
+            <a:ext cx="2694473" cy="3732834"/>
+          </a:xfrm>
+          <a:prstGeom prst="rect">
+            <a:avLst/>
+          </a:prstGeom>
+        </p:spPr>
+      </p:pic>
+      <p:sp>
+        <p:nvSpPr>
+          <p:cNvPr id="28" name="文本框 27"/>
+          <p:cNvSpPr txBox="1"/>
+          <p:nvPr/>
+        </p:nvSpPr>
+        <p:spPr>
+          <a:xfrm>
+            <a:off x="-1505" y="0"/>
+            <a:ext cx="407484" cy="461665"/>
+          </a:xfrm>
+          <a:prstGeom prst="rect">
+            <a:avLst/>
+          </a:prstGeom>
+          <a:noFill/>
+        </p:spPr>
+        <p:txBody>
+          <a:bodyPr wrap="none" rtlCol="0">
+            <a:spAutoFit/>
+          </a:bodyPr>
+          <a:lstStyle/>
+          <a:p>
+            <a:r>
+              <a:rPr lang="en-US" altLang="zh-CN" sz="2400" dirty="0" smtClean="0">
+                <a:solidFill>
+                  <a:schemeClr val="bg1"/>
+                </a:solidFill>
+                <a:latin typeface="Times New Roman" panose="02020603050405020304" pitchFamily="18" charset="0"/>
+                <a:cs typeface="Times New Roman" panose="02020603050405020304" pitchFamily="18" charset="0"/>
+              </a:rPr>
+              <a:t>A</a:t>
+            </a:r>
+            <a:endParaRPr lang="zh-CN" altLang="en-US" sz="2400" dirty="0">
+              <a:solidFill>
+                <a:schemeClr val="bg1"/>
+              </a:solidFill>
+              <a:latin typeface="Times New Roman" panose="02020603050405020304" pitchFamily="18" charset="0"/>
+              <a:cs typeface="Times New Roman" panose="02020603050405020304" pitchFamily="18" charset="0"/>
+            </a:endParaRPr>
+          </a:p>
+        </p:txBody>
+      </p:sp>
+      <p:sp>
+        <p:nvSpPr>
+          <p:cNvPr id="29" name="文本框 28"/>
+          <p:cNvSpPr txBox="1"/>
+          <p:nvPr/>
+        </p:nvSpPr>
+        <p:spPr>
+          <a:xfrm>
+            <a:off x="-1505" y="1867466"/>
+            <a:ext cx="389850" cy="461665"/>
+          </a:xfrm>
+          <a:prstGeom prst="rect">
+            <a:avLst/>
+          </a:prstGeom>
+          <a:noFill/>
+        </p:spPr>
+        <p:txBody>
+          <a:bodyPr wrap="none" rtlCol="0">
+            <a:spAutoFit/>
+          </a:bodyPr>
+          <a:lstStyle/>
+          <a:p>
+            <a:r>
+              <a:rPr lang="en-US" altLang="zh-CN" sz="2400" dirty="0">
+                <a:solidFill>
+                  <a:schemeClr val="bg1"/>
+                </a:solidFill>
+                <a:latin typeface="Times New Roman" panose="02020603050405020304" pitchFamily="18" charset="0"/>
+                <a:cs typeface="Times New Roman" panose="02020603050405020304" pitchFamily="18" charset="0"/>
+              </a:rPr>
+              <a:t>B</a:t>
+            </a:r>
+            <a:endParaRPr lang="zh-CN" altLang="en-US" sz="2400" dirty="0">
+              <a:solidFill>
+                <a:schemeClr val="bg1"/>
+              </a:solidFill>
+              <a:latin typeface="Times New Roman" panose="02020603050405020304" pitchFamily="18" charset="0"/>
+              <a:cs typeface="Times New Roman" panose="02020603050405020304" pitchFamily="18" charset="0"/>
+            </a:endParaRPr>
+          </a:p>
+        </p:txBody>
+      </p:sp>
+      <p:pic>
+        <p:nvPicPr>
+          <p:cNvPr id="30" name="图片 29"/>
+          <p:cNvPicPr>
+            <a:picLocks noChangeAspect="1"/>
+          </p:cNvPicPr>
+          <p:nvPr/>
+        </p:nvPicPr>
+        <p:blipFill>
+          <a:blip r:embed="rId3"/>
+          <a:stretch>
+            <a:fillRect/>
+          </a:stretch>
+        </p:blipFill>
+        <p:spPr>
+          <a:xfrm>
+            <a:off x="2694474" y="0"/>
+            <a:ext cx="2762980" cy="3730738"/>
+          </a:xfrm>
+          <a:prstGeom prst="rect">
+            <a:avLst/>
+          </a:prstGeom>
+        </p:spPr>
+      </p:pic>
+      <p:sp>
+        <p:nvSpPr>
+          <p:cNvPr id="31" name="文本框 30"/>
+          <p:cNvSpPr txBox="1"/>
+          <p:nvPr/>
+        </p:nvSpPr>
+        <p:spPr>
+          <a:xfrm>
+            <a:off x="2629461" y="0"/>
+            <a:ext cx="389850" cy="461665"/>
+          </a:xfrm>
+          <a:prstGeom prst="rect">
+            <a:avLst/>
+          </a:prstGeom>
+          <a:noFill/>
+        </p:spPr>
+        <p:txBody>
+          <a:bodyPr wrap="none" rtlCol="0">
+            <a:spAutoFit/>
+          </a:bodyPr>
+          <a:lstStyle/>
+          <a:p>
+            <a:r>
+              <a:rPr lang="en-US" altLang="zh-CN" sz="2400" dirty="0" smtClean="0">
+                <a:solidFill>
+                  <a:schemeClr val="bg1"/>
+                </a:solidFill>
+                <a:latin typeface="Times New Roman" panose="02020603050405020304" pitchFamily="18" charset="0"/>
+                <a:cs typeface="Times New Roman" panose="02020603050405020304" pitchFamily="18" charset="0"/>
+              </a:rPr>
+              <a:t>C</a:t>
+            </a:r>
+            <a:endParaRPr lang="zh-CN" altLang="en-US" sz="2400" dirty="0">
+              <a:solidFill>
+                <a:schemeClr val="bg1"/>
+              </a:solidFill>
+              <a:latin typeface="Times New Roman" panose="02020603050405020304" pitchFamily="18" charset="0"/>
+              <a:cs typeface="Times New Roman" panose="02020603050405020304" pitchFamily="18" charset="0"/>
+            </a:endParaRPr>
+          </a:p>
+        </p:txBody>
+      </p:sp>
+      <p:sp>
+        <p:nvSpPr>
+          <p:cNvPr id="32" name="文本框 31"/>
+          <p:cNvSpPr txBox="1"/>
+          <p:nvPr/>
+        </p:nvSpPr>
+        <p:spPr>
+          <a:xfrm>
+            <a:off x="2629461" y="1867466"/>
+            <a:ext cx="407484" cy="461665"/>
+          </a:xfrm>
+          <a:prstGeom prst="rect">
+            <a:avLst/>
+          </a:prstGeom>
+          <a:noFill/>
+        </p:spPr>
+        <p:txBody>
+          <a:bodyPr wrap="none" rtlCol="0">
+            <a:spAutoFit/>
+          </a:bodyPr>
+          <a:lstStyle/>
+          <a:p>
+            <a:r>
+              <a:rPr lang="en-US" altLang="zh-CN" sz="2400" dirty="0" smtClean="0">
+                <a:solidFill>
+                  <a:schemeClr val="bg1"/>
+                </a:solidFill>
+                <a:latin typeface="Times New Roman" panose="02020603050405020304" pitchFamily="18" charset="0"/>
+                <a:cs typeface="Times New Roman" panose="02020603050405020304" pitchFamily="18" charset="0"/>
+              </a:rPr>
+              <a:t>D</a:t>
+            </a:r>
+            <a:endParaRPr lang="zh-CN" altLang="en-US" sz="2400" dirty="0">
+              <a:solidFill>
+                <a:schemeClr val="bg1"/>
+              </a:solidFill>
+              <a:latin typeface="Times New Roman" panose="02020603050405020304" pitchFamily="18" charset="0"/>
+              <a:cs typeface="Times New Roman" panose="02020603050405020304" pitchFamily="18" charset="0"/>
+            </a:endParaRPr>
+          </a:p>
+        </p:txBody>
+      </p:sp>
+      <p:pic>
+        <p:nvPicPr>
+          <p:cNvPr id="33" name="图片 32"/>
+          <p:cNvPicPr>
+            <a:picLocks noChangeAspect="1"/>
+          </p:cNvPicPr>
+          <p:nvPr/>
+        </p:nvPicPr>
+        <p:blipFill>
+          <a:blip r:embed="rId4"/>
+          <a:stretch>
+            <a:fillRect/>
+          </a:stretch>
+        </p:blipFill>
+        <p:spPr>
+          <a:xfrm>
+            <a:off x="5457454" y="-2096"/>
+            <a:ext cx="2860042" cy="1878456"/>
+          </a:xfrm>
+          <a:prstGeom prst="rect">
+            <a:avLst/>
+          </a:prstGeom>
+        </p:spPr>
+      </p:pic>
+      <p:pic>
+        <p:nvPicPr>
+          <p:cNvPr id="36" name="图片 35"/>
+          <p:cNvPicPr>
+            <a:picLocks noChangeAspect="1"/>
+          </p:cNvPicPr>
+          <p:nvPr/>
+        </p:nvPicPr>
+        <p:blipFill>
+          <a:blip r:embed="rId5"/>
+          <a:stretch>
+            <a:fillRect/>
+          </a:stretch>
+        </p:blipFill>
+        <p:spPr>
+          <a:xfrm>
+            <a:off x="5457453" y="1874264"/>
+            <a:ext cx="2860042" cy="1856474"/>
+          </a:xfrm>
+          <a:prstGeom prst="rect">
+            <a:avLst/>
+          </a:prstGeom>
+        </p:spPr>
+      </p:pic>
+      <p:sp>
+        <p:nvSpPr>
+          <p:cNvPr id="34" name="文本框 33"/>
+          <p:cNvSpPr txBox="1"/>
+          <p:nvPr/>
+        </p:nvSpPr>
+        <p:spPr>
+          <a:xfrm>
+            <a:off x="5368226" y="0"/>
+            <a:ext cx="372218" cy="461665"/>
+          </a:xfrm>
+          <a:prstGeom prst="rect">
+            <a:avLst/>
+          </a:prstGeom>
+          <a:noFill/>
+        </p:spPr>
+        <p:txBody>
+          <a:bodyPr wrap="none" rtlCol="0">
+            <a:spAutoFit/>
+          </a:bodyPr>
+          <a:lstStyle/>
+          <a:p>
+            <a:r>
+              <a:rPr lang="en-US" altLang="zh-CN" sz="2400" dirty="0">
+                <a:solidFill>
+                  <a:schemeClr val="bg1"/>
+                </a:solidFill>
+                <a:latin typeface="Times New Roman" panose="02020603050405020304" pitchFamily="18" charset="0"/>
+                <a:cs typeface="Times New Roman" panose="02020603050405020304" pitchFamily="18" charset="0"/>
+              </a:rPr>
+              <a:t>E</a:t>
+            </a:r>
+            <a:endParaRPr lang="zh-CN" altLang="en-US" sz="2400" dirty="0">
+              <a:solidFill>
+                <a:schemeClr val="bg1"/>
+              </a:solidFill>
+              <a:latin typeface="Times New Roman" panose="02020603050405020304" pitchFamily="18" charset="0"/>
+              <a:cs typeface="Times New Roman" panose="02020603050405020304" pitchFamily="18" charset="0"/>
+            </a:endParaRPr>
+          </a:p>
+        </p:txBody>
+      </p:sp>
+      <p:sp>
+        <p:nvSpPr>
+          <p:cNvPr id="35" name="文本框 34"/>
+          <p:cNvSpPr txBox="1"/>
+          <p:nvPr/>
+        </p:nvSpPr>
+        <p:spPr>
+          <a:xfrm>
+            <a:off x="5368226" y="1867466"/>
+            <a:ext cx="356188" cy="461665"/>
+          </a:xfrm>
+          <a:prstGeom prst="rect">
+            <a:avLst/>
+          </a:prstGeom>
+          <a:noFill/>
+        </p:spPr>
+        <p:txBody>
+          <a:bodyPr wrap="none" rtlCol="0">
+            <a:spAutoFit/>
+          </a:bodyPr>
+          <a:lstStyle/>
+          <a:p>
+            <a:r>
+              <a:rPr lang="en-US" altLang="zh-CN" sz="2400" dirty="0" smtClean="0">
+                <a:solidFill>
+                  <a:schemeClr val="bg1"/>
+                </a:solidFill>
+                <a:latin typeface="Times New Roman" panose="02020603050405020304" pitchFamily="18" charset="0"/>
+                <a:cs typeface="Times New Roman" panose="02020603050405020304" pitchFamily="18" charset="0"/>
+              </a:rPr>
+              <a:t>F</a:t>
+            </a:r>
+            <a:endParaRPr lang="zh-CN" altLang="en-US" sz="2400" dirty="0">
+              <a:solidFill>
+                <a:schemeClr val="bg1"/>
+              </a:solidFill>
+              <a:latin typeface="Times New Roman" panose="02020603050405020304" pitchFamily="18" charset="0"/>
+              <a:cs typeface="Times New Roman" panose="02020603050405020304" pitchFamily="18" charset="0"/>
+            </a:endParaRPr>
+          </a:p>
+        </p:txBody>
+      </p:sp>
       <p:grpSp>
         <p:nvGrpSpPr>
-          <p:cNvPr id="5" name="组合 4"/>
+          <p:cNvPr id="37" name="组合 36"/>
           <p:cNvGrpSpPr/>
           <p:nvPr/>
         </p:nvGrpSpPr>
         <p:grpSpPr>
           <a:xfrm>
-            <a:off x="8479751" y="523016"/>
-            <a:ext cx="2239357" cy="2283161"/>
-            <a:chOff x="7443416" y="1206723"/>
-            <a:chExt cx="2239357" cy="2283161"/>
+            <a:off x="8489276" y="101600"/>
+            <a:ext cx="2858161" cy="2929120"/>
+            <a:chOff x="8489276" y="476835"/>
+            <a:chExt cx="2788425" cy="2375494"/>
           </a:xfrm>
         </p:grpSpPr>
         <p:sp>
           <p:nvSpPr>
-            <p:cNvPr id="6" name="矩形 5"/>
+            <p:cNvPr id="38" name="矩形 37"/>
             <p:cNvSpPr/>
             <p:nvPr/>
           </p:nvSpPr>
           <p:spPr>
             <a:xfrm>
-              <a:off x="7448539" y="1265426"/>
+              <a:off x="8494399" y="581719"/>
               <a:ext cx="369277" cy="158262"/>
             </a:xfrm>
             <a:prstGeom prst="rect">
@@ -8756,13 +9136,13 @@
         </p:sp>
         <p:sp>
           <p:nvSpPr>
-            <p:cNvPr id="7" name="矩形 6"/>
+            <p:cNvPr id="39" name="矩形 38"/>
             <p:cNvSpPr/>
             <p:nvPr/>
           </p:nvSpPr>
           <p:spPr>
             <a:xfrm>
-              <a:off x="7443416" y="1516008"/>
+              <a:off x="8489276" y="832301"/>
               <a:ext cx="369277" cy="158262"/>
             </a:xfrm>
             <a:prstGeom prst="rect">
@@ -8805,13 +9185,13 @@
         </p:sp>
         <p:sp>
           <p:nvSpPr>
-            <p:cNvPr id="8" name="矩形 7"/>
+            <p:cNvPr id="40" name="矩形 39"/>
             <p:cNvSpPr/>
             <p:nvPr/>
           </p:nvSpPr>
           <p:spPr>
             <a:xfrm>
-              <a:off x="7443416" y="1766590"/>
+              <a:off x="8489276" y="1082883"/>
               <a:ext cx="369277" cy="158262"/>
             </a:xfrm>
             <a:prstGeom prst="rect">
@@ -8854,13 +9234,13 @@
         </p:sp>
         <p:sp>
           <p:nvSpPr>
-            <p:cNvPr id="9" name="矩形 8"/>
+            <p:cNvPr id="41" name="矩形 40"/>
             <p:cNvSpPr/>
             <p:nvPr/>
           </p:nvSpPr>
           <p:spPr>
             <a:xfrm>
-              <a:off x="7443416" y="2017171"/>
+              <a:off x="8489276" y="1333464"/>
               <a:ext cx="369277" cy="158262"/>
             </a:xfrm>
             <a:prstGeom prst="rect">
@@ -8903,13 +9283,13 @@
         </p:sp>
         <p:sp>
           <p:nvSpPr>
-            <p:cNvPr id="10" name="矩形 9"/>
+            <p:cNvPr id="42" name="矩形 41"/>
             <p:cNvSpPr/>
             <p:nvPr/>
           </p:nvSpPr>
           <p:spPr>
             <a:xfrm>
-              <a:off x="7443416" y="2267753"/>
+              <a:off x="8489276" y="1584046"/>
               <a:ext cx="369277" cy="158262"/>
             </a:xfrm>
             <a:prstGeom prst="rect">
@@ -8952,13 +9332,13 @@
         </p:sp>
         <p:sp>
           <p:nvSpPr>
-            <p:cNvPr id="11" name="矩形 10"/>
+            <p:cNvPr id="43" name="矩形 42"/>
             <p:cNvSpPr/>
             <p:nvPr/>
           </p:nvSpPr>
           <p:spPr>
             <a:xfrm>
-              <a:off x="7443416" y="2518335"/>
+              <a:off x="8489276" y="1834628"/>
               <a:ext cx="369277" cy="158262"/>
             </a:xfrm>
             <a:prstGeom prst="rect">
@@ -9001,13 +9381,13 @@
         </p:sp>
         <p:sp>
           <p:nvSpPr>
-            <p:cNvPr id="12" name="矩形 11"/>
+            <p:cNvPr id="44" name="矩形 43"/>
             <p:cNvSpPr/>
             <p:nvPr/>
           </p:nvSpPr>
           <p:spPr>
             <a:xfrm>
-              <a:off x="7443416" y="2768917"/>
+              <a:off x="8489276" y="2085210"/>
               <a:ext cx="369277" cy="158262"/>
             </a:xfrm>
             <a:prstGeom prst="rect">
@@ -9050,13 +9430,13 @@
         </p:sp>
         <p:sp>
           <p:nvSpPr>
-            <p:cNvPr id="13" name="矩形 12"/>
+            <p:cNvPr id="45" name="矩形 44"/>
             <p:cNvSpPr/>
             <p:nvPr/>
           </p:nvSpPr>
           <p:spPr>
             <a:xfrm>
-              <a:off x="7443416" y="3019498"/>
+              <a:off x="8489276" y="2335791"/>
               <a:ext cx="369277" cy="158262"/>
             </a:xfrm>
             <a:prstGeom prst="rect">
@@ -9099,13 +9479,13 @@
         </p:sp>
         <p:sp>
           <p:nvSpPr>
-            <p:cNvPr id="14" name="矩形 13"/>
+            <p:cNvPr id="46" name="矩形 45"/>
             <p:cNvSpPr/>
             <p:nvPr/>
           </p:nvSpPr>
           <p:spPr>
             <a:xfrm>
-              <a:off x="7443416" y="3270078"/>
+              <a:off x="8489276" y="2586371"/>
               <a:ext cx="369277" cy="158262"/>
             </a:xfrm>
             <a:prstGeom prst="rect">
@@ -9148,14 +9528,14 @@
         </p:sp>
         <p:sp>
           <p:nvSpPr>
-            <p:cNvPr id="15" name="文本框 14"/>
+            <p:cNvPr id="47" name="文本框 46"/>
             <p:cNvSpPr txBox="1"/>
             <p:nvPr/>
           </p:nvSpPr>
           <p:spPr>
             <a:xfrm>
-              <a:off x="8975528" y="1206723"/>
-              <a:ext cx="707245" cy="276999"/>
+              <a:off x="8906539" y="476835"/>
+              <a:ext cx="966931" cy="369332"/>
             </a:xfrm>
             <a:prstGeom prst="rect">
               <a:avLst/>
@@ -9169,7 +9549,7 @@
             <a:lstStyle/>
             <a:p>
               <a:r>
-                <a:rPr lang="en-US" altLang="zh-CN" sz="1200" dirty="0" smtClean="0">
+                <a:rPr lang="en-US" altLang="zh-CN" dirty="0" smtClean="0">
                   <a:solidFill>
                     <a:schemeClr val="bg1"/>
                   </a:solidFill>
@@ -9178,7 +9558,7 @@
                 </a:rPr>
                 <a:t>Strength</a:t>
               </a:r>
-              <a:endParaRPr lang="zh-CN" altLang="en-US" sz="1200" dirty="0">
+              <a:endParaRPr lang="zh-CN" altLang="en-US" dirty="0">
                 <a:solidFill>
                   <a:schemeClr val="bg1"/>
                 </a:solidFill>
@@ -9190,14 +9570,14 @@
         </p:sp>
         <p:sp>
           <p:nvSpPr>
-            <p:cNvPr id="16" name="文本框 15"/>
+            <p:cNvPr id="48" name="文本框 47"/>
             <p:cNvSpPr txBox="1"/>
             <p:nvPr/>
           </p:nvSpPr>
           <p:spPr>
             <a:xfrm>
-              <a:off x="8123885" y="1457493"/>
-              <a:ext cx="1558888" cy="276999"/>
+              <a:off x="8906539" y="727605"/>
+              <a:ext cx="2238754" cy="369332"/>
             </a:xfrm>
             <a:prstGeom prst="rect">
               <a:avLst/>
@@ -9211,7 +9591,7 @@
             <a:lstStyle/>
             <a:p>
               <a:r>
-                <a:rPr lang="en-US" altLang="zh-CN" sz="1200" dirty="0" smtClean="0">
+                <a:rPr lang="en-US" altLang="zh-CN" dirty="0" smtClean="0">
                   <a:solidFill>
                     <a:schemeClr val="bg1"/>
                   </a:solidFill>
@@ -9220,7 +9600,7 @@
                 </a:rPr>
                 <a:t>Clustering Coefficient</a:t>
               </a:r>
-              <a:endParaRPr lang="zh-CN" altLang="en-US" sz="1200" dirty="0">
+              <a:endParaRPr lang="zh-CN" altLang="en-US" dirty="0">
                 <a:solidFill>
                   <a:schemeClr val="bg1"/>
                 </a:solidFill>
@@ -9232,14 +9612,14 @@
         </p:sp>
         <p:sp>
           <p:nvSpPr>
-            <p:cNvPr id="17" name="文本框 16"/>
+            <p:cNvPr id="49" name="文本框 48"/>
             <p:cNvSpPr txBox="1"/>
             <p:nvPr/>
           </p:nvSpPr>
           <p:spPr>
             <a:xfrm>
-              <a:off x="8465324" y="1708263"/>
-              <a:ext cx="1217449" cy="276999"/>
+              <a:off x="8906539" y="978375"/>
+              <a:ext cx="1725793" cy="369332"/>
             </a:xfrm>
             <a:prstGeom prst="rect">
               <a:avLst/>
@@ -9253,7 +9633,7 @@
             <a:lstStyle/>
             <a:p>
               <a:r>
-                <a:rPr lang="en-US" altLang="zh-CN" sz="1200" dirty="0" smtClean="0">
+                <a:rPr lang="en-US" altLang="zh-CN" dirty="0" smtClean="0">
                   <a:solidFill>
                     <a:schemeClr val="bg1"/>
                   </a:solidFill>
@@ -9262,7 +9642,7 @@
                 </a:rPr>
                 <a:t>Local Efficiency</a:t>
               </a:r>
-              <a:endParaRPr lang="zh-CN" altLang="en-US" sz="1200" dirty="0">
+              <a:endParaRPr lang="zh-CN" altLang="en-US" dirty="0">
                 <a:solidFill>
                   <a:schemeClr val="bg1"/>
                 </a:solidFill>
@@ -9274,14 +9654,14 @@
         </p:sp>
         <p:sp>
           <p:nvSpPr>
-            <p:cNvPr id="18" name="文本框 17"/>
+            <p:cNvPr id="50" name="文本框 49"/>
             <p:cNvSpPr txBox="1"/>
             <p:nvPr/>
           </p:nvSpPr>
           <p:spPr>
             <a:xfrm>
-              <a:off x="8036168" y="1959033"/>
-              <a:ext cx="1646605" cy="276999"/>
+              <a:off x="8906539" y="1229145"/>
+              <a:ext cx="2371162" cy="369332"/>
             </a:xfrm>
             <a:prstGeom prst="rect">
               <a:avLst/>
@@ -9295,7 +9675,7 @@
             <a:lstStyle/>
             <a:p>
               <a:r>
-                <a:rPr lang="en-US" altLang="zh-CN" sz="1200" dirty="0" smtClean="0">
+                <a:rPr lang="en-US" altLang="zh-CN" dirty="0" smtClean="0">
                   <a:solidFill>
                     <a:schemeClr val="bg1"/>
                   </a:solidFill>
@@ -9304,7 +9684,7 @@
                 </a:rPr>
                 <a:t>Betweenness Centrality</a:t>
               </a:r>
-              <a:endParaRPr lang="zh-CN" altLang="en-US" sz="1200" dirty="0">
+              <a:endParaRPr lang="zh-CN" altLang="en-US" dirty="0">
                 <a:solidFill>
                   <a:schemeClr val="bg1"/>
                 </a:solidFill>
@@ -9316,14 +9696,14 @@
         </p:sp>
         <p:sp>
           <p:nvSpPr>
-            <p:cNvPr id="19" name="文本框 18"/>
+            <p:cNvPr id="51" name="文本框 50"/>
             <p:cNvSpPr txBox="1"/>
             <p:nvPr/>
           </p:nvSpPr>
           <p:spPr>
             <a:xfrm>
-              <a:off x="8093876" y="2209803"/>
-              <a:ext cx="1588897" cy="276999"/>
+              <a:off x="8906539" y="1479915"/>
+              <a:ext cx="2281394" cy="369332"/>
             </a:xfrm>
             <a:prstGeom prst="rect">
               <a:avLst/>
@@ -9337,7 +9717,7 @@
             <a:lstStyle/>
             <a:p>
               <a:r>
-                <a:rPr lang="en-US" altLang="zh-CN" sz="1200" dirty="0" smtClean="0">
+                <a:rPr lang="en-US" altLang="zh-CN" dirty="0" smtClean="0">
                   <a:solidFill>
                     <a:schemeClr val="bg1"/>
                   </a:solidFill>
@@ -9346,7 +9726,7 @@
                 </a:rPr>
                 <a:t>Eigenvector Centrality</a:t>
               </a:r>
-              <a:endParaRPr lang="zh-CN" altLang="en-US" sz="1200" dirty="0">
+              <a:endParaRPr lang="zh-CN" altLang="en-US" dirty="0">
                 <a:solidFill>
                   <a:schemeClr val="bg1"/>
                 </a:solidFill>
@@ -9358,14 +9738,14 @@
         </p:sp>
         <p:sp>
           <p:nvSpPr>
-            <p:cNvPr id="20" name="文本框 19"/>
+            <p:cNvPr id="52" name="文本框 51"/>
             <p:cNvSpPr txBox="1"/>
             <p:nvPr/>
           </p:nvSpPr>
           <p:spPr>
             <a:xfrm>
-              <a:off x="8250971" y="2460573"/>
-              <a:ext cx="1431802" cy="276999"/>
+              <a:off x="8906539" y="1730685"/>
+              <a:ext cx="2050561" cy="369332"/>
             </a:xfrm>
             <a:prstGeom prst="rect">
               <a:avLst/>
@@ -9379,7 +9759,7 @@
             <a:lstStyle/>
             <a:p>
               <a:r>
-                <a:rPr lang="en-US" altLang="zh-CN" sz="1200" dirty="0" smtClean="0">
+                <a:rPr lang="en-US" altLang="zh-CN" dirty="0" smtClean="0">
                   <a:solidFill>
                     <a:schemeClr val="bg1"/>
                   </a:solidFill>
@@ -9388,7 +9768,7 @@
                 </a:rPr>
                 <a:t>Subgraph Centrality</a:t>
               </a:r>
-              <a:endParaRPr lang="zh-CN" altLang="en-US" sz="1200" dirty="0">
+              <a:endParaRPr lang="zh-CN" altLang="en-US" dirty="0">
                 <a:solidFill>
                   <a:schemeClr val="bg1"/>
                 </a:solidFill>
@@ -9400,14 +9780,14 @@
         </p:sp>
         <p:sp>
           <p:nvSpPr>
-            <p:cNvPr id="21" name="文本框 20"/>
+            <p:cNvPr id="53" name="文本框 52"/>
             <p:cNvSpPr txBox="1"/>
             <p:nvPr/>
           </p:nvSpPr>
           <p:spPr>
             <a:xfrm>
-              <a:off x="8148379" y="2711343"/>
-              <a:ext cx="1534394" cy="276999"/>
+              <a:off x="8906539" y="1981455"/>
+              <a:ext cx="2204450" cy="369332"/>
             </a:xfrm>
             <a:prstGeom prst="rect">
               <a:avLst/>
@@ -9421,7 +9801,7 @@
             <a:lstStyle/>
             <a:p>
               <a:r>
-                <a:rPr lang="en-US" altLang="zh-CN" sz="1200" dirty="0" smtClean="0">
+                <a:rPr lang="en-US" altLang="zh-CN" dirty="0" smtClean="0">
                   <a:solidFill>
                     <a:schemeClr val="bg1"/>
                   </a:solidFill>
@@ -9430,7 +9810,7 @@
                 </a:rPr>
                 <a:t>K-coreness Centrality</a:t>
               </a:r>
-              <a:endParaRPr lang="zh-CN" altLang="en-US" sz="1200" dirty="0">
+              <a:endParaRPr lang="zh-CN" altLang="en-US" dirty="0">
                 <a:solidFill>
                   <a:schemeClr val="bg1"/>
                 </a:solidFill>
@@ -9442,14 +9822,14 @@
         </p:sp>
         <p:sp>
           <p:nvSpPr>
-            <p:cNvPr id="22" name="文本框 21"/>
+            <p:cNvPr id="54" name="文本框 53"/>
             <p:cNvSpPr txBox="1"/>
             <p:nvPr/>
           </p:nvSpPr>
           <p:spPr>
             <a:xfrm>
-              <a:off x="8450897" y="2962113"/>
-              <a:ext cx="1231876" cy="276999"/>
+              <a:off x="8906539" y="2232225"/>
+              <a:ext cx="1751442" cy="369332"/>
             </a:xfrm>
             <a:prstGeom prst="rect">
               <a:avLst/>
@@ -9463,7 +9843,7 @@
             <a:lstStyle/>
             <a:p>
               <a:r>
-                <a:rPr lang="en-US" altLang="zh-CN" sz="1200" dirty="0" smtClean="0">
+                <a:rPr lang="en-US" altLang="zh-CN" dirty="0" smtClean="0">
                   <a:solidFill>
                     <a:schemeClr val="bg1"/>
                   </a:solidFill>
@@ -9472,7 +9852,7 @@
                 </a:rPr>
                 <a:t>Flow Coefficient</a:t>
               </a:r>
-              <a:endParaRPr lang="zh-CN" altLang="en-US" sz="1200" dirty="0">
+              <a:endParaRPr lang="zh-CN" altLang="en-US" dirty="0">
                 <a:solidFill>
                   <a:schemeClr val="bg1"/>
                 </a:solidFill>
@@ -9484,14 +9864,14 @@
         </p:sp>
         <p:sp>
           <p:nvSpPr>
-            <p:cNvPr id="23" name="文本框 22"/>
+            <p:cNvPr id="55" name="文本框 54"/>
             <p:cNvSpPr txBox="1"/>
             <p:nvPr/>
           </p:nvSpPr>
           <p:spPr>
             <a:xfrm>
-              <a:off x="8177233" y="3212885"/>
-              <a:ext cx="1505540" cy="276999"/>
+              <a:off x="8906539" y="2482997"/>
+              <a:ext cx="2159566" cy="369332"/>
             </a:xfrm>
             <a:prstGeom prst="rect">
               <a:avLst/>
@@ -9505,7 +9885,7 @@
             <a:lstStyle/>
             <a:p>
               <a:r>
-                <a:rPr lang="en-US" altLang="zh-CN" sz="1200" dirty="0" smtClean="0">
+                <a:rPr lang="en-US" altLang="zh-CN" dirty="0" smtClean="0">
                   <a:solidFill>
                     <a:schemeClr val="bg1"/>
                   </a:solidFill>
@@ -9514,7 +9894,7 @@
                 </a:rPr>
                 <a:t>Page Rank Centrality</a:t>
               </a:r>
-              <a:endParaRPr lang="zh-CN" altLang="en-US" sz="1200" dirty="0">
+              <a:endParaRPr lang="zh-CN" altLang="en-US" dirty="0">
                 <a:solidFill>
                   <a:schemeClr val="bg1"/>
                 </a:solidFill>
@@ -9525,396 +9905,6 @@
           </p:txBody>
         </p:sp>
       </p:grpSp>
-      <p:sp>
-        <p:nvSpPr>
-          <p:cNvPr id="26" name="文本框 25"/>
-          <p:cNvSpPr txBox="1"/>
-          <p:nvPr/>
-        </p:nvSpPr>
-        <p:spPr>
-          <a:xfrm>
-            <a:off x="9051128" y="3030720"/>
-            <a:ext cx="1563248" cy="461665"/>
-          </a:xfrm>
-          <a:prstGeom prst="rect">
-            <a:avLst/>
-          </a:prstGeom>
-          <a:noFill/>
-        </p:spPr>
-        <p:txBody>
-          <a:bodyPr wrap="none" rtlCol="0">
-            <a:spAutoFit/>
-          </a:bodyPr>
-          <a:lstStyle/>
-          <a:p>
-            <a:r>
-              <a:rPr lang="en-US" altLang="zh-CN" sz="2400" dirty="0" smtClean="0">
-                <a:solidFill>
-                  <a:schemeClr val="bg1"/>
-                </a:solidFill>
-                <a:latin typeface="Times New Roman" panose="02020603050405020304" pitchFamily="18" charset="0"/>
-                <a:cs typeface="Times New Roman" panose="02020603050405020304" pitchFamily="18" charset="0"/>
-              </a:rPr>
-              <a:t>AD vs. HC</a:t>
-            </a:r>
-            <a:endParaRPr lang="zh-CN" altLang="en-US" sz="2400" dirty="0">
-              <a:solidFill>
-                <a:schemeClr val="bg1"/>
-              </a:solidFill>
-              <a:latin typeface="Times New Roman" panose="02020603050405020304" pitchFamily="18" charset="0"/>
-              <a:cs typeface="Times New Roman" panose="02020603050405020304" pitchFamily="18" charset="0"/>
-            </a:endParaRPr>
-          </a:p>
-        </p:txBody>
-      </p:sp>
-      <p:pic>
-        <p:nvPicPr>
-          <p:cNvPr id="27" name="图片 26"/>
-          <p:cNvPicPr>
-            <a:picLocks noChangeAspect="1"/>
-          </p:cNvPicPr>
-          <p:nvPr/>
-        </p:nvPicPr>
-        <p:blipFill>
-          <a:blip r:embed="rId2"/>
-          <a:stretch>
-            <a:fillRect/>
-          </a:stretch>
-        </p:blipFill>
-        <p:spPr>
-          <a:xfrm>
-            <a:off x="0" y="-2095"/>
-            <a:ext cx="2694473" cy="3732834"/>
-          </a:xfrm>
-          <a:prstGeom prst="rect">
-            <a:avLst/>
-          </a:prstGeom>
-        </p:spPr>
-      </p:pic>
-      <p:sp>
-        <p:nvSpPr>
-          <p:cNvPr id="28" name="文本框 27"/>
-          <p:cNvSpPr txBox="1"/>
-          <p:nvPr/>
-        </p:nvSpPr>
-        <p:spPr>
-          <a:xfrm>
-            <a:off x="-1505" y="0"/>
-            <a:ext cx="407484" cy="461665"/>
-          </a:xfrm>
-          <a:prstGeom prst="rect">
-            <a:avLst/>
-          </a:prstGeom>
-          <a:noFill/>
-        </p:spPr>
-        <p:txBody>
-          <a:bodyPr wrap="none" rtlCol="0">
-            <a:spAutoFit/>
-          </a:bodyPr>
-          <a:lstStyle/>
-          <a:p>
-            <a:r>
-              <a:rPr lang="en-US" altLang="zh-CN" sz="2400" dirty="0" smtClean="0">
-                <a:solidFill>
-                  <a:schemeClr val="bg1"/>
-                </a:solidFill>
-                <a:latin typeface="Times New Roman" panose="02020603050405020304" pitchFamily="18" charset="0"/>
-                <a:cs typeface="Times New Roman" panose="02020603050405020304" pitchFamily="18" charset="0"/>
-              </a:rPr>
-              <a:t>A</a:t>
-            </a:r>
-            <a:endParaRPr lang="zh-CN" altLang="en-US" sz="2400" dirty="0">
-              <a:solidFill>
-                <a:schemeClr val="bg1"/>
-              </a:solidFill>
-              <a:latin typeface="Times New Roman" panose="02020603050405020304" pitchFamily="18" charset="0"/>
-              <a:cs typeface="Times New Roman" panose="02020603050405020304" pitchFamily="18" charset="0"/>
-            </a:endParaRPr>
-          </a:p>
-        </p:txBody>
-      </p:sp>
-      <p:sp>
-        <p:nvSpPr>
-          <p:cNvPr id="29" name="文本框 28"/>
-          <p:cNvSpPr txBox="1"/>
-          <p:nvPr/>
-        </p:nvSpPr>
-        <p:spPr>
-          <a:xfrm>
-            <a:off x="-1505" y="1867466"/>
-            <a:ext cx="389850" cy="461665"/>
-          </a:xfrm>
-          <a:prstGeom prst="rect">
-            <a:avLst/>
-          </a:prstGeom>
-          <a:noFill/>
-        </p:spPr>
-        <p:txBody>
-          <a:bodyPr wrap="none" rtlCol="0">
-            <a:spAutoFit/>
-          </a:bodyPr>
-          <a:lstStyle/>
-          <a:p>
-            <a:r>
-              <a:rPr lang="en-US" altLang="zh-CN" sz="2400" dirty="0">
-                <a:solidFill>
-                  <a:schemeClr val="bg1"/>
-                </a:solidFill>
-                <a:latin typeface="Times New Roman" panose="02020603050405020304" pitchFamily="18" charset="0"/>
-                <a:cs typeface="Times New Roman" panose="02020603050405020304" pitchFamily="18" charset="0"/>
-              </a:rPr>
-              <a:t>B</a:t>
-            </a:r>
-            <a:endParaRPr lang="zh-CN" altLang="en-US" sz="2400" dirty="0">
-              <a:solidFill>
-                <a:schemeClr val="bg1"/>
-              </a:solidFill>
-              <a:latin typeface="Times New Roman" panose="02020603050405020304" pitchFamily="18" charset="0"/>
-              <a:cs typeface="Times New Roman" panose="02020603050405020304" pitchFamily="18" charset="0"/>
-            </a:endParaRPr>
-          </a:p>
-        </p:txBody>
-      </p:sp>
-      <p:pic>
-        <p:nvPicPr>
-          <p:cNvPr id="30" name="图片 29"/>
-          <p:cNvPicPr>
-            <a:picLocks noChangeAspect="1"/>
-          </p:cNvPicPr>
-          <p:nvPr/>
-        </p:nvPicPr>
-        <p:blipFill>
-          <a:blip r:embed="rId3"/>
-          <a:stretch>
-            <a:fillRect/>
-          </a:stretch>
-        </p:blipFill>
-        <p:spPr>
-          <a:xfrm>
-            <a:off x="2694474" y="0"/>
-            <a:ext cx="2762980" cy="3730738"/>
-          </a:xfrm>
-          <a:prstGeom prst="rect">
-            <a:avLst/>
-          </a:prstGeom>
-        </p:spPr>
-      </p:pic>
-      <p:sp>
-        <p:nvSpPr>
-          <p:cNvPr id="31" name="文本框 30"/>
-          <p:cNvSpPr txBox="1"/>
-          <p:nvPr/>
-        </p:nvSpPr>
-        <p:spPr>
-          <a:xfrm>
-            <a:off x="2629461" y="0"/>
-            <a:ext cx="389850" cy="461665"/>
-          </a:xfrm>
-          <a:prstGeom prst="rect">
-            <a:avLst/>
-          </a:prstGeom>
-          <a:noFill/>
-        </p:spPr>
-        <p:txBody>
-          <a:bodyPr wrap="none" rtlCol="0">
-            <a:spAutoFit/>
-          </a:bodyPr>
-          <a:lstStyle/>
-          <a:p>
-            <a:r>
-              <a:rPr lang="en-US" altLang="zh-CN" sz="2400" dirty="0" smtClean="0">
-                <a:solidFill>
-                  <a:schemeClr val="bg1"/>
-                </a:solidFill>
-                <a:latin typeface="Times New Roman" panose="02020603050405020304" pitchFamily="18" charset="0"/>
-                <a:cs typeface="Times New Roman" panose="02020603050405020304" pitchFamily="18" charset="0"/>
-              </a:rPr>
-              <a:t>C</a:t>
-            </a:r>
-            <a:endParaRPr lang="zh-CN" altLang="en-US" sz="2400" dirty="0">
-              <a:solidFill>
-                <a:schemeClr val="bg1"/>
-              </a:solidFill>
-              <a:latin typeface="Times New Roman" panose="02020603050405020304" pitchFamily="18" charset="0"/>
-              <a:cs typeface="Times New Roman" panose="02020603050405020304" pitchFamily="18" charset="0"/>
-            </a:endParaRPr>
-          </a:p>
-        </p:txBody>
-      </p:sp>
-      <p:sp>
-        <p:nvSpPr>
-          <p:cNvPr id="32" name="文本框 31"/>
-          <p:cNvSpPr txBox="1"/>
-          <p:nvPr/>
-        </p:nvSpPr>
-        <p:spPr>
-          <a:xfrm>
-            <a:off x="2629461" y="1867466"/>
-            <a:ext cx="407484" cy="461665"/>
-          </a:xfrm>
-          <a:prstGeom prst="rect">
-            <a:avLst/>
-          </a:prstGeom>
-          <a:noFill/>
-        </p:spPr>
-        <p:txBody>
-          <a:bodyPr wrap="none" rtlCol="0">
-            <a:spAutoFit/>
-          </a:bodyPr>
-          <a:lstStyle/>
-          <a:p>
-            <a:r>
-              <a:rPr lang="en-US" altLang="zh-CN" sz="2400" dirty="0" smtClean="0">
-                <a:solidFill>
-                  <a:schemeClr val="bg1"/>
-                </a:solidFill>
-                <a:latin typeface="Times New Roman" panose="02020603050405020304" pitchFamily="18" charset="0"/>
-                <a:cs typeface="Times New Roman" panose="02020603050405020304" pitchFamily="18" charset="0"/>
-              </a:rPr>
-              <a:t>D</a:t>
-            </a:r>
-            <a:endParaRPr lang="zh-CN" altLang="en-US" sz="2400" dirty="0">
-              <a:solidFill>
-                <a:schemeClr val="bg1"/>
-              </a:solidFill>
-              <a:latin typeface="Times New Roman" panose="02020603050405020304" pitchFamily="18" charset="0"/>
-              <a:cs typeface="Times New Roman" panose="02020603050405020304" pitchFamily="18" charset="0"/>
-            </a:endParaRPr>
-          </a:p>
-        </p:txBody>
-      </p:sp>
-      <p:pic>
-        <p:nvPicPr>
-          <p:cNvPr id="33" name="图片 32"/>
-          <p:cNvPicPr>
-            <a:picLocks noChangeAspect="1"/>
-          </p:cNvPicPr>
-          <p:nvPr/>
-        </p:nvPicPr>
-        <p:blipFill>
-          <a:blip r:embed="rId4"/>
-          <a:stretch>
-            <a:fillRect/>
-          </a:stretch>
-        </p:blipFill>
-        <p:spPr>
-          <a:xfrm>
-            <a:off x="5457454" y="-2096"/>
-            <a:ext cx="2860042" cy="1878456"/>
-          </a:xfrm>
-          <a:prstGeom prst="rect">
-            <a:avLst/>
-          </a:prstGeom>
-        </p:spPr>
-      </p:pic>
-      <p:pic>
-        <p:nvPicPr>
-          <p:cNvPr id="36" name="图片 35"/>
-          <p:cNvPicPr>
-            <a:picLocks noChangeAspect="1"/>
-          </p:cNvPicPr>
-          <p:nvPr/>
-        </p:nvPicPr>
-        <p:blipFill>
-          <a:blip r:embed="rId5"/>
-          <a:stretch>
-            <a:fillRect/>
-          </a:stretch>
-        </p:blipFill>
-        <p:spPr>
-          <a:xfrm>
-            <a:off x="5457453" y="1874264"/>
-            <a:ext cx="2860042" cy="1856474"/>
-          </a:xfrm>
-          <a:prstGeom prst="rect">
-            <a:avLst/>
-          </a:prstGeom>
-        </p:spPr>
-      </p:pic>
-      <p:sp>
-        <p:nvSpPr>
-          <p:cNvPr id="34" name="文本框 33"/>
-          <p:cNvSpPr txBox="1"/>
-          <p:nvPr/>
-        </p:nvSpPr>
-        <p:spPr>
-          <a:xfrm>
-            <a:off x="5368226" y="0"/>
-            <a:ext cx="372218" cy="461665"/>
-          </a:xfrm>
-          <a:prstGeom prst="rect">
-            <a:avLst/>
-          </a:prstGeom>
-          <a:noFill/>
-        </p:spPr>
-        <p:txBody>
-          <a:bodyPr wrap="none" rtlCol="0">
-            <a:spAutoFit/>
-          </a:bodyPr>
-          <a:lstStyle/>
-          <a:p>
-            <a:r>
-              <a:rPr lang="en-US" altLang="zh-CN" sz="2400" dirty="0">
-                <a:solidFill>
-                  <a:schemeClr val="bg1"/>
-                </a:solidFill>
-                <a:latin typeface="Times New Roman" panose="02020603050405020304" pitchFamily="18" charset="0"/>
-                <a:cs typeface="Times New Roman" panose="02020603050405020304" pitchFamily="18" charset="0"/>
-              </a:rPr>
-              <a:t>E</a:t>
-            </a:r>
-            <a:endParaRPr lang="zh-CN" altLang="en-US" sz="2400" dirty="0">
-              <a:solidFill>
-                <a:schemeClr val="bg1"/>
-              </a:solidFill>
-              <a:latin typeface="Times New Roman" panose="02020603050405020304" pitchFamily="18" charset="0"/>
-              <a:cs typeface="Times New Roman" panose="02020603050405020304" pitchFamily="18" charset="0"/>
-            </a:endParaRPr>
-          </a:p>
-        </p:txBody>
-      </p:sp>
-      <p:sp>
-        <p:nvSpPr>
-          <p:cNvPr id="35" name="文本框 34"/>
-          <p:cNvSpPr txBox="1"/>
-          <p:nvPr/>
-        </p:nvSpPr>
-        <p:spPr>
-          <a:xfrm>
-            <a:off x="5368226" y="1867466"/>
-            <a:ext cx="356188" cy="461665"/>
-          </a:xfrm>
-          <a:prstGeom prst="rect">
-            <a:avLst/>
-          </a:prstGeom>
-          <a:noFill/>
-        </p:spPr>
-        <p:txBody>
-          <a:bodyPr wrap="none" rtlCol="0">
-            <a:spAutoFit/>
-          </a:bodyPr>
-          <a:lstStyle/>
-          <a:p>
-            <a:r>
-              <a:rPr lang="en-US" altLang="zh-CN" sz="2400" dirty="0" smtClean="0">
-                <a:solidFill>
-                  <a:schemeClr val="bg1"/>
-                </a:solidFill>
-                <a:latin typeface="Times New Roman" panose="02020603050405020304" pitchFamily="18" charset="0"/>
-                <a:cs typeface="Times New Roman" panose="02020603050405020304" pitchFamily="18" charset="0"/>
-              </a:rPr>
-              <a:t>F</a:t>
-            </a:r>
-            <a:endParaRPr lang="zh-CN" altLang="en-US" sz="2400" dirty="0">
-              <a:solidFill>
-                <a:schemeClr val="bg1"/>
-              </a:solidFill>
-              <a:latin typeface="Times New Roman" panose="02020603050405020304" pitchFamily="18" charset="0"/>
-              <a:cs typeface="Times New Roman" panose="02020603050405020304" pitchFamily="18" charset="0"/>
-            </a:endParaRPr>
-          </a:p>
-        </p:txBody>
-      </p:sp>
     </p:spTree>
     <p:extLst>
       <p:ext uri="{BB962C8B-B14F-4D97-AF65-F5344CB8AC3E}">
@@ -12876,7 +12866,7 @@
         <p:spPr>
           <a:xfrm>
             <a:off x="8317496" y="-2096"/>
-            <a:ext cx="2392087" cy="3734932"/>
+            <a:ext cx="2937928" cy="3734932"/>
           </a:xfrm>
           <a:prstGeom prst="rect">
             <a:avLst/>
@@ -12913,29 +12903,419 @@
           </a:p>
         </p:txBody>
       </p:sp>
+      <p:sp>
+        <p:nvSpPr>
+          <p:cNvPr id="26" name="文本框 25"/>
+          <p:cNvSpPr txBox="1"/>
+          <p:nvPr/>
+        </p:nvSpPr>
+        <p:spPr>
+          <a:xfrm>
+            <a:off x="8664389" y="3030720"/>
+            <a:ext cx="1887696" cy="461665"/>
+          </a:xfrm>
+          <a:prstGeom prst="rect">
+            <a:avLst/>
+          </a:prstGeom>
+          <a:noFill/>
+        </p:spPr>
+        <p:txBody>
+          <a:bodyPr wrap="none" rtlCol="0">
+            <a:spAutoFit/>
+          </a:bodyPr>
+          <a:lstStyle/>
+          <a:p>
+            <a:r>
+              <a:rPr lang="en-US" altLang="zh-CN" sz="2400" dirty="0" smtClean="0">
+                <a:solidFill>
+                  <a:schemeClr val="bg1"/>
+                </a:solidFill>
+                <a:latin typeface="Times New Roman" panose="02020603050405020304" pitchFamily="18" charset="0"/>
+                <a:cs typeface="Times New Roman" panose="02020603050405020304" pitchFamily="18" charset="0"/>
+              </a:rPr>
+              <a:t>LMCI vs. AD</a:t>
+            </a:r>
+            <a:endParaRPr lang="zh-CN" altLang="en-US" sz="2400" dirty="0">
+              <a:solidFill>
+                <a:schemeClr val="bg1"/>
+              </a:solidFill>
+              <a:latin typeface="Times New Roman" panose="02020603050405020304" pitchFamily="18" charset="0"/>
+              <a:cs typeface="Times New Roman" panose="02020603050405020304" pitchFamily="18" charset="0"/>
+            </a:endParaRPr>
+          </a:p>
+        </p:txBody>
+      </p:sp>
+      <p:pic>
+        <p:nvPicPr>
+          <p:cNvPr id="2" name="图片 1"/>
+          <p:cNvPicPr>
+            <a:picLocks noChangeAspect="1"/>
+          </p:cNvPicPr>
+          <p:nvPr/>
+        </p:nvPicPr>
+        <p:blipFill>
+          <a:blip r:embed="rId2"/>
+          <a:stretch>
+            <a:fillRect/>
+          </a:stretch>
+        </p:blipFill>
+        <p:spPr>
+          <a:xfrm>
+            <a:off x="0" y="0"/>
+            <a:ext cx="2674521" cy="3732834"/>
+          </a:xfrm>
+          <a:prstGeom prst="rect">
+            <a:avLst/>
+          </a:prstGeom>
+        </p:spPr>
+      </p:pic>
+      <p:sp>
+        <p:nvSpPr>
+          <p:cNvPr id="28" name="文本框 27"/>
+          <p:cNvSpPr txBox="1"/>
+          <p:nvPr/>
+        </p:nvSpPr>
+        <p:spPr>
+          <a:xfrm>
+            <a:off x="-1505" y="0"/>
+            <a:ext cx="407484" cy="461665"/>
+          </a:xfrm>
+          <a:prstGeom prst="rect">
+            <a:avLst/>
+          </a:prstGeom>
+          <a:noFill/>
+        </p:spPr>
+        <p:txBody>
+          <a:bodyPr wrap="none" rtlCol="0">
+            <a:spAutoFit/>
+          </a:bodyPr>
+          <a:lstStyle/>
+          <a:p>
+            <a:r>
+              <a:rPr lang="en-US" altLang="zh-CN" sz="2400" dirty="0" smtClean="0">
+                <a:solidFill>
+                  <a:schemeClr val="bg1"/>
+                </a:solidFill>
+                <a:latin typeface="Times New Roman" panose="02020603050405020304" pitchFamily="18" charset="0"/>
+                <a:cs typeface="Times New Roman" panose="02020603050405020304" pitchFamily="18" charset="0"/>
+              </a:rPr>
+              <a:t>A</a:t>
+            </a:r>
+            <a:endParaRPr lang="zh-CN" altLang="en-US" sz="2400" dirty="0">
+              <a:solidFill>
+                <a:schemeClr val="bg1"/>
+              </a:solidFill>
+              <a:latin typeface="Times New Roman" panose="02020603050405020304" pitchFamily="18" charset="0"/>
+              <a:cs typeface="Times New Roman" panose="02020603050405020304" pitchFamily="18" charset="0"/>
+            </a:endParaRPr>
+          </a:p>
+        </p:txBody>
+      </p:sp>
+      <p:sp>
+        <p:nvSpPr>
+          <p:cNvPr id="29" name="文本框 28"/>
+          <p:cNvSpPr txBox="1"/>
+          <p:nvPr/>
+        </p:nvSpPr>
+        <p:spPr>
+          <a:xfrm>
+            <a:off x="-1505" y="1867466"/>
+            <a:ext cx="389850" cy="461665"/>
+          </a:xfrm>
+          <a:prstGeom prst="rect">
+            <a:avLst/>
+          </a:prstGeom>
+          <a:noFill/>
+        </p:spPr>
+        <p:txBody>
+          <a:bodyPr wrap="none" rtlCol="0">
+            <a:spAutoFit/>
+          </a:bodyPr>
+          <a:lstStyle/>
+          <a:p>
+            <a:r>
+              <a:rPr lang="en-US" altLang="zh-CN" sz="2400" dirty="0">
+                <a:solidFill>
+                  <a:schemeClr val="bg1"/>
+                </a:solidFill>
+                <a:latin typeface="Times New Roman" panose="02020603050405020304" pitchFamily="18" charset="0"/>
+                <a:cs typeface="Times New Roman" panose="02020603050405020304" pitchFamily="18" charset="0"/>
+              </a:rPr>
+              <a:t>B</a:t>
+            </a:r>
+            <a:endParaRPr lang="zh-CN" altLang="en-US" sz="2400" dirty="0">
+              <a:solidFill>
+                <a:schemeClr val="bg1"/>
+              </a:solidFill>
+              <a:latin typeface="Times New Roman" panose="02020603050405020304" pitchFamily="18" charset="0"/>
+              <a:cs typeface="Times New Roman" panose="02020603050405020304" pitchFamily="18" charset="0"/>
+            </a:endParaRPr>
+          </a:p>
+        </p:txBody>
+      </p:sp>
+      <p:pic>
+        <p:nvPicPr>
+          <p:cNvPr id="3" name="图片 2"/>
+          <p:cNvPicPr>
+            <a:picLocks noChangeAspect="1"/>
+          </p:cNvPicPr>
+          <p:nvPr/>
+        </p:nvPicPr>
+        <p:blipFill>
+          <a:blip r:embed="rId3"/>
+          <a:stretch>
+            <a:fillRect/>
+          </a:stretch>
+        </p:blipFill>
+        <p:spPr>
+          <a:xfrm>
+            <a:off x="2674633" y="1434"/>
+            <a:ext cx="2782817" cy="3729305"/>
+          </a:xfrm>
+          <a:prstGeom prst="rect">
+            <a:avLst/>
+          </a:prstGeom>
+        </p:spPr>
+      </p:pic>
+      <p:sp>
+        <p:nvSpPr>
+          <p:cNvPr id="31" name="文本框 30"/>
+          <p:cNvSpPr txBox="1"/>
+          <p:nvPr/>
+        </p:nvSpPr>
+        <p:spPr>
+          <a:xfrm>
+            <a:off x="2629461" y="0"/>
+            <a:ext cx="389850" cy="461665"/>
+          </a:xfrm>
+          <a:prstGeom prst="rect">
+            <a:avLst/>
+          </a:prstGeom>
+          <a:noFill/>
+        </p:spPr>
+        <p:txBody>
+          <a:bodyPr wrap="none" rtlCol="0">
+            <a:spAutoFit/>
+          </a:bodyPr>
+          <a:lstStyle/>
+          <a:p>
+            <a:r>
+              <a:rPr lang="en-US" altLang="zh-CN" sz="2400" dirty="0" smtClean="0">
+                <a:solidFill>
+                  <a:schemeClr val="bg1"/>
+                </a:solidFill>
+                <a:latin typeface="Times New Roman" panose="02020603050405020304" pitchFamily="18" charset="0"/>
+                <a:cs typeface="Times New Roman" panose="02020603050405020304" pitchFamily="18" charset="0"/>
+              </a:rPr>
+              <a:t>C</a:t>
+            </a:r>
+            <a:endParaRPr lang="zh-CN" altLang="en-US" sz="2400" dirty="0">
+              <a:solidFill>
+                <a:schemeClr val="bg1"/>
+              </a:solidFill>
+              <a:latin typeface="Times New Roman" panose="02020603050405020304" pitchFamily="18" charset="0"/>
+              <a:cs typeface="Times New Roman" panose="02020603050405020304" pitchFamily="18" charset="0"/>
+            </a:endParaRPr>
+          </a:p>
+        </p:txBody>
+      </p:sp>
+      <p:sp>
+        <p:nvSpPr>
+          <p:cNvPr id="32" name="文本框 31"/>
+          <p:cNvSpPr txBox="1"/>
+          <p:nvPr/>
+        </p:nvSpPr>
+        <p:spPr>
+          <a:xfrm>
+            <a:off x="2629461" y="1867466"/>
+            <a:ext cx="407484" cy="461665"/>
+          </a:xfrm>
+          <a:prstGeom prst="rect">
+            <a:avLst/>
+          </a:prstGeom>
+          <a:noFill/>
+        </p:spPr>
+        <p:txBody>
+          <a:bodyPr wrap="none" rtlCol="0">
+            <a:spAutoFit/>
+          </a:bodyPr>
+          <a:lstStyle/>
+          <a:p>
+            <a:r>
+              <a:rPr lang="en-US" altLang="zh-CN" sz="2400" dirty="0" smtClean="0">
+                <a:solidFill>
+                  <a:schemeClr val="bg1"/>
+                </a:solidFill>
+                <a:latin typeface="Times New Roman" panose="02020603050405020304" pitchFamily="18" charset="0"/>
+                <a:cs typeface="Times New Roman" panose="02020603050405020304" pitchFamily="18" charset="0"/>
+              </a:rPr>
+              <a:t>D</a:t>
+            </a:r>
+            <a:endParaRPr lang="zh-CN" altLang="en-US" sz="2400" dirty="0">
+              <a:solidFill>
+                <a:schemeClr val="bg1"/>
+              </a:solidFill>
+              <a:latin typeface="Times New Roman" panose="02020603050405020304" pitchFamily="18" charset="0"/>
+              <a:cs typeface="Times New Roman" panose="02020603050405020304" pitchFamily="18" charset="0"/>
+            </a:endParaRPr>
+          </a:p>
+        </p:txBody>
+      </p:sp>
+      <p:pic>
+        <p:nvPicPr>
+          <p:cNvPr id="24" name="图片 23"/>
+          <p:cNvPicPr>
+            <a:picLocks noChangeAspect="1"/>
+          </p:cNvPicPr>
+          <p:nvPr/>
+        </p:nvPicPr>
+        <p:blipFill>
+          <a:blip r:embed="rId4"/>
+          <a:stretch>
+            <a:fillRect/>
+          </a:stretch>
+        </p:blipFill>
+        <p:spPr>
+          <a:xfrm>
+            <a:off x="5450971" y="0"/>
+            <a:ext cx="2866525" cy="1875530"/>
+          </a:xfrm>
+          <a:prstGeom prst="rect">
+            <a:avLst/>
+          </a:prstGeom>
+        </p:spPr>
+      </p:pic>
+      <p:pic>
+        <p:nvPicPr>
+          <p:cNvPr id="25" name="图片 24"/>
+          <p:cNvPicPr>
+            <a:picLocks noChangeAspect="1"/>
+          </p:cNvPicPr>
+          <p:nvPr/>
+        </p:nvPicPr>
+        <p:blipFill>
+          <a:blip r:embed="rId5"/>
+          <a:stretch>
+            <a:fillRect/>
+          </a:stretch>
+        </p:blipFill>
+        <p:spPr>
+          <a:xfrm>
+            <a:off x="5457450" y="1865370"/>
+            <a:ext cx="2860046" cy="1865369"/>
+          </a:xfrm>
+          <a:prstGeom prst="rect">
+            <a:avLst/>
+          </a:prstGeom>
+        </p:spPr>
+      </p:pic>
+      <p:sp>
+        <p:nvSpPr>
+          <p:cNvPr id="34" name="文本框 33"/>
+          <p:cNvSpPr txBox="1"/>
+          <p:nvPr/>
+        </p:nvSpPr>
+        <p:spPr>
+          <a:xfrm>
+            <a:off x="5368226" y="0"/>
+            <a:ext cx="372218" cy="461665"/>
+          </a:xfrm>
+          <a:prstGeom prst="rect">
+            <a:avLst/>
+          </a:prstGeom>
+          <a:noFill/>
+        </p:spPr>
+        <p:txBody>
+          <a:bodyPr wrap="none" rtlCol="0">
+            <a:spAutoFit/>
+          </a:bodyPr>
+          <a:lstStyle/>
+          <a:p>
+            <a:r>
+              <a:rPr lang="en-US" altLang="zh-CN" sz="2400" dirty="0">
+                <a:solidFill>
+                  <a:schemeClr val="bg1"/>
+                </a:solidFill>
+                <a:latin typeface="Times New Roman" panose="02020603050405020304" pitchFamily="18" charset="0"/>
+                <a:cs typeface="Times New Roman" panose="02020603050405020304" pitchFamily="18" charset="0"/>
+              </a:rPr>
+              <a:t>E</a:t>
+            </a:r>
+            <a:endParaRPr lang="zh-CN" altLang="en-US" sz="2400" dirty="0">
+              <a:solidFill>
+                <a:schemeClr val="bg1"/>
+              </a:solidFill>
+              <a:latin typeface="Times New Roman" panose="02020603050405020304" pitchFamily="18" charset="0"/>
+              <a:cs typeface="Times New Roman" panose="02020603050405020304" pitchFamily="18" charset="0"/>
+            </a:endParaRPr>
+          </a:p>
+        </p:txBody>
+      </p:sp>
+      <p:sp>
+        <p:nvSpPr>
+          <p:cNvPr id="35" name="文本框 34"/>
+          <p:cNvSpPr txBox="1"/>
+          <p:nvPr/>
+        </p:nvSpPr>
+        <p:spPr>
+          <a:xfrm>
+            <a:off x="5368226" y="1867466"/>
+            <a:ext cx="356188" cy="461665"/>
+          </a:xfrm>
+          <a:prstGeom prst="rect">
+            <a:avLst/>
+          </a:prstGeom>
+          <a:noFill/>
+        </p:spPr>
+        <p:txBody>
+          <a:bodyPr wrap="none" rtlCol="0">
+            <a:spAutoFit/>
+          </a:bodyPr>
+          <a:lstStyle/>
+          <a:p>
+            <a:r>
+              <a:rPr lang="en-US" altLang="zh-CN" sz="2400" dirty="0" smtClean="0">
+                <a:solidFill>
+                  <a:schemeClr val="bg1"/>
+                </a:solidFill>
+                <a:latin typeface="Times New Roman" panose="02020603050405020304" pitchFamily="18" charset="0"/>
+                <a:cs typeface="Times New Roman" panose="02020603050405020304" pitchFamily="18" charset="0"/>
+              </a:rPr>
+              <a:t>F</a:t>
+            </a:r>
+            <a:endParaRPr lang="zh-CN" altLang="en-US" sz="2400" dirty="0">
+              <a:solidFill>
+                <a:schemeClr val="bg1"/>
+              </a:solidFill>
+              <a:latin typeface="Times New Roman" panose="02020603050405020304" pitchFamily="18" charset="0"/>
+              <a:cs typeface="Times New Roman" panose="02020603050405020304" pitchFamily="18" charset="0"/>
+            </a:endParaRPr>
+          </a:p>
+        </p:txBody>
+      </p:sp>
       <p:grpSp>
         <p:nvGrpSpPr>
-          <p:cNvPr id="5" name="组合 4"/>
+          <p:cNvPr id="33" name="组合 32"/>
           <p:cNvGrpSpPr/>
           <p:nvPr/>
         </p:nvGrpSpPr>
         <p:grpSpPr>
           <a:xfrm>
-            <a:off x="8479751" y="523016"/>
-            <a:ext cx="2239357" cy="2283161"/>
-            <a:chOff x="7443416" y="1206723"/>
-            <a:chExt cx="2239357" cy="2283161"/>
+            <a:off x="8489276" y="101600"/>
+            <a:ext cx="2858161" cy="2929120"/>
+            <a:chOff x="8489276" y="476835"/>
+            <a:chExt cx="2788425" cy="2375494"/>
           </a:xfrm>
         </p:grpSpPr>
         <p:sp>
           <p:nvSpPr>
-            <p:cNvPr id="6" name="矩形 5"/>
+            <p:cNvPr id="36" name="矩形 35"/>
             <p:cNvSpPr/>
             <p:nvPr/>
           </p:nvSpPr>
           <p:spPr>
             <a:xfrm>
-              <a:off x="7448539" y="1265426"/>
+              <a:off x="8494399" y="581719"/>
               <a:ext cx="369277" cy="158262"/>
             </a:xfrm>
             <a:prstGeom prst="rect">
@@ -12978,13 +13358,13 @@
         </p:sp>
         <p:sp>
           <p:nvSpPr>
-            <p:cNvPr id="7" name="矩形 6"/>
+            <p:cNvPr id="37" name="矩形 36"/>
             <p:cNvSpPr/>
             <p:nvPr/>
           </p:nvSpPr>
           <p:spPr>
             <a:xfrm>
-              <a:off x="7443416" y="1516008"/>
+              <a:off x="8489276" y="832301"/>
               <a:ext cx="369277" cy="158262"/>
             </a:xfrm>
             <a:prstGeom prst="rect">
@@ -13027,13 +13407,13 @@
         </p:sp>
         <p:sp>
           <p:nvSpPr>
-            <p:cNvPr id="8" name="矩形 7"/>
+            <p:cNvPr id="38" name="矩形 37"/>
             <p:cNvSpPr/>
             <p:nvPr/>
           </p:nvSpPr>
           <p:spPr>
             <a:xfrm>
-              <a:off x="7443416" y="1766590"/>
+              <a:off x="8489276" y="1082883"/>
               <a:ext cx="369277" cy="158262"/>
             </a:xfrm>
             <a:prstGeom prst="rect">
@@ -13076,13 +13456,13 @@
         </p:sp>
         <p:sp>
           <p:nvSpPr>
-            <p:cNvPr id="9" name="矩形 8"/>
+            <p:cNvPr id="39" name="矩形 38"/>
             <p:cNvSpPr/>
             <p:nvPr/>
           </p:nvSpPr>
           <p:spPr>
             <a:xfrm>
-              <a:off x="7443416" y="2017171"/>
+              <a:off x="8489276" y="1333464"/>
               <a:ext cx="369277" cy="158262"/>
             </a:xfrm>
             <a:prstGeom prst="rect">
@@ -13125,13 +13505,13 @@
         </p:sp>
         <p:sp>
           <p:nvSpPr>
-            <p:cNvPr id="10" name="矩形 9"/>
+            <p:cNvPr id="40" name="矩形 39"/>
             <p:cNvSpPr/>
             <p:nvPr/>
           </p:nvSpPr>
           <p:spPr>
             <a:xfrm>
-              <a:off x="7443416" y="2267753"/>
+              <a:off x="8489276" y="1584046"/>
               <a:ext cx="369277" cy="158262"/>
             </a:xfrm>
             <a:prstGeom prst="rect">
@@ -13174,13 +13554,13 @@
         </p:sp>
         <p:sp>
           <p:nvSpPr>
-            <p:cNvPr id="11" name="矩形 10"/>
+            <p:cNvPr id="41" name="矩形 40"/>
             <p:cNvSpPr/>
             <p:nvPr/>
           </p:nvSpPr>
           <p:spPr>
             <a:xfrm>
-              <a:off x="7443416" y="2518335"/>
+              <a:off x="8489276" y="1834628"/>
               <a:ext cx="369277" cy="158262"/>
             </a:xfrm>
             <a:prstGeom prst="rect">
@@ -13223,13 +13603,13 @@
         </p:sp>
         <p:sp>
           <p:nvSpPr>
-            <p:cNvPr id="12" name="矩形 11"/>
+            <p:cNvPr id="42" name="矩形 41"/>
             <p:cNvSpPr/>
             <p:nvPr/>
           </p:nvSpPr>
           <p:spPr>
             <a:xfrm>
-              <a:off x="7443416" y="2768917"/>
+              <a:off x="8489276" y="2085210"/>
               <a:ext cx="369277" cy="158262"/>
             </a:xfrm>
             <a:prstGeom prst="rect">
@@ -13272,13 +13652,13 @@
         </p:sp>
         <p:sp>
           <p:nvSpPr>
-            <p:cNvPr id="13" name="矩形 12"/>
+            <p:cNvPr id="43" name="矩形 42"/>
             <p:cNvSpPr/>
             <p:nvPr/>
           </p:nvSpPr>
           <p:spPr>
             <a:xfrm>
-              <a:off x="7443416" y="3019498"/>
+              <a:off x="8489276" y="2335791"/>
               <a:ext cx="369277" cy="158262"/>
             </a:xfrm>
             <a:prstGeom prst="rect">
@@ -13321,13 +13701,13 @@
         </p:sp>
         <p:sp>
           <p:nvSpPr>
-            <p:cNvPr id="14" name="矩形 13"/>
+            <p:cNvPr id="44" name="矩形 43"/>
             <p:cNvSpPr/>
             <p:nvPr/>
           </p:nvSpPr>
           <p:spPr>
             <a:xfrm>
-              <a:off x="7443416" y="3270078"/>
+              <a:off x="8489276" y="2586371"/>
               <a:ext cx="369277" cy="158262"/>
             </a:xfrm>
             <a:prstGeom prst="rect">
@@ -13370,14 +13750,14 @@
         </p:sp>
         <p:sp>
           <p:nvSpPr>
-            <p:cNvPr id="15" name="文本框 14"/>
+            <p:cNvPr id="45" name="文本框 44"/>
             <p:cNvSpPr txBox="1"/>
             <p:nvPr/>
           </p:nvSpPr>
           <p:spPr>
             <a:xfrm>
-              <a:off x="8975528" y="1206723"/>
-              <a:ext cx="707245" cy="276999"/>
+              <a:off x="8906539" y="476835"/>
+              <a:ext cx="966931" cy="369332"/>
             </a:xfrm>
             <a:prstGeom prst="rect">
               <a:avLst/>
@@ -13391,7 +13771,7 @@
             <a:lstStyle/>
             <a:p>
               <a:r>
-                <a:rPr lang="en-US" altLang="zh-CN" sz="1200" dirty="0" smtClean="0">
+                <a:rPr lang="en-US" altLang="zh-CN" dirty="0" smtClean="0">
                   <a:solidFill>
                     <a:schemeClr val="bg1"/>
                   </a:solidFill>
@@ -13400,7 +13780,7 @@
                 </a:rPr>
                 <a:t>Strength</a:t>
               </a:r>
-              <a:endParaRPr lang="zh-CN" altLang="en-US" sz="1200" dirty="0">
+              <a:endParaRPr lang="zh-CN" altLang="en-US" dirty="0">
                 <a:solidFill>
                   <a:schemeClr val="bg1"/>
                 </a:solidFill>
@@ -13412,14 +13792,14 @@
         </p:sp>
         <p:sp>
           <p:nvSpPr>
-            <p:cNvPr id="16" name="文本框 15"/>
+            <p:cNvPr id="46" name="文本框 45"/>
             <p:cNvSpPr txBox="1"/>
             <p:nvPr/>
           </p:nvSpPr>
           <p:spPr>
             <a:xfrm>
-              <a:off x="8123885" y="1457493"/>
-              <a:ext cx="1558888" cy="276999"/>
+              <a:off x="8906539" y="727605"/>
+              <a:ext cx="2238754" cy="369332"/>
             </a:xfrm>
             <a:prstGeom prst="rect">
               <a:avLst/>
@@ -13433,7 +13813,7 @@
             <a:lstStyle/>
             <a:p>
               <a:r>
-                <a:rPr lang="en-US" altLang="zh-CN" sz="1200" dirty="0" smtClean="0">
+                <a:rPr lang="en-US" altLang="zh-CN" dirty="0" smtClean="0">
                   <a:solidFill>
                     <a:schemeClr val="bg1"/>
                   </a:solidFill>
@@ -13442,7 +13822,7 @@
                 </a:rPr>
                 <a:t>Clustering Coefficient</a:t>
               </a:r>
-              <a:endParaRPr lang="zh-CN" altLang="en-US" sz="1200" dirty="0">
+              <a:endParaRPr lang="zh-CN" altLang="en-US" dirty="0">
                 <a:solidFill>
                   <a:schemeClr val="bg1"/>
                 </a:solidFill>
@@ -13454,14 +13834,14 @@
         </p:sp>
         <p:sp>
           <p:nvSpPr>
-            <p:cNvPr id="17" name="文本框 16"/>
+            <p:cNvPr id="47" name="文本框 46"/>
             <p:cNvSpPr txBox="1"/>
             <p:nvPr/>
           </p:nvSpPr>
           <p:spPr>
             <a:xfrm>
-              <a:off x="8465324" y="1708263"/>
-              <a:ext cx="1217449" cy="276999"/>
+              <a:off x="8906539" y="978375"/>
+              <a:ext cx="1725793" cy="369332"/>
             </a:xfrm>
             <a:prstGeom prst="rect">
               <a:avLst/>
@@ -13475,7 +13855,7 @@
             <a:lstStyle/>
             <a:p>
               <a:r>
-                <a:rPr lang="en-US" altLang="zh-CN" sz="1200" dirty="0" smtClean="0">
+                <a:rPr lang="en-US" altLang="zh-CN" dirty="0" smtClean="0">
                   <a:solidFill>
                     <a:schemeClr val="bg1"/>
                   </a:solidFill>
@@ -13484,7 +13864,7 @@
                 </a:rPr>
                 <a:t>Local Efficiency</a:t>
               </a:r>
-              <a:endParaRPr lang="zh-CN" altLang="en-US" sz="1200" dirty="0">
+              <a:endParaRPr lang="zh-CN" altLang="en-US" dirty="0">
                 <a:solidFill>
                   <a:schemeClr val="bg1"/>
                 </a:solidFill>
@@ -13496,14 +13876,14 @@
         </p:sp>
         <p:sp>
           <p:nvSpPr>
-            <p:cNvPr id="18" name="文本框 17"/>
+            <p:cNvPr id="48" name="文本框 47"/>
             <p:cNvSpPr txBox="1"/>
             <p:nvPr/>
           </p:nvSpPr>
           <p:spPr>
             <a:xfrm>
-              <a:off x="8036168" y="1959033"/>
-              <a:ext cx="1646605" cy="276999"/>
+              <a:off x="8906539" y="1229145"/>
+              <a:ext cx="2371162" cy="369332"/>
             </a:xfrm>
             <a:prstGeom prst="rect">
               <a:avLst/>
@@ -13517,7 +13897,7 @@
             <a:lstStyle/>
             <a:p>
               <a:r>
-                <a:rPr lang="en-US" altLang="zh-CN" sz="1200" dirty="0" smtClean="0">
+                <a:rPr lang="en-US" altLang="zh-CN" dirty="0" smtClean="0">
                   <a:solidFill>
                     <a:schemeClr val="bg1"/>
                   </a:solidFill>
@@ -13526,7 +13906,7 @@
                 </a:rPr>
                 <a:t>Betweenness Centrality</a:t>
               </a:r>
-              <a:endParaRPr lang="zh-CN" altLang="en-US" sz="1200" dirty="0">
+              <a:endParaRPr lang="zh-CN" altLang="en-US" dirty="0">
                 <a:solidFill>
                   <a:schemeClr val="bg1"/>
                 </a:solidFill>
@@ -13538,14 +13918,14 @@
         </p:sp>
         <p:sp>
           <p:nvSpPr>
-            <p:cNvPr id="19" name="文本框 18"/>
+            <p:cNvPr id="49" name="文本框 48"/>
             <p:cNvSpPr txBox="1"/>
             <p:nvPr/>
           </p:nvSpPr>
           <p:spPr>
             <a:xfrm>
-              <a:off x="8093876" y="2209803"/>
-              <a:ext cx="1588897" cy="276999"/>
+              <a:off x="8906539" y="1479915"/>
+              <a:ext cx="2281394" cy="369332"/>
             </a:xfrm>
             <a:prstGeom prst="rect">
               <a:avLst/>
@@ -13559,7 +13939,7 @@
             <a:lstStyle/>
             <a:p>
               <a:r>
-                <a:rPr lang="en-US" altLang="zh-CN" sz="1200" dirty="0" smtClean="0">
+                <a:rPr lang="en-US" altLang="zh-CN" dirty="0" smtClean="0">
                   <a:solidFill>
                     <a:schemeClr val="bg1"/>
                   </a:solidFill>
@@ -13568,7 +13948,7 @@
                 </a:rPr>
                 <a:t>Eigenvector Centrality</a:t>
               </a:r>
-              <a:endParaRPr lang="zh-CN" altLang="en-US" sz="1200" dirty="0">
+              <a:endParaRPr lang="zh-CN" altLang="en-US" dirty="0">
                 <a:solidFill>
                   <a:schemeClr val="bg1"/>
                 </a:solidFill>
@@ -13580,14 +13960,14 @@
         </p:sp>
         <p:sp>
           <p:nvSpPr>
-            <p:cNvPr id="20" name="文本框 19"/>
+            <p:cNvPr id="50" name="文本框 49"/>
             <p:cNvSpPr txBox="1"/>
             <p:nvPr/>
           </p:nvSpPr>
           <p:spPr>
             <a:xfrm>
-              <a:off x="8250971" y="2460573"/>
-              <a:ext cx="1431802" cy="276999"/>
+              <a:off x="8906539" y="1730685"/>
+              <a:ext cx="2050561" cy="369332"/>
             </a:xfrm>
             <a:prstGeom prst="rect">
               <a:avLst/>
@@ -13601,7 +13981,7 @@
             <a:lstStyle/>
             <a:p>
               <a:r>
-                <a:rPr lang="en-US" altLang="zh-CN" sz="1200" dirty="0" smtClean="0">
+                <a:rPr lang="en-US" altLang="zh-CN" dirty="0" smtClean="0">
                   <a:solidFill>
                     <a:schemeClr val="bg1"/>
                   </a:solidFill>
@@ -13610,7 +13990,7 @@
                 </a:rPr>
                 <a:t>Subgraph Centrality</a:t>
               </a:r>
-              <a:endParaRPr lang="zh-CN" altLang="en-US" sz="1200" dirty="0">
+              <a:endParaRPr lang="zh-CN" altLang="en-US" dirty="0">
                 <a:solidFill>
                   <a:schemeClr val="bg1"/>
                 </a:solidFill>
@@ -13622,14 +14002,14 @@
         </p:sp>
         <p:sp>
           <p:nvSpPr>
-            <p:cNvPr id="21" name="文本框 20"/>
+            <p:cNvPr id="51" name="文本框 50"/>
             <p:cNvSpPr txBox="1"/>
             <p:nvPr/>
           </p:nvSpPr>
           <p:spPr>
             <a:xfrm>
-              <a:off x="8148379" y="2711343"/>
-              <a:ext cx="1534394" cy="276999"/>
+              <a:off x="8906539" y="1981455"/>
+              <a:ext cx="2204450" cy="369332"/>
             </a:xfrm>
             <a:prstGeom prst="rect">
               <a:avLst/>
@@ -13643,7 +14023,7 @@
             <a:lstStyle/>
             <a:p>
               <a:r>
-                <a:rPr lang="en-US" altLang="zh-CN" sz="1200" dirty="0" smtClean="0">
+                <a:rPr lang="en-US" altLang="zh-CN" dirty="0" smtClean="0">
                   <a:solidFill>
                     <a:schemeClr val="bg1"/>
                   </a:solidFill>
@@ -13652,7 +14032,7 @@
                 </a:rPr>
                 <a:t>K-coreness Centrality</a:t>
               </a:r>
-              <a:endParaRPr lang="zh-CN" altLang="en-US" sz="1200" dirty="0">
+              <a:endParaRPr lang="zh-CN" altLang="en-US" dirty="0">
                 <a:solidFill>
                   <a:schemeClr val="bg1"/>
                 </a:solidFill>
@@ -13664,14 +14044,14 @@
         </p:sp>
         <p:sp>
           <p:nvSpPr>
-            <p:cNvPr id="22" name="文本框 21"/>
+            <p:cNvPr id="52" name="文本框 51"/>
             <p:cNvSpPr txBox="1"/>
             <p:nvPr/>
           </p:nvSpPr>
           <p:spPr>
             <a:xfrm>
-              <a:off x="8450897" y="2962113"/>
-              <a:ext cx="1231876" cy="276999"/>
+              <a:off x="8906539" y="2232225"/>
+              <a:ext cx="1751442" cy="369332"/>
             </a:xfrm>
             <a:prstGeom prst="rect">
               <a:avLst/>
@@ -13685,7 +14065,7 @@
             <a:lstStyle/>
             <a:p>
               <a:r>
-                <a:rPr lang="en-US" altLang="zh-CN" sz="1200" dirty="0" smtClean="0">
+                <a:rPr lang="en-US" altLang="zh-CN" dirty="0" smtClean="0">
                   <a:solidFill>
                     <a:schemeClr val="bg1"/>
                   </a:solidFill>
@@ -13694,7 +14074,7 @@
                 </a:rPr>
                 <a:t>Flow Coefficient</a:t>
               </a:r>
-              <a:endParaRPr lang="zh-CN" altLang="en-US" sz="1200" dirty="0">
+              <a:endParaRPr lang="zh-CN" altLang="en-US" dirty="0">
                 <a:solidFill>
                   <a:schemeClr val="bg1"/>
                 </a:solidFill>
@@ -13706,14 +14086,14 @@
         </p:sp>
         <p:sp>
           <p:nvSpPr>
-            <p:cNvPr id="23" name="文本框 22"/>
+            <p:cNvPr id="53" name="文本框 52"/>
             <p:cNvSpPr txBox="1"/>
             <p:nvPr/>
           </p:nvSpPr>
           <p:spPr>
             <a:xfrm>
-              <a:off x="8177233" y="3212885"/>
-              <a:ext cx="1505540" cy="276999"/>
+              <a:off x="8906539" y="2482997"/>
+              <a:ext cx="2159566" cy="369332"/>
             </a:xfrm>
             <a:prstGeom prst="rect">
               <a:avLst/>
@@ -13727,7 +14107,7 @@
             <a:lstStyle/>
             <a:p>
               <a:r>
-                <a:rPr lang="en-US" altLang="zh-CN" sz="1200" dirty="0" smtClean="0">
+                <a:rPr lang="en-US" altLang="zh-CN" dirty="0" smtClean="0">
                   <a:solidFill>
                     <a:schemeClr val="bg1"/>
                   </a:solidFill>
@@ -13736,7 +14116,7 @@
                 </a:rPr>
                 <a:t>Page Rank Centrality</a:t>
               </a:r>
-              <a:endParaRPr lang="zh-CN" altLang="en-US" sz="1200" dirty="0">
+              <a:endParaRPr lang="zh-CN" altLang="en-US" dirty="0">
                 <a:solidFill>
                   <a:schemeClr val="bg1"/>
                 </a:solidFill>
@@ -13747,396 +14127,6 @@
           </p:txBody>
         </p:sp>
       </p:grpSp>
-      <p:sp>
-        <p:nvSpPr>
-          <p:cNvPr id="26" name="文本框 25"/>
-          <p:cNvSpPr txBox="1"/>
-          <p:nvPr/>
-        </p:nvSpPr>
-        <p:spPr>
-          <a:xfrm>
-            <a:off x="8664389" y="3030720"/>
-            <a:ext cx="1887696" cy="461665"/>
-          </a:xfrm>
-          <a:prstGeom prst="rect">
-            <a:avLst/>
-          </a:prstGeom>
-          <a:noFill/>
-        </p:spPr>
-        <p:txBody>
-          <a:bodyPr wrap="none" rtlCol="0">
-            <a:spAutoFit/>
-          </a:bodyPr>
-          <a:lstStyle/>
-          <a:p>
-            <a:r>
-              <a:rPr lang="en-US" altLang="zh-CN" sz="2400" dirty="0" smtClean="0">
-                <a:solidFill>
-                  <a:schemeClr val="bg1"/>
-                </a:solidFill>
-                <a:latin typeface="Times New Roman" panose="02020603050405020304" pitchFamily="18" charset="0"/>
-                <a:cs typeface="Times New Roman" panose="02020603050405020304" pitchFamily="18" charset="0"/>
-              </a:rPr>
-              <a:t>LMCI vs. AD</a:t>
-            </a:r>
-            <a:endParaRPr lang="zh-CN" altLang="en-US" sz="2400" dirty="0">
-              <a:solidFill>
-                <a:schemeClr val="bg1"/>
-              </a:solidFill>
-              <a:latin typeface="Times New Roman" panose="02020603050405020304" pitchFamily="18" charset="0"/>
-              <a:cs typeface="Times New Roman" panose="02020603050405020304" pitchFamily="18" charset="0"/>
-            </a:endParaRPr>
-          </a:p>
-        </p:txBody>
-      </p:sp>
-      <p:pic>
-        <p:nvPicPr>
-          <p:cNvPr id="2" name="图片 1"/>
-          <p:cNvPicPr>
-            <a:picLocks noChangeAspect="1"/>
-          </p:cNvPicPr>
-          <p:nvPr/>
-        </p:nvPicPr>
-        <p:blipFill>
-          <a:blip r:embed="rId2"/>
-          <a:stretch>
-            <a:fillRect/>
-          </a:stretch>
-        </p:blipFill>
-        <p:spPr>
-          <a:xfrm>
-            <a:off x="0" y="0"/>
-            <a:ext cx="2674521" cy="3732834"/>
-          </a:xfrm>
-          <a:prstGeom prst="rect">
-            <a:avLst/>
-          </a:prstGeom>
-        </p:spPr>
-      </p:pic>
-      <p:sp>
-        <p:nvSpPr>
-          <p:cNvPr id="28" name="文本框 27"/>
-          <p:cNvSpPr txBox="1"/>
-          <p:nvPr/>
-        </p:nvSpPr>
-        <p:spPr>
-          <a:xfrm>
-            <a:off x="-1505" y="0"/>
-            <a:ext cx="407484" cy="461665"/>
-          </a:xfrm>
-          <a:prstGeom prst="rect">
-            <a:avLst/>
-          </a:prstGeom>
-          <a:noFill/>
-        </p:spPr>
-        <p:txBody>
-          <a:bodyPr wrap="none" rtlCol="0">
-            <a:spAutoFit/>
-          </a:bodyPr>
-          <a:lstStyle/>
-          <a:p>
-            <a:r>
-              <a:rPr lang="en-US" altLang="zh-CN" sz="2400" dirty="0" smtClean="0">
-                <a:solidFill>
-                  <a:schemeClr val="bg1"/>
-                </a:solidFill>
-                <a:latin typeface="Times New Roman" panose="02020603050405020304" pitchFamily="18" charset="0"/>
-                <a:cs typeface="Times New Roman" panose="02020603050405020304" pitchFamily="18" charset="0"/>
-              </a:rPr>
-              <a:t>A</a:t>
-            </a:r>
-            <a:endParaRPr lang="zh-CN" altLang="en-US" sz="2400" dirty="0">
-              <a:solidFill>
-                <a:schemeClr val="bg1"/>
-              </a:solidFill>
-              <a:latin typeface="Times New Roman" panose="02020603050405020304" pitchFamily="18" charset="0"/>
-              <a:cs typeface="Times New Roman" panose="02020603050405020304" pitchFamily="18" charset="0"/>
-            </a:endParaRPr>
-          </a:p>
-        </p:txBody>
-      </p:sp>
-      <p:sp>
-        <p:nvSpPr>
-          <p:cNvPr id="29" name="文本框 28"/>
-          <p:cNvSpPr txBox="1"/>
-          <p:nvPr/>
-        </p:nvSpPr>
-        <p:spPr>
-          <a:xfrm>
-            <a:off x="-1505" y="1867466"/>
-            <a:ext cx="389850" cy="461665"/>
-          </a:xfrm>
-          <a:prstGeom prst="rect">
-            <a:avLst/>
-          </a:prstGeom>
-          <a:noFill/>
-        </p:spPr>
-        <p:txBody>
-          <a:bodyPr wrap="none" rtlCol="0">
-            <a:spAutoFit/>
-          </a:bodyPr>
-          <a:lstStyle/>
-          <a:p>
-            <a:r>
-              <a:rPr lang="en-US" altLang="zh-CN" sz="2400" dirty="0">
-                <a:solidFill>
-                  <a:schemeClr val="bg1"/>
-                </a:solidFill>
-                <a:latin typeface="Times New Roman" panose="02020603050405020304" pitchFamily="18" charset="0"/>
-                <a:cs typeface="Times New Roman" panose="02020603050405020304" pitchFamily="18" charset="0"/>
-              </a:rPr>
-              <a:t>B</a:t>
-            </a:r>
-            <a:endParaRPr lang="zh-CN" altLang="en-US" sz="2400" dirty="0">
-              <a:solidFill>
-                <a:schemeClr val="bg1"/>
-              </a:solidFill>
-              <a:latin typeface="Times New Roman" panose="02020603050405020304" pitchFamily="18" charset="0"/>
-              <a:cs typeface="Times New Roman" panose="02020603050405020304" pitchFamily="18" charset="0"/>
-            </a:endParaRPr>
-          </a:p>
-        </p:txBody>
-      </p:sp>
-      <p:pic>
-        <p:nvPicPr>
-          <p:cNvPr id="3" name="图片 2"/>
-          <p:cNvPicPr>
-            <a:picLocks noChangeAspect="1"/>
-          </p:cNvPicPr>
-          <p:nvPr/>
-        </p:nvPicPr>
-        <p:blipFill>
-          <a:blip r:embed="rId3"/>
-          <a:stretch>
-            <a:fillRect/>
-          </a:stretch>
-        </p:blipFill>
-        <p:spPr>
-          <a:xfrm>
-            <a:off x="2674633" y="1434"/>
-            <a:ext cx="2782817" cy="3729305"/>
-          </a:xfrm>
-          <a:prstGeom prst="rect">
-            <a:avLst/>
-          </a:prstGeom>
-        </p:spPr>
-      </p:pic>
-      <p:sp>
-        <p:nvSpPr>
-          <p:cNvPr id="31" name="文本框 30"/>
-          <p:cNvSpPr txBox="1"/>
-          <p:nvPr/>
-        </p:nvSpPr>
-        <p:spPr>
-          <a:xfrm>
-            <a:off x="2629461" y="0"/>
-            <a:ext cx="389850" cy="461665"/>
-          </a:xfrm>
-          <a:prstGeom prst="rect">
-            <a:avLst/>
-          </a:prstGeom>
-          <a:noFill/>
-        </p:spPr>
-        <p:txBody>
-          <a:bodyPr wrap="none" rtlCol="0">
-            <a:spAutoFit/>
-          </a:bodyPr>
-          <a:lstStyle/>
-          <a:p>
-            <a:r>
-              <a:rPr lang="en-US" altLang="zh-CN" sz="2400" dirty="0" smtClean="0">
-                <a:solidFill>
-                  <a:schemeClr val="bg1"/>
-                </a:solidFill>
-                <a:latin typeface="Times New Roman" panose="02020603050405020304" pitchFamily="18" charset="0"/>
-                <a:cs typeface="Times New Roman" panose="02020603050405020304" pitchFamily="18" charset="0"/>
-              </a:rPr>
-              <a:t>C</a:t>
-            </a:r>
-            <a:endParaRPr lang="zh-CN" altLang="en-US" sz="2400" dirty="0">
-              <a:solidFill>
-                <a:schemeClr val="bg1"/>
-              </a:solidFill>
-              <a:latin typeface="Times New Roman" panose="02020603050405020304" pitchFamily="18" charset="0"/>
-              <a:cs typeface="Times New Roman" panose="02020603050405020304" pitchFamily="18" charset="0"/>
-            </a:endParaRPr>
-          </a:p>
-        </p:txBody>
-      </p:sp>
-      <p:sp>
-        <p:nvSpPr>
-          <p:cNvPr id="32" name="文本框 31"/>
-          <p:cNvSpPr txBox="1"/>
-          <p:nvPr/>
-        </p:nvSpPr>
-        <p:spPr>
-          <a:xfrm>
-            <a:off x="2629461" y="1867466"/>
-            <a:ext cx="407484" cy="461665"/>
-          </a:xfrm>
-          <a:prstGeom prst="rect">
-            <a:avLst/>
-          </a:prstGeom>
-          <a:noFill/>
-        </p:spPr>
-        <p:txBody>
-          <a:bodyPr wrap="none" rtlCol="0">
-            <a:spAutoFit/>
-          </a:bodyPr>
-          <a:lstStyle/>
-          <a:p>
-            <a:r>
-              <a:rPr lang="en-US" altLang="zh-CN" sz="2400" dirty="0" smtClean="0">
-                <a:solidFill>
-                  <a:schemeClr val="bg1"/>
-                </a:solidFill>
-                <a:latin typeface="Times New Roman" panose="02020603050405020304" pitchFamily="18" charset="0"/>
-                <a:cs typeface="Times New Roman" panose="02020603050405020304" pitchFamily="18" charset="0"/>
-              </a:rPr>
-              <a:t>D</a:t>
-            </a:r>
-            <a:endParaRPr lang="zh-CN" altLang="en-US" sz="2400" dirty="0">
-              <a:solidFill>
-                <a:schemeClr val="bg1"/>
-              </a:solidFill>
-              <a:latin typeface="Times New Roman" panose="02020603050405020304" pitchFamily="18" charset="0"/>
-              <a:cs typeface="Times New Roman" panose="02020603050405020304" pitchFamily="18" charset="0"/>
-            </a:endParaRPr>
-          </a:p>
-        </p:txBody>
-      </p:sp>
-      <p:pic>
-        <p:nvPicPr>
-          <p:cNvPr id="24" name="图片 23"/>
-          <p:cNvPicPr>
-            <a:picLocks noChangeAspect="1"/>
-          </p:cNvPicPr>
-          <p:nvPr/>
-        </p:nvPicPr>
-        <p:blipFill>
-          <a:blip r:embed="rId4"/>
-          <a:stretch>
-            <a:fillRect/>
-          </a:stretch>
-        </p:blipFill>
-        <p:spPr>
-          <a:xfrm>
-            <a:off x="5450971" y="0"/>
-            <a:ext cx="2866525" cy="1875530"/>
-          </a:xfrm>
-          <a:prstGeom prst="rect">
-            <a:avLst/>
-          </a:prstGeom>
-        </p:spPr>
-      </p:pic>
-      <p:pic>
-        <p:nvPicPr>
-          <p:cNvPr id="25" name="图片 24"/>
-          <p:cNvPicPr>
-            <a:picLocks noChangeAspect="1"/>
-          </p:cNvPicPr>
-          <p:nvPr/>
-        </p:nvPicPr>
-        <p:blipFill>
-          <a:blip r:embed="rId5"/>
-          <a:stretch>
-            <a:fillRect/>
-          </a:stretch>
-        </p:blipFill>
-        <p:spPr>
-          <a:xfrm>
-            <a:off x="5457450" y="1865370"/>
-            <a:ext cx="2860046" cy="1865369"/>
-          </a:xfrm>
-          <a:prstGeom prst="rect">
-            <a:avLst/>
-          </a:prstGeom>
-        </p:spPr>
-      </p:pic>
-      <p:sp>
-        <p:nvSpPr>
-          <p:cNvPr id="34" name="文本框 33"/>
-          <p:cNvSpPr txBox="1"/>
-          <p:nvPr/>
-        </p:nvSpPr>
-        <p:spPr>
-          <a:xfrm>
-            <a:off x="5368226" y="0"/>
-            <a:ext cx="372218" cy="461665"/>
-          </a:xfrm>
-          <a:prstGeom prst="rect">
-            <a:avLst/>
-          </a:prstGeom>
-          <a:noFill/>
-        </p:spPr>
-        <p:txBody>
-          <a:bodyPr wrap="none" rtlCol="0">
-            <a:spAutoFit/>
-          </a:bodyPr>
-          <a:lstStyle/>
-          <a:p>
-            <a:r>
-              <a:rPr lang="en-US" altLang="zh-CN" sz="2400" dirty="0">
-                <a:solidFill>
-                  <a:schemeClr val="bg1"/>
-                </a:solidFill>
-                <a:latin typeface="Times New Roman" panose="02020603050405020304" pitchFamily="18" charset="0"/>
-                <a:cs typeface="Times New Roman" panose="02020603050405020304" pitchFamily="18" charset="0"/>
-              </a:rPr>
-              <a:t>E</a:t>
-            </a:r>
-            <a:endParaRPr lang="zh-CN" altLang="en-US" sz="2400" dirty="0">
-              <a:solidFill>
-                <a:schemeClr val="bg1"/>
-              </a:solidFill>
-              <a:latin typeface="Times New Roman" panose="02020603050405020304" pitchFamily="18" charset="0"/>
-              <a:cs typeface="Times New Roman" panose="02020603050405020304" pitchFamily="18" charset="0"/>
-            </a:endParaRPr>
-          </a:p>
-        </p:txBody>
-      </p:sp>
-      <p:sp>
-        <p:nvSpPr>
-          <p:cNvPr id="35" name="文本框 34"/>
-          <p:cNvSpPr txBox="1"/>
-          <p:nvPr/>
-        </p:nvSpPr>
-        <p:spPr>
-          <a:xfrm>
-            <a:off x="5368226" y="1867466"/>
-            <a:ext cx="356188" cy="461665"/>
-          </a:xfrm>
-          <a:prstGeom prst="rect">
-            <a:avLst/>
-          </a:prstGeom>
-          <a:noFill/>
-        </p:spPr>
-        <p:txBody>
-          <a:bodyPr wrap="none" rtlCol="0">
-            <a:spAutoFit/>
-          </a:bodyPr>
-          <a:lstStyle/>
-          <a:p>
-            <a:r>
-              <a:rPr lang="en-US" altLang="zh-CN" sz="2400" dirty="0" smtClean="0">
-                <a:solidFill>
-                  <a:schemeClr val="bg1"/>
-                </a:solidFill>
-                <a:latin typeface="Times New Roman" panose="02020603050405020304" pitchFamily="18" charset="0"/>
-                <a:cs typeface="Times New Roman" panose="02020603050405020304" pitchFamily="18" charset="0"/>
-              </a:rPr>
-              <a:t>F</a:t>
-            </a:r>
-            <a:endParaRPr lang="zh-CN" altLang="en-US" sz="2400" dirty="0">
-              <a:solidFill>
-                <a:schemeClr val="bg1"/>
-              </a:solidFill>
-              <a:latin typeface="Times New Roman" panose="02020603050405020304" pitchFamily="18" charset="0"/>
-              <a:cs typeface="Times New Roman" panose="02020603050405020304" pitchFamily="18" charset="0"/>
-            </a:endParaRPr>
-          </a:p>
-        </p:txBody>
-      </p:sp>
     </p:spTree>
     <p:extLst>
       <p:ext uri="{BB962C8B-B14F-4D97-AF65-F5344CB8AC3E}">
